--- a/modern-excel-demo-day.pptx
+++ b/modern-excel-demo-day.pptx
@@ -5,30 +5,35 @@
     <p:sldMasterId id="2147483648" r:id="rId1"/>
   </p:sldMasterIdLst>
   <p:notesMasterIdLst>
-    <p:notesMasterId r:id="rId11"/>
+    <p:notesMasterId r:id="rId25"/>
   </p:notesMasterIdLst>
   <p:sldIdLst>
     <p:sldId id="256" r:id="rId2"/>
     <p:sldId id="425" r:id="rId3"/>
     <p:sldId id="426" r:id="rId4"/>
-    <p:sldId id="407" r:id="rId5"/>
-    <p:sldId id="435" r:id="rId6"/>
-    <p:sldId id="428" r:id="rId7"/>
-    <p:sldId id="436" r:id="rId8"/>
-    <p:sldId id="415" r:id="rId9"/>
+    <p:sldId id="437" r:id="rId5"/>
+    <p:sldId id="407" r:id="rId6"/>
+    <p:sldId id="438" r:id="rId7"/>
+    <p:sldId id="440" r:id="rId8"/>
+    <p:sldId id="439" r:id="rId9"/>
     <p:sldId id="427" r:id="rId10"/>
+    <p:sldId id="441" r:id="rId11"/>
+    <p:sldId id="442" r:id="rId12"/>
+    <p:sldId id="443" r:id="rId13"/>
+    <p:sldId id="444" r:id="rId14"/>
+    <p:sldId id="445" r:id="rId15"/>
+    <p:sldId id="446" r:id="rId16"/>
+    <p:sldId id="447" r:id="rId17"/>
+    <p:sldId id="448" r:id="rId18"/>
+    <p:sldId id="449" r:id="rId19"/>
+    <p:sldId id="450" r:id="rId20"/>
+    <p:sldId id="451" r:id="rId21"/>
+    <p:sldId id="452" r:id="rId22"/>
+    <p:sldId id="453" r:id="rId23"/>
+    <p:sldId id="415" r:id="rId24"/>
   </p:sldIdLst>
   <p:sldSz cx="18288000" cy="10287000"/>
   <p:notesSz cx="6858000" cy="9144000"/>
-  <p:embeddedFontLst>
-    <p:embeddedFont>
-      <p:font typeface="Consolas" panose="020B0609020204030204" pitchFamily="49" charset="0"/>
-      <p:regular r:id="rId12"/>
-      <p:bold r:id="rId13"/>
-      <p:italic r:id="rId14"/>
-      <p:boldItalic r:id="rId15"/>
-    </p:embeddedFont>
-  </p:embeddedFontLst>
   <p:defaultTextStyle>
     <a:defPPr>
       <a:defRPr lang="en-US"/>
@@ -243,7 +248,7 @@
           <a:p>
             <a:fld id="{17A98A70-FA8C-4354-959C-C70678AC9BCF}" type="datetimeFigureOut">
               <a:rPr lang="en-US" smtClean="0"/>
-              <a:t>8/30/2025</a:t>
+              <a:t>9/2/2025</a:t>
             </a:fld>
             <a:endParaRPr lang="en-US"/>
           </a:p>
@@ -554,30 +559,9 @@
           <a:bodyPr/>
           <a:lstStyle/>
           <a:p>
-            <a:pPr marL="228600" indent="-228600">
-              <a:buAutoNum type="arabicPeriod"/>
-            </a:pPr>
             <a:r>
               <a:rPr lang="en-US" dirty="0"/>
-              <a:t>False!</a:t>
-            </a:r>
-          </a:p>
-          <a:p>
-            <a:pPr marL="228600" indent="-228600">
-              <a:buAutoNum type="arabicPeriod"/>
-            </a:pPr>
-            <a:r>
-              <a:rPr lang="en-US" dirty="0"/>
-              <a:t>Function, Formula, Function</a:t>
-            </a:r>
-          </a:p>
-          <a:p>
-            <a:pPr marL="228600" indent="-228600">
-              <a:buAutoNum type="arabicPeriod"/>
-            </a:pPr>
-            <a:r>
-              <a:rPr lang="en-US" dirty="0"/>
-              <a:t>Argument</a:t>
+              <a:t>https://chatgpt.com/g/g-p-68b1e2dc28d88191812a603bc1a380f7-business-ideas/c/68b1de87-3334-8325-abed-6f68db39c77a</a:t>
             </a:r>
           </a:p>
         </p:txBody>
@@ -597,9 +581,9 @@
           <a:bodyPr/>
           <a:lstStyle/>
           <a:p>
-            <a:fld id="{1300335D-9F13-4B80-ADC5-B0EA3E10FF6B}" type="slidenum">
+            <a:fld id="{FFB500C5-13F7-48FC-8160-C29AECF6C602}" type="slidenum">
               <a:rPr lang="en-US" smtClean="0"/>
-              <a:t>4</a:t>
+              <a:t>1</a:t>
             </a:fld>
             <a:endParaRPr lang="en-US"/>
           </a:p>
@@ -608,7 +592,7 @@
     </p:spTree>
     <p:extLst>
       <p:ext uri="{BB962C8B-B14F-4D97-AF65-F5344CB8AC3E}">
-        <p14:creationId xmlns:p14="http://schemas.microsoft.com/office/powerpoint/2010/main" val="624549242"/>
+        <p14:creationId xmlns:p14="http://schemas.microsoft.com/office/powerpoint/2010/main" val="4095159715"/>
       </p:ext>
     </p:extLst>
   </p:cSld>
@@ -619,138 +603,6 @@
 </file>
 
 <file path=ppt/notesSlides/notesSlide2.xml><?xml version="1.0" encoding="utf-8"?>
-<p:notes xmlns:a="http://schemas.openxmlformats.org/drawingml/2006/main" xmlns:r="http://schemas.openxmlformats.org/officeDocument/2006/relationships" xmlns:p="http://schemas.openxmlformats.org/presentationml/2006/main">
-  <p:cSld>
-    <p:spTree>
-      <p:nvGrpSpPr>
-        <p:cNvPr id="1" name="">
-          <a:extLst>
-            <a:ext uri="{FF2B5EF4-FFF2-40B4-BE49-F238E27FC236}">
-              <a16:creationId xmlns:a16="http://schemas.microsoft.com/office/drawing/2014/main" id="{4F87FECE-35C8-2280-2CF9-9A5B7ABD94C0}"/>
-            </a:ext>
-          </a:extLst>
-        </p:cNvPr>
-        <p:cNvGrpSpPr/>
-        <p:nvPr/>
-      </p:nvGrpSpPr>
-      <p:grpSpPr>
-        <a:xfrm>
-          <a:off x="0" y="0"/>
-          <a:ext cx="0" cy="0"/>
-          <a:chOff x="0" y="0"/>
-          <a:chExt cx="0" cy="0"/>
-        </a:xfrm>
-      </p:grpSpPr>
-      <p:sp>
-        <p:nvSpPr>
-          <p:cNvPr id="2" name="Slide Image Placeholder 1">
-            <a:extLst>
-              <a:ext uri="{FF2B5EF4-FFF2-40B4-BE49-F238E27FC236}">
-                <a16:creationId xmlns:a16="http://schemas.microsoft.com/office/drawing/2014/main" id="{64FA516F-55A2-FF7F-3973-4C55F68AC6E1}"/>
-              </a:ext>
-            </a:extLst>
-          </p:cNvPr>
-          <p:cNvSpPr>
-            <a:spLocks noGrp="1" noRot="1" noChangeAspect="1"/>
-          </p:cNvSpPr>
-          <p:nvPr>
-            <p:ph type="sldImg"/>
-          </p:nvPr>
-        </p:nvSpPr>
-        <p:spPr/>
-      </p:sp>
-      <p:sp>
-        <p:nvSpPr>
-          <p:cNvPr id="3" name="Notes Placeholder 2">
-            <a:extLst>
-              <a:ext uri="{FF2B5EF4-FFF2-40B4-BE49-F238E27FC236}">
-                <a16:creationId xmlns:a16="http://schemas.microsoft.com/office/drawing/2014/main" id="{41CC3095-AF81-42F2-90C1-47B8D0EC40F7}"/>
-              </a:ext>
-            </a:extLst>
-          </p:cNvPr>
-          <p:cNvSpPr>
-            <a:spLocks noGrp="1"/>
-          </p:cNvSpPr>
-          <p:nvPr>
-            <p:ph type="body" idx="1"/>
-          </p:nvPr>
-        </p:nvSpPr>
-        <p:spPr/>
-        <p:txBody>
-          <a:bodyPr/>
-          <a:lstStyle/>
-          <a:p>
-            <a:pPr marL="228600" indent="-228600">
-              <a:buAutoNum type="arabicPeriod"/>
-            </a:pPr>
-            <a:r>
-              <a:rPr lang="en-US" dirty="0"/>
-              <a:t>False!</a:t>
-            </a:r>
-          </a:p>
-          <a:p>
-            <a:pPr marL="228600" indent="-228600">
-              <a:buAutoNum type="arabicPeriod"/>
-            </a:pPr>
-            <a:r>
-              <a:rPr lang="en-US" dirty="0"/>
-              <a:t>Function, Formula, Function</a:t>
-            </a:r>
-          </a:p>
-          <a:p>
-            <a:pPr marL="228600" indent="-228600">
-              <a:buAutoNum type="arabicPeriod"/>
-            </a:pPr>
-            <a:r>
-              <a:rPr lang="en-US" dirty="0"/>
-              <a:t>Argument</a:t>
-            </a:r>
-          </a:p>
-        </p:txBody>
-      </p:sp>
-      <p:sp>
-        <p:nvSpPr>
-          <p:cNvPr id="4" name="Slide Number Placeholder 3">
-            <a:extLst>
-              <a:ext uri="{FF2B5EF4-FFF2-40B4-BE49-F238E27FC236}">
-                <a16:creationId xmlns:a16="http://schemas.microsoft.com/office/drawing/2014/main" id="{60DBACF5-7DF6-0128-0C59-D49773290437}"/>
-              </a:ext>
-            </a:extLst>
-          </p:cNvPr>
-          <p:cNvSpPr>
-            <a:spLocks noGrp="1"/>
-          </p:cNvSpPr>
-          <p:nvPr>
-            <p:ph type="sldNum" sz="quarter" idx="5"/>
-          </p:nvPr>
-        </p:nvSpPr>
-        <p:spPr/>
-        <p:txBody>
-          <a:bodyPr/>
-          <a:lstStyle/>
-          <a:p>
-            <a:fld id="{1300335D-9F13-4B80-ADC5-B0EA3E10FF6B}" type="slidenum">
-              <a:rPr lang="en-US" smtClean="0"/>
-              <a:t>5</a:t>
-            </a:fld>
-            <a:endParaRPr lang="en-US"/>
-          </a:p>
-        </p:txBody>
-      </p:sp>
-    </p:spTree>
-    <p:extLst>
-      <p:ext uri="{BB962C8B-B14F-4D97-AF65-F5344CB8AC3E}">
-        <p14:creationId xmlns:p14="http://schemas.microsoft.com/office/powerpoint/2010/main" val="38043032"/>
-      </p:ext>
-    </p:extLst>
-  </p:cSld>
-  <p:clrMapOvr>
-    <a:masterClrMapping/>
-  </p:clrMapOvr>
-</p:notes>
-</file>
-
-<file path=ppt/notesSlides/notesSlide3.xml><?xml version="1.0" encoding="utf-8"?>
 <p:notes xmlns:a="http://schemas.openxmlformats.org/drawingml/2006/main" xmlns:r="http://schemas.openxmlformats.org/officeDocument/2006/relationships" xmlns:p="http://schemas.openxmlformats.org/presentationml/2006/main">
   <p:cSld>
     <p:spTree>
@@ -839,6 +691,138 @@
           <a:p>
             <a:fld id="{1300335D-9F13-4B80-ADC5-B0EA3E10FF6B}" type="slidenum">
               <a:rPr lang="en-US" smtClean="0"/>
+              <a:t>5</a:t>
+            </a:fld>
+            <a:endParaRPr lang="en-US"/>
+          </a:p>
+        </p:txBody>
+      </p:sp>
+    </p:spTree>
+    <p:extLst>
+      <p:ext uri="{BB962C8B-B14F-4D97-AF65-F5344CB8AC3E}">
+        <p14:creationId xmlns:p14="http://schemas.microsoft.com/office/powerpoint/2010/main" val="624549242"/>
+      </p:ext>
+    </p:extLst>
+  </p:cSld>
+  <p:clrMapOvr>
+    <a:masterClrMapping/>
+  </p:clrMapOvr>
+</p:notes>
+</file>
+
+<file path=ppt/notesSlides/notesSlide3.xml><?xml version="1.0" encoding="utf-8"?>
+<p:notes xmlns:a="http://schemas.openxmlformats.org/drawingml/2006/main" xmlns:r="http://schemas.openxmlformats.org/officeDocument/2006/relationships" xmlns:p="http://schemas.openxmlformats.org/presentationml/2006/main">
+  <p:cSld>
+    <p:spTree>
+      <p:nvGrpSpPr>
+        <p:cNvPr id="1" name="">
+          <a:extLst>
+            <a:ext uri="{FF2B5EF4-FFF2-40B4-BE49-F238E27FC236}">
+              <a16:creationId xmlns:a16="http://schemas.microsoft.com/office/drawing/2014/main" id="{CC639B45-FCD9-C2E1-5121-5C6BF4C9987C}"/>
+            </a:ext>
+          </a:extLst>
+        </p:cNvPr>
+        <p:cNvGrpSpPr/>
+        <p:nvPr/>
+      </p:nvGrpSpPr>
+      <p:grpSpPr>
+        <a:xfrm>
+          <a:off x="0" y="0"/>
+          <a:ext cx="0" cy="0"/>
+          <a:chOff x="0" y="0"/>
+          <a:chExt cx="0" cy="0"/>
+        </a:xfrm>
+      </p:grpSpPr>
+      <p:sp>
+        <p:nvSpPr>
+          <p:cNvPr id="2" name="Slide Image Placeholder 1">
+            <a:extLst>
+              <a:ext uri="{FF2B5EF4-FFF2-40B4-BE49-F238E27FC236}">
+                <a16:creationId xmlns:a16="http://schemas.microsoft.com/office/drawing/2014/main" id="{6E94D143-DDA1-96A8-FAFB-F9C6B37BA7F4}"/>
+              </a:ext>
+            </a:extLst>
+          </p:cNvPr>
+          <p:cNvSpPr>
+            <a:spLocks noGrp="1" noRot="1" noChangeAspect="1"/>
+          </p:cNvSpPr>
+          <p:nvPr>
+            <p:ph type="sldImg"/>
+          </p:nvPr>
+        </p:nvSpPr>
+        <p:spPr/>
+      </p:sp>
+      <p:sp>
+        <p:nvSpPr>
+          <p:cNvPr id="3" name="Notes Placeholder 2">
+            <a:extLst>
+              <a:ext uri="{FF2B5EF4-FFF2-40B4-BE49-F238E27FC236}">
+                <a16:creationId xmlns:a16="http://schemas.microsoft.com/office/drawing/2014/main" id="{8F41BDB9-9282-E5F0-D75A-94F61F4D72DC}"/>
+              </a:ext>
+            </a:extLst>
+          </p:cNvPr>
+          <p:cNvSpPr>
+            <a:spLocks noGrp="1"/>
+          </p:cNvSpPr>
+          <p:nvPr>
+            <p:ph type="body" idx="1"/>
+          </p:nvPr>
+        </p:nvSpPr>
+        <p:spPr/>
+        <p:txBody>
+          <a:bodyPr/>
+          <a:lstStyle/>
+          <a:p>
+            <a:pPr marL="228600" indent="-228600">
+              <a:buAutoNum type="arabicPeriod"/>
+            </a:pPr>
+            <a:r>
+              <a:rPr lang="en-US" dirty="0"/>
+              <a:t>False!</a:t>
+            </a:r>
+          </a:p>
+          <a:p>
+            <a:pPr marL="228600" indent="-228600">
+              <a:buAutoNum type="arabicPeriod"/>
+            </a:pPr>
+            <a:r>
+              <a:rPr lang="en-US" dirty="0"/>
+              <a:t>Function, Formula, Function</a:t>
+            </a:r>
+          </a:p>
+          <a:p>
+            <a:pPr marL="228600" indent="-228600">
+              <a:buAutoNum type="arabicPeriod"/>
+            </a:pPr>
+            <a:r>
+              <a:rPr lang="en-US" dirty="0"/>
+              <a:t>Argument</a:t>
+            </a:r>
+          </a:p>
+        </p:txBody>
+      </p:sp>
+      <p:sp>
+        <p:nvSpPr>
+          <p:cNvPr id="4" name="Slide Number Placeholder 3">
+            <a:extLst>
+              <a:ext uri="{FF2B5EF4-FFF2-40B4-BE49-F238E27FC236}">
+                <a16:creationId xmlns:a16="http://schemas.microsoft.com/office/drawing/2014/main" id="{ECD23788-BD0E-83B3-6825-80BAEA177181}"/>
+              </a:ext>
+            </a:extLst>
+          </p:cNvPr>
+          <p:cNvSpPr>
+            <a:spLocks noGrp="1"/>
+          </p:cNvSpPr>
+          <p:nvPr>
+            <p:ph type="sldNum" sz="quarter" idx="5"/>
+          </p:nvPr>
+        </p:nvSpPr>
+        <p:spPr/>
+        <p:txBody>
+          <a:bodyPr/>
+          <a:lstStyle/>
+          <a:p>
+            <a:fld id="{1300335D-9F13-4B80-ADC5-B0EA3E10FF6B}" type="slidenum">
+              <a:rPr lang="en-US" smtClean="0"/>
               <a:t>6</a:t>
             </a:fld>
             <a:endParaRPr lang="en-US"/>
@@ -848,7 +832,7 @@
     </p:spTree>
     <p:extLst>
       <p:ext uri="{BB962C8B-B14F-4D97-AF65-F5344CB8AC3E}">
-        <p14:creationId xmlns:p14="http://schemas.microsoft.com/office/powerpoint/2010/main" val="3864329887"/>
+        <p14:creationId xmlns:p14="http://schemas.microsoft.com/office/powerpoint/2010/main" val="2055381912"/>
       </p:ext>
     </p:extLst>
   </p:cSld>
@@ -866,7 +850,7 @@
         <p:cNvPr id="1" name="">
           <a:extLst>
             <a:ext uri="{FF2B5EF4-FFF2-40B4-BE49-F238E27FC236}">
-              <a16:creationId xmlns:a16="http://schemas.microsoft.com/office/drawing/2014/main" id="{D1427428-6FC2-A027-32B1-DB84A3E8FC8F}"/>
+              <a16:creationId xmlns:a16="http://schemas.microsoft.com/office/drawing/2014/main" id="{CB4ED567-4E92-5456-76DE-64BB8D1D7E41}"/>
             </a:ext>
           </a:extLst>
         </p:cNvPr>
@@ -886,7 +870,7 @@
           <p:cNvPr id="2" name="Slide Image Placeholder 1">
             <a:extLst>
               <a:ext uri="{FF2B5EF4-FFF2-40B4-BE49-F238E27FC236}">
-                <a16:creationId xmlns:a16="http://schemas.microsoft.com/office/drawing/2014/main" id="{C44A4E1A-74A6-A7D3-C5A0-389364C0DD5E}"/>
+                <a16:creationId xmlns:a16="http://schemas.microsoft.com/office/drawing/2014/main" id="{E86FAB1C-F351-A3B8-EF0C-07B74DD934D1}"/>
               </a:ext>
             </a:extLst>
           </p:cNvPr>
@@ -904,7 +888,7 @@
           <p:cNvPr id="3" name="Notes Placeholder 2">
             <a:extLst>
               <a:ext uri="{FF2B5EF4-FFF2-40B4-BE49-F238E27FC236}">
-                <a16:creationId xmlns:a16="http://schemas.microsoft.com/office/drawing/2014/main" id="{AD42E65A-B376-8DBB-656F-98973EABEDCB}"/>
+                <a16:creationId xmlns:a16="http://schemas.microsoft.com/office/drawing/2014/main" id="{BF1C3273-B52E-75C7-4AA5-00426F7665DC}"/>
               </a:ext>
             </a:extLst>
           </p:cNvPr>
@@ -953,7 +937,7 @@
           <p:cNvPr id="4" name="Slide Number Placeholder 3">
             <a:extLst>
               <a:ext uri="{FF2B5EF4-FFF2-40B4-BE49-F238E27FC236}">
-                <a16:creationId xmlns:a16="http://schemas.microsoft.com/office/drawing/2014/main" id="{3D590908-5AEE-5D1B-AF9B-6D6186D5DC0F}"/>
+                <a16:creationId xmlns:a16="http://schemas.microsoft.com/office/drawing/2014/main" id="{1850843E-9294-D301-C38E-EC9A5838A381}"/>
               </a:ext>
             </a:extLst>
           </p:cNvPr>
@@ -980,7 +964,415 @@
     </p:spTree>
     <p:extLst>
       <p:ext uri="{BB962C8B-B14F-4D97-AF65-F5344CB8AC3E}">
-        <p14:creationId xmlns:p14="http://schemas.microsoft.com/office/powerpoint/2010/main" val="3275281226"/>
+        <p14:creationId xmlns:p14="http://schemas.microsoft.com/office/powerpoint/2010/main" val="55642673"/>
+      </p:ext>
+    </p:extLst>
+  </p:cSld>
+  <p:clrMapOvr>
+    <a:masterClrMapping/>
+  </p:clrMapOvr>
+</p:notes>
+</file>
+
+<file path=ppt/notesSlides/notesSlide5.xml><?xml version="1.0" encoding="utf-8"?>
+<p:notes xmlns:a="http://schemas.openxmlformats.org/drawingml/2006/main" xmlns:r="http://schemas.openxmlformats.org/officeDocument/2006/relationships" xmlns:p="http://schemas.openxmlformats.org/presentationml/2006/main">
+  <p:cSld>
+    <p:spTree>
+      <p:nvGrpSpPr>
+        <p:cNvPr id="1" name=""/>
+        <p:cNvGrpSpPr/>
+        <p:nvPr/>
+      </p:nvGrpSpPr>
+      <p:grpSpPr>
+        <a:xfrm>
+          <a:off x="0" y="0"/>
+          <a:ext cx="0" cy="0"/>
+          <a:chOff x="0" y="0"/>
+          <a:chExt cx="0" cy="0"/>
+        </a:xfrm>
+      </p:grpSpPr>
+      <p:sp>
+        <p:nvSpPr>
+          <p:cNvPr id="2" name="Slide Image Placeholder 1"/>
+          <p:cNvSpPr>
+            <a:spLocks noGrp="1" noRot="1" noChangeAspect="1"/>
+          </p:cNvSpPr>
+          <p:nvPr>
+            <p:ph type="sldImg"/>
+          </p:nvPr>
+        </p:nvSpPr>
+        <p:spPr/>
+      </p:sp>
+      <p:sp>
+        <p:nvSpPr>
+          <p:cNvPr id="3" name="Notes Placeholder 2"/>
+          <p:cNvSpPr>
+            <a:spLocks noGrp="1"/>
+          </p:cNvSpPr>
+          <p:nvPr>
+            <p:ph type="body" idx="1"/>
+          </p:nvPr>
+        </p:nvSpPr>
+        <p:spPr/>
+        <p:txBody>
+          <a:bodyPr/>
+          <a:lstStyle/>
+          <a:p>
+            <a:r>
+              <a:rPr lang="en-US" dirty="0"/>
+              <a:t>When teams bring me in for training, it’s not just another off-the-shelf Excel course. My workshops are highly interactive. Participants aren’t just listening, they’re actively working with actual datasets and real-world scenarios.</a:t>
+            </a:r>
+            <a:br>
+              <a:rPr lang="en-US" dirty="0"/>
+            </a:br>
+            <a:endParaRPr lang="en-US" dirty="0"/>
+          </a:p>
+          <a:p>
+            <a:r>
+              <a:rPr lang="en-US" dirty="0"/>
+              <a:t>Everything we cover is tailored specifically to your team’s daily workflow and the data challenges you actually face. By using real scenarios rather than generic examples, the techniques and solutions immediately make sense.</a:t>
+            </a:r>
+            <a:br>
+              <a:rPr lang="en-US" dirty="0"/>
+            </a:br>
+            <a:endParaRPr lang="en-US" dirty="0"/>
+          </a:p>
+          <a:p>
+            <a:r>
+              <a:rPr lang="en-US" dirty="0"/>
+              <a:t>Most importantly, my goal is always repeatability. I don’t want your team to walk away just impressed—I want them empowered. They'll leave our sessions with clear, practical methods they can apply again and again, long after our engagement ends."</a:t>
+            </a:r>
+          </a:p>
+          <a:p>
+            <a:endParaRPr lang="en-US" dirty="0"/>
+          </a:p>
+        </p:txBody>
+      </p:sp>
+      <p:sp>
+        <p:nvSpPr>
+          <p:cNvPr id="4" name="Slide Number Placeholder 3"/>
+          <p:cNvSpPr>
+            <a:spLocks noGrp="1"/>
+          </p:cNvSpPr>
+          <p:nvPr>
+            <p:ph type="sldNum" sz="quarter" idx="5"/>
+          </p:nvPr>
+        </p:nvSpPr>
+        <p:spPr/>
+        <p:txBody>
+          <a:bodyPr/>
+          <a:lstStyle/>
+          <a:p>
+            <a:fld id="{FFB500C5-13F7-48FC-8160-C29AECF6C602}" type="slidenum">
+              <a:rPr lang="en-US" smtClean="0"/>
+              <a:t>12</a:t>
+            </a:fld>
+            <a:endParaRPr lang="en-US"/>
+          </a:p>
+        </p:txBody>
+      </p:sp>
+    </p:spTree>
+    <p:extLst>
+      <p:ext uri="{BB962C8B-B14F-4D97-AF65-F5344CB8AC3E}">
+        <p14:creationId xmlns:p14="http://schemas.microsoft.com/office/powerpoint/2010/main" val="647295874"/>
+      </p:ext>
+    </p:extLst>
+  </p:cSld>
+  <p:clrMapOvr>
+    <a:masterClrMapping/>
+  </p:clrMapOvr>
+</p:notes>
+</file>
+
+<file path=ppt/notesSlides/notesSlide6.xml><?xml version="1.0" encoding="utf-8"?>
+<p:notes xmlns:a="http://schemas.openxmlformats.org/drawingml/2006/main" xmlns:r="http://schemas.openxmlformats.org/officeDocument/2006/relationships" xmlns:p="http://schemas.openxmlformats.org/presentationml/2006/main">
+  <p:cSld>
+    <p:spTree>
+      <p:nvGrpSpPr>
+        <p:cNvPr id="1" name=""/>
+        <p:cNvGrpSpPr/>
+        <p:nvPr/>
+      </p:nvGrpSpPr>
+      <p:grpSpPr>
+        <a:xfrm>
+          <a:off x="0" y="0"/>
+          <a:ext cx="0" cy="0"/>
+          <a:chOff x="0" y="0"/>
+          <a:chExt cx="0" cy="0"/>
+        </a:xfrm>
+      </p:grpSpPr>
+      <p:sp>
+        <p:nvSpPr>
+          <p:cNvPr id="2" name="Slide Image Placeholder 1"/>
+          <p:cNvSpPr>
+            <a:spLocks noGrp="1" noRot="1" noChangeAspect="1"/>
+          </p:cNvSpPr>
+          <p:nvPr>
+            <p:ph type="sldImg"/>
+          </p:nvPr>
+        </p:nvSpPr>
+        <p:spPr/>
+      </p:sp>
+      <p:sp>
+        <p:nvSpPr>
+          <p:cNvPr id="3" name="Notes Placeholder 2"/>
+          <p:cNvSpPr>
+            <a:spLocks noGrp="1"/>
+          </p:cNvSpPr>
+          <p:nvPr>
+            <p:ph type="body" idx="1"/>
+          </p:nvPr>
+        </p:nvSpPr>
+        <p:spPr/>
+        <p:txBody>
+          <a:bodyPr/>
+          <a:lstStyle/>
+          <a:p>
+            <a:r>
+              <a:rPr lang="en-US" dirty="0"/>
+              <a:t>Tier 1 Essentials Training is perfect for teams who need a quick productivity boost. These one-day sessions are tightly focused around specific Excel tools—whether that's mastering Excel Tables for better data structure, using Power Query to automate repetitive data-cleaning tasks, or tapping into Excel's built-in AI capabilities for instant insights.</a:t>
+            </a:r>
+          </a:p>
+          <a:p>
+            <a:r>
+              <a:rPr lang="en-US" dirty="0"/>
+              <a:t>Teams come out of these sessions with concrete, practical skills that immediately speed up their daily workflow.</a:t>
+            </a:r>
+          </a:p>
+          <a:p>
+            <a:endParaRPr lang="en-US" dirty="0"/>
+          </a:p>
+        </p:txBody>
+      </p:sp>
+      <p:sp>
+        <p:nvSpPr>
+          <p:cNvPr id="4" name="Slide Number Placeholder 3"/>
+          <p:cNvSpPr>
+            <a:spLocks noGrp="1"/>
+          </p:cNvSpPr>
+          <p:nvPr>
+            <p:ph type="sldNum" sz="quarter" idx="5"/>
+          </p:nvPr>
+        </p:nvSpPr>
+        <p:spPr/>
+        <p:txBody>
+          <a:bodyPr/>
+          <a:lstStyle/>
+          <a:p>
+            <a:fld id="{FFB500C5-13F7-48FC-8160-C29AECF6C602}" type="slidenum">
+              <a:rPr lang="en-US" smtClean="0"/>
+              <a:t>14</a:t>
+            </a:fld>
+            <a:endParaRPr lang="en-US"/>
+          </a:p>
+        </p:txBody>
+      </p:sp>
+    </p:spTree>
+    <p:extLst>
+      <p:ext uri="{BB962C8B-B14F-4D97-AF65-F5344CB8AC3E}">
+        <p14:creationId xmlns:p14="http://schemas.microsoft.com/office/powerpoint/2010/main" val="1676324318"/>
+      </p:ext>
+    </p:extLst>
+  </p:cSld>
+  <p:clrMapOvr>
+    <a:masterClrMapping/>
+  </p:clrMapOvr>
+</p:notes>
+</file>
+
+<file path=ppt/notesSlides/notesSlide7.xml><?xml version="1.0" encoding="utf-8"?>
+<p:notes xmlns:a="http://schemas.openxmlformats.org/drawingml/2006/main" xmlns:r="http://schemas.openxmlformats.org/officeDocument/2006/relationships" xmlns:p="http://schemas.openxmlformats.org/presentationml/2006/main">
+  <p:cSld>
+    <p:spTree>
+      <p:nvGrpSpPr>
+        <p:cNvPr id="1" name=""/>
+        <p:cNvGrpSpPr/>
+        <p:nvPr/>
+      </p:nvGrpSpPr>
+      <p:grpSpPr>
+        <a:xfrm>
+          <a:off x="0" y="0"/>
+          <a:ext cx="0" cy="0"/>
+          <a:chOff x="0" y="0"/>
+          <a:chExt cx="0" cy="0"/>
+        </a:xfrm>
+      </p:grpSpPr>
+      <p:sp>
+        <p:nvSpPr>
+          <p:cNvPr id="2" name="Slide Image Placeholder 1"/>
+          <p:cNvSpPr>
+            <a:spLocks noGrp="1" noRot="1" noChangeAspect="1"/>
+          </p:cNvSpPr>
+          <p:nvPr>
+            <p:ph type="sldImg"/>
+          </p:nvPr>
+        </p:nvSpPr>
+        <p:spPr/>
+      </p:sp>
+      <p:sp>
+        <p:nvSpPr>
+          <p:cNvPr id="3" name="Notes Placeholder 2"/>
+          <p:cNvSpPr>
+            <a:spLocks noGrp="1"/>
+          </p:cNvSpPr>
+          <p:nvPr>
+            <p:ph type="body" idx="1"/>
+          </p:nvPr>
+        </p:nvSpPr>
+        <p:spPr/>
+        <p:txBody>
+          <a:bodyPr/>
+          <a:lstStyle/>
+          <a:p>
+            <a:r>
+              <a:rPr lang="en-US" dirty="0"/>
+              <a:t>Tier 2 is ideal if you're ready to level up your team's analytical capabilities. In this comprehensive two-day workshop, participants learn how to build robust, repeatable data workflows using Modern Excel tools like Power Query, Power Pivot, dynamic arrays, and Excel AI features.</a:t>
+            </a:r>
+          </a:p>
+          <a:p>
+            <a:r>
+              <a:rPr lang="en-US" dirty="0"/>
+              <a:t>Unlike shorter sessions, this workshop allows time for hands-on, practical exercises using your team's actual data, ensuring everyone leaves confident and capable. The result isn't just productivity—it's a significant leap forward in your team's analytics maturity.</a:t>
+            </a:r>
+          </a:p>
+          <a:p>
+            <a:endParaRPr lang="en-US" dirty="0"/>
+          </a:p>
+        </p:txBody>
+      </p:sp>
+      <p:sp>
+        <p:nvSpPr>
+          <p:cNvPr id="4" name="Slide Number Placeholder 3"/>
+          <p:cNvSpPr>
+            <a:spLocks noGrp="1"/>
+          </p:cNvSpPr>
+          <p:nvPr>
+            <p:ph type="sldNum" sz="quarter" idx="5"/>
+          </p:nvPr>
+        </p:nvSpPr>
+        <p:spPr/>
+        <p:txBody>
+          <a:bodyPr/>
+          <a:lstStyle/>
+          <a:p>
+            <a:fld id="{FFB500C5-13F7-48FC-8160-C29AECF6C602}" type="slidenum">
+              <a:rPr lang="en-US" smtClean="0"/>
+              <a:t>15</a:t>
+            </a:fld>
+            <a:endParaRPr lang="en-US"/>
+          </a:p>
+        </p:txBody>
+      </p:sp>
+    </p:spTree>
+    <p:extLst>
+      <p:ext uri="{BB962C8B-B14F-4D97-AF65-F5344CB8AC3E}">
+        <p14:creationId xmlns:p14="http://schemas.microsoft.com/office/powerpoint/2010/main" val="3335937249"/>
+      </p:ext>
+    </p:extLst>
+  </p:cSld>
+  <p:clrMapOvr>
+    <a:masterClrMapping/>
+  </p:clrMapOvr>
+</p:notes>
+</file>
+
+<file path=ppt/notesSlides/notesSlide8.xml><?xml version="1.0" encoding="utf-8"?>
+<p:notes xmlns:a="http://schemas.openxmlformats.org/drawingml/2006/main" xmlns:r="http://schemas.openxmlformats.org/officeDocument/2006/relationships" xmlns:p="http://schemas.openxmlformats.org/presentationml/2006/main">
+  <p:cSld>
+    <p:spTree>
+      <p:nvGrpSpPr>
+        <p:cNvPr id="1" name=""/>
+        <p:cNvGrpSpPr/>
+        <p:nvPr/>
+      </p:nvGrpSpPr>
+      <p:grpSpPr>
+        <a:xfrm>
+          <a:off x="0" y="0"/>
+          <a:ext cx="0" cy="0"/>
+          <a:chOff x="0" y="0"/>
+          <a:chExt cx="0" cy="0"/>
+        </a:xfrm>
+      </p:grpSpPr>
+      <p:sp>
+        <p:nvSpPr>
+          <p:cNvPr id="2" name="Slide Image Placeholder 1"/>
+          <p:cNvSpPr>
+            <a:spLocks noGrp="1" noRot="1" noChangeAspect="1"/>
+          </p:cNvSpPr>
+          <p:nvPr>
+            <p:ph type="sldImg"/>
+          </p:nvPr>
+        </p:nvSpPr>
+        <p:spPr/>
+      </p:sp>
+      <p:sp>
+        <p:nvSpPr>
+          <p:cNvPr id="3" name="Notes Placeholder 2"/>
+          <p:cNvSpPr>
+            <a:spLocks noGrp="1"/>
+          </p:cNvSpPr>
+          <p:nvPr>
+            <p:ph type="body" idx="1"/>
+          </p:nvPr>
+        </p:nvSpPr>
+        <p:spPr/>
+        <p:txBody>
+          <a:bodyPr/>
+          <a:lstStyle/>
+          <a:p>
+            <a:r>
+              <a:rPr lang="en-US" dirty="0"/>
+              <a:t>Tier 3 is my most strategic offering. With the Learning Paths Advisory, we take a high-level, customized approach to developing data skills across your organization. We'll start by building competency frameworks tailored specifically to your business goals and industry standards, clearly outlining what data literacy and analytics maturity look like at every level of your organization.</a:t>
+            </a:r>
+            <a:br>
+              <a:rPr lang="en-US" dirty="0"/>
+            </a:br>
+            <a:endParaRPr lang="en-US" dirty="0"/>
+          </a:p>
+          <a:p>
+            <a:r>
+              <a:rPr lang="en-US" dirty="0"/>
+              <a:t>From there, I'll design detailed learning pathways for 3–5 unique learner personas—mapping exactly which skills, training modules, and assessments each type of role or employee needs to succeed.</a:t>
+            </a:r>
+          </a:p>
+          <a:p>
+            <a:r>
+              <a:rPr lang="en-US" dirty="0"/>
+              <a:t>Finally, we’ll audit your existing training resources to determine how best to integrate and leverage what you already have, ensuring your learning initiatives are both efficient and effective</a:t>
+            </a:r>
+          </a:p>
+          <a:p>
+            <a:endParaRPr lang="en-US" dirty="0"/>
+          </a:p>
+        </p:txBody>
+      </p:sp>
+      <p:sp>
+        <p:nvSpPr>
+          <p:cNvPr id="4" name="Slide Number Placeholder 3"/>
+          <p:cNvSpPr>
+            <a:spLocks noGrp="1"/>
+          </p:cNvSpPr>
+          <p:nvPr>
+            <p:ph type="sldNum" sz="quarter" idx="5"/>
+          </p:nvPr>
+        </p:nvSpPr>
+        <p:spPr/>
+        <p:txBody>
+          <a:bodyPr/>
+          <a:lstStyle/>
+          <a:p>
+            <a:fld id="{FFB500C5-13F7-48FC-8160-C29AECF6C602}" type="slidenum">
+              <a:rPr lang="en-US" smtClean="0"/>
+              <a:t>16</a:t>
+            </a:fld>
+            <a:endParaRPr lang="en-US"/>
+          </a:p>
+        </p:txBody>
+      </p:sp>
+    </p:spTree>
+    <p:extLst>
+      <p:ext uri="{BB962C8B-B14F-4D97-AF65-F5344CB8AC3E}">
+        <p14:creationId xmlns:p14="http://schemas.microsoft.com/office/powerpoint/2010/main" val="705767981"/>
       </p:ext>
     </p:extLst>
   </p:cSld>
@@ -1170,7 +1562,7 @@
             <a:fld id="{1D8BD707-D9CF-40AE-B4C6-C98DA3205C09}" type="datetimeFigureOut">
               <a:rPr lang="en-US" smtClean="0"/>
               <a:pPr/>
-              <a:t>8/30/2025</a:t>
+              <a:t>9/2/2025</a:t>
             </a:fld>
             <a:endParaRPr lang="en-US"/>
           </a:p>
@@ -1335,7 +1727,7 @@
             <a:fld id="{1D8BD707-D9CF-40AE-B4C6-C98DA3205C09}" type="datetimeFigureOut">
               <a:rPr lang="en-US" smtClean="0"/>
               <a:pPr/>
-              <a:t>8/30/2025</a:t>
+              <a:t>9/2/2025</a:t>
             </a:fld>
             <a:endParaRPr lang="en-US"/>
           </a:p>
@@ -1510,7 +1902,7 @@
             <a:fld id="{1D8BD707-D9CF-40AE-B4C6-C98DA3205C09}" type="datetimeFigureOut">
               <a:rPr lang="en-US" smtClean="0"/>
               <a:pPr/>
-              <a:t>8/30/2025</a:t>
+              <a:t>9/2/2025</a:t>
             </a:fld>
             <a:endParaRPr lang="en-US"/>
           </a:p>
@@ -1675,7 +2067,7 @@
             <a:fld id="{1D8BD707-D9CF-40AE-B4C6-C98DA3205C09}" type="datetimeFigureOut">
               <a:rPr lang="en-US" smtClean="0"/>
               <a:pPr/>
-              <a:t>8/30/2025</a:t>
+              <a:t>9/2/2025</a:t>
             </a:fld>
             <a:endParaRPr lang="en-US"/>
           </a:p>
@@ -1917,7 +2309,7 @@
             <a:fld id="{1D8BD707-D9CF-40AE-B4C6-C98DA3205C09}" type="datetimeFigureOut">
               <a:rPr lang="en-US" smtClean="0"/>
               <a:pPr/>
-              <a:t>8/30/2025</a:t>
+              <a:t>9/2/2025</a:t>
             </a:fld>
             <a:endParaRPr lang="en-US"/>
           </a:p>
@@ -2199,7 +2591,7 @@
             <a:fld id="{1D8BD707-D9CF-40AE-B4C6-C98DA3205C09}" type="datetimeFigureOut">
               <a:rPr lang="en-US" smtClean="0"/>
               <a:pPr/>
-              <a:t>8/30/2025</a:t>
+              <a:t>9/2/2025</a:t>
             </a:fld>
             <a:endParaRPr lang="en-US"/>
           </a:p>
@@ -2615,7 +3007,7 @@
             <a:fld id="{1D8BD707-D9CF-40AE-B4C6-C98DA3205C09}" type="datetimeFigureOut">
               <a:rPr lang="en-US" smtClean="0"/>
               <a:pPr/>
-              <a:t>8/30/2025</a:t>
+              <a:t>9/2/2025</a:t>
             </a:fld>
             <a:endParaRPr lang="en-US"/>
           </a:p>
@@ -2729,7 +3121,7 @@
             <a:fld id="{1D8BD707-D9CF-40AE-B4C6-C98DA3205C09}" type="datetimeFigureOut">
               <a:rPr lang="en-US" smtClean="0"/>
               <a:pPr/>
-              <a:t>8/30/2025</a:t>
+              <a:t>9/2/2025</a:t>
             </a:fld>
             <a:endParaRPr lang="en-US"/>
           </a:p>
@@ -2821,7 +3213,7 @@
             <a:fld id="{1D8BD707-D9CF-40AE-B4C6-C98DA3205C09}" type="datetimeFigureOut">
               <a:rPr lang="en-US" smtClean="0"/>
               <a:pPr/>
-              <a:t>8/30/2025</a:t>
+              <a:t>9/2/2025</a:t>
             </a:fld>
             <a:endParaRPr lang="en-US"/>
           </a:p>
@@ -3093,7 +3485,7 @@
             <a:fld id="{1D8BD707-D9CF-40AE-B4C6-C98DA3205C09}" type="datetimeFigureOut">
               <a:rPr lang="en-US" smtClean="0"/>
               <a:pPr/>
-              <a:t>8/30/2025</a:t>
+              <a:t>9/2/2025</a:t>
             </a:fld>
             <a:endParaRPr lang="en-US"/>
           </a:p>
@@ -3342,7 +3734,7 @@
             <a:fld id="{1D8BD707-D9CF-40AE-B4C6-C98DA3205C09}" type="datetimeFigureOut">
               <a:rPr lang="en-US" smtClean="0"/>
               <a:pPr/>
-              <a:t>8/30/2025</a:t>
+              <a:t>9/2/2025</a:t>
             </a:fld>
             <a:endParaRPr lang="en-US"/>
           </a:p>
@@ -3555,7 +3947,7 @@
             <a:fld id="{1D8BD707-D9CF-40AE-B4C6-C98DA3205C09}" type="datetimeFigureOut">
               <a:rPr lang="en-US" smtClean="0"/>
               <a:pPr/>
-              <a:t>8/30/2025</a:t>
+              <a:t>9/2/2025</a:t>
             </a:fld>
             <a:endParaRPr lang="en-US"/>
           </a:p>
@@ -3935,7 +4327,7 @@
           <p:nvPr/>
         </p:nvPicPr>
         <p:blipFill>
-          <a:blip r:embed="rId2">
+          <a:blip r:embed="rId3">
             <a:extLst>
               <a:ext uri="{28A0092B-C50C-407E-A947-70E740481C1C}">
                 <a14:useLocalDpi xmlns:a14="http://schemas.microsoft.com/office/drawing/2010/main" val="0"/>
@@ -3958,6 +4350,787 @@
       <p:pic>
         <p:nvPicPr>
           <p:cNvPr id="4" name="Picture 3"/>
+          <p:cNvPicPr>
+            <a:picLocks noChangeAspect="1"/>
+          </p:cNvPicPr>
+          <p:nvPr/>
+        </p:nvPicPr>
+        <p:blipFill>
+          <a:blip r:embed="rId4">
+            <a:extLst>
+              <a:ext uri="{28A0092B-C50C-407E-A947-70E740481C1C}">
+                <a14:useLocalDpi xmlns:a14="http://schemas.microsoft.com/office/drawing/2010/main" val="0"/>
+              </a:ext>
+            </a:extLst>
+          </a:blip>
+          <a:stretch>
+            <a:fillRect/>
+          </a:stretch>
+        </p:blipFill>
+        <p:spPr>
+          <a:xfrm>
+            <a:off x="-914400" y="-3440159"/>
+            <a:ext cx="15257208" cy="11189825"/>
+          </a:xfrm>
+          <a:prstGeom prst="rect">
+            <a:avLst/>
+          </a:prstGeom>
+        </p:spPr>
+      </p:pic>
+      <p:sp>
+        <p:nvSpPr>
+          <p:cNvPr id="11" name="TextBox 10"/>
+          <p:cNvSpPr txBox="1"/>
+          <p:nvPr/>
+        </p:nvSpPr>
+        <p:spPr>
+          <a:xfrm>
+            <a:off x="486137" y="2531318"/>
+            <a:ext cx="11979797" cy="923330"/>
+          </a:xfrm>
+          <a:prstGeom prst="rect">
+            <a:avLst/>
+          </a:prstGeom>
+          <a:noFill/>
+        </p:spPr>
+        <p:txBody>
+          <a:bodyPr wrap="square" rtlCol="0">
+            <a:spAutoFit/>
+          </a:bodyPr>
+          <a:lstStyle/>
+          <a:p>
+            <a:r>
+              <a:rPr lang="en-US" sz="5400" b="1">
+                <a:solidFill>
+                  <a:srgbClr val="CF3338"/>
+                </a:solidFill>
+                <a:latin typeface="Pragmatica" panose="020B0403040502020204" pitchFamily="34" charset="0"/>
+              </a:rPr>
+              <a:t>Modern Excel Demo Day</a:t>
+            </a:r>
+            <a:endParaRPr lang="en-US" sz="5400" b="1" dirty="0">
+              <a:solidFill>
+                <a:srgbClr val="CF3338"/>
+              </a:solidFill>
+              <a:latin typeface="Pragmatica" panose="020B0403040502020204" pitchFamily="34" charset="0"/>
+            </a:endParaRPr>
+          </a:p>
+        </p:txBody>
+      </p:sp>
+      <p:sp>
+        <p:nvSpPr>
+          <p:cNvPr id="2" name="AutoShape 2" descr="Home | Full Stack Modeller">
+            <a:extLst>
+              <a:ext uri="{FF2B5EF4-FFF2-40B4-BE49-F238E27FC236}">
+                <a16:creationId xmlns:a16="http://schemas.microsoft.com/office/drawing/2014/main" id="{6CCAA77C-4E76-640C-066C-F3E39EE1AC92}"/>
+              </a:ext>
+            </a:extLst>
+          </p:cNvPr>
+          <p:cNvSpPr>
+            <a:spLocks noChangeAspect="1" noChangeArrowheads="1"/>
+          </p:cNvSpPr>
+          <p:nvPr/>
+        </p:nvSpPr>
+        <p:spPr bwMode="auto">
+          <a:xfrm>
+            <a:off x="8991600" y="4991100"/>
+            <a:ext cx="304800" cy="304800"/>
+          </a:xfrm>
+          <a:prstGeom prst="rect">
+            <a:avLst/>
+          </a:prstGeom>
+          <a:noFill/>
+          <a:extLst>
+            <a:ext uri="{909E8E84-426E-40DD-AFC4-6F175D3DCCD1}">
+              <a14:hiddenFill xmlns:a14="http://schemas.microsoft.com/office/drawing/2010/main">
+                <a:solidFill>
+                  <a:srgbClr val="FFFFFF"/>
+                </a:solidFill>
+              </a14:hiddenFill>
+            </a:ext>
+          </a:extLst>
+        </p:spPr>
+        <p:txBody>
+          <a:bodyPr vert="horz" wrap="square" lIns="91440" tIns="45720" rIns="91440" bIns="45720" numCol="1" anchor="t" anchorCtr="0" compatLnSpc="1">
+            <a:prstTxWarp prst="textNoShape">
+              <a:avLst/>
+            </a:prstTxWarp>
+          </a:bodyPr>
+          <a:lstStyle/>
+          <a:p>
+            <a:endParaRPr lang="en-US"/>
+          </a:p>
+        </p:txBody>
+      </p:sp>
+    </p:spTree>
+    <p:extLst>
+      <p:ext uri="{BB962C8B-B14F-4D97-AF65-F5344CB8AC3E}">
+        <p14:creationId xmlns:p14="http://schemas.microsoft.com/office/powerpoint/2010/main" val="355659117"/>
+      </p:ext>
+    </p:extLst>
+  </p:cSld>
+  <p:clrMapOvr>
+    <a:masterClrMapping/>
+  </p:clrMapOvr>
+</p:sld>
+</file>
+
+<file path=ppt/slides/slide10.xml><?xml version="1.0" encoding="utf-8"?>
+<p:sld xmlns:a="http://schemas.openxmlformats.org/drawingml/2006/main" xmlns:r="http://schemas.openxmlformats.org/officeDocument/2006/relationships" xmlns:p="http://schemas.openxmlformats.org/presentationml/2006/main">
+  <p:cSld>
+    <p:spTree>
+      <p:nvGrpSpPr>
+        <p:cNvPr id="1" name="">
+          <a:extLst>
+            <a:ext uri="{FF2B5EF4-FFF2-40B4-BE49-F238E27FC236}">
+              <a16:creationId xmlns:a16="http://schemas.microsoft.com/office/drawing/2014/main" id="{41032428-543A-1FB6-4F74-63D34C7EE7A7}"/>
+            </a:ext>
+          </a:extLst>
+        </p:cNvPr>
+        <p:cNvGrpSpPr/>
+        <p:nvPr/>
+      </p:nvGrpSpPr>
+      <p:grpSpPr>
+        <a:xfrm>
+          <a:off x="0" y="0"/>
+          <a:ext cx="0" cy="0"/>
+          <a:chOff x="0" y="0"/>
+          <a:chExt cx="0" cy="0"/>
+        </a:xfrm>
+      </p:grpSpPr>
+      <p:sp>
+        <p:nvSpPr>
+          <p:cNvPr id="11" name="TextBox 10">
+            <a:extLst>
+              <a:ext uri="{FF2B5EF4-FFF2-40B4-BE49-F238E27FC236}">
+                <a16:creationId xmlns:a16="http://schemas.microsoft.com/office/drawing/2014/main" id="{B10226A7-24F8-E564-1775-ADA2DA03E717}"/>
+              </a:ext>
+            </a:extLst>
+          </p:cNvPr>
+          <p:cNvSpPr txBox="1"/>
+          <p:nvPr/>
+        </p:nvSpPr>
+        <p:spPr>
+          <a:xfrm>
+            <a:off x="520861" y="170082"/>
+            <a:ext cx="11979797" cy="1477328"/>
+          </a:xfrm>
+          <a:prstGeom prst="rect">
+            <a:avLst/>
+          </a:prstGeom>
+          <a:noFill/>
+        </p:spPr>
+        <p:txBody>
+          <a:bodyPr wrap="square" rtlCol="0">
+            <a:spAutoFit/>
+          </a:bodyPr>
+          <a:lstStyle/>
+          <a:p>
+            <a:r>
+              <a:rPr lang="en-US" sz="9000" dirty="0">
+                <a:latin typeface="Aliens &amp; cows" panose="00000500000000000000" pitchFamily="2" charset="0"/>
+              </a:rPr>
+              <a:t>Free!</a:t>
+            </a:r>
+          </a:p>
+        </p:txBody>
+      </p:sp>
+      <p:sp>
+        <p:nvSpPr>
+          <p:cNvPr id="3" name="TextBox 2">
+            <a:extLst>
+              <a:ext uri="{FF2B5EF4-FFF2-40B4-BE49-F238E27FC236}">
+                <a16:creationId xmlns:a16="http://schemas.microsoft.com/office/drawing/2014/main" id="{AD6CB09B-7406-0F2F-D781-339748F9E539}"/>
+              </a:ext>
+            </a:extLst>
+          </p:cNvPr>
+          <p:cNvSpPr txBox="1"/>
+          <p:nvPr/>
+        </p:nvSpPr>
+        <p:spPr>
+          <a:xfrm>
+            <a:off x="520861" y="3191948"/>
+            <a:ext cx="14393120" cy="3785652"/>
+          </a:xfrm>
+          <a:prstGeom prst="rect">
+            <a:avLst/>
+          </a:prstGeom>
+          <a:noFill/>
+        </p:spPr>
+        <p:txBody>
+          <a:bodyPr wrap="square" rtlCol="0">
+            <a:spAutoFit/>
+          </a:bodyPr>
+          <a:lstStyle/>
+          <a:p>
+            <a:pPr marL="685800" indent="-685800">
+              <a:buClr>
+                <a:srgbClr val="CF3338"/>
+              </a:buClr>
+              <a:buFont typeface="Arial" panose="020B0604020202020204" pitchFamily="34" charset="0"/>
+              <a:buChar char="•"/>
+            </a:pPr>
+            <a:r>
+              <a:rPr lang="en-US" sz="6000" dirty="0">
+                <a:solidFill>
+                  <a:srgbClr val="707070"/>
+                </a:solidFill>
+                <a:latin typeface="Pragmatica" panose="020B0403040502020204" pitchFamily="34" charset="0"/>
+              </a:rPr>
+              <a:t>Blog: </a:t>
+            </a:r>
+            <a:r>
+              <a:rPr lang="en-US" sz="6000" dirty="0">
+                <a:solidFill>
+                  <a:srgbClr val="CF3338"/>
+                </a:solidFill>
+                <a:latin typeface="Pragmatica" panose="020B0403040502020204" pitchFamily="34" charset="0"/>
+                <a:hlinkClick r:id="rId2">
+                  <a:extLst>
+                    <a:ext uri="{A12FA001-AC4F-418D-AE19-62706E023703}">
+                      <ahyp:hlinkClr xmlns:ahyp="http://schemas.microsoft.com/office/drawing/2018/hyperlinkcolor" val="tx"/>
+                    </a:ext>
+                  </a:extLst>
+                </a:hlinkClick>
+              </a:rPr>
+              <a:t>stringfestanalytics.com</a:t>
+            </a:r>
+            <a:r>
+              <a:rPr lang="en-US" sz="6000" dirty="0">
+                <a:solidFill>
+                  <a:srgbClr val="707070"/>
+                </a:solidFill>
+                <a:latin typeface="Pragmatica" panose="020B0403040502020204" pitchFamily="34" charset="0"/>
+              </a:rPr>
+              <a:t>  </a:t>
+            </a:r>
+          </a:p>
+          <a:p>
+            <a:pPr marL="685800" indent="-685800">
+              <a:buClr>
+                <a:srgbClr val="CF3338"/>
+              </a:buClr>
+              <a:buFont typeface="Arial" panose="020B0604020202020204" pitchFamily="34" charset="0"/>
+              <a:buChar char="•"/>
+            </a:pPr>
+            <a:r>
+              <a:rPr lang="en-US" sz="6000" dirty="0">
+                <a:solidFill>
+                  <a:srgbClr val="707070"/>
+                </a:solidFill>
+                <a:latin typeface="Pragmatica" panose="020B0403040502020204" pitchFamily="34" charset="0"/>
+              </a:rPr>
+              <a:t>Newsletter: Subscribe at blog!</a:t>
+            </a:r>
+          </a:p>
+          <a:p>
+            <a:pPr marL="685800" indent="-685800">
+              <a:buClr>
+                <a:srgbClr val="CF3338"/>
+              </a:buClr>
+              <a:buFont typeface="Arial" panose="020B0604020202020204" pitchFamily="34" charset="0"/>
+              <a:buChar char="•"/>
+            </a:pPr>
+            <a:r>
+              <a:rPr lang="en-US" sz="6000" dirty="0">
+                <a:solidFill>
+                  <a:srgbClr val="CF3338"/>
+                </a:solidFill>
+                <a:latin typeface="Pragmatica" panose="020B0403040502020204" pitchFamily="34" charset="0"/>
+                <a:hlinkClick r:id="rId3">
+                  <a:extLst>
+                    <a:ext uri="{A12FA001-AC4F-418D-AE19-62706E023703}">
+                      <ahyp:hlinkClr xmlns:ahyp="http://schemas.microsoft.com/office/drawing/2018/hyperlinkcolor" val="tx"/>
+                    </a:ext>
+                  </a:extLst>
+                </a:hlinkClick>
+              </a:rPr>
+              <a:t>LinkedIn</a:t>
+            </a:r>
+            <a:r>
+              <a:rPr lang="en-US" sz="6000" dirty="0">
+                <a:solidFill>
+                  <a:srgbClr val="707070"/>
+                </a:solidFill>
+                <a:latin typeface="Pragmatica" panose="020B0403040502020204" pitchFamily="34" charset="0"/>
+              </a:rPr>
+              <a:t>: Follow for daily(</a:t>
+            </a:r>
+            <a:r>
+              <a:rPr lang="en-US" sz="6000" dirty="0" err="1">
+                <a:solidFill>
+                  <a:srgbClr val="707070"/>
+                </a:solidFill>
+                <a:latin typeface="Pragmatica" panose="020B0403040502020204" pitchFamily="34" charset="0"/>
+              </a:rPr>
+              <a:t>ish</a:t>
+            </a:r>
+            <a:r>
+              <a:rPr lang="en-US" sz="6000" dirty="0">
+                <a:solidFill>
+                  <a:srgbClr val="707070"/>
+                </a:solidFill>
+                <a:latin typeface="Pragmatica" panose="020B0403040502020204" pitchFamily="34" charset="0"/>
+              </a:rPr>
+              <a:t>) free resources</a:t>
+            </a:r>
+          </a:p>
+        </p:txBody>
+      </p:sp>
+      <p:pic>
+        <p:nvPicPr>
+          <p:cNvPr id="15" name="Picture 14" descr="A close up of a sign&#10;&#10;Description automatically generated">
+            <a:extLst>
+              <a:ext uri="{FF2B5EF4-FFF2-40B4-BE49-F238E27FC236}">
+                <a16:creationId xmlns:a16="http://schemas.microsoft.com/office/drawing/2014/main" id="{0FC37808-A34B-5C68-C9BC-F79DB06A951B}"/>
+              </a:ext>
+            </a:extLst>
+          </p:cNvPr>
+          <p:cNvPicPr>
+            <a:picLocks noChangeAspect="1"/>
+          </p:cNvPicPr>
+          <p:nvPr/>
+        </p:nvPicPr>
+        <p:blipFill>
+          <a:blip r:embed="rId4">
+            <a:extLst>
+              <a:ext uri="{28A0092B-C50C-407E-A947-70E740481C1C}">
+                <a14:useLocalDpi xmlns:a14="http://schemas.microsoft.com/office/drawing/2010/main" val="0"/>
+              </a:ext>
+            </a:extLst>
+          </a:blip>
+          <a:stretch>
+            <a:fillRect/>
+          </a:stretch>
+        </p:blipFill>
+        <p:spPr>
+          <a:xfrm>
+            <a:off x="16341036" y="8058429"/>
+            <a:ext cx="1942857" cy="2228571"/>
+          </a:xfrm>
+          <a:prstGeom prst="rect">
+            <a:avLst/>
+          </a:prstGeom>
+        </p:spPr>
+      </p:pic>
+    </p:spTree>
+    <p:extLst>
+      <p:ext uri="{BB962C8B-B14F-4D97-AF65-F5344CB8AC3E}">
+        <p14:creationId xmlns:p14="http://schemas.microsoft.com/office/powerpoint/2010/main" val="2825019953"/>
+      </p:ext>
+    </p:extLst>
+  </p:cSld>
+  <p:clrMapOvr>
+    <a:masterClrMapping/>
+  </p:clrMapOvr>
+</p:sld>
+</file>
+
+<file path=ppt/slides/slide11.xml><?xml version="1.0" encoding="utf-8"?>
+<p:sld xmlns:a="http://schemas.openxmlformats.org/drawingml/2006/main" xmlns:r="http://schemas.openxmlformats.org/officeDocument/2006/relationships" xmlns:p="http://schemas.openxmlformats.org/presentationml/2006/main">
+  <p:cSld>
+    <p:spTree>
+      <p:nvGrpSpPr>
+        <p:cNvPr id="1" name="">
+          <a:extLst>
+            <a:ext uri="{FF2B5EF4-FFF2-40B4-BE49-F238E27FC236}">
+              <a16:creationId xmlns:a16="http://schemas.microsoft.com/office/drawing/2014/main" id="{03FAD9DF-75F0-462B-36F7-9CC2BF772592}"/>
+            </a:ext>
+          </a:extLst>
+        </p:cNvPr>
+        <p:cNvGrpSpPr/>
+        <p:nvPr/>
+      </p:nvGrpSpPr>
+      <p:grpSpPr>
+        <a:xfrm>
+          <a:off x="0" y="0"/>
+          <a:ext cx="0" cy="0"/>
+          <a:chOff x="0" y="0"/>
+          <a:chExt cx="0" cy="0"/>
+        </a:xfrm>
+      </p:grpSpPr>
+      <p:sp>
+        <p:nvSpPr>
+          <p:cNvPr id="11" name="TextBox 10">
+            <a:extLst>
+              <a:ext uri="{FF2B5EF4-FFF2-40B4-BE49-F238E27FC236}">
+                <a16:creationId xmlns:a16="http://schemas.microsoft.com/office/drawing/2014/main" id="{17166445-1F7E-7D51-8585-BD355DAC24D7}"/>
+              </a:ext>
+            </a:extLst>
+          </p:cNvPr>
+          <p:cNvSpPr txBox="1"/>
+          <p:nvPr/>
+        </p:nvSpPr>
+        <p:spPr>
+          <a:xfrm>
+            <a:off x="520861" y="170082"/>
+            <a:ext cx="11979797" cy="1477328"/>
+          </a:xfrm>
+          <a:prstGeom prst="rect">
+            <a:avLst/>
+          </a:prstGeom>
+          <a:noFill/>
+        </p:spPr>
+        <p:txBody>
+          <a:bodyPr wrap="square" rtlCol="0">
+            <a:spAutoFit/>
+          </a:bodyPr>
+          <a:lstStyle/>
+          <a:p>
+            <a:r>
+              <a:rPr lang="en-US" sz="9000" dirty="0">
+                <a:latin typeface="Aliens &amp; cows" panose="00000500000000000000" pitchFamily="2" charset="0"/>
+              </a:rPr>
+              <a:t>Books &amp; Online Courses</a:t>
+            </a:r>
+          </a:p>
+        </p:txBody>
+      </p:sp>
+      <p:sp>
+        <p:nvSpPr>
+          <p:cNvPr id="3" name="TextBox 2">
+            <a:extLst>
+              <a:ext uri="{FF2B5EF4-FFF2-40B4-BE49-F238E27FC236}">
+                <a16:creationId xmlns:a16="http://schemas.microsoft.com/office/drawing/2014/main" id="{AF789E30-DFB7-7A1E-F170-43D82D88099C}"/>
+              </a:ext>
+            </a:extLst>
+          </p:cNvPr>
+          <p:cNvSpPr txBox="1"/>
+          <p:nvPr/>
+        </p:nvSpPr>
+        <p:spPr>
+          <a:xfrm>
+            <a:off x="520861" y="3191948"/>
+            <a:ext cx="14393120" cy="2862322"/>
+          </a:xfrm>
+          <a:prstGeom prst="rect">
+            <a:avLst/>
+          </a:prstGeom>
+          <a:noFill/>
+        </p:spPr>
+        <p:txBody>
+          <a:bodyPr wrap="square" rtlCol="0">
+            <a:spAutoFit/>
+          </a:bodyPr>
+          <a:lstStyle/>
+          <a:p>
+            <a:pPr marL="685800" indent="-685800">
+              <a:buClr>
+                <a:srgbClr val="CF3338"/>
+              </a:buClr>
+              <a:buFont typeface="Arial" panose="020B0604020202020204" pitchFamily="34" charset="0"/>
+              <a:buChar char="•"/>
+            </a:pPr>
+            <a:r>
+              <a:rPr lang="en-US" sz="6000" dirty="0">
+                <a:solidFill>
+                  <a:srgbClr val="CF3338"/>
+                </a:solidFill>
+                <a:latin typeface="Pragmatica" panose="020B0403040502020204" pitchFamily="34" charset="0"/>
+                <a:hlinkClick r:id="rId2">
+                  <a:extLst>
+                    <a:ext uri="{A12FA001-AC4F-418D-AE19-62706E023703}">
+                      <ahyp:hlinkClr xmlns:ahyp="http://schemas.microsoft.com/office/drawing/2018/hyperlinkcolor" val="tx"/>
+                    </a:ext>
+                  </a:extLst>
+                </a:hlinkClick>
+              </a:rPr>
+              <a:t>2 books (O’Reilly Media)</a:t>
+            </a:r>
+            <a:endParaRPr lang="en-US" sz="6000" dirty="0">
+              <a:solidFill>
+                <a:srgbClr val="CF3338"/>
+              </a:solidFill>
+              <a:latin typeface="Pragmatica" panose="020B0403040502020204" pitchFamily="34" charset="0"/>
+            </a:endParaRPr>
+          </a:p>
+          <a:p>
+            <a:pPr marL="685800" indent="-685800">
+              <a:buClr>
+                <a:srgbClr val="CF3338"/>
+              </a:buClr>
+              <a:buFont typeface="Arial" panose="020B0604020202020204" pitchFamily="34" charset="0"/>
+              <a:buChar char="•"/>
+            </a:pPr>
+            <a:r>
+              <a:rPr lang="en-US" sz="6000" dirty="0">
+                <a:solidFill>
+                  <a:srgbClr val="CF3338"/>
+                </a:solidFill>
+                <a:latin typeface="Pragmatica" panose="020B0403040502020204" pitchFamily="34" charset="0"/>
+                <a:hlinkClick r:id="rId3">
+                  <a:extLst>
+                    <a:ext uri="{A12FA001-AC4F-418D-AE19-62706E023703}">
+                      <ahyp:hlinkClr xmlns:ahyp="http://schemas.microsoft.com/office/drawing/2018/hyperlinkcolor" val="tx"/>
+                    </a:ext>
+                  </a:extLst>
+                </a:hlinkClick>
+              </a:rPr>
+              <a:t>LinkedIn Learning Courses</a:t>
+            </a:r>
+            <a:endParaRPr lang="en-US" sz="6000" dirty="0">
+              <a:solidFill>
+                <a:srgbClr val="CF3338"/>
+              </a:solidFill>
+              <a:latin typeface="Pragmatica" panose="020B0403040502020204" pitchFamily="34" charset="0"/>
+            </a:endParaRPr>
+          </a:p>
+          <a:p>
+            <a:pPr marL="685800" indent="-685800">
+              <a:buClr>
+                <a:srgbClr val="CF3338"/>
+              </a:buClr>
+              <a:buFont typeface="Arial" panose="020B0604020202020204" pitchFamily="34" charset="0"/>
+              <a:buChar char="•"/>
+            </a:pPr>
+            <a:r>
+              <a:rPr lang="en-US" sz="6000" dirty="0">
+                <a:solidFill>
+                  <a:srgbClr val="CF3338"/>
+                </a:solidFill>
+                <a:latin typeface="Pragmatica" panose="020B0403040502020204" pitchFamily="34" charset="0"/>
+                <a:hlinkClick r:id="rId4">
+                  <a:extLst>
+                    <a:ext uri="{A12FA001-AC4F-418D-AE19-62706E023703}">
+                      <ahyp:hlinkClr xmlns:ahyp="http://schemas.microsoft.com/office/drawing/2018/hyperlinkcolor" val="tx"/>
+                    </a:ext>
+                  </a:extLst>
+                </a:hlinkClick>
+              </a:rPr>
+              <a:t>Quick-win video courses on </a:t>
+            </a:r>
+            <a:r>
+              <a:rPr lang="en-US" sz="6000" dirty="0" err="1">
+                <a:solidFill>
+                  <a:srgbClr val="CF3338"/>
+                </a:solidFill>
+                <a:latin typeface="Pragmatica" panose="020B0403040502020204" pitchFamily="34" charset="0"/>
+                <a:hlinkClick r:id="rId4">
+                  <a:extLst>
+                    <a:ext uri="{A12FA001-AC4F-418D-AE19-62706E023703}">
+                      <ahyp:hlinkClr xmlns:ahyp="http://schemas.microsoft.com/office/drawing/2018/hyperlinkcolor" val="tx"/>
+                    </a:ext>
+                  </a:extLst>
+                </a:hlinkClick>
+              </a:rPr>
+              <a:t>Gumroad</a:t>
+            </a:r>
+            <a:endParaRPr lang="en-US" sz="6000" dirty="0">
+              <a:solidFill>
+                <a:srgbClr val="CF3338"/>
+              </a:solidFill>
+              <a:latin typeface="Pragmatica" panose="020B0403040502020204" pitchFamily="34" charset="0"/>
+            </a:endParaRPr>
+          </a:p>
+        </p:txBody>
+      </p:sp>
+      <p:pic>
+        <p:nvPicPr>
+          <p:cNvPr id="15" name="Picture 14" descr="A close up of a sign&#10;&#10;Description automatically generated">
+            <a:extLst>
+              <a:ext uri="{FF2B5EF4-FFF2-40B4-BE49-F238E27FC236}">
+                <a16:creationId xmlns:a16="http://schemas.microsoft.com/office/drawing/2014/main" id="{3EEAA935-B9AC-7579-EA60-A4DDC8831A78}"/>
+              </a:ext>
+            </a:extLst>
+          </p:cNvPr>
+          <p:cNvPicPr>
+            <a:picLocks noChangeAspect="1"/>
+          </p:cNvPicPr>
+          <p:nvPr/>
+        </p:nvPicPr>
+        <p:blipFill>
+          <a:blip r:embed="rId5">
+            <a:extLst>
+              <a:ext uri="{28A0092B-C50C-407E-A947-70E740481C1C}">
+                <a14:useLocalDpi xmlns:a14="http://schemas.microsoft.com/office/drawing/2010/main" val="0"/>
+              </a:ext>
+            </a:extLst>
+          </a:blip>
+          <a:stretch>
+            <a:fillRect/>
+          </a:stretch>
+        </p:blipFill>
+        <p:spPr>
+          <a:xfrm>
+            <a:off x="16341036" y="8058429"/>
+            <a:ext cx="1942857" cy="2228571"/>
+          </a:xfrm>
+          <a:prstGeom prst="rect">
+            <a:avLst/>
+          </a:prstGeom>
+        </p:spPr>
+      </p:pic>
+    </p:spTree>
+    <p:extLst>
+      <p:ext uri="{BB962C8B-B14F-4D97-AF65-F5344CB8AC3E}">
+        <p14:creationId xmlns:p14="http://schemas.microsoft.com/office/powerpoint/2010/main" val="3528872952"/>
+      </p:ext>
+    </p:extLst>
+  </p:cSld>
+  <p:clrMapOvr>
+    <a:masterClrMapping/>
+  </p:clrMapOvr>
+</p:sld>
+</file>
+
+<file path=ppt/slides/slide12.xml><?xml version="1.0" encoding="utf-8"?>
+<p:sld xmlns:a="http://schemas.openxmlformats.org/drawingml/2006/main" xmlns:r="http://schemas.openxmlformats.org/officeDocument/2006/relationships" xmlns:p="http://schemas.openxmlformats.org/presentationml/2006/main">
+  <p:cSld>
+    <p:spTree>
+      <p:nvGrpSpPr>
+        <p:cNvPr id="1" name="">
+          <a:extLst>
+            <a:ext uri="{FF2B5EF4-FFF2-40B4-BE49-F238E27FC236}">
+              <a16:creationId xmlns:a16="http://schemas.microsoft.com/office/drawing/2014/main" id="{9C2D1794-A89B-13E7-C584-62963DC48543}"/>
+            </a:ext>
+          </a:extLst>
+        </p:cNvPr>
+        <p:cNvGrpSpPr/>
+        <p:nvPr/>
+      </p:nvGrpSpPr>
+      <p:grpSpPr>
+        <a:xfrm>
+          <a:off x="0" y="0"/>
+          <a:ext cx="0" cy="0"/>
+          <a:chOff x="0" y="0"/>
+          <a:chExt cx="0" cy="0"/>
+        </a:xfrm>
+      </p:grpSpPr>
+      <p:sp>
+        <p:nvSpPr>
+          <p:cNvPr id="11" name="TextBox 10">
+            <a:extLst>
+              <a:ext uri="{FF2B5EF4-FFF2-40B4-BE49-F238E27FC236}">
+                <a16:creationId xmlns:a16="http://schemas.microsoft.com/office/drawing/2014/main" id="{85F62E68-D78B-B854-71AE-B7A12E9192C3}"/>
+              </a:ext>
+            </a:extLst>
+          </p:cNvPr>
+          <p:cNvSpPr txBox="1"/>
+          <p:nvPr/>
+        </p:nvSpPr>
+        <p:spPr>
+          <a:xfrm>
+            <a:off x="520861" y="170082"/>
+            <a:ext cx="11979797" cy="1477328"/>
+          </a:xfrm>
+          <a:prstGeom prst="rect">
+            <a:avLst/>
+          </a:prstGeom>
+          <a:noFill/>
+        </p:spPr>
+        <p:txBody>
+          <a:bodyPr wrap="square" rtlCol="0">
+            <a:spAutoFit/>
+          </a:bodyPr>
+          <a:lstStyle/>
+          <a:p>
+            <a:r>
+              <a:rPr lang="en-US" sz="9000" dirty="0">
+                <a:latin typeface="Aliens &amp; cows" panose="00000500000000000000" pitchFamily="2" charset="0"/>
+              </a:rPr>
+              <a:t>How my services work</a:t>
+            </a:r>
+          </a:p>
+        </p:txBody>
+      </p:sp>
+      <p:sp>
+        <p:nvSpPr>
+          <p:cNvPr id="3" name="TextBox 2">
+            <a:extLst>
+              <a:ext uri="{FF2B5EF4-FFF2-40B4-BE49-F238E27FC236}">
+                <a16:creationId xmlns:a16="http://schemas.microsoft.com/office/drawing/2014/main" id="{125477CD-2646-7AE5-0082-FA9A59B6C7FB}"/>
+              </a:ext>
+            </a:extLst>
+          </p:cNvPr>
+          <p:cNvSpPr txBox="1"/>
+          <p:nvPr/>
+        </p:nvSpPr>
+        <p:spPr>
+          <a:xfrm>
+            <a:off x="520861" y="3191948"/>
+            <a:ext cx="14393120" cy="4708981"/>
+          </a:xfrm>
+          <a:prstGeom prst="rect">
+            <a:avLst/>
+          </a:prstGeom>
+          <a:noFill/>
+        </p:spPr>
+        <p:txBody>
+          <a:bodyPr wrap="square" rtlCol="0">
+            <a:spAutoFit/>
+          </a:bodyPr>
+          <a:lstStyle/>
+          <a:p>
+            <a:pPr marL="685800" indent="-685800">
+              <a:buClr>
+                <a:srgbClr val="CF3338"/>
+              </a:buClr>
+              <a:buFont typeface="Arial" panose="020B0604020202020204" pitchFamily="34" charset="0"/>
+              <a:buChar char="•"/>
+            </a:pPr>
+            <a:r>
+              <a:rPr lang="en-US" sz="6000" dirty="0">
+                <a:solidFill>
+                  <a:schemeClr val="bg1">
+                    <a:lumMod val="50000"/>
+                  </a:schemeClr>
+                </a:solidFill>
+                <a:latin typeface="Pragmatica" panose="020B0403040502020204" pitchFamily="34" charset="0"/>
+              </a:rPr>
+              <a:t>Interactive, tailored workshops</a:t>
+            </a:r>
+          </a:p>
+          <a:p>
+            <a:pPr marL="685800" indent="-685800">
+              <a:buClr>
+                <a:srgbClr val="CF3338"/>
+              </a:buClr>
+              <a:buFont typeface="Arial" panose="020B0604020202020204" pitchFamily="34" charset="0"/>
+              <a:buChar char="•"/>
+            </a:pPr>
+            <a:r>
+              <a:rPr lang="en-US" sz="6000" dirty="0">
+                <a:solidFill>
+                  <a:schemeClr val="bg1">
+                    <a:lumMod val="50000"/>
+                  </a:schemeClr>
+                </a:solidFill>
+                <a:latin typeface="Pragmatica" panose="020B0403040502020204" pitchFamily="34" charset="0"/>
+              </a:rPr>
+              <a:t>Built around your team’s actual data &amp; workflow challenges</a:t>
+            </a:r>
+          </a:p>
+          <a:p>
+            <a:pPr marL="685800" indent="-685800">
+              <a:buClr>
+                <a:srgbClr val="CF3338"/>
+              </a:buClr>
+              <a:buFont typeface="Arial" panose="020B0604020202020204" pitchFamily="34" charset="0"/>
+              <a:buChar char="•"/>
+            </a:pPr>
+            <a:r>
+              <a:rPr lang="en-US" sz="6000" dirty="0">
+                <a:solidFill>
+                  <a:schemeClr val="bg1">
+                    <a:lumMod val="50000"/>
+                  </a:schemeClr>
+                </a:solidFill>
+                <a:latin typeface="Pragmatica" panose="020B0403040502020204" pitchFamily="34" charset="0"/>
+              </a:rPr>
+              <a:t>Focused on repeatable methods, clear outcomes</a:t>
+            </a:r>
+          </a:p>
+        </p:txBody>
+      </p:sp>
+      <p:pic>
+        <p:nvPicPr>
+          <p:cNvPr id="15" name="Picture 14" descr="A close up of a sign&#10;&#10;Description automatically generated">
+            <a:extLst>
+              <a:ext uri="{FF2B5EF4-FFF2-40B4-BE49-F238E27FC236}">
+                <a16:creationId xmlns:a16="http://schemas.microsoft.com/office/drawing/2014/main" id="{A19FEB55-2008-8663-3838-9AB2649954F7}"/>
+              </a:ext>
+            </a:extLst>
+          </p:cNvPr>
           <p:cNvPicPr>
             <a:picLocks noChangeAspect="1"/>
           </p:cNvPicPr>
@@ -3977,24 +5150,120 @@
         </p:blipFill>
         <p:spPr>
           <a:xfrm>
-            <a:off x="-914400" y="-3440159"/>
-            <a:ext cx="15257208" cy="11189825"/>
+            <a:off x="16341036" y="8058429"/>
+            <a:ext cx="1942857" cy="2228571"/>
           </a:xfrm>
           <a:prstGeom prst="rect">
             <a:avLst/>
           </a:prstGeom>
         </p:spPr>
       </p:pic>
-      <p:sp>
-        <p:nvSpPr>
-          <p:cNvPr id="11" name="TextBox 10"/>
+    </p:spTree>
+    <p:extLst>
+      <p:ext uri="{BB962C8B-B14F-4D97-AF65-F5344CB8AC3E}">
+        <p14:creationId xmlns:p14="http://schemas.microsoft.com/office/powerpoint/2010/main" val="1912928414"/>
+      </p:ext>
+    </p:extLst>
+  </p:cSld>
+  <p:clrMapOvr>
+    <a:masterClrMapping/>
+  </p:clrMapOvr>
+</p:sld>
+</file>
+
+<file path=ppt/slides/slide13.xml><?xml version="1.0" encoding="utf-8"?>
+<p:sld xmlns:a="http://schemas.openxmlformats.org/drawingml/2006/main" xmlns:r="http://schemas.openxmlformats.org/officeDocument/2006/relationships" xmlns:p="http://schemas.openxmlformats.org/presentationml/2006/main">
+  <p:cSld>
+    <p:spTree>
+      <p:nvGrpSpPr>
+        <p:cNvPr id="1" name="">
+          <a:extLst>
+            <a:ext uri="{FF2B5EF4-FFF2-40B4-BE49-F238E27FC236}">
+              <a16:creationId xmlns:a16="http://schemas.microsoft.com/office/drawing/2014/main" id="{9C0F52B2-A9A0-B9E9-76CE-057B62323FE8}"/>
+            </a:ext>
+          </a:extLst>
+        </p:cNvPr>
+        <p:cNvGrpSpPr/>
+        <p:nvPr/>
+      </p:nvGrpSpPr>
+      <p:grpSpPr>
+        <a:xfrm>
+          <a:off x="0" y="0"/>
+          <a:ext cx="0" cy="0"/>
+          <a:chOff x="0" y="0"/>
+          <a:chExt cx="0" cy="0"/>
+        </a:xfrm>
+      </p:grpSpPr>
+      <p:sp>
+        <p:nvSpPr>
+          <p:cNvPr id="4" name="Rectangle 3">
+            <a:extLst>
+              <a:ext uri="{FF2B5EF4-FFF2-40B4-BE49-F238E27FC236}">
+                <a16:creationId xmlns:a16="http://schemas.microsoft.com/office/drawing/2014/main" id="{C1368C70-215B-D770-0308-43DB1E4D0018}"/>
+              </a:ext>
+            </a:extLst>
+          </p:cNvPr>
+          <p:cNvSpPr/>
+          <p:nvPr/>
+        </p:nvSpPr>
+        <p:spPr>
+          <a:xfrm>
+            <a:off x="0" y="0"/>
+            <a:ext cx="18288000" cy="10287000"/>
+          </a:xfrm>
+          <a:prstGeom prst="rect">
+            <a:avLst/>
+          </a:prstGeom>
+          <a:solidFill>
+            <a:schemeClr val="bg1">
+              <a:lumMod val="50000"/>
+            </a:schemeClr>
+          </a:solidFill>
+          <a:ln>
+            <a:noFill/>
+          </a:ln>
+        </p:spPr>
+        <p:style>
+          <a:lnRef idx="2">
+            <a:schemeClr val="accent1">
+              <a:shade val="50000"/>
+            </a:schemeClr>
+          </a:lnRef>
+          <a:fillRef idx="1">
+            <a:schemeClr val="accent1"/>
+          </a:fillRef>
+          <a:effectRef idx="0">
+            <a:schemeClr val="accent1"/>
+          </a:effectRef>
+          <a:fontRef idx="minor">
+            <a:schemeClr val="lt1"/>
+          </a:fontRef>
+        </p:style>
+        <p:txBody>
+          <a:bodyPr rtlCol="0" anchor="ctr"/>
+          <a:lstStyle/>
+          <a:p>
+            <a:pPr algn="ctr"/>
+            <a:endParaRPr lang="en-US" sz="2700"/>
+          </a:p>
+        </p:txBody>
+      </p:sp>
+      <p:sp>
+        <p:nvSpPr>
+          <p:cNvPr id="5" name="TextBox 4">
+            <a:extLst>
+              <a:ext uri="{FF2B5EF4-FFF2-40B4-BE49-F238E27FC236}">
+                <a16:creationId xmlns:a16="http://schemas.microsoft.com/office/drawing/2014/main" id="{2DD8ACE7-F40C-DC21-EF62-DD6145273D59}"/>
+              </a:ext>
+            </a:extLst>
+          </p:cNvPr>
           <p:cNvSpPr txBox="1"/>
           <p:nvPr/>
         </p:nvSpPr>
         <p:spPr>
           <a:xfrm>
-            <a:off x="486137" y="2531318"/>
-            <a:ext cx="11979797" cy="923330"/>
+            <a:off x="781292" y="590309"/>
+            <a:ext cx="15486926" cy="1615827"/>
           </a:xfrm>
           <a:prstGeom prst="rect">
             <a:avLst/>
@@ -4008,72 +5277,1119 @@
           <a:lstStyle/>
           <a:p>
             <a:r>
-              <a:rPr lang="en-US" sz="5400" b="1">
+              <a:rPr lang="en-US" sz="9900" b="1" dirty="0">
+                <a:solidFill>
+                  <a:schemeClr val="bg1"/>
+                </a:solidFill>
+                <a:latin typeface="Normafixed Tryout" panose="00000409000000000000" pitchFamily="49" charset="0"/>
+              </a:rPr>
+              <a:t>Three tiers of engagement</a:t>
+            </a:r>
+          </a:p>
+        </p:txBody>
+      </p:sp>
+    </p:spTree>
+    <p:extLst>
+      <p:ext uri="{BB962C8B-B14F-4D97-AF65-F5344CB8AC3E}">
+        <p14:creationId xmlns:p14="http://schemas.microsoft.com/office/powerpoint/2010/main" val="599655932"/>
+      </p:ext>
+    </p:extLst>
+  </p:cSld>
+  <p:clrMapOvr>
+    <a:masterClrMapping/>
+  </p:clrMapOvr>
+</p:sld>
+</file>
+
+<file path=ppt/slides/slide14.xml><?xml version="1.0" encoding="utf-8"?>
+<p:sld xmlns:a="http://schemas.openxmlformats.org/drawingml/2006/main" xmlns:r="http://schemas.openxmlformats.org/officeDocument/2006/relationships" xmlns:p="http://schemas.openxmlformats.org/presentationml/2006/main">
+  <p:cSld>
+    <p:spTree>
+      <p:nvGrpSpPr>
+        <p:cNvPr id="1" name="">
+          <a:extLst>
+            <a:ext uri="{FF2B5EF4-FFF2-40B4-BE49-F238E27FC236}">
+              <a16:creationId xmlns:a16="http://schemas.microsoft.com/office/drawing/2014/main" id="{119C8AEB-B00A-020D-74D8-5CBD4950A4FF}"/>
+            </a:ext>
+          </a:extLst>
+        </p:cNvPr>
+        <p:cNvGrpSpPr/>
+        <p:nvPr/>
+      </p:nvGrpSpPr>
+      <p:grpSpPr>
+        <a:xfrm>
+          <a:off x="0" y="0"/>
+          <a:ext cx="0" cy="0"/>
+          <a:chOff x="0" y="0"/>
+          <a:chExt cx="0" cy="0"/>
+        </a:xfrm>
+      </p:grpSpPr>
+      <p:sp>
+        <p:nvSpPr>
+          <p:cNvPr id="11" name="TextBox 10">
+            <a:extLst>
+              <a:ext uri="{FF2B5EF4-FFF2-40B4-BE49-F238E27FC236}">
+                <a16:creationId xmlns:a16="http://schemas.microsoft.com/office/drawing/2014/main" id="{44918A13-E8DE-9479-343B-14D08036F48F}"/>
+              </a:ext>
+            </a:extLst>
+          </p:cNvPr>
+          <p:cNvSpPr txBox="1"/>
+          <p:nvPr/>
+        </p:nvSpPr>
+        <p:spPr>
+          <a:xfrm>
+            <a:off x="520861" y="170082"/>
+            <a:ext cx="11979797" cy="1477328"/>
+          </a:xfrm>
+          <a:prstGeom prst="rect">
+            <a:avLst/>
+          </a:prstGeom>
+          <a:noFill/>
+        </p:spPr>
+        <p:txBody>
+          <a:bodyPr wrap="square" rtlCol="0">
+            <a:spAutoFit/>
+          </a:bodyPr>
+          <a:lstStyle/>
+          <a:p>
+            <a:r>
+              <a:rPr lang="en-US" sz="9000" dirty="0">
+                <a:latin typeface="Aliens &amp; cows" panose="00000500000000000000" pitchFamily="2" charset="0"/>
+              </a:rPr>
+              <a:t>Tier 1: Essentials Training</a:t>
+            </a:r>
+          </a:p>
+        </p:txBody>
+      </p:sp>
+      <p:sp>
+        <p:nvSpPr>
+          <p:cNvPr id="3" name="TextBox 2">
+            <a:extLst>
+              <a:ext uri="{FF2B5EF4-FFF2-40B4-BE49-F238E27FC236}">
+                <a16:creationId xmlns:a16="http://schemas.microsoft.com/office/drawing/2014/main" id="{877392C4-4BFB-B726-2A2C-BCC10F0FDF2A}"/>
+              </a:ext>
+            </a:extLst>
+          </p:cNvPr>
+          <p:cNvSpPr txBox="1"/>
+          <p:nvPr/>
+        </p:nvSpPr>
+        <p:spPr>
+          <a:xfrm>
+            <a:off x="520861" y="3191948"/>
+            <a:ext cx="14393120" cy="2862322"/>
+          </a:xfrm>
+          <a:prstGeom prst="rect">
+            <a:avLst/>
+          </a:prstGeom>
+          <a:noFill/>
+        </p:spPr>
+        <p:txBody>
+          <a:bodyPr wrap="square" rtlCol="0">
+            <a:spAutoFit/>
+          </a:bodyPr>
+          <a:lstStyle/>
+          <a:p>
+            <a:pPr marL="685800" indent="-685800">
+              <a:buClr>
+                <a:srgbClr val="CF3338"/>
+              </a:buClr>
+              <a:buFont typeface="Arial" panose="020B0604020202020204" pitchFamily="34" charset="0"/>
+              <a:buChar char="•"/>
+            </a:pPr>
+            <a:r>
+              <a:rPr lang="en-US" sz="6000" dirty="0">
+                <a:solidFill>
+                  <a:srgbClr val="707070"/>
+                </a:solidFill>
+                <a:latin typeface="Pragmatica" panose="020B0403040502020204" pitchFamily="34" charset="0"/>
+              </a:rPr>
+              <a:t>1-day focused Excel sessions (Tables, Power Query, Excel AI)</a:t>
+            </a:r>
+          </a:p>
+          <a:p>
+            <a:pPr marL="685800" indent="-685800">
+              <a:buClr>
+                <a:srgbClr val="CF3338"/>
+              </a:buClr>
+              <a:buFont typeface="Arial" panose="020B0604020202020204" pitchFamily="34" charset="0"/>
+              <a:buChar char="•"/>
+            </a:pPr>
+            <a:r>
+              <a:rPr lang="en-US" sz="6000" dirty="0">
+                <a:solidFill>
+                  <a:srgbClr val="707070"/>
+                </a:solidFill>
+                <a:latin typeface="Pragmatica" panose="020B0403040502020204" pitchFamily="34" charset="0"/>
+              </a:rPr>
+              <a:t>Immediate productivity boost</a:t>
+            </a:r>
+          </a:p>
+        </p:txBody>
+      </p:sp>
+      <p:pic>
+        <p:nvPicPr>
+          <p:cNvPr id="15" name="Picture 14" descr="A close up of a sign&#10;&#10;Description automatically generated">
+            <a:extLst>
+              <a:ext uri="{FF2B5EF4-FFF2-40B4-BE49-F238E27FC236}">
+                <a16:creationId xmlns:a16="http://schemas.microsoft.com/office/drawing/2014/main" id="{71CA1AFD-F0D2-3FAE-2A6F-A002CF8D76B0}"/>
+              </a:ext>
+            </a:extLst>
+          </p:cNvPr>
+          <p:cNvPicPr>
+            <a:picLocks noChangeAspect="1"/>
+          </p:cNvPicPr>
+          <p:nvPr/>
+        </p:nvPicPr>
+        <p:blipFill>
+          <a:blip r:embed="rId3">
+            <a:extLst>
+              <a:ext uri="{28A0092B-C50C-407E-A947-70E740481C1C}">
+                <a14:useLocalDpi xmlns:a14="http://schemas.microsoft.com/office/drawing/2010/main" val="0"/>
+              </a:ext>
+            </a:extLst>
+          </a:blip>
+          <a:stretch>
+            <a:fillRect/>
+          </a:stretch>
+        </p:blipFill>
+        <p:spPr>
+          <a:xfrm>
+            <a:off x="16341036" y="8058429"/>
+            <a:ext cx="1942857" cy="2228571"/>
+          </a:xfrm>
+          <a:prstGeom prst="rect">
+            <a:avLst/>
+          </a:prstGeom>
+        </p:spPr>
+      </p:pic>
+    </p:spTree>
+    <p:extLst>
+      <p:ext uri="{BB962C8B-B14F-4D97-AF65-F5344CB8AC3E}">
+        <p14:creationId xmlns:p14="http://schemas.microsoft.com/office/powerpoint/2010/main" val="1360256720"/>
+      </p:ext>
+    </p:extLst>
+  </p:cSld>
+  <p:clrMapOvr>
+    <a:masterClrMapping/>
+  </p:clrMapOvr>
+</p:sld>
+</file>
+
+<file path=ppt/slides/slide15.xml><?xml version="1.0" encoding="utf-8"?>
+<p:sld xmlns:a="http://schemas.openxmlformats.org/drawingml/2006/main" xmlns:r="http://schemas.openxmlformats.org/officeDocument/2006/relationships" xmlns:p="http://schemas.openxmlformats.org/presentationml/2006/main">
+  <p:cSld>
+    <p:spTree>
+      <p:nvGrpSpPr>
+        <p:cNvPr id="1" name="">
+          <a:extLst>
+            <a:ext uri="{FF2B5EF4-FFF2-40B4-BE49-F238E27FC236}">
+              <a16:creationId xmlns:a16="http://schemas.microsoft.com/office/drawing/2014/main" id="{6D30ABC0-7DAF-8175-6FFC-54F26FC584E8}"/>
+            </a:ext>
+          </a:extLst>
+        </p:cNvPr>
+        <p:cNvGrpSpPr/>
+        <p:nvPr/>
+      </p:nvGrpSpPr>
+      <p:grpSpPr>
+        <a:xfrm>
+          <a:off x="0" y="0"/>
+          <a:ext cx="0" cy="0"/>
+          <a:chOff x="0" y="0"/>
+          <a:chExt cx="0" cy="0"/>
+        </a:xfrm>
+      </p:grpSpPr>
+      <p:sp>
+        <p:nvSpPr>
+          <p:cNvPr id="11" name="TextBox 10">
+            <a:extLst>
+              <a:ext uri="{FF2B5EF4-FFF2-40B4-BE49-F238E27FC236}">
+                <a16:creationId xmlns:a16="http://schemas.microsoft.com/office/drawing/2014/main" id="{E6BB445A-EEFB-EC28-F064-6FA6ED670D20}"/>
+              </a:ext>
+            </a:extLst>
+          </p:cNvPr>
+          <p:cNvSpPr txBox="1"/>
+          <p:nvPr/>
+        </p:nvSpPr>
+        <p:spPr>
+          <a:xfrm>
+            <a:off x="520861" y="170082"/>
+            <a:ext cx="11979797" cy="1477328"/>
+          </a:xfrm>
+          <a:prstGeom prst="rect">
+            <a:avLst/>
+          </a:prstGeom>
+          <a:noFill/>
+        </p:spPr>
+        <p:txBody>
+          <a:bodyPr wrap="square" rtlCol="0">
+            <a:spAutoFit/>
+          </a:bodyPr>
+          <a:lstStyle/>
+          <a:p>
+            <a:r>
+              <a:rPr lang="en-US" sz="9000" dirty="0">
+                <a:latin typeface="Aliens &amp; cows" panose="00000500000000000000" pitchFamily="2" charset="0"/>
+              </a:rPr>
+              <a:t>Tier 2: Team Enablement</a:t>
+            </a:r>
+          </a:p>
+        </p:txBody>
+      </p:sp>
+      <p:sp>
+        <p:nvSpPr>
+          <p:cNvPr id="3" name="TextBox 2">
+            <a:extLst>
+              <a:ext uri="{FF2B5EF4-FFF2-40B4-BE49-F238E27FC236}">
+                <a16:creationId xmlns:a16="http://schemas.microsoft.com/office/drawing/2014/main" id="{C2A7B404-439B-84EC-4E14-2ACEC12EF86A}"/>
+              </a:ext>
+            </a:extLst>
+          </p:cNvPr>
+          <p:cNvSpPr txBox="1"/>
+          <p:nvPr/>
+        </p:nvSpPr>
+        <p:spPr>
+          <a:xfrm>
+            <a:off x="520861" y="3191948"/>
+            <a:ext cx="14393120" cy="2862322"/>
+          </a:xfrm>
+          <a:prstGeom prst="rect">
+            <a:avLst/>
+          </a:prstGeom>
+          <a:noFill/>
+        </p:spPr>
+        <p:txBody>
+          <a:bodyPr wrap="square" rtlCol="0">
+            <a:spAutoFit/>
+          </a:bodyPr>
+          <a:lstStyle/>
+          <a:p>
+            <a:pPr marL="685800" indent="-685800">
+              <a:buClr>
+                <a:srgbClr val="CF3338"/>
+              </a:buClr>
+              <a:buFont typeface="Arial" panose="020B0604020202020204" pitchFamily="34" charset="0"/>
+              <a:buChar char="•"/>
+            </a:pPr>
+            <a:r>
+              <a:rPr lang="en-US" sz="6000" dirty="0">
+                <a:solidFill>
+                  <a:srgbClr val="707070"/>
+                </a:solidFill>
+                <a:latin typeface="Pragmatica" panose="020B0403040502020204" pitchFamily="34" charset="0"/>
+              </a:rPr>
+              <a:t>2-day comprehensive Modern Analytics in Excel workshop</a:t>
+            </a:r>
+          </a:p>
+          <a:p>
+            <a:pPr marL="685800" indent="-685800">
+              <a:buClr>
+                <a:srgbClr val="CF3338"/>
+              </a:buClr>
+              <a:buFont typeface="Arial" panose="020B0604020202020204" pitchFamily="34" charset="0"/>
+              <a:buChar char="•"/>
+            </a:pPr>
+            <a:r>
+              <a:rPr lang="en-US" sz="6000" dirty="0">
+                <a:solidFill>
+                  <a:srgbClr val="707070"/>
+                </a:solidFill>
+                <a:latin typeface="Pragmatica" panose="020B0403040502020204" pitchFamily="34" charset="0"/>
+              </a:rPr>
+              <a:t>Hands-on workflow training</a:t>
+            </a:r>
+          </a:p>
+        </p:txBody>
+      </p:sp>
+      <p:pic>
+        <p:nvPicPr>
+          <p:cNvPr id="15" name="Picture 14" descr="A close up of a sign&#10;&#10;Description automatically generated">
+            <a:extLst>
+              <a:ext uri="{FF2B5EF4-FFF2-40B4-BE49-F238E27FC236}">
+                <a16:creationId xmlns:a16="http://schemas.microsoft.com/office/drawing/2014/main" id="{50AC218D-918A-DAD3-E88C-4ADB02063868}"/>
+              </a:ext>
+            </a:extLst>
+          </p:cNvPr>
+          <p:cNvPicPr>
+            <a:picLocks noChangeAspect="1"/>
+          </p:cNvPicPr>
+          <p:nvPr/>
+        </p:nvPicPr>
+        <p:blipFill>
+          <a:blip r:embed="rId3">
+            <a:extLst>
+              <a:ext uri="{28A0092B-C50C-407E-A947-70E740481C1C}">
+                <a14:useLocalDpi xmlns:a14="http://schemas.microsoft.com/office/drawing/2010/main" val="0"/>
+              </a:ext>
+            </a:extLst>
+          </a:blip>
+          <a:stretch>
+            <a:fillRect/>
+          </a:stretch>
+        </p:blipFill>
+        <p:spPr>
+          <a:xfrm>
+            <a:off x="16341036" y="8058429"/>
+            <a:ext cx="1942857" cy="2228571"/>
+          </a:xfrm>
+          <a:prstGeom prst="rect">
+            <a:avLst/>
+          </a:prstGeom>
+        </p:spPr>
+      </p:pic>
+    </p:spTree>
+    <p:extLst>
+      <p:ext uri="{BB962C8B-B14F-4D97-AF65-F5344CB8AC3E}">
+        <p14:creationId xmlns:p14="http://schemas.microsoft.com/office/powerpoint/2010/main" val="3919150901"/>
+      </p:ext>
+    </p:extLst>
+  </p:cSld>
+  <p:clrMapOvr>
+    <a:masterClrMapping/>
+  </p:clrMapOvr>
+</p:sld>
+</file>
+
+<file path=ppt/slides/slide16.xml><?xml version="1.0" encoding="utf-8"?>
+<p:sld xmlns:a="http://schemas.openxmlformats.org/drawingml/2006/main" xmlns:r="http://schemas.openxmlformats.org/officeDocument/2006/relationships" xmlns:p="http://schemas.openxmlformats.org/presentationml/2006/main">
+  <p:cSld>
+    <p:spTree>
+      <p:nvGrpSpPr>
+        <p:cNvPr id="1" name="">
+          <a:extLst>
+            <a:ext uri="{FF2B5EF4-FFF2-40B4-BE49-F238E27FC236}">
+              <a16:creationId xmlns:a16="http://schemas.microsoft.com/office/drawing/2014/main" id="{C9FB24D6-04DB-F796-9E17-012E7755E1EB}"/>
+            </a:ext>
+          </a:extLst>
+        </p:cNvPr>
+        <p:cNvGrpSpPr/>
+        <p:nvPr/>
+      </p:nvGrpSpPr>
+      <p:grpSpPr>
+        <a:xfrm>
+          <a:off x="0" y="0"/>
+          <a:ext cx="0" cy="0"/>
+          <a:chOff x="0" y="0"/>
+          <a:chExt cx="0" cy="0"/>
+        </a:xfrm>
+      </p:grpSpPr>
+      <p:sp>
+        <p:nvSpPr>
+          <p:cNvPr id="11" name="TextBox 10">
+            <a:extLst>
+              <a:ext uri="{FF2B5EF4-FFF2-40B4-BE49-F238E27FC236}">
+                <a16:creationId xmlns:a16="http://schemas.microsoft.com/office/drawing/2014/main" id="{DF2FF07C-3B47-AA2D-A6BE-DCC4BC54E171}"/>
+              </a:ext>
+            </a:extLst>
+          </p:cNvPr>
+          <p:cNvSpPr txBox="1"/>
+          <p:nvPr/>
+        </p:nvSpPr>
+        <p:spPr>
+          <a:xfrm>
+            <a:off x="520861" y="170082"/>
+            <a:ext cx="14947739" cy="1477328"/>
+          </a:xfrm>
+          <a:prstGeom prst="rect">
+            <a:avLst/>
+          </a:prstGeom>
+          <a:noFill/>
+        </p:spPr>
+        <p:txBody>
+          <a:bodyPr wrap="square" rtlCol="0">
+            <a:spAutoFit/>
+          </a:bodyPr>
+          <a:lstStyle/>
+          <a:p>
+            <a:r>
+              <a:rPr lang="en-US" sz="9000" dirty="0">
+                <a:latin typeface="Aliens &amp; cows" panose="00000500000000000000" pitchFamily="2" charset="0"/>
+              </a:rPr>
+              <a:t>Tier 3: Learning Paths Advisory</a:t>
+            </a:r>
+          </a:p>
+        </p:txBody>
+      </p:sp>
+      <p:sp>
+        <p:nvSpPr>
+          <p:cNvPr id="3" name="TextBox 2">
+            <a:extLst>
+              <a:ext uri="{FF2B5EF4-FFF2-40B4-BE49-F238E27FC236}">
+                <a16:creationId xmlns:a16="http://schemas.microsoft.com/office/drawing/2014/main" id="{81B616DA-7B6B-524C-26D9-7FCE9FC40526}"/>
+              </a:ext>
+            </a:extLst>
+          </p:cNvPr>
+          <p:cNvSpPr txBox="1"/>
+          <p:nvPr/>
+        </p:nvSpPr>
+        <p:spPr>
+          <a:xfrm>
+            <a:off x="520861" y="3191948"/>
+            <a:ext cx="14393120" cy="5632311"/>
+          </a:xfrm>
+          <a:prstGeom prst="rect">
+            <a:avLst/>
+          </a:prstGeom>
+          <a:noFill/>
+        </p:spPr>
+        <p:txBody>
+          <a:bodyPr wrap="square" rtlCol="0">
+            <a:spAutoFit/>
+          </a:bodyPr>
+          <a:lstStyle/>
+          <a:p>
+            <a:pPr marL="685800" indent="-685800">
+              <a:buClr>
+                <a:srgbClr val="CF3338"/>
+              </a:buClr>
+              <a:buFont typeface="Arial" panose="020B0604020202020204" pitchFamily="34" charset="0"/>
+              <a:buChar char="•"/>
+            </a:pPr>
+            <a:r>
+              <a:rPr lang="en-US" sz="6000" dirty="0">
+                <a:solidFill>
+                  <a:srgbClr val="707070"/>
+                </a:solidFill>
+                <a:latin typeface="Pragmatica" panose="020B0403040502020204" pitchFamily="34" charset="0"/>
+              </a:rPr>
+              <a:t>Competency frameworks tailored to your organization</a:t>
+            </a:r>
+          </a:p>
+          <a:p>
+            <a:pPr marL="685800" indent="-685800">
+              <a:buClr>
+                <a:srgbClr val="CF3338"/>
+              </a:buClr>
+              <a:buFont typeface="Arial" panose="020B0604020202020204" pitchFamily="34" charset="0"/>
+              <a:buChar char="•"/>
+            </a:pPr>
+            <a:r>
+              <a:rPr lang="en-US" sz="6000" dirty="0">
+                <a:solidFill>
+                  <a:srgbClr val="707070"/>
+                </a:solidFill>
+                <a:latin typeface="Pragmatica" panose="020B0403040502020204" pitchFamily="34" charset="0"/>
+              </a:rPr>
+              <a:t>Customized learning pathways for 3–5 learner personas</a:t>
+            </a:r>
+          </a:p>
+          <a:p>
+            <a:pPr marL="685800" indent="-685800">
+              <a:buClr>
+                <a:srgbClr val="CF3338"/>
+              </a:buClr>
+              <a:buFont typeface="Arial" panose="020B0604020202020204" pitchFamily="34" charset="0"/>
+              <a:buChar char="•"/>
+            </a:pPr>
+            <a:r>
+              <a:rPr lang="en-US" sz="6000" dirty="0">
+                <a:solidFill>
+                  <a:srgbClr val="707070"/>
+                </a:solidFill>
+                <a:latin typeface="Pragmatica" panose="020B0403040502020204" pitchFamily="34" charset="0"/>
+              </a:rPr>
+              <a:t>Audit of existing training resources for optimized data literacy</a:t>
+            </a:r>
+          </a:p>
+        </p:txBody>
+      </p:sp>
+      <p:pic>
+        <p:nvPicPr>
+          <p:cNvPr id="15" name="Picture 14" descr="A close up of a sign&#10;&#10;Description automatically generated">
+            <a:extLst>
+              <a:ext uri="{FF2B5EF4-FFF2-40B4-BE49-F238E27FC236}">
+                <a16:creationId xmlns:a16="http://schemas.microsoft.com/office/drawing/2014/main" id="{BF4DD41A-0B6F-C908-15D1-21167011123E}"/>
+              </a:ext>
+            </a:extLst>
+          </p:cNvPr>
+          <p:cNvPicPr>
+            <a:picLocks noChangeAspect="1"/>
+          </p:cNvPicPr>
+          <p:nvPr/>
+        </p:nvPicPr>
+        <p:blipFill>
+          <a:blip r:embed="rId3">
+            <a:extLst>
+              <a:ext uri="{28A0092B-C50C-407E-A947-70E740481C1C}">
+                <a14:useLocalDpi xmlns:a14="http://schemas.microsoft.com/office/drawing/2010/main" val="0"/>
+              </a:ext>
+            </a:extLst>
+          </a:blip>
+          <a:stretch>
+            <a:fillRect/>
+          </a:stretch>
+        </p:blipFill>
+        <p:spPr>
+          <a:xfrm>
+            <a:off x="16341036" y="8058429"/>
+            <a:ext cx="1942857" cy="2228571"/>
+          </a:xfrm>
+          <a:prstGeom prst="rect">
+            <a:avLst/>
+          </a:prstGeom>
+        </p:spPr>
+      </p:pic>
+    </p:spTree>
+    <p:extLst>
+      <p:ext uri="{BB962C8B-B14F-4D97-AF65-F5344CB8AC3E}">
+        <p14:creationId xmlns:p14="http://schemas.microsoft.com/office/powerpoint/2010/main" val="2102110586"/>
+      </p:ext>
+    </p:extLst>
+  </p:cSld>
+  <p:clrMapOvr>
+    <a:masterClrMapping/>
+  </p:clrMapOvr>
+</p:sld>
+</file>
+
+<file path=ppt/slides/slide17.xml><?xml version="1.0" encoding="utf-8"?>
+<p:sld xmlns:a="http://schemas.openxmlformats.org/drawingml/2006/main" xmlns:r="http://schemas.openxmlformats.org/officeDocument/2006/relationships" xmlns:p="http://schemas.openxmlformats.org/presentationml/2006/main">
+  <p:cSld>
+    <p:spTree>
+      <p:nvGrpSpPr>
+        <p:cNvPr id="1" name="">
+          <a:extLst>
+            <a:ext uri="{FF2B5EF4-FFF2-40B4-BE49-F238E27FC236}">
+              <a16:creationId xmlns:a16="http://schemas.microsoft.com/office/drawing/2014/main" id="{19E2DCAF-F37A-CC97-B3BF-5CFDA516D993}"/>
+            </a:ext>
+          </a:extLst>
+        </p:cNvPr>
+        <p:cNvGrpSpPr/>
+        <p:nvPr/>
+      </p:nvGrpSpPr>
+      <p:grpSpPr>
+        <a:xfrm>
+          <a:off x="0" y="0"/>
+          <a:ext cx="0" cy="0"/>
+          <a:chOff x="0" y="0"/>
+          <a:chExt cx="0" cy="0"/>
+        </a:xfrm>
+      </p:grpSpPr>
+      <p:sp>
+        <p:nvSpPr>
+          <p:cNvPr id="4" name="Rectangle 3">
+            <a:extLst>
+              <a:ext uri="{FF2B5EF4-FFF2-40B4-BE49-F238E27FC236}">
+                <a16:creationId xmlns:a16="http://schemas.microsoft.com/office/drawing/2014/main" id="{E3FAE8CC-47EB-8FE1-36CF-63CC46254A17}"/>
+              </a:ext>
+            </a:extLst>
+          </p:cNvPr>
+          <p:cNvSpPr/>
+          <p:nvPr/>
+        </p:nvSpPr>
+        <p:spPr>
+          <a:xfrm>
+            <a:off x="0" y="0"/>
+            <a:ext cx="18288000" cy="10287000"/>
+          </a:xfrm>
+          <a:prstGeom prst="rect">
+            <a:avLst/>
+          </a:prstGeom>
+          <a:solidFill>
+            <a:schemeClr val="bg1">
+              <a:lumMod val="50000"/>
+            </a:schemeClr>
+          </a:solidFill>
+          <a:ln>
+            <a:noFill/>
+          </a:ln>
+        </p:spPr>
+        <p:style>
+          <a:lnRef idx="2">
+            <a:schemeClr val="accent1">
+              <a:shade val="50000"/>
+            </a:schemeClr>
+          </a:lnRef>
+          <a:fillRef idx="1">
+            <a:schemeClr val="accent1"/>
+          </a:fillRef>
+          <a:effectRef idx="0">
+            <a:schemeClr val="accent1"/>
+          </a:effectRef>
+          <a:fontRef idx="minor">
+            <a:schemeClr val="lt1"/>
+          </a:fontRef>
+        </p:style>
+        <p:txBody>
+          <a:bodyPr rtlCol="0" anchor="ctr"/>
+          <a:lstStyle/>
+          <a:p>
+            <a:pPr algn="ctr"/>
+            <a:endParaRPr lang="en-US" sz="2700"/>
+          </a:p>
+        </p:txBody>
+      </p:sp>
+      <p:sp>
+        <p:nvSpPr>
+          <p:cNvPr id="5" name="TextBox 4">
+            <a:extLst>
+              <a:ext uri="{FF2B5EF4-FFF2-40B4-BE49-F238E27FC236}">
+                <a16:creationId xmlns:a16="http://schemas.microsoft.com/office/drawing/2014/main" id="{FC4B5C8C-60FF-4247-C80A-384A48F9B916}"/>
+              </a:ext>
+            </a:extLst>
+          </p:cNvPr>
+          <p:cNvSpPr txBox="1"/>
+          <p:nvPr/>
+        </p:nvSpPr>
+        <p:spPr>
+          <a:xfrm>
+            <a:off x="781292" y="590309"/>
+            <a:ext cx="15486926" cy="1615827"/>
+          </a:xfrm>
+          <a:prstGeom prst="rect">
+            <a:avLst/>
+          </a:prstGeom>
+          <a:noFill/>
+        </p:spPr>
+        <p:txBody>
+          <a:bodyPr wrap="square" rtlCol="0">
+            <a:spAutoFit/>
+          </a:bodyPr>
+          <a:lstStyle/>
+          <a:p>
+            <a:r>
+              <a:rPr lang="en-US" sz="9900" b="1" dirty="0">
+                <a:solidFill>
+                  <a:schemeClr val="bg1"/>
+                </a:solidFill>
+                <a:latin typeface="Normafixed Tryout" panose="00000409000000000000" pitchFamily="49" charset="0"/>
+              </a:rPr>
+              <a:t>Referrals</a:t>
+            </a:r>
+          </a:p>
+        </p:txBody>
+      </p:sp>
+    </p:spTree>
+    <p:extLst>
+      <p:ext uri="{BB962C8B-B14F-4D97-AF65-F5344CB8AC3E}">
+        <p14:creationId xmlns:p14="http://schemas.microsoft.com/office/powerpoint/2010/main" val="2160578455"/>
+      </p:ext>
+    </p:extLst>
+  </p:cSld>
+  <p:clrMapOvr>
+    <a:masterClrMapping/>
+  </p:clrMapOvr>
+</p:sld>
+</file>
+
+<file path=ppt/slides/slide18.xml><?xml version="1.0" encoding="utf-8"?>
+<p:sld xmlns:a="http://schemas.openxmlformats.org/drawingml/2006/main" xmlns:r="http://schemas.openxmlformats.org/officeDocument/2006/relationships" xmlns:p="http://schemas.openxmlformats.org/presentationml/2006/main">
+  <p:cSld>
+    <p:spTree>
+      <p:nvGrpSpPr>
+        <p:cNvPr id="1" name="">
+          <a:extLst>
+            <a:ext uri="{FF2B5EF4-FFF2-40B4-BE49-F238E27FC236}">
+              <a16:creationId xmlns:a16="http://schemas.microsoft.com/office/drawing/2014/main" id="{5A5C0098-6322-C59A-F32E-3C512ED0B19F}"/>
+            </a:ext>
+          </a:extLst>
+        </p:cNvPr>
+        <p:cNvGrpSpPr/>
+        <p:nvPr/>
+      </p:nvGrpSpPr>
+      <p:grpSpPr>
+        <a:xfrm>
+          <a:off x="0" y="0"/>
+          <a:ext cx="0" cy="0"/>
+          <a:chOff x="0" y="0"/>
+          <a:chExt cx="0" cy="0"/>
+        </a:xfrm>
+      </p:grpSpPr>
+      <p:sp>
+        <p:nvSpPr>
+          <p:cNvPr id="11" name="TextBox 10">
+            <a:extLst>
+              <a:ext uri="{FF2B5EF4-FFF2-40B4-BE49-F238E27FC236}">
+                <a16:creationId xmlns:a16="http://schemas.microsoft.com/office/drawing/2014/main" id="{78329F23-02BB-EAA6-456A-A1E2289618DB}"/>
+              </a:ext>
+            </a:extLst>
+          </p:cNvPr>
+          <p:cNvSpPr txBox="1"/>
+          <p:nvPr/>
+        </p:nvSpPr>
+        <p:spPr>
+          <a:xfrm>
+            <a:off x="520861" y="170082"/>
+            <a:ext cx="14947739" cy="1477328"/>
+          </a:xfrm>
+          <a:prstGeom prst="rect">
+            <a:avLst/>
+          </a:prstGeom>
+          <a:noFill/>
+        </p:spPr>
+        <p:txBody>
+          <a:bodyPr wrap="square" rtlCol="0">
+            <a:spAutoFit/>
+          </a:bodyPr>
+          <a:lstStyle/>
+          <a:p>
+            <a:r>
+              <a:rPr lang="en-US" sz="9000" dirty="0">
+                <a:latin typeface="Aliens &amp; cows" panose="00000500000000000000" pitchFamily="2" charset="0"/>
+              </a:rPr>
+              <a:t>Why referrals matter</a:t>
+            </a:r>
+          </a:p>
+        </p:txBody>
+      </p:sp>
+      <p:sp>
+        <p:nvSpPr>
+          <p:cNvPr id="3" name="TextBox 2">
+            <a:extLst>
+              <a:ext uri="{FF2B5EF4-FFF2-40B4-BE49-F238E27FC236}">
+                <a16:creationId xmlns:a16="http://schemas.microsoft.com/office/drawing/2014/main" id="{9C361D47-F6FD-9785-040A-60BF4AA0964E}"/>
+              </a:ext>
+            </a:extLst>
+          </p:cNvPr>
+          <p:cNvSpPr txBox="1"/>
+          <p:nvPr/>
+        </p:nvSpPr>
+        <p:spPr>
+          <a:xfrm>
+            <a:off x="520861" y="3191948"/>
+            <a:ext cx="14393120" cy="3785652"/>
+          </a:xfrm>
+          <a:prstGeom prst="rect">
+            <a:avLst/>
+          </a:prstGeom>
+          <a:noFill/>
+        </p:spPr>
+        <p:txBody>
+          <a:bodyPr wrap="square" rtlCol="0">
+            <a:spAutoFit/>
+          </a:bodyPr>
+          <a:lstStyle/>
+          <a:p>
+            <a:pPr marL="685800" indent="-685800">
+              <a:buClr>
+                <a:srgbClr val="CF3338"/>
+              </a:buClr>
+              <a:buFont typeface="Arial" panose="020B0604020202020204" pitchFamily="34" charset="0"/>
+              <a:buChar char="•"/>
+            </a:pPr>
+            <a:r>
+              <a:rPr lang="en-US" sz="6000" dirty="0">
+                <a:solidFill>
+                  <a:srgbClr val="707070"/>
+                </a:solidFill>
+                <a:latin typeface="Pragmatica" panose="020B0403040502020204" pitchFamily="34" charset="0"/>
+              </a:rPr>
+              <a:t>Most of my best projects come from referrals</a:t>
+            </a:r>
+          </a:p>
+          <a:p>
+            <a:pPr marL="685800" indent="-685800">
+              <a:buClr>
+                <a:srgbClr val="CF3338"/>
+              </a:buClr>
+              <a:buFont typeface="Arial" panose="020B0604020202020204" pitchFamily="34" charset="0"/>
+              <a:buChar char="•"/>
+            </a:pPr>
+            <a:r>
+              <a:rPr lang="en-US" sz="6000" dirty="0">
+                <a:solidFill>
+                  <a:srgbClr val="707070"/>
+                </a:solidFill>
+                <a:latin typeface="Pragmatica" panose="020B0403040502020204" pitchFamily="34" charset="0"/>
+              </a:rPr>
+              <a:t>Your introductions help my business and your network</a:t>
+            </a:r>
+          </a:p>
+        </p:txBody>
+      </p:sp>
+      <p:pic>
+        <p:nvPicPr>
+          <p:cNvPr id="15" name="Picture 14" descr="A close up of a sign&#10;&#10;Description automatically generated">
+            <a:extLst>
+              <a:ext uri="{FF2B5EF4-FFF2-40B4-BE49-F238E27FC236}">
+                <a16:creationId xmlns:a16="http://schemas.microsoft.com/office/drawing/2014/main" id="{7D0A1275-470A-3E72-0250-A2F672B5DD44}"/>
+              </a:ext>
+            </a:extLst>
+          </p:cNvPr>
+          <p:cNvPicPr>
+            <a:picLocks noChangeAspect="1"/>
+          </p:cNvPicPr>
+          <p:nvPr/>
+        </p:nvPicPr>
+        <p:blipFill>
+          <a:blip r:embed="rId2">
+            <a:extLst>
+              <a:ext uri="{28A0092B-C50C-407E-A947-70E740481C1C}">
+                <a14:useLocalDpi xmlns:a14="http://schemas.microsoft.com/office/drawing/2010/main" val="0"/>
+              </a:ext>
+            </a:extLst>
+          </a:blip>
+          <a:stretch>
+            <a:fillRect/>
+          </a:stretch>
+        </p:blipFill>
+        <p:spPr>
+          <a:xfrm>
+            <a:off x="16341036" y="8058429"/>
+            <a:ext cx="1942857" cy="2228571"/>
+          </a:xfrm>
+          <a:prstGeom prst="rect">
+            <a:avLst/>
+          </a:prstGeom>
+        </p:spPr>
+      </p:pic>
+    </p:spTree>
+    <p:extLst>
+      <p:ext uri="{BB962C8B-B14F-4D97-AF65-F5344CB8AC3E}">
+        <p14:creationId xmlns:p14="http://schemas.microsoft.com/office/powerpoint/2010/main" val="4177027773"/>
+      </p:ext>
+    </p:extLst>
+  </p:cSld>
+  <p:clrMapOvr>
+    <a:masterClrMapping/>
+  </p:clrMapOvr>
+</p:sld>
+</file>
+
+<file path=ppt/slides/slide19.xml><?xml version="1.0" encoding="utf-8"?>
+<p:sld xmlns:a="http://schemas.openxmlformats.org/drawingml/2006/main" xmlns:r="http://schemas.openxmlformats.org/officeDocument/2006/relationships" xmlns:p="http://schemas.openxmlformats.org/presentationml/2006/main">
+  <p:cSld>
+    <p:spTree>
+      <p:nvGrpSpPr>
+        <p:cNvPr id="1" name="">
+          <a:extLst>
+            <a:ext uri="{FF2B5EF4-FFF2-40B4-BE49-F238E27FC236}">
+              <a16:creationId xmlns:a16="http://schemas.microsoft.com/office/drawing/2014/main" id="{62A59709-F721-A4FC-3C8D-F70367C489BF}"/>
+            </a:ext>
+          </a:extLst>
+        </p:cNvPr>
+        <p:cNvGrpSpPr/>
+        <p:nvPr/>
+      </p:nvGrpSpPr>
+      <p:grpSpPr>
+        <a:xfrm>
+          <a:off x="0" y="0"/>
+          <a:ext cx="0" cy="0"/>
+          <a:chOff x="0" y="0"/>
+          <a:chExt cx="0" cy="0"/>
+        </a:xfrm>
+      </p:grpSpPr>
+      <p:sp>
+        <p:nvSpPr>
+          <p:cNvPr id="11" name="TextBox 10">
+            <a:extLst>
+              <a:ext uri="{FF2B5EF4-FFF2-40B4-BE49-F238E27FC236}">
+                <a16:creationId xmlns:a16="http://schemas.microsoft.com/office/drawing/2014/main" id="{0E862184-3DF0-BD80-03E6-9F9312DA5064}"/>
+              </a:ext>
+            </a:extLst>
+          </p:cNvPr>
+          <p:cNvSpPr txBox="1"/>
+          <p:nvPr/>
+        </p:nvSpPr>
+        <p:spPr>
+          <a:xfrm>
+            <a:off x="520861" y="170082"/>
+            <a:ext cx="14947739" cy="1323439"/>
+          </a:xfrm>
+          <a:prstGeom prst="rect">
+            <a:avLst/>
+          </a:prstGeom>
+          <a:noFill/>
+        </p:spPr>
+        <p:txBody>
+          <a:bodyPr wrap="square" rtlCol="0">
+            <a:spAutoFit/>
+          </a:bodyPr>
+          <a:lstStyle/>
+          <a:p>
+            <a:r>
+              <a:rPr lang="en-US" sz="8000" dirty="0">
+                <a:latin typeface="Aliens &amp; cows" panose="00000500000000000000" pitchFamily="2" charset="0"/>
+              </a:rPr>
+              <a:t>Referral program (digital rewards)</a:t>
+            </a:r>
+          </a:p>
+        </p:txBody>
+      </p:sp>
+      <p:sp>
+        <p:nvSpPr>
+          <p:cNvPr id="3" name="TextBox 2">
+            <a:extLst>
+              <a:ext uri="{FF2B5EF4-FFF2-40B4-BE49-F238E27FC236}">
+                <a16:creationId xmlns:a16="http://schemas.microsoft.com/office/drawing/2014/main" id="{D2D21EA8-6BC7-4299-F585-B9AD2E036E90}"/>
+              </a:ext>
+            </a:extLst>
+          </p:cNvPr>
+          <p:cNvSpPr txBox="1"/>
+          <p:nvPr/>
+        </p:nvSpPr>
+        <p:spPr>
+          <a:xfrm>
+            <a:off x="520861" y="3191948"/>
+            <a:ext cx="14393120" cy="5632311"/>
+          </a:xfrm>
+          <a:prstGeom prst="rect">
+            <a:avLst/>
+          </a:prstGeom>
+          <a:noFill/>
+        </p:spPr>
+        <p:txBody>
+          <a:bodyPr wrap="square" rtlCol="0">
+            <a:spAutoFit/>
+          </a:bodyPr>
+          <a:lstStyle/>
+          <a:p>
+            <a:pPr marL="685800" indent="-685800">
+              <a:buClr>
+                <a:srgbClr val="CF3338"/>
+              </a:buClr>
+              <a:buFont typeface="Arial" panose="020B0604020202020204" pitchFamily="34" charset="0"/>
+              <a:buChar char="•"/>
+            </a:pPr>
+            <a:r>
+              <a:rPr lang="en-US" sz="6000" dirty="0">
+                <a:solidFill>
+                  <a:srgbClr val="707070"/>
+                </a:solidFill>
+                <a:latin typeface="Pragmatica" panose="020B0403040502020204" pitchFamily="34" charset="0"/>
+              </a:rPr>
+              <a:t>Introduce someone who books a discovery call…. </a:t>
+            </a:r>
+            <a:r>
+              <a:rPr lang="en-US" sz="6000" dirty="0">
                 <a:solidFill>
                   <a:srgbClr val="CF3338"/>
                 </a:solidFill>
                 <a:latin typeface="Pragmatica" panose="020B0403040502020204" pitchFamily="34" charset="0"/>
+                <a:hlinkClick r:id="rId2">
+                  <a:extLst>
+                    <a:ext uri="{A12FA001-AC4F-418D-AE19-62706E023703}">
+                      <ahyp:hlinkClr xmlns:ahyp="http://schemas.microsoft.com/office/drawing/2018/hyperlinkcolor" val="tx"/>
+                    </a:ext>
+                  </a:extLst>
+                </a:hlinkClick>
               </a:rPr>
-              <a:t>Modern Excel Demo Day</a:t>
-            </a:r>
-            <a:endParaRPr lang="en-US" sz="5400" b="1" dirty="0">
+              <a:t>One free </a:t>
+            </a:r>
+            <a:r>
+              <a:rPr lang="en-US" sz="6000" dirty="0" err="1">
+                <a:solidFill>
+                  <a:srgbClr val="CF3338"/>
+                </a:solidFill>
+                <a:latin typeface="Pragmatica" panose="020B0403040502020204" pitchFamily="34" charset="0"/>
+                <a:hlinkClick r:id="rId2">
+                  <a:extLst>
+                    <a:ext uri="{A12FA001-AC4F-418D-AE19-62706E023703}">
+                      <ahyp:hlinkClr xmlns:ahyp="http://schemas.microsoft.com/office/drawing/2018/hyperlinkcolor" val="tx"/>
+                    </a:ext>
+                  </a:extLst>
+                </a:hlinkClick>
+              </a:rPr>
+              <a:t>Gumroad</a:t>
+            </a:r>
+            <a:r>
+              <a:rPr lang="en-US" sz="6000" dirty="0">
+                <a:solidFill>
+                  <a:srgbClr val="CF3338"/>
+                </a:solidFill>
+                <a:latin typeface="Pragmatica" panose="020B0403040502020204" pitchFamily="34" charset="0"/>
+                <a:hlinkClick r:id="rId2">
+                  <a:extLst>
+                    <a:ext uri="{A12FA001-AC4F-418D-AE19-62706E023703}">
+                      <ahyp:hlinkClr xmlns:ahyp="http://schemas.microsoft.com/office/drawing/2018/hyperlinkcolor" val="tx"/>
+                    </a:ext>
+                  </a:extLst>
+                </a:hlinkClick>
+              </a:rPr>
+              <a:t> asset</a:t>
+            </a:r>
+            <a:br>
+              <a:rPr lang="en-US" sz="6000" dirty="0">
+                <a:solidFill>
+                  <a:srgbClr val="707070"/>
+                </a:solidFill>
+                <a:latin typeface="Pragmatica" panose="020B0403040502020204" pitchFamily="34" charset="0"/>
+              </a:rPr>
+            </a:br>
+            <a:endParaRPr lang="en-US" sz="6000" dirty="0">
               <a:solidFill>
-                <a:srgbClr val="CF3338"/>
+                <a:srgbClr val="707070"/>
               </a:solidFill>
               <a:latin typeface="Pragmatica" panose="020B0403040502020204" pitchFamily="34" charset="0"/>
             </a:endParaRPr>
           </a:p>
-        </p:txBody>
-      </p:sp>
-      <p:sp>
-        <p:nvSpPr>
-          <p:cNvPr id="2" name="AutoShape 2" descr="Home | Full Stack Modeller">
+          <a:p>
+            <a:pPr marL="685800" indent="-685800">
+              <a:buClr>
+                <a:srgbClr val="CF3338"/>
+              </a:buClr>
+              <a:buFont typeface="Arial" panose="020B0604020202020204" pitchFamily="34" charset="0"/>
+              <a:buChar char="•"/>
+            </a:pPr>
+            <a:r>
+              <a:rPr lang="en-US" sz="6000" dirty="0">
+                <a:solidFill>
+                  <a:srgbClr val="707070"/>
+                </a:solidFill>
+                <a:latin typeface="Pragmatica" panose="020B0403040502020204" pitchFamily="34" charset="0"/>
+              </a:rPr>
+              <a:t>They become a client…. Complete access to my </a:t>
+            </a:r>
+            <a:r>
+              <a:rPr lang="en-US" sz="6000" dirty="0" err="1">
+                <a:solidFill>
+                  <a:srgbClr val="707070"/>
+                </a:solidFill>
+                <a:latin typeface="Pragmatica" panose="020B0403040502020204" pitchFamily="34" charset="0"/>
+              </a:rPr>
+              <a:t>Gumroad</a:t>
+            </a:r>
+            <a:r>
+              <a:rPr lang="en-US" sz="6000" dirty="0">
+                <a:solidFill>
+                  <a:srgbClr val="707070"/>
+                </a:solidFill>
+                <a:latin typeface="Pragmatica" panose="020B0403040502020204" pitchFamily="34" charset="0"/>
+              </a:rPr>
+              <a:t> library AND a copy of one of my books!</a:t>
+            </a:r>
+          </a:p>
+        </p:txBody>
+      </p:sp>
+      <p:pic>
+        <p:nvPicPr>
+          <p:cNvPr id="15" name="Picture 14" descr="A close up of a sign&#10;&#10;Description automatically generated">
             <a:extLst>
               <a:ext uri="{FF2B5EF4-FFF2-40B4-BE49-F238E27FC236}">
-                <a16:creationId xmlns:a16="http://schemas.microsoft.com/office/drawing/2014/main" id="{6CCAA77C-4E76-640C-066C-F3E39EE1AC92}"/>
+                <a16:creationId xmlns:a16="http://schemas.microsoft.com/office/drawing/2014/main" id="{51B02E3C-18DF-1D79-403D-097E46C89696}"/>
               </a:ext>
             </a:extLst>
           </p:cNvPr>
-          <p:cNvSpPr>
-            <a:spLocks noChangeAspect="1" noChangeArrowheads="1"/>
-          </p:cNvSpPr>
+          <p:cNvPicPr>
+            <a:picLocks noChangeAspect="1"/>
+          </p:cNvPicPr>
           <p:nvPr/>
-        </p:nvSpPr>
-        <p:spPr bwMode="auto">
-          <a:xfrm>
-            <a:off x="8991600" y="4991100"/>
-            <a:ext cx="304800" cy="304800"/>
+        </p:nvPicPr>
+        <p:blipFill>
+          <a:blip r:embed="rId3">
+            <a:extLst>
+              <a:ext uri="{28A0092B-C50C-407E-A947-70E740481C1C}">
+                <a14:useLocalDpi xmlns:a14="http://schemas.microsoft.com/office/drawing/2010/main" val="0"/>
+              </a:ext>
+            </a:extLst>
+          </a:blip>
+          <a:stretch>
+            <a:fillRect/>
+          </a:stretch>
+        </p:blipFill>
+        <p:spPr>
+          <a:xfrm>
+            <a:off x="16341036" y="8058429"/>
+            <a:ext cx="1942857" cy="2228571"/>
           </a:xfrm>
           <a:prstGeom prst="rect">
             <a:avLst/>
           </a:prstGeom>
-          <a:noFill/>
-          <a:extLst>
-            <a:ext uri="{909E8E84-426E-40DD-AFC4-6F175D3DCCD1}">
-              <a14:hiddenFill xmlns:a14="http://schemas.microsoft.com/office/drawing/2010/main">
-                <a:solidFill>
-                  <a:srgbClr val="FFFFFF"/>
-                </a:solidFill>
-              </a14:hiddenFill>
-            </a:ext>
-          </a:extLst>
-        </p:spPr>
-        <p:txBody>
-          <a:bodyPr vert="horz" wrap="square" lIns="91440" tIns="45720" rIns="91440" bIns="45720" numCol="1" anchor="t" anchorCtr="0" compatLnSpc="1">
-            <a:prstTxWarp prst="textNoShape">
-              <a:avLst/>
-            </a:prstTxWarp>
-          </a:bodyPr>
-          <a:lstStyle/>
-          <a:p>
-            <a:endParaRPr lang="en-US"/>
-          </a:p>
-        </p:txBody>
-      </p:sp>
+        </p:spPr>
+      </p:pic>
     </p:spTree>
     <p:extLst>
       <p:ext uri="{BB962C8B-B14F-4D97-AF65-F5344CB8AC3E}">
-        <p14:creationId xmlns:p14="http://schemas.microsoft.com/office/powerpoint/2010/main" val="355659117"/>
+        <p14:creationId xmlns:p14="http://schemas.microsoft.com/office/powerpoint/2010/main" val="3930223754"/>
       </p:ext>
     </p:extLst>
   </p:cSld>
@@ -4464,12 +6780,18 @@
 </p:sld>
 </file>
 
-<file path=ppt/slides/slide3.xml><?xml version="1.0" encoding="utf-8"?>
+<file path=ppt/slides/slide20.xml><?xml version="1.0" encoding="utf-8"?>
 <p:sld xmlns:a="http://schemas.openxmlformats.org/drawingml/2006/main" xmlns:r="http://schemas.openxmlformats.org/officeDocument/2006/relationships" xmlns:p="http://schemas.openxmlformats.org/presentationml/2006/main">
   <p:cSld>
     <p:spTree>
       <p:nvGrpSpPr>
-        <p:cNvPr id="1" name=""/>
+        <p:cNvPr id="1" name="">
+          <a:extLst>
+            <a:ext uri="{FF2B5EF4-FFF2-40B4-BE49-F238E27FC236}">
+              <a16:creationId xmlns:a16="http://schemas.microsoft.com/office/drawing/2014/main" id="{73629F3B-66F6-2DFF-0DD2-E675D301B9E2}"/>
+            </a:ext>
+          </a:extLst>
+        </p:cNvPr>
         <p:cNvGrpSpPr/>
         <p:nvPr/>
       </p:nvGrpSpPr>
@@ -4483,14 +6805,20 @@
       </p:grpSpPr>
       <p:sp>
         <p:nvSpPr>
-          <p:cNvPr id="11" name="TextBox 10"/>
+          <p:cNvPr id="11" name="TextBox 10">
+            <a:extLst>
+              <a:ext uri="{FF2B5EF4-FFF2-40B4-BE49-F238E27FC236}">
+                <a16:creationId xmlns:a16="http://schemas.microsoft.com/office/drawing/2014/main" id="{7191E071-9895-6FB6-F22E-1F074E411B2E}"/>
+              </a:ext>
+            </a:extLst>
+          </p:cNvPr>
           <p:cNvSpPr txBox="1"/>
           <p:nvPr/>
         </p:nvSpPr>
         <p:spPr>
           <a:xfrm>
             <a:off x="520861" y="170082"/>
-            <a:ext cx="11979797" cy="2862322"/>
+            <a:ext cx="14947739" cy="1323439"/>
           </a:xfrm>
           <a:prstGeom prst="rect">
             <a:avLst/>
@@ -4504,24 +6832,30 @@
           <a:lstStyle/>
           <a:p>
             <a:r>
-              <a:rPr lang="en-US" sz="9000" dirty="0">
+              <a:rPr lang="en-US" sz="8000" dirty="0">
                 <a:latin typeface="Aliens &amp; cows" panose="00000500000000000000" pitchFamily="2" charset="0"/>
               </a:rPr>
-              <a:t>Objectives for this session</a:t>
-            </a:r>
-          </a:p>
-        </p:txBody>
-      </p:sp>
-      <p:sp>
-        <p:nvSpPr>
-          <p:cNvPr id="3" name="TextBox 2"/>
+              <a:t>Attendee freebie</a:t>
+            </a:r>
+          </a:p>
+        </p:txBody>
+      </p:sp>
+      <p:sp>
+        <p:nvSpPr>
+          <p:cNvPr id="3" name="TextBox 2">
+            <a:extLst>
+              <a:ext uri="{FF2B5EF4-FFF2-40B4-BE49-F238E27FC236}">
+                <a16:creationId xmlns:a16="http://schemas.microsoft.com/office/drawing/2014/main" id="{3B7C3EBD-E30E-61DE-35DB-807E49DBD32A}"/>
+              </a:ext>
+            </a:extLst>
+          </p:cNvPr>
           <p:cNvSpPr txBox="1"/>
           <p:nvPr/>
         </p:nvSpPr>
         <p:spPr>
           <a:xfrm>
             <a:off x="520861" y="3191948"/>
-            <a:ext cx="14393120" cy="2677656"/>
+            <a:ext cx="14393120" cy="5632311"/>
           </a:xfrm>
           <a:prstGeom prst="rect">
             <a:avLst/>
@@ -4542,14 +6876,28 @@
               <a:buChar char="•"/>
             </a:pPr>
             <a:r>
-              <a:rPr lang="en-US" sz="4200" dirty="0">
+              <a:rPr lang="en-US" sz="6000" dirty="0">
                 <a:solidFill>
                   <a:srgbClr val="707070"/>
                 </a:solidFill>
                 <a:latin typeface="Pragmatica" panose="020B0403040502020204" pitchFamily="34" charset="0"/>
               </a:rPr>
-              <a:t>Load and transform data in Power BI via Power Query</a:t>
-            </a:r>
+              <a:t>Modern Excel Starter Kit PDF</a:t>
+            </a:r>
+            <a:br>
+              <a:rPr lang="en-US" sz="6000" dirty="0">
+                <a:solidFill>
+                  <a:srgbClr val="707070"/>
+                </a:solidFill>
+                <a:latin typeface="Pragmatica" panose="020B0403040502020204" pitchFamily="34" charset="0"/>
+              </a:rPr>
+            </a:br>
+            <a:endParaRPr lang="en-US" sz="6000" dirty="0">
+              <a:solidFill>
+                <a:srgbClr val="707070"/>
+              </a:solidFill>
+              <a:latin typeface="Pragmatica" panose="020B0403040502020204" pitchFamily="34" charset="0"/>
+            </a:endParaRPr>
           </a:p>
           <a:p>
             <a:pPr marL="685800" indent="-685800">
@@ -4560,14 +6908,28 @@
               <a:buChar char="•"/>
             </a:pPr>
             <a:r>
-              <a:rPr lang="en-US" sz="4200" dirty="0">
+              <a:rPr lang="en-US" sz="6000" dirty="0">
                 <a:solidFill>
                   <a:srgbClr val="707070"/>
                 </a:solidFill>
                 <a:latin typeface="Pragmatica" panose="020B0403040502020204" pitchFamily="34" charset="0"/>
               </a:rPr>
-              <a:t>Create a relational data model with DAX measures</a:t>
-            </a:r>
+              <a:t>Introduction, learning strategies, additional resources to master Modern Excel</a:t>
+            </a:r>
+            <a:br>
+              <a:rPr lang="en-US" sz="6000" dirty="0">
+                <a:solidFill>
+                  <a:srgbClr val="707070"/>
+                </a:solidFill>
+                <a:latin typeface="Pragmatica" panose="020B0403040502020204" pitchFamily="34" charset="0"/>
+              </a:rPr>
+            </a:br>
+            <a:endParaRPr lang="en-US" sz="6000" dirty="0">
+              <a:solidFill>
+                <a:srgbClr val="707070"/>
+              </a:solidFill>
+              <a:latin typeface="Pragmatica" panose="020B0403040502020204" pitchFamily="34" charset="0"/>
+            </a:endParaRPr>
           </a:p>
           <a:p>
             <a:pPr marL="685800" indent="-685800">
@@ -4578,13 +6940,13 @@
               <a:buChar char="•"/>
             </a:pPr>
             <a:r>
-              <a:rPr lang="en-US" sz="4200" dirty="0">
+              <a:rPr lang="en-US" sz="6000" dirty="0">
                 <a:solidFill>
                   <a:srgbClr val="707070"/>
                 </a:solidFill>
                 <a:latin typeface="Pragmatica" panose="020B0403040502020204" pitchFamily="34" charset="0"/>
               </a:rPr>
-              <a:t>Fundamentals of building interactive reports and dashboards in Power BI</a:t>
+              <a:t>Available in the event downloads folder</a:t>
             </a:r>
           </a:p>
         </p:txBody>
@@ -4594,7 +6956,7 @@
           <p:cNvPr id="15" name="Picture 14" descr="A close up of a sign&#10;&#10;Description automatically generated">
             <a:extLst>
               <a:ext uri="{FF2B5EF4-FFF2-40B4-BE49-F238E27FC236}">
-                <a16:creationId xmlns:a16="http://schemas.microsoft.com/office/drawing/2014/main" id="{29761B90-A7DE-4A60-A915-F085BD87CAB4}"/>
+                <a16:creationId xmlns:a16="http://schemas.microsoft.com/office/drawing/2014/main" id="{13B07C37-CB06-81A2-E8A5-6FB14518C801}"/>
               </a:ext>
             </a:extLst>
           </p:cNvPr>
@@ -4628,7 +6990,7 @@
     </p:spTree>
     <p:extLst>
       <p:ext uri="{BB962C8B-B14F-4D97-AF65-F5344CB8AC3E}">
-        <p14:creationId xmlns:p14="http://schemas.microsoft.com/office/powerpoint/2010/main" val="787076388"/>
+        <p14:creationId xmlns:p14="http://schemas.microsoft.com/office/powerpoint/2010/main" val="3018689313"/>
       </p:ext>
     </p:extLst>
   </p:cSld>
@@ -4638,12 +7000,18 @@
 </p:sld>
 </file>
 
-<file path=ppt/slides/slide4.xml><?xml version="1.0" encoding="utf-8"?>
+<file path=ppt/slides/slide21.xml><?xml version="1.0" encoding="utf-8"?>
 <p:sld xmlns:a="http://schemas.openxmlformats.org/drawingml/2006/main" xmlns:r="http://schemas.openxmlformats.org/officeDocument/2006/relationships" xmlns:p="http://schemas.openxmlformats.org/presentationml/2006/main">
   <p:cSld>
     <p:spTree>
       <p:nvGrpSpPr>
-        <p:cNvPr id="1" name=""/>
+        <p:cNvPr id="1" name="">
+          <a:extLst>
+            <a:ext uri="{FF2B5EF4-FFF2-40B4-BE49-F238E27FC236}">
+              <a16:creationId xmlns:a16="http://schemas.microsoft.com/office/drawing/2014/main" id="{DA8CB409-CE91-9113-CF5B-9EF56BE94356}"/>
+            </a:ext>
+          </a:extLst>
+        </p:cNvPr>
         <p:cNvGrpSpPr/>
         <p:nvPr/>
       </p:nvGrpSpPr>
@@ -4657,14 +7025,212 @@
       </p:grpSpPr>
       <p:sp>
         <p:nvSpPr>
-          <p:cNvPr id="4" name="Rectangle 3"/>
+          <p:cNvPr id="11" name="TextBox 10">
+            <a:extLst>
+              <a:ext uri="{FF2B5EF4-FFF2-40B4-BE49-F238E27FC236}">
+                <a16:creationId xmlns:a16="http://schemas.microsoft.com/office/drawing/2014/main" id="{DB8D7723-DD6F-44FA-345F-472CF117590F}"/>
+              </a:ext>
+            </a:extLst>
+          </p:cNvPr>
+          <p:cNvSpPr txBox="1"/>
+          <p:nvPr/>
+        </p:nvSpPr>
+        <p:spPr>
+          <a:xfrm>
+            <a:off x="520861" y="170082"/>
+            <a:ext cx="14947739" cy="1323439"/>
+          </a:xfrm>
+          <a:prstGeom prst="rect">
+            <a:avLst/>
+          </a:prstGeom>
+          <a:noFill/>
+        </p:spPr>
+        <p:txBody>
+          <a:bodyPr wrap="square" rtlCol="0">
+            <a:spAutoFit/>
+          </a:bodyPr>
+          <a:lstStyle/>
+          <a:p>
+            <a:r>
+              <a:rPr lang="en-US" sz="8000" dirty="0">
+                <a:latin typeface="Aliens &amp; cows" panose="00000500000000000000" pitchFamily="2" charset="0"/>
+              </a:rPr>
+              <a:t>Next steps</a:t>
+            </a:r>
+          </a:p>
+        </p:txBody>
+      </p:sp>
+      <p:sp>
+        <p:nvSpPr>
+          <p:cNvPr id="3" name="TextBox 2">
+            <a:extLst>
+              <a:ext uri="{FF2B5EF4-FFF2-40B4-BE49-F238E27FC236}">
+                <a16:creationId xmlns:a16="http://schemas.microsoft.com/office/drawing/2014/main" id="{80175D3E-AE80-1413-C125-5F34E069E354}"/>
+              </a:ext>
+            </a:extLst>
+          </p:cNvPr>
+          <p:cNvSpPr txBox="1"/>
+          <p:nvPr/>
+        </p:nvSpPr>
+        <p:spPr>
+          <a:xfrm>
+            <a:off x="520861" y="3191948"/>
+            <a:ext cx="14393120" cy="2862322"/>
+          </a:xfrm>
+          <a:prstGeom prst="rect">
+            <a:avLst/>
+          </a:prstGeom>
+          <a:noFill/>
+        </p:spPr>
+        <p:txBody>
+          <a:bodyPr wrap="square" rtlCol="0">
+            <a:spAutoFit/>
+          </a:bodyPr>
+          <a:lstStyle/>
+          <a:p>
+            <a:pPr marL="685800" indent="-685800">
+              <a:buClr>
+                <a:srgbClr val="CF3338"/>
+              </a:buClr>
+              <a:buFont typeface="Arial" panose="020B0604020202020204" pitchFamily="34" charset="0"/>
+              <a:buChar char="•"/>
+            </a:pPr>
+            <a:r>
+              <a:rPr lang="en-US" sz="6000" dirty="0">
+                <a:solidFill>
+                  <a:srgbClr val="707070"/>
+                </a:solidFill>
+                <a:latin typeface="Pragmatica" panose="020B0403040502020204" pitchFamily="34" charset="0"/>
+              </a:rPr>
+              <a:t>Book a discovery call</a:t>
+            </a:r>
+          </a:p>
+          <a:p>
+            <a:pPr marL="685800" indent="-685800">
+              <a:buClr>
+                <a:srgbClr val="CF3338"/>
+              </a:buClr>
+              <a:buFont typeface="Arial" panose="020B0604020202020204" pitchFamily="34" charset="0"/>
+              <a:buChar char="•"/>
+            </a:pPr>
+            <a:r>
+              <a:rPr lang="en-US" sz="6000" dirty="0">
+                <a:solidFill>
+                  <a:srgbClr val="707070"/>
+                </a:solidFill>
+                <a:latin typeface="Pragmatica" panose="020B0403040502020204" pitchFamily="34" charset="0"/>
+              </a:rPr>
+              <a:t>Follow me on LinkedIn</a:t>
+            </a:r>
+          </a:p>
+          <a:p>
+            <a:pPr marL="685800" indent="-685800">
+              <a:buClr>
+                <a:srgbClr val="CF3338"/>
+              </a:buClr>
+              <a:buFont typeface="Arial" panose="020B0604020202020204" pitchFamily="34" charset="0"/>
+              <a:buChar char="•"/>
+            </a:pPr>
+            <a:r>
+              <a:rPr lang="en-US" sz="6000" dirty="0">
+                <a:solidFill>
+                  <a:srgbClr val="707070"/>
+                </a:solidFill>
+                <a:latin typeface="Pragmatica" panose="020B0403040502020204" pitchFamily="34" charset="0"/>
+              </a:rPr>
+              <a:t>Share this event with your network</a:t>
+            </a:r>
+          </a:p>
+        </p:txBody>
+      </p:sp>
+      <p:pic>
+        <p:nvPicPr>
+          <p:cNvPr id="15" name="Picture 14" descr="A close up of a sign&#10;&#10;Description automatically generated">
+            <a:extLst>
+              <a:ext uri="{FF2B5EF4-FFF2-40B4-BE49-F238E27FC236}">
+                <a16:creationId xmlns:a16="http://schemas.microsoft.com/office/drawing/2014/main" id="{23401A70-278E-956F-C05F-181A5C8C8A73}"/>
+              </a:ext>
+            </a:extLst>
+          </p:cNvPr>
+          <p:cNvPicPr>
+            <a:picLocks noChangeAspect="1"/>
+          </p:cNvPicPr>
+          <p:nvPr/>
+        </p:nvPicPr>
+        <p:blipFill>
+          <a:blip r:embed="rId2">
+            <a:extLst>
+              <a:ext uri="{28A0092B-C50C-407E-A947-70E740481C1C}">
+                <a14:useLocalDpi xmlns:a14="http://schemas.microsoft.com/office/drawing/2010/main" val="0"/>
+              </a:ext>
+            </a:extLst>
+          </a:blip>
+          <a:stretch>
+            <a:fillRect/>
+          </a:stretch>
+        </p:blipFill>
+        <p:spPr>
+          <a:xfrm>
+            <a:off x="16341036" y="8058429"/>
+            <a:ext cx="1942857" cy="2228571"/>
+          </a:xfrm>
+          <a:prstGeom prst="rect">
+            <a:avLst/>
+          </a:prstGeom>
+        </p:spPr>
+      </p:pic>
+    </p:spTree>
+    <p:extLst>
+      <p:ext uri="{BB962C8B-B14F-4D97-AF65-F5344CB8AC3E}">
+        <p14:creationId xmlns:p14="http://schemas.microsoft.com/office/powerpoint/2010/main" val="3278776888"/>
+      </p:ext>
+    </p:extLst>
+  </p:cSld>
+  <p:clrMapOvr>
+    <a:masterClrMapping/>
+  </p:clrMapOvr>
+</p:sld>
+</file>
+
+<file path=ppt/slides/slide22.xml><?xml version="1.0" encoding="utf-8"?>
+<p:sld xmlns:a="http://schemas.openxmlformats.org/drawingml/2006/main" xmlns:r="http://schemas.openxmlformats.org/officeDocument/2006/relationships" xmlns:p="http://schemas.openxmlformats.org/presentationml/2006/main">
+  <p:cSld>
+    <p:spTree>
+      <p:nvGrpSpPr>
+        <p:cNvPr id="1" name="">
+          <a:extLst>
+            <a:ext uri="{FF2B5EF4-FFF2-40B4-BE49-F238E27FC236}">
+              <a16:creationId xmlns:a16="http://schemas.microsoft.com/office/drawing/2014/main" id="{8FC0C042-4FA7-C99A-DB6A-E56C8A4C9FF2}"/>
+            </a:ext>
+          </a:extLst>
+        </p:cNvPr>
+        <p:cNvGrpSpPr/>
+        <p:nvPr/>
+      </p:nvGrpSpPr>
+      <p:grpSpPr>
+        <a:xfrm>
+          <a:off x="0" y="0"/>
+          <a:ext cx="0" cy="0"/>
+          <a:chOff x="0" y="0"/>
+          <a:chExt cx="0" cy="0"/>
+        </a:xfrm>
+      </p:grpSpPr>
+      <p:sp>
+        <p:nvSpPr>
+          <p:cNvPr id="4" name="Rectangle 3">
+            <a:extLst>
+              <a:ext uri="{FF2B5EF4-FFF2-40B4-BE49-F238E27FC236}">
+                <a16:creationId xmlns:a16="http://schemas.microsoft.com/office/drawing/2014/main" id="{B38FBC8C-6CC2-040B-E74D-EA0547D9066A}"/>
+              </a:ext>
+            </a:extLst>
+          </p:cNvPr>
           <p:cNvSpPr/>
           <p:nvPr/>
         </p:nvSpPr>
         <p:spPr>
           <a:xfrm>
-            <a:off x="9861630" y="0"/>
-            <a:ext cx="8426370" cy="10287000"/>
+            <a:off x="0" y="0"/>
+            <a:ext cx="18288000" cy="10287000"/>
           </a:xfrm>
           <a:prstGeom prst="rect">
             <a:avLst/>
@@ -4701,45 +7267,22 @@
           </a:p>
         </p:txBody>
       </p:sp>
-      <p:pic>
-        <p:nvPicPr>
-          <p:cNvPr id="2" name="Picture 1"/>
-          <p:cNvPicPr>
-            <a:picLocks noChangeAspect="1"/>
-          </p:cNvPicPr>
-          <p:nvPr/>
-        </p:nvPicPr>
-        <p:blipFill rotWithShape="1">
-          <a:blip r:embed="rId3">
+      <p:sp>
+        <p:nvSpPr>
+          <p:cNvPr id="5" name="TextBox 4">
             <a:extLst>
-              <a:ext uri="{28A0092B-C50C-407E-A947-70E740481C1C}">
-                <a14:useLocalDpi xmlns:a14="http://schemas.microsoft.com/office/drawing/2010/main" val="0"/>
+              <a:ext uri="{FF2B5EF4-FFF2-40B4-BE49-F238E27FC236}">
+                <a16:creationId xmlns:a16="http://schemas.microsoft.com/office/drawing/2014/main" id="{C3242B5A-8DE0-9FEB-CCC9-737A969B938A}"/>
               </a:ext>
             </a:extLst>
-          </a:blip>
-          <a:srcRect l="69227" t="33418" r="20112" b="50548"/>
-          <a:stretch/>
-        </p:blipFill>
-        <p:spPr>
-          <a:xfrm>
-            <a:off x="15579524" y="7544693"/>
-            <a:ext cx="2708477" cy="2987579"/>
-          </a:xfrm>
-          <a:prstGeom prst="rect">
-            <a:avLst/>
-          </a:prstGeom>
-        </p:spPr>
-      </p:pic>
-      <p:sp>
-        <p:nvSpPr>
-          <p:cNvPr id="3" name="TextBox 2"/>
+          </p:cNvPr>
           <p:cNvSpPr txBox="1"/>
           <p:nvPr/>
         </p:nvSpPr>
         <p:spPr>
           <a:xfrm>
-            <a:off x="260431" y="329879"/>
-            <a:ext cx="8906720" cy="6306214"/>
+            <a:off x="781292" y="590309"/>
+            <a:ext cx="15486926" cy="1615827"/>
           </a:xfrm>
           <a:prstGeom prst="rect">
             <a:avLst/>
@@ -4753,141 +7296,13 @@
           <a:lstStyle/>
           <a:p>
             <a:r>
-              <a:rPr lang="en-US" sz="6000" b="1" dirty="0">
+              <a:rPr lang="en-US" sz="9900" b="1" dirty="0">
                 <a:solidFill>
-                  <a:srgbClr val="CF3338"/>
+                  <a:schemeClr val="bg1"/>
                 </a:solidFill>
-                <a:latin typeface="Pragmatica" panose="020B0403040502020204" pitchFamily="34" charset="0"/>
+                <a:latin typeface="Normafixed Tryout" panose="00000409000000000000" pitchFamily="49" charset="0"/>
               </a:rPr>
-              <a:t>Loading, profiling and transforming data</a:t>
-            </a:r>
-          </a:p>
-          <a:p>
-            <a:endParaRPr lang="en-US" sz="4200" dirty="0">
-              <a:solidFill>
-                <a:srgbClr val="CF3338"/>
-              </a:solidFill>
-              <a:latin typeface="Pragmatica" panose="020B0403040502020204" pitchFamily="34" charset="0"/>
-            </a:endParaRPr>
-          </a:p>
-          <a:p>
-            <a:r>
-              <a:rPr lang="en-US" sz="4200" dirty="0">
-                <a:solidFill>
-                  <a:srgbClr val="CF3338"/>
-                </a:solidFill>
-                <a:latin typeface="Pragmatica" panose="020B0403040502020204" pitchFamily="34" charset="0"/>
-              </a:rPr>
-              <a:t>Using Power Query in Power BI:</a:t>
-            </a:r>
-          </a:p>
-          <a:p>
-            <a:pPr marL="685800" indent="-542925">
-              <a:lnSpc>
-                <a:spcPct val="115000"/>
-              </a:lnSpc>
-              <a:spcBef>
-                <a:spcPts val="1125"/>
-              </a:spcBef>
-              <a:buClr>
-                <a:srgbClr val="C00000"/>
-              </a:buClr>
-              <a:buSzPts val="2100"/>
-              <a:buFont typeface="Arial"/>
-              <a:buAutoNum type="arabicPeriod"/>
-            </a:pPr>
-            <a:r>
-              <a:rPr lang="en-US" sz="3600" dirty="0">
-                <a:solidFill>
-                  <a:srgbClr val="C00000"/>
-                </a:solidFill>
-                <a:latin typeface="Pragmatica" panose="020B0403040502020204"/>
-                <a:sym typeface="Consolas"/>
-              </a:rPr>
-              <a:t>Read in workbook data</a:t>
-            </a:r>
-          </a:p>
-          <a:p>
-            <a:pPr marL="685800" indent="-542925">
-              <a:lnSpc>
-                <a:spcPct val="115000"/>
-              </a:lnSpc>
-              <a:spcBef>
-                <a:spcPts val="1125"/>
-              </a:spcBef>
-              <a:buClr>
-                <a:srgbClr val="C00000"/>
-              </a:buClr>
-              <a:buSzPts val="2100"/>
-              <a:buFont typeface="Arial"/>
-              <a:buAutoNum type="arabicPeriod"/>
-            </a:pPr>
-            <a:r>
-              <a:rPr lang="en-US" sz="3600" dirty="0">
-                <a:solidFill>
-                  <a:srgbClr val="C00000"/>
-                </a:solidFill>
-                <a:latin typeface="Pragmatica" panose="020B0403040502020204"/>
-                <a:sym typeface="Consolas"/>
-              </a:rPr>
-              <a:t>Profile, explore and transform the data via </a:t>
-            </a:r>
-          </a:p>
-          <a:p>
-            <a:pPr marL="685800" indent="-542925">
-              <a:lnSpc>
-                <a:spcPct val="115000"/>
-              </a:lnSpc>
-              <a:spcBef>
-                <a:spcPts val="1125"/>
-              </a:spcBef>
-              <a:buClr>
-                <a:srgbClr val="C00000"/>
-              </a:buClr>
-              <a:buSzPts val="2100"/>
-              <a:buFont typeface="Arial"/>
-              <a:buAutoNum type="arabicPeriod"/>
-            </a:pPr>
-            <a:endParaRPr lang="en-US" sz="3600" dirty="0">
-              <a:solidFill>
-                <a:srgbClr val="C00000"/>
-              </a:solidFill>
-              <a:latin typeface="Pragmatica" panose="020B0403040502020204"/>
-              <a:sym typeface="Consolas"/>
-            </a:endParaRPr>
-          </a:p>
-          <a:p>
-            <a:pPr marL="142875">
-              <a:lnSpc>
-                <a:spcPct val="115000"/>
-              </a:lnSpc>
-              <a:spcBef>
-                <a:spcPts val="1125"/>
-              </a:spcBef>
-              <a:buClr>
-                <a:srgbClr val="C00000"/>
-              </a:buClr>
-              <a:buSzPts val="2100"/>
-            </a:pPr>
-            <a:r>
-              <a:rPr lang="en-US" sz="3600" dirty="0">
-                <a:solidFill>
-                  <a:srgbClr val="C00000"/>
-                </a:solidFill>
-                <a:latin typeface="Pragmatica" panose="020B0403040502020204"/>
-                <a:sym typeface="Consolas"/>
-              </a:rPr>
-              <a:t>Folder: </a:t>
-            </a:r>
-            <a:r>
-              <a:rPr lang="en-US" sz="3600" dirty="0">
-                <a:solidFill>
-                  <a:srgbClr val="C00000"/>
-                </a:solidFill>
-                <a:latin typeface="Consolas" panose="020B0609020204030204" pitchFamily="49" charset="0"/>
-                <a:sym typeface="Consolas"/>
-              </a:rPr>
-              <a:t>1-load-worksheet-to-power-bi</a:t>
+              <a:t>Thank you!</a:t>
             </a:r>
           </a:p>
         </p:txBody>
@@ -4895,7 +7310,7 @@
     </p:spTree>
     <p:extLst>
       <p:ext uri="{BB962C8B-B14F-4D97-AF65-F5344CB8AC3E}">
-        <p14:creationId xmlns:p14="http://schemas.microsoft.com/office/powerpoint/2010/main" val="3871531779"/>
+        <p14:creationId xmlns:p14="http://schemas.microsoft.com/office/powerpoint/2010/main" val="3998672046"/>
       </p:ext>
     </p:extLst>
   </p:cSld>
@@ -4905,994 +7320,7 @@
 </p:sld>
 </file>
 
-<file path=ppt/slides/slide5.xml><?xml version="1.0" encoding="utf-8"?>
-<p:sld xmlns:a="http://schemas.openxmlformats.org/drawingml/2006/main" xmlns:r="http://schemas.openxmlformats.org/officeDocument/2006/relationships" xmlns:p="http://schemas.openxmlformats.org/presentationml/2006/main">
-  <p:cSld>
-    <p:spTree>
-      <p:nvGrpSpPr>
-        <p:cNvPr id="1" name="">
-          <a:extLst>
-            <a:ext uri="{FF2B5EF4-FFF2-40B4-BE49-F238E27FC236}">
-              <a16:creationId xmlns:a16="http://schemas.microsoft.com/office/drawing/2014/main" id="{BBA71254-7D70-0AD5-8345-3A503A3DF9B1}"/>
-            </a:ext>
-          </a:extLst>
-        </p:cNvPr>
-        <p:cNvGrpSpPr/>
-        <p:nvPr/>
-      </p:nvGrpSpPr>
-      <p:grpSpPr>
-        <a:xfrm>
-          <a:off x="0" y="0"/>
-          <a:ext cx="0" cy="0"/>
-          <a:chOff x="0" y="0"/>
-          <a:chExt cx="0" cy="0"/>
-        </a:xfrm>
-      </p:grpSpPr>
-      <p:sp>
-        <p:nvSpPr>
-          <p:cNvPr id="4" name="Rectangle 3">
-            <a:extLst>
-              <a:ext uri="{FF2B5EF4-FFF2-40B4-BE49-F238E27FC236}">
-                <a16:creationId xmlns:a16="http://schemas.microsoft.com/office/drawing/2014/main" id="{175D80F1-9995-A85D-5874-3DFF757AD9C4}"/>
-              </a:ext>
-            </a:extLst>
-          </p:cNvPr>
-          <p:cNvSpPr/>
-          <p:nvPr/>
-        </p:nvSpPr>
-        <p:spPr>
-          <a:xfrm>
-            <a:off x="9861630" y="0"/>
-            <a:ext cx="8426370" cy="10287000"/>
-          </a:xfrm>
-          <a:prstGeom prst="rect">
-            <a:avLst/>
-          </a:prstGeom>
-          <a:solidFill>
-            <a:srgbClr val="CF3338"/>
-          </a:solidFill>
-          <a:ln>
-            <a:noFill/>
-          </a:ln>
-        </p:spPr>
-        <p:style>
-          <a:lnRef idx="2">
-            <a:schemeClr val="accent1">
-              <a:shade val="50000"/>
-            </a:schemeClr>
-          </a:lnRef>
-          <a:fillRef idx="1">
-            <a:schemeClr val="accent1"/>
-          </a:fillRef>
-          <a:effectRef idx="0">
-            <a:schemeClr val="accent1"/>
-          </a:effectRef>
-          <a:fontRef idx="minor">
-            <a:schemeClr val="lt1"/>
-          </a:fontRef>
-        </p:style>
-        <p:txBody>
-          <a:bodyPr rtlCol="0" anchor="ctr"/>
-          <a:lstStyle/>
-          <a:p>
-            <a:pPr algn="ctr"/>
-            <a:endParaRPr lang="en-US" sz="2700"/>
-          </a:p>
-        </p:txBody>
-      </p:sp>
-      <p:pic>
-        <p:nvPicPr>
-          <p:cNvPr id="2" name="Picture 1">
-            <a:extLst>
-              <a:ext uri="{FF2B5EF4-FFF2-40B4-BE49-F238E27FC236}">
-                <a16:creationId xmlns:a16="http://schemas.microsoft.com/office/drawing/2014/main" id="{D178E631-F0B4-0B54-F4C0-AA7525DE6A08}"/>
-              </a:ext>
-            </a:extLst>
-          </p:cNvPr>
-          <p:cNvPicPr>
-            <a:picLocks noChangeAspect="1"/>
-          </p:cNvPicPr>
-          <p:nvPr/>
-        </p:nvPicPr>
-        <p:blipFill rotWithShape="1">
-          <a:blip r:embed="rId3">
-            <a:extLst>
-              <a:ext uri="{28A0092B-C50C-407E-A947-70E740481C1C}">
-                <a14:useLocalDpi xmlns:a14="http://schemas.microsoft.com/office/drawing/2010/main" val="0"/>
-              </a:ext>
-            </a:extLst>
-          </a:blip>
-          <a:srcRect l="69227" t="33418" r="20112" b="50548"/>
-          <a:stretch/>
-        </p:blipFill>
-        <p:spPr>
-          <a:xfrm>
-            <a:off x="15579524" y="7544693"/>
-            <a:ext cx="2708477" cy="2987579"/>
-          </a:xfrm>
-          <a:prstGeom prst="rect">
-            <a:avLst/>
-          </a:prstGeom>
-        </p:spPr>
-      </p:pic>
-      <p:sp>
-        <p:nvSpPr>
-          <p:cNvPr id="3" name="TextBox 2">
-            <a:extLst>
-              <a:ext uri="{FF2B5EF4-FFF2-40B4-BE49-F238E27FC236}">
-                <a16:creationId xmlns:a16="http://schemas.microsoft.com/office/drawing/2014/main" id="{73F503D0-7644-10B8-0502-3703F23BEE6F}"/>
-              </a:ext>
-            </a:extLst>
-          </p:cNvPr>
-          <p:cNvSpPr txBox="1"/>
-          <p:nvPr/>
-        </p:nvSpPr>
-        <p:spPr>
-          <a:xfrm>
-            <a:off x="260431" y="329879"/>
-            <a:ext cx="8906720" cy="7709803"/>
-          </a:xfrm>
-          <a:prstGeom prst="rect">
-            <a:avLst/>
-          </a:prstGeom>
-          <a:noFill/>
-        </p:spPr>
-        <p:txBody>
-          <a:bodyPr wrap="square" rtlCol="0">
-            <a:spAutoFit/>
-          </a:bodyPr>
-          <a:lstStyle/>
-          <a:p>
-            <a:r>
-              <a:rPr lang="en-US" sz="6000" b="1" dirty="0">
-                <a:solidFill>
-                  <a:srgbClr val="CF3338"/>
-                </a:solidFill>
-                <a:latin typeface="Pragmatica" panose="020B0403040502020204" pitchFamily="34" charset="0"/>
-              </a:rPr>
-              <a:t>Load Excel data model to Power BI</a:t>
-            </a:r>
-          </a:p>
-          <a:p>
-            <a:endParaRPr lang="en-US" sz="4200" dirty="0">
-              <a:solidFill>
-                <a:srgbClr val="CF3338"/>
-              </a:solidFill>
-              <a:latin typeface="Pragmatica" panose="020B0403040502020204" pitchFamily="34" charset="0"/>
-            </a:endParaRPr>
-          </a:p>
-          <a:p>
-            <a:pPr marL="685800" indent="-542925">
-              <a:lnSpc>
-                <a:spcPct val="115000"/>
-              </a:lnSpc>
-              <a:spcBef>
-                <a:spcPts val="1125"/>
-              </a:spcBef>
-              <a:buClr>
-                <a:srgbClr val="C00000"/>
-              </a:buClr>
-              <a:buSzPts val="2100"/>
-              <a:buFont typeface="Arial"/>
-              <a:buAutoNum type="arabicPeriod"/>
-            </a:pPr>
-            <a:r>
-              <a:rPr lang="en-US" sz="3600" dirty="0">
-                <a:solidFill>
-                  <a:srgbClr val="C00000"/>
-                </a:solidFill>
-                <a:latin typeface="Pragmatica" panose="020B0403040502020204"/>
-                <a:sym typeface="Consolas"/>
-              </a:rPr>
-              <a:t>Port a Power Pivot data model into Power BI</a:t>
-            </a:r>
-          </a:p>
-          <a:p>
-            <a:pPr marL="685800" indent="-542925">
-              <a:lnSpc>
-                <a:spcPct val="115000"/>
-              </a:lnSpc>
-              <a:spcBef>
-                <a:spcPts val="1125"/>
-              </a:spcBef>
-              <a:buClr>
-                <a:srgbClr val="C00000"/>
-              </a:buClr>
-              <a:buSzPts val="2100"/>
-              <a:buFont typeface="Arial"/>
-              <a:buAutoNum type="arabicPeriod"/>
-            </a:pPr>
-            <a:r>
-              <a:rPr lang="en-US" sz="3600" dirty="0">
-                <a:solidFill>
-                  <a:srgbClr val="C00000"/>
-                </a:solidFill>
-                <a:latin typeface="Pragmatica" panose="020B0403040502020204"/>
-                <a:sym typeface="Consolas"/>
-              </a:rPr>
-              <a:t>Strengths, weaknesses, limitations</a:t>
-            </a:r>
-          </a:p>
-          <a:p>
-            <a:pPr marL="685800" indent="-542925">
-              <a:lnSpc>
-                <a:spcPct val="115000"/>
-              </a:lnSpc>
-              <a:spcBef>
-                <a:spcPts val="1125"/>
-              </a:spcBef>
-              <a:buClr>
-                <a:srgbClr val="C00000"/>
-              </a:buClr>
-              <a:buSzPts val="2100"/>
-              <a:buFont typeface="Arial"/>
-              <a:buAutoNum type="arabicPeriod"/>
-            </a:pPr>
-            <a:endParaRPr lang="en-US" sz="3600" dirty="0">
-              <a:solidFill>
-                <a:srgbClr val="C00000"/>
-              </a:solidFill>
-              <a:latin typeface="Pragmatica" panose="020B0403040502020204"/>
-              <a:sym typeface="Consolas"/>
-            </a:endParaRPr>
-          </a:p>
-          <a:p>
-            <a:pPr marL="142875">
-              <a:lnSpc>
-                <a:spcPct val="115000"/>
-              </a:lnSpc>
-              <a:spcBef>
-                <a:spcPts val="1125"/>
-              </a:spcBef>
-              <a:buClr>
-                <a:srgbClr val="C00000"/>
-              </a:buClr>
-              <a:buSzPts val="2100"/>
-            </a:pPr>
-            <a:r>
-              <a:rPr lang="en-US" sz="3600" dirty="0">
-                <a:solidFill>
-                  <a:srgbClr val="C00000"/>
-                </a:solidFill>
-                <a:latin typeface="Pragmatica" panose="020B0403040502020204"/>
-                <a:sym typeface="Consolas"/>
-              </a:rPr>
-              <a:t>Folder: </a:t>
-            </a:r>
-            <a:r>
-              <a:rPr lang="en-US" sz="3600" dirty="0">
-                <a:solidFill>
-                  <a:srgbClr val="C00000"/>
-                </a:solidFill>
-                <a:latin typeface="Consolas" panose="020B0609020204030204" pitchFamily="49" charset="0"/>
-                <a:sym typeface="Consolas"/>
-              </a:rPr>
-              <a:t>2-load-data-model-to-power-bi</a:t>
-            </a:r>
-          </a:p>
-          <a:p>
-            <a:pPr marL="142875">
-              <a:lnSpc>
-                <a:spcPct val="115000"/>
-              </a:lnSpc>
-              <a:spcBef>
-                <a:spcPts val="1125"/>
-              </a:spcBef>
-              <a:buClr>
-                <a:srgbClr val="C00000"/>
-              </a:buClr>
-              <a:buSzPts val="2100"/>
-            </a:pPr>
-            <a:endParaRPr lang="en-US" sz="3600" dirty="0">
-              <a:solidFill>
-                <a:srgbClr val="C00000"/>
-              </a:solidFill>
-              <a:latin typeface="Consolas" panose="020B0609020204030204" pitchFamily="49" charset="0"/>
-              <a:sym typeface="Consolas"/>
-            </a:endParaRPr>
-          </a:p>
-        </p:txBody>
-      </p:sp>
-    </p:spTree>
-    <p:extLst>
-      <p:ext uri="{BB962C8B-B14F-4D97-AF65-F5344CB8AC3E}">
-        <p14:creationId xmlns:p14="http://schemas.microsoft.com/office/powerpoint/2010/main" val="2322075793"/>
-      </p:ext>
-    </p:extLst>
-  </p:cSld>
-  <p:clrMapOvr>
-    <a:masterClrMapping/>
-  </p:clrMapOvr>
-</p:sld>
-</file>
-
-<file path=ppt/slides/slide6.xml><?xml version="1.0" encoding="utf-8"?>
-<p:sld xmlns:a="http://schemas.openxmlformats.org/drawingml/2006/main" xmlns:r="http://schemas.openxmlformats.org/officeDocument/2006/relationships" xmlns:p="http://schemas.openxmlformats.org/presentationml/2006/main">
-  <p:cSld>
-    <p:spTree>
-      <p:nvGrpSpPr>
-        <p:cNvPr id="1" name=""/>
-        <p:cNvGrpSpPr/>
-        <p:nvPr/>
-      </p:nvGrpSpPr>
-      <p:grpSpPr>
-        <a:xfrm>
-          <a:off x="0" y="0"/>
-          <a:ext cx="0" cy="0"/>
-          <a:chOff x="0" y="0"/>
-          <a:chExt cx="0" cy="0"/>
-        </a:xfrm>
-      </p:grpSpPr>
-      <p:sp>
-        <p:nvSpPr>
-          <p:cNvPr id="4" name="Rectangle 3"/>
-          <p:cNvSpPr/>
-          <p:nvPr/>
-        </p:nvSpPr>
-        <p:spPr>
-          <a:xfrm>
-            <a:off x="9861630" y="0"/>
-            <a:ext cx="8426370" cy="10287000"/>
-          </a:xfrm>
-          <a:prstGeom prst="rect">
-            <a:avLst/>
-          </a:prstGeom>
-          <a:solidFill>
-            <a:srgbClr val="CF3338"/>
-          </a:solidFill>
-          <a:ln>
-            <a:noFill/>
-          </a:ln>
-        </p:spPr>
-        <p:style>
-          <a:lnRef idx="2">
-            <a:schemeClr val="accent1">
-              <a:shade val="50000"/>
-            </a:schemeClr>
-          </a:lnRef>
-          <a:fillRef idx="1">
-            <a:schemeClr val="accent1"/>
-          </a:fillRef>
-          <a:effectRef idx="0">
-            <a:schemeClr val="accent1"/>
-          </a:effectRef>
-          <a:fontRef idx="minor">
-            <a:schemeClr val="lt1"/>
-          </a:fontRef>
-        </p:style>
-        <p:txBody>
-          <a:bodyPr rtlCol="0" anchor="ctr"/>
-          <a:lstStyle/>
-          <a:p>
-            <a:pPr algn="ctr"/>
-            <a:endParaRPr lang="en-US" sz="2700"/>
-          </a:p>
-        </p:txBody>
-      </p:sp>
-      <p:pic>
-        <p:nvPicPr>
-          <p:cNvPr id="2" name="Picture 1"/>
-          <p:cNvPicPr>
-            <a:picLocks noChangeAspect="1"/>
-          </p:cNvPicPr>
-          <p:nvPr/>
-        </p:nvPicPr>
-        <p:blipFill rotWithShape="1">
-          <a:blip r:embed="rId3">
-            <a:extLst>
-              <a:ext uri="{28A0092B-C50C-407E-A947-70E740481C1C}">
-                <a14:useLocalDpi xmlns:a14="http://schemas.microsoft.com/office/drawing/2010/main" val="0"/>
-              </a:ext>
-            </a:extLst>
-          </a:blip>
-          <a:srcRect l="69227" t="33418" r="20112" b="50548"/>
-          <a:stretch/>
-        </p:blipFill>
-        <p:spPr>
-          <a:xfrm>
-            <a:off x="15579524" y="7544693"/>
-            <a:ext cx="2708477" cy="2987579"/>
-          </a:xfrm>
-          <a:prstGeom prst="rect">
-            <a:avLst/>
-          </a:prstGeom>
-        </p:spPr>
-      </p:pic>
-      <p:sp>
-        <p:nvSpPr>
-          <p:cNvPr id="3" name="TextBox 2"/>
-          <p:cNvSpPr txBox="1"/>
-          <p:nvPr/>
-        </p:nvSpPr>
-        <p:spPr>
-          <a:xfrm>
-            <a:off x="260431" y="329879"/>
-            <a:ext cx="8906720" cy="7817525"/>
-          </a:xfrm>
-          <a:prstGeom prst="rect">
-            <a:avLst/>
-          </a:prstGeom>
-          <a:noFill/>
-        </p:spPr>
-        <p:txBody>
-          <a:bodyPr wrap="square" rtlCol="0">
-            <a:spAutoFit/>
-          </a:bodyPr>
-          <a:lstStyle/>
-          <a:p>
-            <a:r>
-              <a:rPr lang="en-US" sz="6000" b="1" dirty="0">
-                <a:solidFill>
-                  <a:srgbClr val="CF3338"/>
-                </a:solidFill>
-                <a:latin typeface="Pragmatica" panose="020B0403040502020204" pitchFamily="34" charset="0"/>
-              </a:rPr>
-              <a:t>Creating interactive dashboards and reports</a:t>
-            </a:r>
-          </a:p>
-          <a:p>
-            <a:endParaRPr lang="en-US" sz="4200" dirty="0">
-              <a:solidFill>
-                <a:srgbClr val="CF3338"/>
-              </a:solidFill>
-              <a:latin typeface="Pragmatica" panose="020B0403040502020204" pitchFamily="34" charset="0"/>
-            </a:endParaRPr>
-          </a:p>
-          <a:p>
-            <a:pPr marL="342900" marR="0" lvl="0" indent="-342900">
-              <a:lnSpc>
-                <a:spcPct val="115000"/>
-              </a:lnSpc>
-              <a:spcBef>
-                <a:spcPts val="0"/>
-              </a:spcBef>
-              <a:spcAft>
-                <a:spcPts val="0"/>
-              </a:spcAft>
-              <a:buFont typeface="+mj-lt"/>
-              <a:buAutoNum type="arabicPeriod"/>
-            </a:pPr>
-            <a:r>
-              <a:rPr lang="en-US" sz="3200" kern="100" dirty="0">
-                <a:solidFill>
-                  <a:srgbClr val="C00000"/>
-                </a:solidFill>
-                <a:effectLst/>
-                <a:latin typeface="Pragmatica" panose="020B0403040502020204"/>
-                <a:ea typeface="Aptos" panose="020B0004020202020204" pitchFamily="34" charset="0"/>
-                <a:cs typeface="Times New Roman" panose="02020603050405020304" pitchFamily="18" charset="0"/>
-              </a:rPr>
-              <a:t>Continue with </a:t>
-            </a:r>
-            <a:r>
-              <a:rPr lang="en-US" sz="3200" kern="100" dirty="0">
-                <a:solidFill>
-                  <a:srgbClr val="C00000"/>
-                </a:solidFill>
-                <a:latin typeface="Pragmatica" panose="020B0403040502020204"/>
-                <a:ea typeface="Aptos" panose="020B0004020202020204" pitchFamily="34" charset="0"/>
-                <a:cs typeface="Times New Roman" panose="02020603050405020304" pitchFamily="18" charset="0"/>
-              </a:rPr>
-              <a:t>penguins dataset</a:t>
-            </a:r>
-            <a:endParaRPr lang="en-US" sz="3200" kern="100" dirty="0">
-              <a:solidFill>
-                <a:srgbClr val="C00000"/>
-              </a:solidFill>
-              <a:effectLst/>
-              <a:latin typeface="Pragmatica" panose="020B0403040502020204"/>
-              <a:ea typeface="Aptos" panose="020B0004020202020204" pitchFamily="34" charset="0"/>
-              <a:cs typeface="Times New Roman" panose="02020603050405020304" pitchFamily="18" charset="0"/>
-            </a:endParaRPr>
-          </a:p>
-          <a:p>
-            <a:pPr marL="342900" marR="0" lvl="0" indent="-342900">
-              <a:lnSpc>
-                <a:spcPct val="115000"/>
-              </a:lnSpc>
-              <a:spcBef>
-                <a:spcPts val="0"/>
-              </a:spcBef>
-              <a:spcAft>
-                <a:spcPts val="0"/>
-              </a:spcAft>
-              <a:buFont typeface="+mj-lt"/>
-              <a:buAutoNum type="arabicPeriod"/>
-            </a:pPr>
-            <a:r>
-              <a:rPr lang="en-US" sz="3200" kern="100" dirty="0">
-                <a:solidFill>
-                  <a:srgbClr val="C00000"/>
-                </a:solidFill>
-                <a:latin typeface="Pragmatica" panose="020B0403040502020204"/>
-                <a:ea typeface="Aptos" panose="020B0004020202020204" pitchFamily="34" charset="0"/>
-                <a:cs typeface="Times New Roman" panose="02020603050405020304" pitchFamily="18" charset="0"/>
-              </a:rPr>
-              <a:t>Creating interactive reports with Power BI</a:t>
-            </a:r>
-          </a:p>
-          <a:p>
-            <a:pPr marL="914400" lvl="1" indent="-457200">
-              <a:lnSpc>
-                <a:spcPct val="115000"/>
-              </a:lnSpc>
-              <a:buFont typeface="Arial" panose="020B0604020202020204" pitchFamily="34" charset="0"/>
-              <a:buChar char="•"/>
-            </a:pPr>
-            <a:r>
-              <a:rPr lang="en-US" sz="3200" kern="100" dirty="0">
-                <a:solidFill>
-                  <a:srgbClr val="C00000"/>
-                </a:solidFill>
-                <a:effectLst/>
-                <a:latin typeface="Pragmatica" panose="020B0403040502020204"/>
-                <a:ea typeface="Aptos" panose="020B0004020202020204" pitchFamily="34" charset="0"/>
-                <a:cs typeface="Times New Roman" panose="02020603050405020304" pitchFamily="18" charset="0"/>
-              </a:rPr>
-              <a:t>Slice</a:t>
-            </a:r>
-            <a:r>
-              <a:rPr lang="en-US" sz="3200" kern="100" dirty="0">
-                <a:solidFill>
-                  <a:srgbClr val="C00000"/>
-                </a:solidFill>
-                <a:latin typeface="Pragmatica" panose="020B0403040502020204"/>
-                <a:ea typeface="Aptos" panose="020B0004020202020204" pitchFamily="34" charset="0"/>
-                <a:cs typeface="Times New Roman" panose="02020603050405020304" pitchFamily="18" charset="0"/>
-              </a:rPr>
-              <a:t>rs/Timelines</a:t>
-            </a:r>
-          </a:p>
-          <a:p>
-            <a:pPr marL="914400" lvl="1" indent="-457200">
-              <a:lnSpc>
-                <a:spcPct val="115000"/>
-              </a:lnSpc>
-              <a:buFont typeface="Arial" panose="020B0604020202020204" pitchFamily="34" charset="0"/>
-              <a:buChar char="•"/>
-            </a:pPr>
-            <a:r>
-              <a:rPr lang="en-US" sz="3200" kern="100" dirty="0">
-                <a:solidFill>
-                  <a:srgbClr val="C00000"/>
-                </a:solidFill>
-                <a:effectLst/>
-                <a:latin typeface="Pragmatica" panose="020B0403040502020204"/>
-                <a:ea typeface="Aptos" panose="020B0004020202020204" pitchFamily="34" charset="0"/>
-                <a:cs typeface="Times New Roman" panose="02020603050405020304" pitchFamily="18" charset="0"/>
-              </a:rPr>
-              <a:t>Cross filter functionality</a:t>
-            </a:r>
-          </a:p>
-          <a:p>
-            <a:pPr marL="914400" lvl="1" indent="-457200">
-              <a:lnSpc>
-                <a:spcPct val="115000"/>
-              </a:lnSpc>
-              <a:buFont typeface="Arial" panose="020B0604020202020204" pitchFamily="34" charset="0"/>
-              <a:buChar char="•"/>
-            </a:pPr>
-            <a:r>
-              <a:rPr lang="en-US" sz="3200" kern="100" dirty="0">
-                <a:solidFill>
-                  <a:srgbClr val="C00000"/>
-                </a:solidFill>
-                <a:effectLst/>
-                <a:latin typeface="Pragmatica" panose="020B0403040502020204"/>
-                <a:ea typeface="Aptos" panose="020B0004020202020204" pitchFamily="34" charset="0"/>
-                <a:cs typeface="Times New Roman" panose="02020603050405020304" pitchFamily="18" charset="0"/>
-              </a:rPr>
-              <a:t>Additional plot functionality vs Excel</a:t>
-            </a:r>
-          </a:p>
-          <a:p>
-            <a:endParaRPr lang="en-US" sz="4200" dirty="0">
-              <a:solidFill>
-                <a:srgbClr val="CF3338"/>
-              </a:solidFill>
-              <a:latin typeface="Pragmatica" panose="020B0403040502020204" pitchFamily="34" charset="0"/>
-            </a:endParaRPr>
-          </a:p>
-          <a:p>
-            <a:r>
-              <a:rPr lang="en-US" sz="3600" kern="100" dirty="0">
-                <a:solidFill>
-                  <a:srgbClr val="C00000"/>
-                </a:solidFill>
-                <a:effectLst/>
-                <a:latin typeface="Pragmatica" panose="020B0403040502020204"/>
-                <a:ea typeface="Aptos" panose="020B0004020202020204" pitchFamily="34" charset="0"/>
-                <a:cs typeface="Times New Roman" panose="02020603050405020304" pitchFamily="18" charset="0"/>
-              </a:rPr>
-              <a:t>Folder: </a:t>
-            </a:r>
-            <a:r>
-              <a:rPr lang="en-US" sz="3600" kern="100" dirty="0">
-                <a:solidFill>
-                  <a:srgbClr val="C00000"/>
-                </a:solidFill>
-                <a:effectLst/>
-                <a:latin typeface="Consolas" panose="020B0609020204030204" pitchFamily="49" charset="0"/>
-                <a:ea typeface="Aptos" panose="020B0004020202020204" pitchFamily="34" charset="0"/>
-                <a:cs typeface="Times New Roman" panose="02020603050405020304" pitchFamily="18" charset="0"/>
-              </a:rPr>
-              <a:t>3-creating-interactive-visuals</a:t>
-            </a:r>
-          </a:p>
-          <a:p>
-            <a:endParaRPr lang="en-US" sz="4200" dirty="0">
-              <a:solidFill>
-                <a:srgbClr val="CF3338"/>
-              </a:solidFill>
-              <a:latin typeface="Pragmatica" panose="020B0403040502020204" pitchFamily="34" charset="0"/>
-            </a:endParaRPr>
-          </a:p>
-        </p:txBody>
-      </p:sp>
-    </p:spTree>
-    <p:extLst>
-      <p:ext uri="{BB962C8B-B14F-4D97-AF65-F5344CB8AC3E}">
-        <p14:creationId xmlns:p14="http://schemas.microsoft.com/office/powerpoint/2010/main" val="1679221718"/>
-      </p:ext>
-    </p:extLst>
-  </p:cSld>
-  <p:clrMapOvr>
-    <a:masterClrMapping/>
-  </p:clrMapOvr>
-</p:sld>
-</file>
-
-<file path=ppt/slides/slide7.xml><?xml version="1.0" encoding="utf-8"?>
-<p:sld xmlns:a="http://schemas.openxmlformats.org/drawingml/2006/main" xmlns:r="http://schemas.openxmlformats.org/officeDocument/2006/relationships" xmlns:p="http://schemas.openxmlformats.org/presentationml/2006/main">
-  <p:cSld>
-    <p:spTree>
-      <p:nvGrpSpPr>
-        <p:cNvPr id="1" name="">
-          <a:extLst>
-            <a:ext uri="{FF2B5EF4-FFF2-40B4-BE49-F238E27FC236}">
-              <a16:creationId xmlns:a16="http://schemas.microsoft.com/office/drawing/2014/main" id="{9289DE51-3698-19A7-2410-9FF95955B105}"/>
-            </a:ext>
-          </a:extLst>
-        </p:cNvPr>
-        <p:cNvGrpSpPr/>
-        <p:nvPr/>
-      </p:nvGrpSpPr>
-      <p:grpSpPr>
-        <a:xfrm>
-          <a:off x="0" y="0"/>
-          <a:ext cx="0" cy="0"/>
-          <a:chOff x="0" y="0"/>
-          <a:chExt cx="0" cy="0"/>
-        </a:xfrm>
-      </p:grpSpPr>
-      <p:sp>
-        <p:nvSpPr>
-          <p:cNvPr id="4" name="Rectangle 3">
-            <a:extLst>
-              <a:ext uri="{FF2B5EF4-FFF2-40B4-BE49-F238E27FC236}">
-                <a16:creationId xmlns:a16="http://schemas.microsoft.com/office/drawing/2014/main" id="{A07311E4-483B-E0EC-2A09-57DA32632608}"/>
-              </a:ext>
-            </a:extLst>
-          </p:cNvPr>
-          <p:cNvSpPr/>
-          <p:nvPr/>
-        </p:nvSpPr>
-        <p:spPr>
-          <a:xfrm>
-            <a:off x="14249400" y="0"/>
-            <a:ext cx="4038600" cy="10287000"/>
-          </a:xfrm>
-          <a:prstGeom prst="rect">
-            <a:avLst/>
-          </a:prstGeom>
-          <a:solidFill>
-            <a:srgbClr val="CF3338"/>
-          </a:solidFill>
-          <a:ln>
-            <a:noFill/>
-          </a:ln>
-        </p:spPr>
-        <p:style>
-          <a:lnRef idx="2">
-            <a:schemeClr val="accent1">
-              <a:shade val="50000"/>
-            </a:schemeClr>
-          </a:lnRef>
-          <a:fillRef idx="1">
-            <a:schemeClr val="accent1"/>
-          </a:fillRef>
-          <a:effectRef idx="0">
-            <a:schemeClr val="accent1"/>
-          </a:effectRef>
-          <a:fontRef idx="minor">
-            <a:schemeClr val="lt1"/>
-          </a:fontRef>
-        </p:style>
-        <p:txBody>
-          <a:bodyPr rtlCol="0" anchor="ctr"/>
-          <a:lstStyle/>
-          <a:p>
-            <a:pPr algn="ctr"/>
-            <a:endParaRPr lang="en-US" sz="2700"/>
-          </a:p>
-        </p:txBody>
-      </p:sp>
-      <p:pic>
-        <p:nvPicPr>
-          <p:cNvPr id="2" name="Picture 1">
-            <a:extLst>
-              <a:ext uri="{FF2B5EF4-FFF2-40B4-BE49-F238E27FC236}">
-                <a16:creationId xmlns:a16="http://schemas.microsoft.com/office/drawing/2014/main" id="{C925E978-5853-7382-33B7-E92E58A94E1A}"/>
-              </a:ext>
-            </a:extLst>
-          </p:cNvPr>
-          <p:cNvPicPr>
-            <a:picLocks noChangeAspect="1"/>
-          </p:cNvPicPr>
-          <p:nvPr/>
-        </p:nvPicPr>
-        <p:blipFill rotWithShape="1">
-          <a:blip r:embed="rId3">
-            <a:extLst>
-              <a:ext uri="{28A0092B-C50C-407E-A947-70E740481C1C}">
-                <a14:useLocalDpi xmlns:a14="http://schemas.microsoft.com/office/drawing/2010/main" val="0"/>
-              </a:ext>
-            </a:extLst>
-          </a:blip>
-          <a:srcRect l="69227" t="33418" r="20112" b="50548"/>
-          <a:stretch/>
-        </p:blipFill>
-        <p:spPr>
-          <a:xfrm>
-            <a:off x="15579524" y="7544693"/>
-            <a:ext cx="2708477" cy="2987579"/>
-          </a:xfrm>
-          <a:prstGeom prst="rect">
-            <a:avLst/>
-          </a:prstGeom>
-        </p:spPr>
-      </p:pic>
-      <p:sp>
-        <p:nvSpPr>
-          <p:cNvPr id="3" name="TextBox 2">
-            <a:extLst>
-              <a:ext uri="{FF2B5EF4-FFF2-40B4-BE49-F238E27FC236}">
-                <a16:creationId xmlns:a16="http://schemas.microsoft.com/office/drawing/2014/main" id="{AD1D6570-8423-6016-5997-5C5C44F51FC3}"/>
-              </a:ext>
-            </a:extLst>
-          </p:cNvPr>
-          <p:cNvSpPr txBox="1"/>
-          <p:nvPr/>
-        </p:nvSpPr>
-        <p:spPr>
-          <a:xfrm>
-            <a:off x="260430" y="329879"/>
-            <a:ext cx="13150769" cy="7066550"/>
-          </a:xfrm>
-          <a:prstGeom prst="rect">
-            <a:avLst/>
-          </a:prstGeom>
-          <a:noFill/>
-        </p:spPr>
-        <p:txBody>
-          <a:bodyPr wrap="square" rtlCol="0">
-            <a:spAutoFit/>
-          </a:bodyPr>
-          <a:lstStyle/>
-          <a:p>
-            <a:r>
-              <a:rPr lang="en-US" sz="6000" b="1" dirty="0">
-                <a:solidFill>
-                  <a:srgbClr val="CF3338"/>
-                </a:solidFill>
-                <a:latin typeface="Pragmatica" panose="020B0403040502020204" pitchFamily="34" charset="0"/>
-              </a:rPr>
-              <a:t>Exercises</a:t>
-            </a:r>
-          </a:p>
-          <a:p>
-            <a:endParaRPr lang="en-US" sz="4200" dirty="0">
-              <a:solidFill>
-                <a:srgbClr val="CF3338"/>
-              </a:solidFill>
-              <a:latin typeface="Pragmatica" panose="020B0403040502020204" pitchFamily="34" charset="0"/>
-            </a:endParaRPr>
-          </a:p>
-          <a:p>
-            <a:r>
-              <a:rPr lang="en-US" sz="3600" dirty="0">
-                <a:solidFill>
-                  <a:srgbClr val="CF3338"/>
-                </a:solidFill>
-                <a:latin typeface="Pragmatica" panose="020B0403040502020204" pitchFamily="34" charset="0"/>
-              </a:rPr>
-              <a:t>For all data since 1970: </a:t>
-            </a:r>
-          </a:p>
-          <a:p>
-            <a:endParaRPr lang="en-US" sz="4200" dirty="0">
-              <a:solidFill>
-                <a:srgbClr val="CF3338"/>
-              </a:solidFill>
-              <a:latin typeface="Pragmatica" panose="020B0403040502020204" pitchFamily="34" charset="0"/>
-            </a:endParaRPr>
-          </a:p>
-          <a:p>
-            <a:pPr marL="342900" marR="0" lvl="0" indent="-342900">
-              <a:lnSpc>
-                <a:spcPct val="115000"/>
-              </a:lnSpc>
-              <a:spcBef>
-                <a:spcPts val="0"/>
-              </a:spcBef>
-              <a:spcAft>
-                <a:spcPts val="0"/>
-              </a:spcAft>
-              <a:buFont typeface="+mj-lt"/>
-              <a:buAutoNum type="arabicPeriod"/>
-            </a:pPr>
-            <a:r>
-              <a:rPr lang="en-US" sz="3200" kern="100" dirty="0">
-                <a:solidFill>
-                  <a:srgbClr val="C00000"/>
-                </a:solidFill>
-                <a:effectLst/>
-                <a:latin typeface="Pragmatica" panose="020B0403040502020204"/>
-                <a:ea typeface="Aptos" panose="020B0004020202020204" pitchFamily="34" charset="0"/>
-                <a:cs typeface="Times New Roman" panose="02020603050405020304" pitchFamily="18" charset="0"/>
-              </a:rPr>
-              <a:t>Create stolen base percentage measure: SUM(SB) / (SUM(SB) + SUM(SC))</a:t>
-            </a:r>
-          </a:p>
-          <a:p>
-            <a:pPr marL="342900" marR="0" lvl="0" indent="-342900">
-              <a:lnSpc>
-                <a:spcPct val="115000"/>
-              </a:lnSpc>
-              <a:spcBef>
-                <a:spcPts val="0"/>
-              </a:spcBef>
-              <a:spcAft>
-                <a:spcPts val="0"/>
-              </a:spcAft>
-              <a:buFont typeface="+mj-lt"/>
-              <a:buAutoNum type="arabicPeriod"/>
-            </a:pPr>
-            <a:r>
-              <a:rPr lang="en-US" sz="3200" kern="100" dirty="0">
-                <a:solidFill>
-                  <a:srgbClr val="C00000"/>
-                </a:solidFill>
-                <a:effectLst/>
-                <a:latin typeface="Pragmatica" panose="020B0403040502020204"/>
-                <a:ea typeface="Aptos" panose="020B0004020202020204" pitchFamily="34" charset="0"/>
-                <a:cs typeface="Times New Roman" panose="02020603050405020304" pitchFamily="18" charset="0"/>
-              </a:rPr>
-              <a:t>Compare SBP over time by league</a:t>
-            </a:r>
-          </a:p>
-          <a:p>
-            <a:pPr marL="342900" marR="0" lvl="0" indent="-342900">
-              <a:lnSpc>
-                <a:spcPct val="115000"/>
-              </a:lnSpc>
-              <a:spcBef>
-                <a:spcPts val="0"/>
-              </a:spcBef>
-              <a:spcAft>
-                <a:spcPts val="0"/>
-              </a:spcAft>
-              <a:buFont typeface="+mj-lt"/>
-              <a:buAutoNum type="arabicPeriod"/>
-            </a:pPr>
-            <a:r>
-              <a:rPr lang="en-US" sz="3200" kern="100" dirty="0">
-                <a:solidFill>
-                  <a:srgbClr val="C00000"/>
-                </a:solidFill>
-                <a:latin typeface="Pragmatica" panose="020B0403040502020204"/>
-                <a:ea typeface="Aptos" panose="020B0004020202020204" pitchFamily="34" charset="0"/>
-                <a:cs typeface="Times New Roman" panose="02020603050405020304" pitchFamily="18" charset="0"/>
-              </a:rPr>
-              <a:t>Compare relationship between runs (R) and wins (W)</a:t>
-            </a:r>
-          </a:p>
-          <a:p>
-            <a:pPr marL="342900" marR="0" lvl="0" indent="-342900">
-              <a:lnSpc>
-                <a:spcPct val="115000"/>
-              </a:lnSpc>
-              <a:spcBef>
-                <a:spcPts val="0"/>
-              </a:spcBef>
-              <a:spcAft>
-                <a:spcPts val="0"/>
-              </a:spcAft>
-              <a:buFont typeface="+mj-lt"/>
-              <a:buAutoNum type="arabicPeriod"/>
-            </a:pPr>
-            <a:r>
-              <a:rPr lang="en-US" sz="3200" kern="100" dirty="0">
-                <a:solidFill>
-                  <a:srgbClr val="C00000"/>
-                </a:solidFill>
-                <a:effectLst/>
-                <a:latin typeface="Pragmatica" panose="020B0403040502020204"/>
-                <a:ea typeface="Aptos" panose="020B0004020202020204" pitchFamily="34" charset="0"/>
-                <a:cs typeface="Times New Roman" panose="02020603050405020304" pitchFamily="18" charset="0"/>
-              </a:rPr>
-              <a:t>Add a timeline-based slicer to the report</a:t>
-            </a:r>
-          </a:p>
-          <a:p>
-            <a:endParaRPr lang="en-US" sz="4200" dirty="0">
-              <a:solidFill>
-                <a:srgbClr val="CF3338"/>
-              </a:solidFill>
-              <a:latin typeface="Pragmatica" panose="020B0403040502020204" pitchFamily="34" charset="0"/>
-            </a:endParaRPr>
-          </a:p>
-          <a:p>
-            <a:r>
-              <a:rPr lang="en-US" sz="3600" kern="100" dirty="0">
-                <a:solidFill>
-                  <a:srgbClr val="C00000"/>
-                </a:solidFill>
-                <a:effectLst/>
-                <a:latin typeface="Pragmatica" panose="020B0403040502020204"/>
-                <a:ea typeface="Aptos" panose="020B0004020202020204" pitchFamily="34" charset="0"/>
-                <a:cs typeface="Times New Roman" panose="02020603050405020304" pitchFamily="18" charset="0"/>
-              </a:rPr>
-              <a:t>Folder: </a:t>
-            </a:r>
-            <a:r>
-              <a:rPr lang="en-US" sz="3600" kern="100" dirty="0">
-                <a:solidFill>
-                  <a:srgbClr val="C00000"/>
-                </a:solidFill>
-                <a:latin typeface="Consolas" panose="020B0609020204030204" pitchFamily="49" charset="0"/>
-                <a:ea typeface="Aptos" panose="020B0004020202020204" pitchFamily="34" charset="0"/>
-                <a:cs typeface="Times New Roman" panose="02020603050405020304" pitchFamily="18" charset="0"/>
-              </a:rPr>
-              <a:t>4</a:t>
-            </a:r>
-            <a:r>
-              <a:rPr lang="en-US" sz="3600" kern="100" dirty="0">
-                <a:solidFill>
-                  <a:srgbClr val="C00000"/>
-                </a:solidFill>
-                <a:effectLst/>
-                <a:latin typeface="Consolas" panose="020B0609020204030204" pitchFamily="49" charset="0"/>
-                <a:ea typeface="Aptos" panose="020B0004020202020204" pitchFamily="34" charset="0"/>
-                <a:cs typeface="Times New Roman" panose="02020603050405020304" pitchFamily="18" charset="0"/>
-              </a:rPr>
-              <a:t>-power-bi-challenge</a:t>
-            </a:r>
-          </a:p>
-          <a:p>
-            <a:endParaRPr lang="en-US" sz="4200" dirty="0">
-              <a:solidFill>
-                <a:srgbClr val="CF3338"/>
-              </a:solidFill>
-              <a:latin typeface="Pragmatica" panose="020B0403040502020204" pitchFamily="34" charset="0"/>
-            </a:endParaRPr>
-          </a:p>
-        </p:txBody>
-      </p:sp>
-    </p:spTree>
-    <p:extLst>
-      <p:ext uri="{BB962C8B-B14F-4D97-AF65-F5344CB8AC3E}">
-        <p14:creationId xmlns:p14="http://schemas.microsoft.com/office/powerpoint/2010/main" val="3297408441"/>
-      </p:ext>
-    </p:extLst>
-  </p:cSld>
-  <p:clrMapOvr>
-    <a:masterClrMapping/>
-  </p:clrMapOvr>
-</p:sld>
-</file>
-
-<file path=ppt/slides/slide8.xml><?xml version="1.0" encoding="utf-8"?>
+<file path=ppt/slides/slide23.xml><?xml version="1.0" encoding="utf-8"?>
 <p:sld xmlns:a="http://schemas.openxmlformats.org/drawingml/2006/main" xmlns:r="http://schemas.openxmlformats.org/officeDocument/2006/relationships" xmlns:p="http://schemas.openxmlformats.org/presentationml/2006/main">
   <p:cSld>
     <p:spTree>
@@ -6050,6 +7478,1325 @@
 </p:sld>
 </file>
 
+<file path=ppt/slides/slide3.xml><?xml version="1.0" encoding="utf-8"?>
+<p:sld xmlns:a="http://schemas.openxmlformats.org/drawingml/2006/main" xmlns:r="http://schemas.openxmlformats.org/officeDocument/2006/relationships" xmlns:p="http://schemas.openxmlformats.org/presentationml/2006/main">
+  <p:cSld>
+    <p:spTree>
+      <p:nvGrpSpPr>
+        <p:cNvPr id="1" name=""/>
+        <p:cNvGrpSpPr/>
+        <p:nvPr/>
+      </p:nvGrpSpPr>
+      <p:grpSpPr>
+        <a:xfrm>
+          <a:off x="0" y="0"/>
+          <a:ext cx="0" cy="0"/>
+          <a:chOff x="0" y="0"/>
+          <a:chExt cx="0" cy="0"/>
+        </a:xfrm>
+      </p:grpSpPr>
+      <p:sp>
+        <p:nvSpPr>
+          <p:cNvPr id="11" name="TextBox 10"/>
+          <p:cNvSpPr txBox="1"/>
+          <p:nvPr/>
+        </p:nvSpPr>
+        <p:spPr>
+          <a:xfrm>
+            <a:off x="520861" y="170082"/>
+            <a:ext cx="11979797" cy="1477328"/>
+          </a:xfrm>
+          <a:prstGeom prst="rect">
+            <a:avLst/>
+          </a:prstGeom>
+          <a:noFill/>
+        </p:spPr>
+        <p:txBody>
+          <a:bodyPr wrap="square" rtlCol="0">
+            <a:spAutoFit/>
+          </a:bodyPr>
+          <a:lstStyle/>
+          <a:p>
+            <a:r>
+              <a:rPr lang="en-US" sz="9000" dirty="0">
+                <a:latin typeface="Aliens &amp; cows" panose="00000500000000000000" pitchFamily="2" charset="0"/>
+              </a:rPr>
+              <a:t>What to expect today</a:t>
+            </a:r>
+          </a:p>
+        </p:txBody>
+      </p:sp>
+      <p:sp>
+        <p:nvSpPr>
+          <p:cNvPr id="3" name="TextBox 2"/>
+          <p:cNvSpPr txBox="1"/>
+          <p:nvPr/>
+        </p:nvSpPr>
+        <p:spPr>
+          <a:xfrm>
+            <a:off x="520861" y="3191948"/>
+            <a:ext cx="14393120" cy="2585323"/>
+          </a:xfrm>
+          <a:prstGeom prst="rect">
+            <a:avLst/>
+          </a:prstGeom>
+          <a:noFill/>
+        </p:spPr>
+        <p:txBody>
+          <a:bodyPr wrap="square" rtlCol="0">
+            <a:spAutoFit/>
+          </a:bodyPr>
+          <a:lstStyle/>
+          <a:p>
+            <a:pPr marL="685800" indent="-685800">
+              <a:buClr>
+                <a:srgbClr val="CF3338"/>
+              </a:buClr>
+              <a:buFont typeface="Arial" panose="020B0604020202020204" pitchFamily="34" charset="0"/>
+              <a:buChar char="•"/>
+            </a:pPr>
+            <a:r>
+              <a:rPr lang="en-US" sz="5400" dirty="0">
+                <a:solidFill>
+                  <a:srgbClr val="707070"/>
+                </a:solidFill>
+                <a:latin typeface="Pragmatica" panose="020B0403040502020204" pitchFamily="34" charset="0"/>
+              </a:rPr>
+              <a:t>Practical Excel demos</a:t>
+            </a:r>
+          </a:p>
+          <a:p>
+            <a:pPr marL="685800" indent="-685800">
+              <a:buClr>
+                <a:srgbClr val="CF3338"/>
+              </a:buClr>
+              <a:buFont typeface="Arial" panose="020B0604020202020204" pitchFamily="34" charset="0"/>
+              <a:buChar char="•"/>
+            </a:pPr>
+            <a:r>
+              <a:rPr lang="en-US" sz="5400" dirty="0">
+                <a:solidFill>
+                  <a:srgbClr val="707070"/>
+                </a:solidFill>
+                <a:latin typeface="Pragmatica" panose="020B0403040502020204" pitchFamily="34" charset="0"/>
+              </a:rPr>
+              <a:t>Transparent look at my services and offerings</a:t>
+            </a:r>
+          </a:p>
+          <a:p>
+            <a:pPr marL="685800" indent="-685800">
+              <a:buClr>
+                <a:srgbClr val="CF3338"/>
+              </a:buClr>
+              <a:buFont typeface="Arial" panose="020B0604020202020204" pitchFamily="34" charset="0"/>
+              <a:buChar char="•"/>
+            </a:pPr>
+            <a:r>
+              <a:rPr lang="en-US" sz="5400" dirty="0">
+                <a:solidFill>
+                  <a:srgbClr val="707070"/>
+                </a:solidFill>
+                <a:latin typeface="Pragmatica" panose="020B0403040502020204" pitchFamily="34" charset="0"/>
+              </a:rPr>
+              <a:t>Referral program &amp; bonus resources</a:t>
+            </a:r>
+          </a:p>
+        </p:txBody>
+      </p:sp>
+      <p:pic>
+        <p:nvPicPr>
+          <p:cNvPr id="15" name="Picture 14" descr="A close up of a sign&#10;&#10;Description automatically generated">
+            <a:extLst>
+              <a:ext uri="{FF2B5EF4-FFF2-40B4-BE49-F238E27FC236}">
+                <a16:creationId xmlns:a16="http://schemas.microsoft.com/office/drawing/2014/main" id="{29761B90-A7DE-4A60-A915-F085BD87CAB4}"/>
+              </a:ext>
+            </a:extLst>
+          </p:cNvPr>
+          <p:cNvPicPr>
+            <a:picLocks noChangeAspect="1"/>
+          </p:cNvPicPr>
+          <p:nvPr/>
+        </p:nvPicPr>
+        <p:blipFill>
+          <a:blip r:embed="rId2">
+            <a:extLst>
+              <a:ext uri="{28A0092B-C50C-407E-A947-70E740481C1C}">
+                <a14:useLocalDpi xmlns:a14="http://schemas.microsoft.com/office/drawing/2010/main" val="0"/>
+              </a:ext>
+            </a:extLst>
+          </a:blip>
+          <a:stretch>
+            <a:fillRect/>
+          </a:stretch>
+        </p:blipFill>
+        <p:spPr>
+          <a:xfrm>
+            <a:off x="16341036" y="8058429"/>
+            <a:ext cx="1942857" cy="2228571"/>
+          </a:xfrm>
+          <a:prstGeom prst="rect">
+            <a:avLst/>
+          </a:prstGeom>
+        </p:spPr>
+      </p:pic>
+    </p:spTree>
+    <p:extLst>
+      <p:ext uri="{BB962C8B-B14F-4D97-AF65-F5344CB8AC3E}">
+        <p14:creationId xmlns:p14="http://schemas.microsoft.com/office/powerpoint/2010/main" val="787076388"/>
+      </p:ext>
+    </p:extLst>
+  </p:cSld>
+  <p:clrMapOvr>
+    <a:masterClrMapping/>
+  </p:clrMapOvr>
+</p:sld>
+</file>
+
+<file path=ppt/slides/slide4.xml><?xml version="1.0" encoding="utf-8"?>
+<p:sld xmlns:a="http://schemas.openxmlformats.org/drawingml/2006/main" xmlns:r="http://schemas.openxmlformats.org/officeDocument/2006/relationships" xmlns:p="http://schemas.openxmlformats.org/presentationml/2006/main">
+  <p:cSld>
+    <p:spTree>
+      <p:nvGrpSpPr>
+        <p:cNvPr id="1" name="">
+          <a:extLst>
+            <a:ext uri="{FF2B5EF4-FFF2-40B4-BE49-F238E27FC236}">
+              <a16:creationId xmlns:a16="http://schemas.microsoft.com/office/drawing/2014/main" id="{44A9E9DD-6C52-11D7-FF34-4264EA227251}"/>
+            </a:ext>
+          </a:extLst>
+        </p:cNvPr>
+        <p:cNvGrpSpPr/>
+        <p:nvPr/>
+      </p:nvGrpSpPr>
+      <p:grpSpPr>
+        <a:xfrm>
+          <a:off x="0" y="0"/>
+          <a:ext cx="0" cy="0"/>
+          <a:chOff x="0" y="0"/>
+          <a:chExt cx="0" cy="0"/>
+        </a:xfrm>
+      </p:grpSpPr>
+      <p:sp>
+        <p:nvSpPr>
+          <p:cNvPr id="11" name="TextBox 10">
+            <a:extLst>
+              <a:ext uri="{FF2B5EF4-FFF2-40B4-BE49-F238E27FC236}">
+                <a16:creationId xmlns:a16="http://schemas.microsoft.com/office/drawing/2014/main" id="{E34997D2-521B-C2AB-A68A-2EB202160AAF}"/>
+              </a:ext>
+            </a:extLst>
+          </p:cNvPr>
+          <p:cNvSpPr txBox="1"/>
+          <p:nvPr/>
+        </p:nvSpPr>
+        <p:spPr>
+          <a:xfrm>
+            <a:off x="520861" y="170082"/>
+            <a:ext cx="11979797" cy="1477328"/>
+          </a:xfrm>
+          <a:prstGeom prst="rect">
+            <a:avLst/>
+          </a:prstGeom>
+          <a:noFill/>
+        </p:spPr>
+        <p:txBody>
+          <a:bodyPr wrap="square" rtlCol="0">
+            <a:spAutoFit/>
+          </a:bodyPr>
+          <a:lstStyle/>
+          <a:p>
+            <a:r>
+              <a:rPr lang="en-US" sz="9000" dirty="0">
+                <a:latin typeface="Aliens &amp; cows" panose="00000500000000000000" pitchFamily="2" charset="0"/>
+              </a:rPr>
+              <a:t>Resources for today</a:t>
+            </a:r>
+          </a:p>
+        </p:txBody>
+      </p:sp>
+      <p:sp>
+        <p:nvSpPr>
+          <p:cNvPr id="3" name="TextBox 2">
+            <a:extLst>
+              <a:ext uri="{FF2B5EF4-FFF2-40B4-BE49-F238E27FC236}">
+                <a16:creationId xmlns:a16="http://schemas.microsoft.com/office/drawing/2014/main" id="{0770AD58-6393-FAA1-1B49-C4E35BD89376}"/>
+              </a:ext>
+            </a:extLst>
+          </p:cNvPr>
+          <p:cNvSpPr txBox="1"/>
+          <p:nvPr/>
+        </p:nvSpPr>
+        <p:spPr>
+          <a:xfrm>
+            <a:off x="520861" y="3191948"/>
+            <a:ext cx="14393120" cy="3046988"/>
+          </a:xfrm>
+          <a:prstGeom prst="rect">
+            <a:avLst/>
+          </a:prstGeom>
+          <a:noFill/>
+        </p:spPr>
+        <p:txBody>
+          <a:bodyPr wrap="square" rtlCol="0">
+            <a:spAutoFit/>
+          </a:bodyPr>
+          <a:lstStyle/>
+          <a:p>
+            <a:pPr marL="685800" indent="-685800">
+              <a:buClr>
+                <a:srgbClr val="CF3338"/>
+              </a:buClr>
+              <a:buFont typeface="Arial" panose="020B0604020202020204" pitchFamily="34" charset="0"/>
+              <a:buChar char="•"/>
+            </a:pPr>
+            <a:r>
+              <a:rPr lang="en-US" sz="9600" dirty="0">
+                <a:solidFill>
+                  <a:srgbClr val="707070"/>
+                </a:solidFill>
+                <a:latin typeface="Pragmatica" panose="020B0403040502020204" pitchFamily="34" charset="0"/>
+              </a:rPr>
+              <a:t>Download at </a:t>
+            </a:r>
+            <a:r>
+              <a:rPr lang="en-US" sz="9600" dirty="0">
+                <a:solidFill>
+                  <a:srgbClr val="CF3338"/>
+                </a:solidFill>
+                <a:latin typeface="Pragmatica" panose="020B0403040502020204" pitchFamily="34" charset="0"/>
+                <a:hlinkClick r:id="rId2">
+                  <a:extLst>
+                    <a:ext uri="{A12FA001-AC4F-418D-AE19-62706E023703}">
+                      <ahyp:hlinkClr xmlns:ahyp="http://schemas.microsoft.com/office/drawing/2018/hyperlinkcolor" val="tx"/>
+                    </a:ext>
+                  </a:extLst>
+                </a:hlinkClick>
+              </a:rPr>
+              <a:t>https://swiy.co/mxldd</a:t>
+            </a:r>
+            <a:r>
+              <a:rPr lang="en-US" sz="9600" dirty="0">
+                <a:solidFill>
+                  <a:srgbClr val="CF3338"/>
+                </a:solidFill>
+                <a:latin typeface="Pragmatica" panose="020B0403040502020204" pitchFamily="34" charset="0"/>
+              </a:rPr>
+              <a:t> </a:t>
+            </a:r>
+          </a:p>
+        </p:txBody>
+      </p:sp>
+      <p:pic>
+        <p:nvPicPr>
+          <p:cNvPr id="15" name="Picture 14" descr="A close up of a sign&#10;&#10;Description automatically generated">
+            <a:extLst>
+              <a:ext uri="{FF2B5EF4-FFF2-40B4-BE49-F238E27FC236}">
+                <a16:creationId xmlns:a16="http://schemas.microsoft.com/office/drawing/2014/main" id="{9B8F3280-B18F-CF7A-E13E-97BB5CDA86E8}"/>
+              </a:ext>
+            </a:extLst>
+          </p:cNvPr>
+          <p:cNvPicPr>
+            <a:picLocks noChangeAspect="1"/>
+          </p:cNvPicPr>
+          <p:nvPr/>
+        </p:nvPicPr>
+        <p:blipFill>
+          <a:blip r:embed="rId3">
+            <a:extLst>
+              <a:ext uri="{28A0092B-C50C-407E-A947-70E740481C1C}">
+                <a14:useLocalDpi xmlns:a14="http://schemas.microsoft.com/office/drawing/2010/main" val="0"/>
+              </a:ext>
+            </a:extLst>
+          </a:blip>
+          <a:stretch>
+            <a:fillRect/>
+          </a:stretch>
+        </p:blipFill>
+        <p:spPr>
+          <a:xfrm>
+            <a:off x="16341036" y="8058429"/>
+            <a:ext cx="1942857" cy="2228571"/>
+          </a:xfrm>
+          <a:prstGeom prst="rect">
+            <a:avLst/>
+          </a:prstGeom>
+        </p:spPr>
+      </p:pic>
+    </p:spTree>
+    <p:extLst>
+      <p:ext uri="{BB962C8B-B14F-4D97-AF65-F5344CB8AC3E}">
+        <p14:creationId xmlns:p14="http://schemas.microsoft.com/office/powerpoint/2010/main" val="1321459034"/>
+      </p:ext>
+    </p:extLst>
+  </p:cSld>
+  <p:clrMapOvr>
+    <a:masterClrMapping/>
+  </p:clrMapOvr>
+</p:sld>
+</file>
+
+<file path=ppt/slides/slide5.xml><?xml version="1.0" encoding="utf-8"?>
+<p:sld xmlns:a="http://schemas.openxmlformats.org/drawingml/2006/main" xmlns:r="http://schemas.openxmlformats.org/officeDocument/2006/relationships" xmlns:p="http://schemas.openxmlformats.org/presentationml/2006/main">
+  <p:cSld>
+    <p:spTree>
+      <p:nvGrpSpPr>
+        <p:cNvPr id="1" name=""/>
+        <p:cNvGrpSpPr/>
+        <p:nvPr/>
+      </p:nvGrpSpPr>
+      <p:grpSpPr>
+        <a:xfrm>
+          <a:off x="0" y="0"/>
+          <a:ext cx="0" cy="0"/>
+          <a:chOff x="0" y="0"/>
+          <a:chExt cx="0" cy="0"/>
+        </a:xfrm>
+      </p:grpSpPr>
+      <p:sp>
+        <p:nvSpPr>
+          <p:cNvPr id="4" name="Rectangle 3"/>
+          <p:cNvSpPr/>
+          <p:nvPr/>
+        </p:nvSpPr>
+        <p:spPr>
+          <a:xfrm>
+            <a:off x="9861630" y="0"/>
+            <a:ext cx="8426370" cy="10287000"/>
+          </a:xfrm>
+          <a:prstGeom prst="rect">
+            <a:avLst/>
+          </a:prstGeom>
+          <a:solidFill>
+            <a:srgbClr val="CF3338"/>
+          </a:solidFill>
+          <a:ln>
+            <a:noFill/>
+          </a:ln>
+        </p:spPr>
+        <p:style>
+          <a:lnRef idx="2">
+            <a:schemeClr val="accent1">
+              <a:shade val="50000"/>
+            </a:schemeClr>
+          </a:lnRef>
+          <a:fillRef idx="1">
+            <a:schemeClr val="accent1"/>
+          </a:fillRef>
+          <a:effectRef idx="0">
+            <a:schemeClr val="accent1"/>
+          </a:effectRef>
+          <a:fontRef idx="minor">
+            <a:schemeClr val="lt1"/>
+          </a:fontRef>
+        </p:style>
+        <p:txBody>
+          <a:bodyPr rtlCol="0" anchor="ctr"/>
+          <a:lstStyle/>
+          <a:p>
+            <a:pPr algn="ctr"/>
+            <a:endParaRPr lang="en-US" sz="2700"/>
+          </a:p>
+        </p:txBody>
+      </p:sp>
+      <p:pic>
+        <p:nvPicPr>
+          <p:cNvPr id="2" name="Picture 1"/>
+          <p:cNvPicPr>
+            <a:picLocks noChangeAspect="1"/>
+          </p:cNvPicPr>
+          <p:nvPr/>
+        </p:nvPicPr>
+        <p:blipFill rotWithShape="1">
+          <a:blip r:embed="rId3">
+            <a:extLst>
+              <a:ext uri="{28A0092B-C50C-407E-A947-70E740481C1C}">
+                <a14:useLocalDpi xmlns:a14="http://schemas.microsoft.com/office/drawing/2010/main" val="0"/>
+              </a:ext>
+            </a:extLst>
+          </a:blip>
+          <a:srcRect l="69227" t="33418" r="20112" b="50548"/>
+          <a:stretch/>
+        </p:blipFill>
+        <p:spPr>
+          <a:xfrm>
+            <a:off x="15579524" y="7544693"/>
+            <a:ext cx="2708477" cy="2987579"/>
+          </a:xfrm>
+          <a:prstGeom prst="rect">
+            <a:avLst/>
+          </a:prstGeom>
+        </p:spPr>
+      </p:pic>
+      <p:sp>
+        <p:nvSpPr>
+          <p:cNvPr id="3" name="TextBox 2"/>
+          <p:cNvSpPr txBox="1"/>
+          <p:nvPr/>
+        </p:nvSpPr>
+        <p:spPr>
+          <a:xfrm>
+            <a:off x="260431" y="329879"/>
+            <a:ext cx="8906720" cy="6638227"/>
+          </a:xfrm>
+          <a:prstGeom prst="rect">
+            <a:avLst/>
+          </a:prstGeom>
+          <a:noFill/>
+        </p:spPr>
+        <p:txBody>
+          <a:bodyPr wrap="square" rtlCol="0">
+            <a:spAutoFit/>
+          </a:bodyPr>
+          <a:lstStyle/>
+          <a:p>
+            <a:r>
+              <a:rPr lang="en-US" sz="6000" b="1" dirty="0">
+                <a:solidFill>
+                  <a:srgbClr val="CF3338"/>
+                </a:solidFill>
+                <a:latin typeface="Pragmatica" panose="020B0403040502020204" pitchFamily="34" charset="0"/>
+              </a:rPr>
+              <a:t>Quick Win #2: Power Query Data Cleanup</a:t>
+            </a:r>
+            <a:endParaRPr lang="en-US" sz="4200" dirty="0">
+              <a:solidFill>
+                <a:srgbClr val="CF3338"/>
+              </a:solidFill>
+              <a:latin typeface="Pragmatica" panose="020B0403040502020204" pitchFamily="34" charset="0"/>
+            </a:endParaRPr>
+          </a:p>
+          <a:p>
+            <a:pPr marL="685800" indent="-542925">
+              <a:lnSpc>
+                <a:spcPct val="115000"/>
+              </a:lnSpc>
+              <a:spcBef>
+                <a:spcPts val="1125"/>
+              </a:spcBef>
+              <a:buClr>
+                <a:srgbClr val="C00000"/>
+              </a:buClr>
+              <a:buSzPts val="2100"/>
+              <a:buFont typeface="Arial"/>
+              <a:buAutoNum type="arabicPeriod"/>
+            </a:pPr>
+            <a:endParaRPr lang="en-US" sz="3600" dirty="0">
+              <a:solidFill>
+                <a:srgbClr val="C00000"/>
+              </a:solidFill>
+              <a:latin typeface="Pragmatica" panose="020B0403040502020204"/>
+              <a:sym typeface="Consolas"/>
+            </a:endParaRPr>
+          </a:p>
+          <a:p>
+            <a:pPr marL="685800" indent="-542925">
+              <a:lnSpc>
+                <a:spcPct val="115000"/>
+              </a:lnSpc>
+              <a:spcBef>
+                <a:spcPts val="1125"/>
+              </a:spcBef>
+              <a:buClr>
+                <a:srgbClr val="C00000"/>
+              </a:buClr>
+              <a:buSzPts val="2100"/>
+              <a:buFont typeface="Arial"/>
+              <a:buAutoNum type="arabicPeriod"/>
+            </a:pPr>
+            <a:r>
+              <a:rPr lang="en-US" sz="4000" dirty="0">
+                <a:solidFill>
+                  <a:srgbClr val="C00000"/>
+                </a:solidFill>
+                <a:latin typeface="Pragmatica" panose="020B0403040502020204"/>
+                <a:sym typeface="Consolas"/>
+              </a:rPr>
+              <a:t>Problem: Manual range updates and formatting chaos</a:t>
+            </a:r>
+          </a:p>
+          <a:p>
+            <a:pPr marL="685800" indent="-542925">
+              <a:lnSpc>
+                <a:spcPct val="115000"/>
+              </a:lnSpc>
+              <a:spcBef>
+                <a:spcPts val="1125"/>
+              </a:spcBef>
+              <a:buClr>
+                <a:srgbClr val="C00000"/>
+              </a:buClr>
+              <a:buSzPts val="2100"/>
+              <a:buFont typeface="Arial"/>
+              <a:buAutoNum type="arabicPeriod"/>
+            </a:pPr>
+            <a:r>
+              <a:rPr lang="en-US" sz="4000" dirty="0">
+                <a:solidFill>
+                  <a:srgbClr val="C00000"/>
+                </a:solidFill>
+                <a:latin typeface="Pragmatica" panose="020B0403040502020204"/>
+                <a:sym typeface="Consolas"/>
+              </a:rPr>
+              <a:t>Demo: Transform ranges into smart Excel Tables</a:t>
+            </a:r>
+          </a:p>
+          <a:p>
+            <a:pPr marL="685800" indent="-542925">
+              <a:lnSpc>
+                <a:spcPct val="115000"/>
+              </a:lnSpc>
+              <a:spcBef>
+                <a:spcPts val="1125"/>
+              </a:spcBef>
+              <a:buClr>
+                <a:srgbClr val="C00000"/>
+              </a:buClr>
+              <a:buSzPts val="2100"/>
+              <a:buFont typeface="Arial"/>
+              <a:buAutoNum type="arabicPeriod"/>
+            </a:pPr>
+            <a:r>
+              <a:rPr lang="en-US" sz="4000" dirty="0">
+                <a:solidFill>
+                  <a:srgbClr val="C00000"/>
+                </a:solidFill>
+                <a:latin typeface="Pragmatica" panose="020B0403040502020204"/>
+                <a:sym typeface="Consolas"/>
+              </a:rPr>
+              <a:t>Result: Faster, cleaner spreadsheets</a:t>
+            </a:r>
+          </a:p>
+        </p:txBody>
+      </p:sp>
+    </p:spTree>
+    <p:extLst>
+      <p:ext uri="{BB962C8B-B14F-4D97-AF65-F5344CB8AC3E}">
+        <p14:creationId xmlns:p14="http://schemas.microsoft.com/office/powerpoint/2010/main" val="3871531779"/>
+      </p:ext>
+    </p:extLst>
+  </p:cSld>
+  <p:clrMapOvr>
+    <a:masterClrMapping/>
+  </p:clrMapOvr>
+</p:sld>
+</file>
+
+<file path=ppt/slides/slide6.xml><?xml version="1.0" encoding="utf-8"?>
+<p:sld xmlns:a="http://schemas.openxmlformats.org/drawingml/2006/main" xmlns:r="http://schemas.openxmlformats.org/officeDocument/2006/relationships" xmlns:p="http://schemas.openxmlformats.org/presentationml/2006/main">
+  <p:cSld>
+    <p:spTree>
+      <p:nvGrpSpPr>
+        <p:cNvPr id="1" name="">
+          <a:extLst>
+            <a:ext uri="{FF2B5EF4-FFF2-40B4-BE49-F238E27FC236}">
+              <a16:creationId xmlns:a16="http://schemas.microsoft.com/office/drawing/2014/main" id="{1661A27C-8894-1039-C10D-49DEF731C871}"/>
+            </a:ext>
+          </a:extLst>
+        </p:cNvPr>
+        <p:cNvGrpSpPr/>
+        <p:nvPr/>
+      </p:nvGrpSpPr>
+      <p:grpSpPr>
+        <a:xfrm>
+          <a:off x="0" y="0"/>
+          <a:ext cx="0" cy="0"/>
+          <a:chOff x="0" y="0"/>
+          <a:chExt cx="0" cy="0"/>
+        </a:xfrm>
+      </p:grpSpPr>
+      <p:sp>
+        <p:nvSpPr>
+          <p:cNvPr id="4" name="Rectangle 3">
+            <a:extLst>
+              <a:ext uri="{FF2B5EF4-FFF2-40B4-BE49-F238E27FC236}">
+                <a16:creationId xmlns:a16="http://schemas.microsoft.com/office/drawing/2014/main" id="{89AA0A13-9A6F-743A-214C-42DDAEB6B116}"/>
+              </a:ext>
+            </a:extLst>
+          </p:cNvPr>
+          <p:cNvSpPr/>
+          <p:nvPr/>
+        </p:nvSpPr>
+        <p:spPr>
+          <a:xfrm>
+            <a:off x="9861630" y="0"/>
+            <a:ext cx="8426370" cy="10287000"/>
+          </a:xfrm>
+          <a:prstGeom prst="rect">
+            <a:avLst/>
+          </a:prstGeom>
+          <a:solidFill>
+            <a:srgbClr val="CF3338"/>
+          </a:solidFill>
+          <a:ln>
+            <a:noFill/>
+          </a:ln>
+        </p:spPr>
+        <p:style>
+          <a:lnRef idx="2">
+            <a:schemeClr val="accent1">
+              <a:shade val="50000"/>
+            </a:schemeClr>
+          </a:lnRef>
+          <a:fillRef idx="1">
+            <a:schemeClr val="accent1"/>
+          </a:fillRef>
+          <a:effectRef idx="0">
+            <a:schemeClr val="accent1"/>
+          </a:effectRef>
+          <a:fontRef idx="minor">
+            <a:schemeClr val="lt1"/>
+          </a:fontRef>
+        </p:style>
+        <p:txBody>
+          <a:bodyPr rtlCol="0" anchor="ctr"/>
+          <a:lstStyle/>
+          <a:p>
+            <a:pPr algn="ctr"/>
+            <a:endParaRPr lang="en-US" sz="2700"/>
+          </a:p>
+        </p:txBody>
+      </p:sp>
+      <p:pic>
+        <p:nvPicPr>
+          <p:cNvPr id="2" name="Picture 1">
+            <a:extLst>
+              <a:ext uri="{FF2B5EF4-FFF2-40B4-BE49-F238E27FC236}">
+                <a16:creationId xmlns:a16="http://schemas.microsoft.com/office/drawing/2014/main" id="{CE70788E-B0DE-D358-5D84-0751068117D4}"/>
+              </a:ext>
+            </a:extLst>
+          </p:cNvPr>
+          <p:cNvPicPr>
+            <a:picLocks noChangeAspect="1"/>
+          </p:cNvPicPr>
+          <p:nvPr/>
+        </p:nvPicPr>
+        <p:blipFill rotWithShape="1">
+          <a:blip r:embed="rId3">
+            <a:extLst>
+              <a:ext uri="{28A0092B-C50C-407E-A947-70E740481C1C}">
+                <a14:useLocalDpi xmlns:a14="http://schemas.microsoft.com/office/drawing/2010/main" val="0"/>
+              </a:ext>
+            </a:extLst>
+          </a:blip>
+          <a:srcRect l="69227" t="33418" r="20112" b="50548"/>
+          <a:stretch/>
+        </p:blipFill>
+        <p:spPr>
+          <a:xfrm>
+            <a:off x="15579524" y="7544693"/>
+            <a:ext cx="2708477" cy="2987579"/>
+          </a:xfrm>
+          <a:prstGeom prst="rect">
+            <a:avLst/>
+          </a:prstGeom>
+        </p:spPr>
+      </p:pic>
+      <p:sp>
+        <p:nvSpPr>
+          <p:cNvPr id="3" name="TextBox 2">
+            <a:extLst>
+              <a:ext uri="{FF2B5EF4-FFF2-40B4-BE49-F238E27FC236}">
+                <a16:creationId xmlns:a16="http://schemas.microsoft.com/office/drawing/2014/main" id="{DDDA3F19-3713-EED4-6645-27996F2BE4BF}"/>
+              </a:ext>
+            </a:extLst>
+          </p:cNvPr>
+          <p:cNvSpPr txBox="1"/>
+          <p:nvPr/>
+        </p:nvSpPr>
+        <p:spPr>
+          <a:xfrm>
+            <a:off x="260431" y="329879"/>
+            <a:ext cx="8906720" cy="7346114"/>
+          </a:xfrm>
+          <a:prstGeom prst="rect">
+            <a:avLst/>
+          </a:prstGeom>
+          <a:noFill/>
+        </p:spPr>
+        <p:txBody>
+          <a:bodyPr wrap="square" rtlCol="0">
+            <a:spAutoFit/>
+          </a:bodyPr>
+          <a:lstStyle/>
+          <a:p>
+            <a:r>
+              <a:rPr lang="en-US" sz="6000" b="1" dirty="0">
+                <a:solidFill>
+                  <a:srgbClr val="CF3338"/>
+                </a:solidFill>
+                <a:latin typeface="Pragmatica" panose="020B0403040502020204" pitchFamily="34" charset="0"/>
+              </a:rPr>
+              <a:t>Quick Win #2: Power Query Data Cleanup</a:t>
+            </a:r>
+            <a:endParaRPr lang="en-US" sz="4200" dirty="0">
+              <a:solidFill>
+                <a:srgbClr val="CF3338"/>
+              </a:solidFill>
+              <a:latin typeface="Pragmatica" panose="020B0403040502020204" pitchFamily="34" charset="0"/>
+            </a:endParaRPr>
+          </a:p>
+          <a:p>
+            <a:pPr marL="685800" indent="-542925">
+              <a:lnSpc>
+                <a:spcPct val="115000"/>
+              </a:lnSpc>
+              <a:spcBef>
+                <a:spcPts val="1125"/>
+              </a:spcBef>
+              <a:buClr>
+                <a:srgbClr val="C00000"/>
+              </a:buClr>
+              <a:buSzPts val="2100"/>
+              <a:buFont typeface="Arial"/>
+              <a:buAutoNum type="arabicPeriod"/>
+            </a:pPr>
+            <a:endParaRPr lang="en-US" sz="3600" dirty="0">
+              <a:solidFill>
+                <a:srgbClr val="C00000"/>
+              </a:solidFill>
+              <a:latin typeface="Pragmatica" panose="020B0403040502020204"/>
+              <a:sym typeface="Consolas"/>
+            </a:endParaRPr>
+          </a:p>
+          <a:p>
+            <a:pPr marL="685800" indent="-542925">
+              <a:lnSpc>
+                <a:spcPct val="115000"/>
+              </a:lnSpc>
+              <a:spcBef>
+                <a:spcPts val="1125"/>
+              </a:spcBef>
+              <a:buClr>
+                <a:srgbClr val="C00000"/>
+              </a:buClr>
+              <a:buSzPts val="2100"/>
+              <a:buFont typeface="Arial"/>
+              <a:buAutoNum type="arabicPeriod"/>
+            </a:pPr>
+            <a:r>
+              <a:rPr lang="en-US" sz="4000" dirty="0">
+                <a:solidFill>
+                  <a:srgbClr val="C00000"/>
+                </a:solidFill>
+                <a:latin typeface="Pragmatica" panose="020B0403040502020204"/>
+                <a:sym typeface="Consolas"/>
+              </a:rPr>
+              <a:t>Problem: Repetitive, error-prone data prep</a:t>
+            </a:r>
+          </a:p>
+          <a:p>
+            <a:pPr marL="685800" indent="-542925">
+              <a:lnSpc>
+                <a:spcPct val="115000"/>
+              </a:lnSpc>
+              <a:spcBef>
+                <a:spcPts val="1125"/>
+              </a:spcBef>
+              <a:buClr>
+                <a:srgbClr val="C00000"/>
+              </a:buClr>
+              <a:buSzPts val="2100"/>
+              <a:buFont typeface="Arial"/>
+              <a:buAutoNum type="arabicPeriod"/>
+            </a:pPr>
+            <a:r>
+              <a:rPr lang="en-US" sz="4000" dirty="0">
+                <a:solidFill>
+                  <a:srgbClr val="C00000"/>
+                </a:solidFill>
+                <a:latin typeface="Pragmatica" panose="020B0403040502020204"/>
+                <a:sym typeface="Consolas"/>
+              </a:rPr>
+              <a:t>Demo: Automate data cleaning with Power Query</a:t>
+            </a:r>
+          </a:p>
+          <a:p>
+            <a:pPr marL="685800" indent="-542925">
+              <a:lnSpc>
+                <a:spcPct val="115000"/>
+              </a:lnSpc>
+              <a:spcBef>
+                <a:spcPts val="1125"/>
+              </a:spcBef>
+              <a:buClr>
+                <a:srgbClr val="C00000"/>
+              </a:buClr>
+              <a:buSzPts val="2100"/>
+              <a:buFont typeface="Arial"/>
+              <a:buAutoNum type="arabicPeriod"/>
+            </a:pPr>
+            <a:r>
+              <a:rPr lang="en-US" sz="4000" dirty="0">
+                <a:solidFill>
+                  <a:srgbClr val="C00000"/>
+                </a:solidFill>
+                <a:latin typeface="Pragmatica" panose="020B0403040502020204"/>
+                <a:sym typeface="Consolas"/>
+              </a:rPr>
+              <a:t>Result: Reliable, repeatable data workflows</a:t>
+            </a:r>
+          </a:p>
+        </p:txBody>
+      </p:sp>
+    </p:spTree>
+    <p:extLst>
+      <p:ext uri="{BB962C8B-B14F-4D97-AF65-F5344CB8AC3E}">
+        <p14:creationId xmlns:p14="http://schemas.microsoft.com/office/powerpoint/2010/main" val="3595346641"/>
+      </p:ext>
+    </p:extLst>
+  </p:cSld>
+  <p:clrMapOvr>
+    <a:masterClrMapping/>
+  </p:clrMapOvr>
+</p:sld>
+</file>
+
+<file path=ppt/slides/slide7.xml><?xml version="1.0" encoding="utf-8"?>
+<p:sld xmlns:a="http://schemas.openxmlformats.org/drawingml/2006/main" xmlns:r="http://schemas.openxmlformats.org/officeDocument/2006/relationships" xmlns:p="http://schemas.openxmlformats.org/presentationml/2006/main">
+  <p:cSld>
+    <p:spTree>
+      <p:nvGrpSpPr>
+        <p:cNvPr id="1" name="">
+          <a:extLst>
+            <a:ext uri="{FF2B5EF4-FFF2-40B4-BE49-F238E27FC236}">
+              <a16:creationId xmlns:a16="http://schemas.microsoft.com/office/drawing/2014/main" id="{3938B0BA-2457-E883-9B94-9EF4CB53F464}"/>
+            </a:ext>
+          </a:extLst>
+        </p:cNvPr>
+        <p:cNvGrpSpPr/>
+        <p:nvPr/>
+      </p:nvGrpSpPr>
+      <p:grpSpPr>
+        <a:xfrm>
+          <a:off x="0" y="0"/>
+          <a:ext cx="0" cy="0"/>
+          <a:chOff x="0" y="0"/>
+          <a:chExt cx="0" cy="0"/>
+        </a:xfrm>
+      </p:grpSpPr>
+      <p:sp>
+        <p:nvSpPr>
+          <p:cNvPr id="4" name="Rectangle 3">
+            <a:extLst>
+              <a:ext uri="{FF2B5EF4-FFF2-40B4-BE49-F238E27FC236}">
+                <a16:creationId xmlns:a16="http://schemas.microsoft.com/office/drawing/2014/main" id="{FB2669EB-FDD3-FD04-8DC6-CC0F1E621197}"/>
+              </a:ext>
+            </a:extLst>
+          </p:cNvPr>
+          <p:cNvSpPr/>
+          <p:nvPr/>
+        </p:nvSpPr>
+        <p:spPr>
+          <a:xfrm>
+            <a:off x="9861630" y="0"/>
+            <a:ext cx="8426370" cy="10287000"/>
+          </a:xfrm>
+          <a:prstGeom prst="rect">
+            <a:avLst/>
+          </a:prstGeom>
+          <a:solidFill>
+            <a:srgbClr val="CF3338"/>
+          </a:solidFill>
+          <a:ln>
+            <a:noFill/>
+          </a:ln>
+        </p:spPr>
+        <p:style>
+          <a:lnRef idx="2">
+            <a:schemeClr val="accent1">
+              <a:shade val="50000"/>
+            </a:schemeClr>
+          </a:lnRef>
+          <a:fillRef idx="1">
+            <a:schemeClr val="accent1"/>
+          </a:fillRef>
+          <a:effectRef idx="0">
+            <a:schemeClr val="accent1"/>
+          </a:effectRef>
+          <a:fontRef idx="minor">
+            <a:schemeClr val="lt1"/>
+          </a:fontRef>
+        </p:style>
+        <p:txBody>
+          <a:bodyPr rtlCol="0" anchor="ctr"/>
+          <a:lstStyle/>
+          <a:p>
+            <a:pPr algn="ctr"/>
+            <a:endParaRPr lang="en-US" sz="2700"/>
+          </a:p>
+        </p:txBody>
+      </p:sp>
+      <p:pic>
+        <p:nvPicPr>
+          <p:cNvPr id="2" name="Picture 1">
+            <a:extLst>
+              <a:ext uri="{FF2B5EF4-FFF2-40B4-BE49-F238E27FC236}">
+                <a16:creationId xmlns:a16="http://schemas.microsoft.com/office/drawing/2014/main" id="{1AF1603A-5226-7133-332B-9ED91B061A51}"/>
+              </a:ext>
+            </a:extLst>
+          </p:cNvPr>
+          <p:cNvPicPr>
+            <a:picLocks noChangeAspect="1"/>
+          </p:cNvPicPr>
+          <p:nvPr/>
+        </p:nvPicPr>
+        <p:blipFill rotWithShape="1">
+          <a:blip r:embed="rId3">
+            <a:extLst>
+              <a:ext uri="{28A0092B-C50C-407E-A947-70E740481C1C}">
+                <a14:useLocalDpi xmlns:a14="http://schemas.microsoft.com/office/drawing/2010/main" val="0"/>
+              </a:ext>
+            </a:extLst>
+          </a:blip>
+          <a:srcRect l="69227" t="33418" r="20112" b="50548"/>
+          <a:stretch/>
+        </p:blipFill>
+        <p:spPr>
+          <a:xfrm>
+            <a:off x="15579524" y="7544693"/>
+            <a:ext cx="2708477" cy="2987579"/>
+          </a:xfrm>
+          <a:prstGeom prst="rect">
+            <a:avLst/>
+          </a:prstGeom>
+        </p:spPr>
+      </p:pic>
+      <p:sp>
+        <p:nvSpPr>
+          <p:cNvPr id="3" name="TextBox 2">
+            <a:extLst>
+              <a:ext uri="{FF2B5EF4-FFF2-40B4-BE49-F238E27FC236}">
+                <a16:creationId xmlns:a16="http://schemas.microsoft.com/office/drawing/2014/main" id="{3A1F1624-DFBB-B741-F011-B1F4773062C8}"/>
+              </a:ext>
+            </a:extLst>
+          </p:cNvPr>
+          <p:cNvSpPr txBox="1"/>
+          <p:nvPr/>
+        </p:nvSpPr>
+        <p:spPr>
+          <a:xfrm>
+            <a:off x="260431" y="329879"/>
+            <a:ext cx="8906720" cy="7121950"/>
+          </a:xfrm>
+          <a:prstGeom prst="rect">
+            <a:avLst/>
+          </a:prstGeom>
+          <a:noFill/>
+        </p:spPr>
+        <p:txBody>
+          <a:bodyPr wrap="square" rtlCol="0">
+            <a:spAutoFit/>
+          </a:bodyPr>
+          <a:lstStyle/>
+          <a:p>
+            <a:r>
+              <a:rPr lang="en-US" sz="6000" b="1" dirty="0">
+                <a:solidFill>
+                  <a:srgbClr val="CF3338"/>
+                </a:solidFill>
+                <a:latin typeface="Pragmatica" panose="020B0403040502020204" pitchFamily="34" charset="0"/>
+              </a:rPr>
+              <a:t>Quick Win #3: Analyze Data (Excel AI)</a:t>
+            </a:r>
+            <a:br>
+              <a:rPr lang="en-US" sz="6000" b="1" dirty="0">
+                <a:solidFill>
+                  <a:srgbClr val="CF3338"/>
+                </a:solidFill>
+                <a:latin typeface="Pragmatica" panose="020B0403040502020204" pitchFamily="34" charset="0"/>
+              </a:rPr>
+            </a:br>
+            <a:endParaRPr lang="en-US" sz="3600" dirty="0">
+              <a:solidFill>
+                <a:srgbClr val="C00000"/>
+              </a:solidFill>
+              <a:latin typeface="Pragmatica" panose="020B0403040502020204"/>
+              <a:sym typeface="Consolas"/>
+            </a:endParaRPr>
+          </a:p>
+          <a:p>
+            <a:pPr marL="685800" indent="-542925">
+              <a:lnSpc>
+                <a:spcPct val="115000"/>
+              </a:lnSpc>
+              <a:spcBef>
+                <a:spcPts val="1125"/>
+              </a:spcBef>
+              <a:buClr>
+                <a:srgbClr val="C00000"/>
+              </a:buClr>
+              <a:buSzPts val="2100"/>
+              <a:buFont typeface="Arial"/>
+              <a:buAutoNum type="arabicPeriod"/>
+            </a:pPr>
+            <a:r>
+              <a:rPr lang="en-US" sz="4000" dirty="0">
+                <a:solidFill>
+                  <a:srgbClr val="C00000"/>
+                </a:solidFill>
+                <a:latin typeface="Pragmatica" panose="020B0403040502020204"/>
+                <a:sym typeface="Consolas"/>
+              </a:rPr>
+              <a:t>Problem: Overwhelmed by large datasets</a:t>
+            </a:r>
+          </a:p>
+          <a:p>
+            <a:pPr marL="685800" indent="-542925">
+              <a:lnSpc>
+                <a:spcPct val="115000"/>
+              </a:lnSpc>
+              <a:spcBef>
+                <a:spcPts val="1125"/>
+              </a:spcBef>
+              <a:buClr>
+                <a:srgbClr val="C00000"/>
+              </a:buClr>
+              <a:buSzPts val="2100"/>
+              <a:buFont typeface="Arial"/>
+              <a:buAutoNum type="arabicPeriod"/>
+            </a:pPr>
+            <a:r>
+              <a:rPr lang="en-US" sz="4000" dirty="0">
+                <a:solidFill>
+                  <a:srgbClr val="C00000"/>
+                </a:solidFill>
+                <a:latin typeface="Pragmatica" panose="020B0403040502020204"/>
+                <a:sym typeface="Consolas"/>
+              </a:rPr>
+              <a:t>Demo: Get instant AI-powered insights from Excel’s Analyze Data</a:t>
+            </a:r>
+          </a:p>
+          <a:p>
+            <a:pPr marL="685800" indent="-542925">
+              <a:lnSpc>
+                <a:spcPct val="115000"/>
+              </a:lnSpc>
+              <a:spcBef>
+                <a:spcPts val="1125"/>
+              </a:spcBef>
+              <a:buClr>
+                <a:srgbClr val="C00000"/>
+              </a:buClr>
+              <a:buSzPts val="2100"/>
+              <a:buFont typeface="Arial"/>
+              <a:buAutoNum type="arabicPeriod"/>
+            </a:pPr>
+            <a:r>
+              <a:rPr lang="en-US" sz="4000" dirty="0">
+                <a:solidFill>
+                  <a:srgbClr val="C00000"/>
+                </a:solidFill>
+                <a:latin typeface="Pragmatica" panose="020B0403040502020204"/>
+                <a:sym typeface="Consolas"/>
+              </a:rPr>
+              <a:t>Result: Quick, actionable analysis… no formulas required</a:t>
+            </a:r>
+          </a:p>
+        </p:txBody>
+      </p:sp>
+    </p:spTree>
+    <p:extLst>
+      <p:ext uri="{BB962C8B-B14F-4D97-AF65-F5344CB8AC3E}">
+        <p14:creationId xmlns:p14="http://schemas.microsoft.com/office/powerpoint/2010/main" val="3710875369"/>
+      </p:ext>
+    </p:extLst>
+  </p:cSld>
+  <p:clrMapOvr>
+    <a:masterClrMapping/>
+  </p:clrMapOvr>
+</p:sld>
+</file>
+
+<file path=ppt/slides/slide8.xml><?xml version="1.0" encoding="utf-8"?>
+<p:sld xmlns:a="http://schemas.openxmlformats.org/drawingml/2006/main" xmlns:r="http://schemas.openxmlformats.org/officeDocument/2006/relationships" xmlns:p="http://schemas.openxmlformats.org/presentationml/2006/main">
+  <p:cSld>
+    <p:spTree>
+      <p:nvGrpSpPr>
+        <p:cNvPr id="1" name="">
+          <a:extLst>
+            <a:ext uri="{FF2B5EF4-FFF2-40B4-BE49-F238E27FC236}">
+              <a16:creationId xmlns:a16="http://schemas.microsoft.com/office/drawing/2014/main" id="{64E07818-29D2-F5F6-BFE3-AC95409C3FDA}"/>
+            </a:ext>
+          </a:extLst>
+        </p:cNvPr>
+        <p:cNvGrpSpPr/>
+        <p:nvPr/>
+      </p:nvGrpSpPr>
+      <p:grpSpPr>
+        <a:xfrm>
+          <a:off x="0" y="0"/>
+          <a:ext cx="0" cy="0"/>
+          <a:chOff x="0" y="0"/>
+          <a:chExt cx="0" cy="0"/>
+        </a:xfrm>
+      </p:grpSpPr>
+      <p:sp>
+        <p:nvSpPr>
+          <p:cNvPr id="11" name="TextBox 10">
+            <a:extLst>
+              <a:ext uri="{FF2B5EF4-FFF2-40B4-BE49-F238E27FC236}">
+                <a16:creationId xmlns:a16="http://schemas.microsoft.com/office/drawing/2014/main" id="{B2629BB8-6DE7-E426-3AFF-CFA5F3FBCCF4}"/>
+              </a:ext>
+            </a:extLst>
+          </p:cNvPr>
+          <p:cNvSpPr txBox="1"/>
+          <p:nvPr/>
+        </p:nvSpPr>
+        <p:spPr>
+          <a:xfrm>
+            <a:off x="520861" y="170082"/>
+            <a:ext cx="11979797" cy="1477328"/>
+          </a:xfrm>
+          <a:prstGeom prst="rect">
+            <a:avLst/>
+          </a:prstGeom>
+          <a:noFill/>
+        </p:spPr>
+        <p:txBody>
+          <a:bodyPr wrap="square" rtlCol="0">
+            <a:spAutoFit/>
+          </a:bodyPr>
+          <a:lstStyle/>
+          <a:p>
+            <a:r>
+              <a:rPr lang="en-US" sz="9000" dirty="0">
+                <a:latin typeface="Aliens &amp; cows" panose="00000500000000000000" pitchFamily="2" charset="0"/>
+              </a:rPr>
+              <a:t>Recap</a:t>
+            </a:r>
+          </a:p>
+        </p:txBody>
+      </p:sp>
+      <p:sp>
+        <p:nvSpPr>
+          <p:cNvPr id="3" name="TextBox 2">
+            <a:extLst>
+              <a:ext uri="{FF2B5EF4-FFF2-40B4-BE49-F238E27FC236}">
+                <a16:creationId xmlns:a16="http://schemas.microsoft.com/office/drawing/2014/main" id="{84647282-4EAE-D08B-0199-F568519F58C3}"/>
+              </a:ext>
+            </a:extLst>
+          </p:cNvPr>
+          <p:cNvSpPr txBox="1"/>
+          <p:nvPr/>
+        </p:nvSpPr>
+        <p:spPr>
+          <a:xfrm>
+            <a:off x="520861" y="3191948"/>
+            <a:ext cx="14393120" cy="2585323"/>
+          </a:xfrm>
+          <a:prstGeom prst="rect">
+            <a:avLst/>
+          </a:prstGeom>
+          <a:noFill/>
+        </p:spPr>
+        <p:txBody>
+          <a:bodyPr wrap="square" rtlCol="0">
+            <a:spAutoFit/>
+          </a:bodyPr>
+          <a:lstStyle/>
+          <a:p>
+            <a:pPr marL="685800" indent="-685800">
+              <a:buClr>
+                <a:srgbClr val="CF3338"/>
+              </a:buClr>
+              <a:buFont typeface="Arial" panose="020B0604020202020204" pitchFamily="34" charset="0"/>
+              <a:buChar char="•"/>
+            </a:pPr>
+            <a:r>
+              <a:rPr lang="en-US" sz="5400" dirty="0">
+                <a:solidFill>
+                  <a:srgbClr val="707070"/>
+                </a:solidFill>
+                <a:latin typeface="Pragmatica" panose="020B0403040502020204" pitchFamily="34" charset="0"/>
+              </a:rPr>
+              <a:t>Tables → Structured efficiency</a:t>
+            </a:r>
+          </a:p>
+          <a:p>
+            <a:pPr marL="685800" indent="-685800">
+              <a:buClr>
+                <a:srgbClr val="CF3338"/>
+              </a:buClr>
+              <a:buFont typeface="Arial" panose="020B0604020202020204" pitchFamily="34" charset="0"/>
+              <a:buChar char="•"/>
+            </a:pPr>
+            <a:r>
+              <a:rPr lang="en-US" sz="5400" dirty="0">
+                <a:solidFill>
+                  <a:srgbClr val="707070"/>
+                </a:solidFill>
+                <a:latin typeface="Pragmatica" panose="020B0403040502020204" pitchFamily="34" charset="0"/>
+              </a:rPr>
+              <a:t>Power Query → Automated data prep</a:t>
+            </a:r>
+          </a:p>
+          <a:p>
+            <a:pPr marL="685800" indent="-685800">
+              <a:buClr>
+                <a:srgbClr val="CF3338"/>
+              </a:buClr>
+              <a:buFont typeface="Arial" panose="020B0604020202020204" pitchFamily="34" charset="0"/>
+              <a:buChar char="•"/>
+            </a:pPr>
+            <a:r>
+              <a:rPr lang="en-US" sz="5400" dirty="0">
+                <a:solidFill>
+                  <a:srgbClr val="707070"/>
+                </a:solidFill>
+                <a:latin typeface="Pragmatica" panose="020B0403040502020204" pitchFamily="34" charset="0"/>
+              </a:rPr>
+              <a:t>Analyze Data → Instant insights</a:t>
+            </a:r>
+          </a:p>
+        </p:txBody>
+      </p:sp>
+      <p:pic>
+        <p:nvPicPr>
+          <p:cNvPr id="15" name="Picture 14" descr="A close up of a sign&#10;&#10;Description automatically generated">
+            <a:extLst>
+              <a:ext uri="{FF2B5EF4-FFF2-40B4-BE49-F238E27FC236}">
+                <a16:creationId xmlns:a16="http://schemas.microsoft.com/office/drawing/2014/main" id="{C54442A3-1184-472E-336C-0DB56D7A71D5}"/>
+              </a:ext>
+            </a:extLst>
+          </p:cNvPr>
+          <p:cNvPicPr>
+            <a:picLocks noChangeAspect="1"/>
+          </p:cNvPicPr>
+          <p:nvPr/>
+        </p:nvPicPr>
+        <p:blipFill>
+          <a:blip r:embed="rId2">
+            <a:extLst>
+              <a:ext uri="{28A0092B-C50C-407E-A947-70E740481C1C}">
+                <a14:useLocalDpi xmlns:a14="http://schemas.microsoft.com/office/drawing/2010/main" val="0"/>
+              </a:ext>
+            </a:extLst>
+          </a:blip>
+          <a:stretch>
+            <a:fillRect/>
+          </a:stretch>
+        </p:blipFill>
+        <p:spPr>
+          <a:xfrm>
+            <a:off x="16341036" y="8058429"/>
+            <a:ext cx="1942857" cy="2228571"/>
+          </a:xfrm>
+          <a:prstGeom prst="rect">
+            <a:avLst/>
+          </a:prstGeom>
+        </p:spPr>
+      </p:pic>
+    </p:spTree>
+    <p:extLst>
+      <p:ext uri="{BB962C8B-B14F-4D97-AF65-F5344CB8AC3E}">
+        <p14:creationId xmlns:p14="http://schemas.microsoft.com/office/powerpoint/2010/main" val="1138747845"/>
+      </p:ext>
+    </p:extLst>
+  </p:cSld>
+  <p:clrMapOvr>
+    <a:masterClrMapping/>
+  </p:clrMapOvr>
+</p:sld>
+</file>
+
 <file path=ppt/slides/slide9.xml><?xml version="1.0" encoding="utf-8"?>
 <p:sld xmlns:a="http://schemas.openxmlformats.org/drawingml/2006/main" xmlns:r="http://schemas.openxmlformats.org/officeDocument/2006/relationships" xmlns:p="http://schemas.openxmlformats.org/presentationml/2006/main">
   <p:cSld>
@@ -6094,7 +8841,9 @@
             <a:avLst/>
           </a:prstGeom>
           <a:solidFill>
-            <a:srgbClr val="CF3338"/>
+            <a:schemeClr val="bg1">
+              <a:lumMod val="50000"/>
+            </a:schemeClr>
           </a:solidFill>
           <a:ln>
             <a:noFill/>
@@ -6160,7 +8909,7 @@
                 </a:solidFill>
                 <a:latin typeface="Normafixed Tryout" panose="00000409000000000000" pitchFamily="49" charset="0"/>
               </a:rPr>
-              <a:t>Thank you</a:t>
+              <a:t>My offerings at a glance</a:t>
             </a:r>
           </a:p>
         </p:txBody>

--- a/modern-excel-demo-day.pptx
+++ b/modern-excel-demo-day.pptx
@@ -248,7 +248,7 @@
           <a:p>
             <a:fld id="{17A98A70-FA8C-4354-959C-C70678AC9BCF}" type="datetimeFigureOut">
               <a:rPr lang="en-US" smtClean="0"/>
-              <a:t>9/2/2025</a:t>
+              <a:t>9/20/2025</a:t>
             </a:fld>
             <a:endParaRPr lang="en-US"/>
           </a:p>
@@ -559,10 +559,7 @@
           <a:bodyPr/>
           <a:lstStyle/>
           <a:p>
-            <a:r>
-              <a:rPr lang="en-US" dirty="0"/>
-              <a:t>https://chatgpt.com/g/g-p-68b1e2dc28d88191812a603bc1a380f7-business-ideas/c/68b1de87-3334-8325-abed-6f68db39c77a</a:t>
-            </a:r>
+            <a:endParaRPr lang="en-US" dirty="0"/>
           </a:p>
         </p:txBody>
       </p:sp>
@@ -649,28 +646,7 @@
             <a:pPr marL="228600" indent="-228600">
               <a:buAutoNum type="arabicPeriod"/>
             </a:pPr>
-            <a:r>
-              <a:rPr lang="en-US" dirty="0"/>
-              <a:t>False!</a:t>
-            </a:r>
-          </a:p>
-          <a:p>
-            <a:pPr marL="228600" indent="-228600">
-              <a:buAutoNum type="arabicPeriod"/>
-            </a:pPr>
-            <a:r>
-              <a:rPr lang="en-US" dirty="0"/>
-              <a:t>Function, Formula, Function</a:t>
-            </a:r>
-          </a:p>
-          <a:p>
-            <a:pPr marL="228600" indent="-228600">
-              <a:buAutoNum type="arabicPeriod"/>
-            </a:pPr>
-            <a:r>
-              <a:rPr lang="en-US" dirty="0"/>
-              <a:t>Argument</a:t>
-            </a:r>
+            <a:endParaRPr lang="en-US" dirty="0"/>
           </a:p>
         </p:txBody>
       </p:sp>
@@ -907,28 +883,7 @@
             <a:pPr marL="228600" indent="-228600">
               <a:buAutoNum type="arabicPeriod"/>
             </a:pPr>
-            <a:r>
-              <a:rPr lang="en-US" dirty="0"/>
-              <a:t>False!</a:t>
-            </a:r>
-          </a:p>
-          <a:p>
-            <a:pPr marL="228600" indent="-228600">
-              <a:buAutoNum type="arabicPeriod"/>
-            </a:pPr>
-            <a:r>
-              <a:rPr lang="en-US" dirty="0"/>
-              <a:t>Function, Formula, Function</a:t>
-            </a:r>
-          </a:p>
-          <a:p>
-            <a:pPr marL="228600" indent="-228600">
-              <a:buAutoNum type="arabicPeriod"/>
-            </a:pPr>
-            <a:r>
-              <a:rPr lang="en-US" dirty="0"/>
-              <a:t>Argument</a:t>
-            </a:r>
+            <a:endParaRPr lang="en-US" dirty="0"/>
           </a:p>
         </p:txBody>
       </p:sp>
@@ -1562,7 +1517,7 @@
             <a:fld id="{1D8BD707-D9CF-40AE-B4C6-C98DA3205C09}" type="datetimeFigureOut">
               <a:rPr lang="en-US" smtClean="0"/>
               <a:pPr/>
-              <a:t>9/2/2025</a:t>
+              <a:t>9/20/2025</a:t>
             </a:fld>
             <a:endParaRPr lang="en-US"/>
           </a:p>
@@ -1727,7 +1682,7 @@
             <a:fld id="{1D8BD707-D9CF-40AE-B4C6-C98DA3205C09}" type="datetimeFigureOut">
               <a:rPr lang="en-US" smtClean="0"/>
               <a:pPr/>
-              <a:t>9/2/2025</a:t>
+              <a:t>9/20/2025</a:t>
             </a:fld>
             <a:endParaRPr lang="en-US"/>
           </a:p>
@@ -1902,7 +1857,7 @@
             <a:fld id="{1D8BD707-D9CF-40AE-B4C6-C98DA3205C09}" type="datetimeFigureOut">
               <a:rPr lang="en-US" smtClean="0"/>
               <a:pPr/>
-              <a:t>9/2/2025</a:t>
+              <a:t>9/20/2025</a:t>
             </a:fld>
             <a:endParaRPr lang="en-US"/>
           </a:p>
@@ -2067,7 +2022,7 @@
             <a:fld id="{1D8BD707-D9CF-40AE-B4C6-C98DA3205C09}" type="datetimeFigureOut">
               <a:rPr lang="en-US" smtClean="0"/>
               <a:pPr/>
-              <a:t>9/2/2025</a:t>
+              <a:t>9/20/2025</a:t>
             </a:fld>
             <a:endParaRPr lang="en-US"/>
           </a:p>
@@ -2309,7 +2264,7 @@
             <a:fld id="{1D8BD707-D9CF-40AE-B4C6-C98DA3205C09}" type="datetimeFigureOut">
               <a:rPr lang="en-US" smtClean="0"/>
               <a:pPr/>
-              <a:t>9/2/2025</a:t>
+              <a:t>9/20/2025</a:t>
             </a:fld>
             <a:endParaRPr lang="en-US"/>
           </a:p>
@@ -2591,7 +2546,7 @@
             <a:fld id="{1D8BD707-D9CF-40AE-B4C6-C98DA3205C09}" type="datetimeFigureOut">
               <a:rPr lang="en-US" smtClean="0"/>
               <a:pPr/>
-              <a:t>9/2/2025</a:t>
+              <a:t>9/20/2025</a:t>
             </a:fld>
             <a:endParaRPr lang="en-US"/>
           </a:p>
@@ -3007,7 +2962,7 @@
             <a:fld id="{1D8BD707-D9CF-40AE-B4C6-C98DA3205C09}" type="datetimeFigureOut">
               <a:rPr lang="en-US" smtClean="0"/>
               <a:pPr/>
-              <a:t>9/2/2025</a:t>
+              <a:t>9/20/2025</a:t>
             </a:fld>
             <a:endParaRPr lang="en-US"/>
           </a:p>
@@ -3121,7 +3076,7 @@
             <a:fld id="{1D8BD707-D9CF-40AE-B4C6-C98DA3205C09}" type="datetimeFigureOut">
               <a:rPr lang="en-US" smtClean="0"/>
               <a:pPr/>
-              <a:t>9/2/2025</a:t>
+              <a:t>9/20/2025</a:t>
             </a:fld>
             <a:endParaRPr lang="en-US"/>
           </a:p>
@@ -3213,7 +3168,7 @@
             <a:fld id="{1D8BD707-D9CF-40AE-B4C6-C98DA3205C09}" type="datetimeFigureOut">
               <a:rPr lang="en-US" smtClean="0"/>
               <a:pPr/>
-              <a:t>9/2/2025</a:t>
+              <a:t>9/20/2025</a:t>
             </a:fld>
             <a:endParaRPr lang="en-US"/>
           </a:p>
@@ -3485,7 +3440,7 @@
             <a:fld id="{1D8BD707-D9CF-40AE-B4C6-C98DA3205C09}" type="datetimeFigureOut">
               <a:rPr lang="en-US" smtClean="0"/>
               <a:pPr/>
-              <a:t>9/2/2025</a:t>
+              <a:t>9/20/2025</a:t>
             </a:fld>
             <a:endParaRPr lang="en-US"/>
           </a:p>
@@ -3734,7 +3689,7 @@
             <a:fld id="{1D8BD707-D9CF-40AE-B4C6-C98DA3205C09}" type="datetimeFigureOut">
               <a:rPr lang="en-US" smtClean="0"/>
               <a:pPr/>
-              <a:t>9/2/2025</a:t>
+              <a:t>9/20/2025</a:t>
             </a:fld>
             <a:endParaRPr lang="en-US"/>
           </a:p>
@@ -3947,7 +3902,7 @@
             <a:fld id="{1D8BD707-D9CF-40AE-B4C6-C98DA3205C09}" type="datetimeFigureOut">
               <a:rPr lang="en-US" smtClean="0"/>
               <a:pPr/>
-              <a:t>9/2/2025</a:t>
+              <a:t>9/20/2025</a:t>
             </a:fld>
             <a:endParaRPr lang="en-US"/>
           </a:p>
@@ -6220,7 +6175,7 @@
         <p:spPr>
           <a:xfrm>
             <a:off x="520861" y="3191948"/>
-            <a:ext cx="14393120" cy="5632311"/>
+            <a:ext cx="14393120" cy="6555641"/>
           </a:xfrm>
           <a:prstGeom prst="rect">
             <a:avLst/>
@@ -6297,6 +6252,24 @@
               </a:rPr>
               <a:t> asset</a:t>
             </a:r>
+            <a:r>
+              <a:rPr lang="en-US" sz="6000" dirty="0">
+                <a:solidFill>
+                  <a:srgbClr val="CF3338"/>
+                </a:solidFill>
+                <a:latin typeface="Pragmatica" panose="020B0403040502020204" pitchFamily="34" charset="0"/>
+              </a:rPr>
+              <a:t> </a:t>
+            </a:r>
+            <a:r>
+              <a:rPr lang="en-US" sz="6000" dirty="0">
+                <a:solidFill>
+                  <a:srgbClr val="707070"/>
+                </a:solidFill>
+                <a:latin typeface="Pragmatica" panose="020B0403040502020204" pitchFamily="34" charset="0"/>
+              </a:rPr>
+              <a:t> of your choice!</a:t>
+            </a:r>
             <a:br>
               <a:rPr lang="en-US" sz="6000" dirty="0">
                 <a:solidFill>
@@ -6327,7 +6300,7 @@
                 </a:solidFill>
                 <a:latin typeface="Pragmatica" panose="020B0403040502020204" pitchFamily="34" charset="0"/>
               </a:rPr>
-              <a:t>They become a client…. Complete access to my </a:t>
+              <a:t>They become a client…. Complete access to my ENTIRE </a:t>
             </a:r>
             <a:r>
               <a:rPr lang="en-US" sz="6000" dirty="0" err="1">
@@ -7934,7 +7907,7 @@
         <p:spPr>
           <a:xfrm>
             <a:off x="260431" y="329879"/>
-            <a:ext cx="8906720" cy="6638227"/>
+            <a:ext cx="8906720" cy="7561557"/>
           </a:xfrm>
           <a:prstGeom prst="rect">
             <a:avLst/>
@@ -7954,7 +7927,7 @@
                 </a:solidFill>
                 <a:latin typeface="Pragmatica" panose="020B0403040502020204" pitchFamily="34" charset="0"/>
               </a:rPr>
-              <a:t>Quick Win #2: Power Query Data Cleanup</a:t>
+              <a:t>Quick Win #1: Reliable Data Inputs with Excel Tables</a:t>
             </a:r>
             <a:endParaRPr lang="en-US" sz="4200" dirty="0">
               <a:solidFill>
@@ -8474,7 +8447,7 @@
         <p:spPr>
           <a:xfrm>
             <a:off x="260431" y="329879"/>
-            <a:ext cx="8906720" cy="7121950"/>
+            <a:ext cx="8906720" cy="8045279"/>
           </a:xfrm>
           <a:prstGeom prst="rect">
             <a:avLst/>
@@ -8494,7 +8467,7 @@
                 </a:solidFill>
                 <a:latin typeface="Pragmatica" panose="020B0403040502020204" pitchFamily="34" charset="0"/>
               </a:rPr>
-              <a:t>Quick Win #3: Analyze Data (Excel AI)</a:t>
+              <a:t>Quick Win #3: Analyze Data (AI in Excel… No Copilot Needed!)</a:t>
             </a:r>
             <a:br>
               <a:rPr lang="en-US" sz="6000" b="1" dirty="0">

--- a/modern-excel-demo-day.pptx
+++ b/modern-excel-demo-day.pptx
@@ -248,7 +248,7 @@
           <a:p>
             <a:fld id="{17A98A70-FA8C-4354-959C-C70678AC9BCF}" type="datetimeFigureOut">
               <a:rPr lang="en-US" smtClean="0"/>
-              <a:t>9/20/2025</a:t>
+              <a:t>9/21/2025</a:t>
             </a:fld>
             <a:endParaRPr lang="en-US"/>
           </a:p>
@@ -1337,6 +1337,94 @@
 </p:notes>
 </file>
 
+<file path=ppt/notesSlides/notesSlide9.xml><?xml version="1.0" encoding="utf-8"?>
+<p:notes xmlns:a="http://schemas.openxmlformats.org/drawingml/2006/main" xmlns:r="http://schemas.openxmlformats.org/officeDocument/2006/relationships" xmlns:p="http://schemas.openxmlformats.org/presentationml/2006/main">
+  <p:cSld>
+    <p:spTree>
+      <p:nvGrpSpPr>
+        <p:cNvPr id="1" name=""/>
+        <p:cNvGrpSpPr/>
+        <p:nvPr/>
+      </p:nvGrpSpPr>
+      <p:grpSpPr>
+        <a:xfrm>
+          <a:off x="0" y="0"/>
+          <a:ext cx="0" cy="0"/>
+          <a:chOff x="0" y="0"/>
+          <a:chExt cx="0" cy="0"/>
+        </a:xfrm>
+      </p:grpSpPr>
+      <p:sp>
+        <p:nvSpPr>
+          <p:cNvPr id="2" name="Slide Image Placeholder 1"/>
+          <p:cNvSpPr>
+            <a:spLocks noGrp="1" noRot="1" noChangeAspect="1"/>
+          </p:cNvSpPr>
+          <p:nvPr>
+            <p:ph type="sldImg"/>
+          </p:nvPr>
+        </p:nvSpPr>
+        <p:spPr/>
+      </p:sp>
+      <p:sp>
+        <p:nvSpPr>
+          <p:cNvPr id="3" name="Notes Placeholder 2"/>
+          <p:cNvSpPr>
+            <a:spLocks noGrp="1"/>
+          </p:cNvSpPr>
+          <p:nvPr>
+            <p:ph type="body" idx="1"/>
+          </p:nvPr>
+        </p:nvSpPr>
+        <p:spPr/>
+        <p:txBody>
+          <a:bodyPr/>
+          <a:lstStyle/>
+          <a:p>
+            <a:r>
+              <a:rPr lang="en-US"/>
+              <a:t>https://stringfestdata.gumroad.com/</a:t>
+            </a:r>
+            <a:endParaRPr lang="en-US" dirty="0"/>
+          </a:p>
+        </p:txBody>
+      </p:sp>
+      <p:sp>
+        <p:nvSpPr>
+          <p:cNvPr id="4" name="Slide Number Placeholder 3"/>
+          <p:cNvSpPr>
+            <a:spLocks noGrp="1"/>
+          </p:cNvSpPr>
+          <p:nvPr>
+            <p:ph type="sldNum" sz="quarter" idx="5"/>
+          </p:nvPr>
+        </p:nvSpPr>
+        <p:spPr/>
+        <p:txBody>
+          <a:bodyPr/>
+          <a:lstStyle/>
+          <a:p>
+            <a:fld id="{FFB500C5-13F7-48FC-8160-C29AECF6C602}" type="slidenum">
+              <a:rPr lang="en-US" smtClean="0"/>
+              <a:t>19</a:t>
+            </a:fld>
+            <a:endParaRPr lang="en-US"/>
+          </a:p>
+        </p:txBody>
+      </p:sp>
+    </p:spTree>
+    <p:extLst>
+      <p:ext uri="{BB962C8B-B14F-4D97-AF65-F5344CB8AC3E}">
+        <p14:creationId xmlns:p14="http://schemas.microsoft.com/office/powerpoint/2010/main" val="719766061"/>
+      </p:ext>
+    </p:extLst>
+  </p:cSld>
+  <p:clrMapOvr>
+    <a:masterClrMapping/>
+  </p:clrMapOvr>
+</p:notes>
+</file>
+
 <file path=ppt/slideLayouts/slideLayout1.xml><?xml version="1.0" encoding="utf-8"?>
 <p:sldLayout xmlns:a="http://schemas.openxmlformats.org/drawingml/2006/main" xmlns:r="http://schemas.openxmlformats.org/officeDocument/2006/relationships" xmlns:p="http://schemas.openxmlformats.org/presentationml/2006/main" type="title" preserve="1">
   <p:cSld name="Title Slide">
@@ -1517,7 +1605,7 @@
             <a:fld id="{1D8BD707-D9CF-40AE-B4C6-C98DA3205C09}" type="datetimeFigureOut">
               <a:rPr lang="en-US" smtClean="0"/>
               <a:pPr/>
-              <a:t>9/20/2025</a:t>
+              <a:t>9/21/2025</a:t>
             </a:fld>
             <a:endParaRPr lang="en-US"/>
           </a:p>
@@ -1682,7 +1770,7 @@
             <a:fld id="{1D8BD707-D9CF-40AE-B4C6-C98DA3205C09}" type="datetimeFigureOut">
               <a:rPr lang="en-US" smtClean="0"/>
               <a:pPr/>
-              <a:t>9/20/2025</a:t>
+              <a:t>9/21/2025</a:t>
             </a:fld>
             <a:endParaRPr lang="en-US"/>
           </a:p>
@@ -1857,7 +1945,7 @@
             <a:fld id="{1D8BD707-D9CF-40AE-B4C6-C98DA3205C09}" type="datetimeFigureOut">
               <a:rPr lang="en-US" smtClean="0"/>
               <a:pPr/>
-              <a:t>9/20/2025</a:t>
+              <a:t>9/21/2025</a:t>
             </a:fld>
             <a:endParaRPr lang="en-US"/>
           </a:p>
@@ -2022,7 +2110,7 @@
             <a:fld id="{1D8BD707-D9CF-40AE-B4C6-C98DA3205C09}" type="datetimeFigureOut">
               <a:rPr lang="en-US" smtClean="0"/>
               <a:pPr/>
-              <a:t>9/20/2025</a:t>
+              <a:t>9/21/2025</a:t>
             </a:fld>
             <a:endParaRPr lang="en-US"/>
           </a:p>
@@ -2264,7 +2352,7 @@
             <a:fld id="{1D8BD707-D9CF-40AE-B4C6-C98DA3205C09}" type="datetimeFigureOut">
               <a:rPr lang="en-US" smtClean="0"/>
               <a:pPr/>
-              <a:t>9/20/2025</a:t>
+              <a:t>9/21/2025</a:t>
             </a:fld>
             <a:endParaRPr lang="en-US"/>
           </a:p>
@@ -2546,7 +2634,7 @@
             <a:fld id="{1D8BD707-D9CF-40AE-B4C6-C98DA3205C09}" type="datetimeFigureOut">
               <a:rPr lang="en-US" smtClean="0"/>
               <a:pPr/>
-              <a:t>9/20/2025</a:t>
+              <a:t>9/21/2025</a:t>
             </a:fld>
             <a:endParaRPr lang="en-US"/>
           </a:p>
@@ -2962,7 +3050,7 @@
             <a:fld id="{1D8BD707-D9CF-40AE-B4C6-C98DA3205C09}" type="datetimeFigureOut">
               <a:rPr lang="en-US" smtClean="0"/>
               <a:pPr/>
-              <a:t>9/20/2025</a:t>
+              <a:t>9/21/2025</a:t>
             </a:fld>
             <a:endParaRPr lang="en-US"/>
           </a:p>
@@ -3076,7 +3164,7 @@
             <a:fld id="{1D8BD707-D9CF-40AE-B4C6-C98DA3205C09}" type="datetimeFigureOut">
               <a:rPr lang="en-US" smtClean="0"/>
               <a:pPr/>
-              <a:t>9/20/2025</a:t>
+              <a:t>9/21/2025</a:t>
             </a:fld>
             <a:endParaRPr lang="en-US"/>
           </a:p>
@@ -3168,7 +3256,7 @@
             <a:fld id="{1D8BD707-D9CF-40AE-B4C6-C98DA3205C09}" type="datetimeFigureOut">
               <a:rPr lang="en-US" smtClean="0"/>
               <a:pPr/>
-              <a:t>9/20/2025</a:t>
+              <a:t>9/21/2025</a:t>
             </a:fld>
             <a:endParaRPr lang="en-US"/>
           </a:p>
@@ -3440,7 +3528,7 @@
             <a:fld id="{1D8BD707-D9CF-40AE-B4C6-C98DA3205C09}" type="datetimeFigureOut">
               <a:rPr lang="en-US" smtClean="0"/>
               <a:pPr/>
-              <a:t>9/20/2025</a:t>
+              <a:t>9/21/2025</a:t>
             </a:fld>
             <a:endParaRPr lang="en-US"/>
           </a:p>
@@ -3689,7 +3777,7 @@
             <a:fld id="{1D8BD707-D9CF-40AE-B4C6-C98DA3205C09}" type="datetimeFigureOut">
               <a:rPr lang="en-US" smtClean="0"/>
               <a:pPr/>
-              <a:t>9/20/2025</a:t>
+              <a:t>9/21/2025</a:t>
             </a:fld>
             <a:endParaRPr lang="en-US"/>
           </a:p>
@@ -3902,7 +3990,7 @@
             <a:fld id="{1D8BD707-D9CF-40AE-B4C6-C98DA3205C09}" type="datetimeFigureOut">
               <a:rPr lang="en-US" smtClean="0"/>
               <a:pPr/>
-              <a:t>9/20/2025</a:t>
+              <a:t>9/21/2025</a:t>
             </a:fld>
             <a:endParaRPr lang="en-US"/>
           </a:p>
@@ -6210,7 +6298,7 @@
                   <a:srgbClr val="CF3338"/>
                 </a:solidFill>
                 <a:latin typeface="Pragmatica" panose="020B0403040502020204" pitchFamily="34" charset="0"/>
-                <a:hlinkClick r:id="rId2">
+                <a:hlinkClick r:id="rId3">
                   <a:extLst>
                     <a:ext uri="{A12FA001-AC4F-418D-AE19-62706E023703}">
                       <ahyp:hlinkClr xmlns:ahyp="http://schemas.microsoft.com/office/drawing/2018/hyperlinkcolor" val="tx"/>
@@ -6226,7 +6314,7 @@
                   <a:srgbClr val="CF3338"/>
                 </a:solidFill>
                 <a:latin typeface="Pragmatica" panose="020B0403040502020204" pitchFamily="34" charset="0"/>
-                <a:hlinkClick r:id="rId2">
+                <a:hlinkClick r:id="rId3">
                   <a:extLst>
                     <a:ext uri="{A12FA001-AC4F-418D-AE19-62706E023703}">
                       <ahyp:hlinkClr xmlns:ahyp="http://schemas.microsoft.com/office/drawing/2018/hyperlinkcolor" val="tx"/>
@@ -6242,7 +6330,7 @@
                   <a:srgbClr val="CF3338"/>
                 </a:solidFill>
                 <a:latin typeface="Pragmatica" panose="020B0403040502020204" pitchFamily="34" charset="0"/>
-                <a:hlinkClick r:id="rId2">
+                <a:hlinkClick r:id="rId3">
                   <a:extLst>
                     <a:ext uri="{A12FA001-AC4F-418D-AE19-62706E023703}">
                       <ahyp:hlinkClr xmlns:ahyp="http://schemas.microsoft.com/office/drawing/2018/hyperlinkcolor" val="tx"/>
@@ -6300,25 +6388,7 @@
                 </a:solidFill>
                 <a:latin typeface="Pragmatica" panose="020B0403040502020204" pitchFamily="34" charset="0"/>
               </a:rPr>
-              <a:t>They become a client…. Complete access to my ENTIRE </a:t>
-            </a:r>
-            <a:r>
-              <a:rPr lang="en-US" sz="6000" dirty="0" err="1">
-                <a:solidFill>
-                  <a:srgbClr val="707070"/>
-                </a:solidFill>
-                <a:latin typeface="Pragmatica" panose="020B0403040502020204" pitchFamily="34" charset="0"/>
-              </a:rPr>
-              <a:t>Gumroad</a:t>
-            </a:r>
-            <a:r>
-              <a:rPr lang="en-US" sz="6000" dirty="0">
-                <a:solidFill>
-                  <a:srgbClr val="707070"/>
-                </a:solidFill>
-                <a:latin typeface="Pragmatica" panose="020B0403040502020204" pitchFamily="34" charset="0"/>
-              </a:rPr>
-              <a:t> library AND a copy of one of my books!</a:t>
+              <a:t>They become a client…. Complete access to my ENTIRE Modern Excel Playbook series AND a copy of one of my books!</a:t>
             </a:r>
           </a:p>
         </p:txBody>
@@ -6338,7 +6408,7 @@
           <p:nvPr/>
         </p:nvPicPr>
         <p:blipFill>
-          <a:blip r:embed="rId3">
+          <a:blip r:embed="rId4">
             <a:extLst>
               <a:ext uri="{28A0092B-C50C-407E-A947-70E740481C1C}">
                 <a14:useLocalDpi xmlns:a14="http://schemas.microsoft.com/office/drawing/2010/main" val="0"/>
@@ -6464,7 +6534,7 @@
                 </a:solidFill>
                 <a:latin typeface="Normafixed Tryout" panose="00000409000000000000" pitchFamily="49" charset="0"/>
               </a:rPr>
-              <a:t>Hi, I’m George</a:t>
+              <a:t>Welcome!</a:t>
             </a:r>
           </a:p>
         </p:txBody>

--- a/modern-excel-demo-day.pptx
+++ b/modern-excel-demo-day.pptx
@@ -5,7 +5,7 @@
     <p:sldMasterId id="2147483648" r:id="rId1"/>
   </p:sldMasterIdLst>
   <p:notesMasterIdLst>
-    <p:notesMasterId r:id="rId25"/>
+    <p:notesMasterId r:id="rId23"/>
   </p:notesMasterIdLst>
   <p:sldIdLst>
     <p:sldId id="256" r:id="rId2"/>
@@ -13,8 +13,8 @@
     <p:sldId id="426" r:id="rId4"/>
     <p:sldId id="437" r:id="rId5"/>
     <p:sldId id="407" r:id="rId6"/>
-    <p:sldId id="438" r:id="rId7"/>
-    <p:sldId id="440" r:id="rId8"/>
+    <p:sldId id="440" r:id="rId7"/>
+    <p:sldId id="438" r:id="rId8"/>
     <p:sldId id="439" r:id="rId9"/>
     <p:sldId id="427" r:id="rId10"/>
     <p:sldId id="441" r:id="rId11"/>
@@ -22,15 +22,13 @@
     <p:sldId id="443" r:id="rId13"/>
     <p:sldId id="444" r:id="rId14"/>
     <p:sldId id="445" r:id="rId15"/>
-    <p:sldId id="446" r:id="rId16"/>
-    <p:sldId id="447" r:id="rId17"/>
-    <p:sldId id="448" r:id="rId18"/>
-    <p:sldId id="449" r:id="rId19"/>
-    <p:sldId id="450" r:id="rId20"/>
-    <p:sldId id="451" r:id="rId21"/>
-    <p:sldId id="452" r:id="rId22"/>
-    <p:sldId id="453" r:id="rId23"/>
-    <p:sldId id="415" r:id="rId24"/>
+    <p:sldId id="448" r:id="rId16"/>
+    <p:sldId id="449" r:id="rId17"/>
+    <p:sldId id="450" r:id="rId18"/>
+    <p:sldId id="451" r:id="rId19"/>
+    <p:sldId id="452" r:id="rId20"/>
+    <p:sldId id="453" r:id="rId21"/>
+    <p:sldId id="415" r:id="rId22"/>
   </p:sldIdLst>
   <p:sldSz cx="18288000" cy="10287000"/>
   <p:notesSz cx="6858000" cy="9144000"/>
@@ -248,7 +246,7 @@
           <a:p>
             <a:fld id="{17A98A70-FA8C-4354-959C-C70678AC9BCF}" type="datetimeFigureOut">
               <a:rPr lang="en-US" smtClean="0"/>
-              <a:t>9/21/2025</a:t>
+              <a:t>9/22/2025</a:t>
             </a:fld>
             <a:endParaRPr lang="en-US"/>
           </a:p>
@@ -694,7 +692,7 @@
         <p:cNvPr id="1" name="">
           <a:extLst>
             <a:ext uri="{FF2B5EF4-FFF2-40B4-BE49-F238E27FC236}">
-              <a16:creationId xmlns:a16="http://schemas.microsoft.com/office/drawing/2014/main" id="{CC639B45-FCD9-C2E1-5121-5C6BF4C9987C}"/>
+              <a16:creationId xmlns:a16="http://schemas.microsoft.com/office/drawing/2014/main" id="{CB4ED567-4E92-5456-76DE-64BB8D1D7E41}"/>
             </a:ext>
           </a:extLst>
         </p:cNvPr>
@@ -714,7 +712,7 @@
           <p:cNvPr id="2" name="Slide Image Placeholder 1">
             <a:extLst>
               <a:ext uri="{FF2B5EF4-FFF2-40B4-BE49-F238E27FC236}">
-                <a16:creationId xmlns:a16="http://schemas.microsoft.com/office/drawing/2014/main" id="{6E94D143-DDA1-96A8-FAFB-F9C6B37BA7F4}"/>
+                <a16:creationId xmlns:a16="http://schemas.microsoft.com/office/drawing/2014/main" id="{E86FAB1C-F351-A3B8-EF0C-07B74DD934D1}"/>
               </a:ext>
             </a:extLst>
           </p:cNvPr>
@@ -732,7 +730,7 @@
           <p:cNvPr id="3" name="Notes Placeholder 2">
             <a:extLst>
               <a:ext uri="{FF2B5EF4-FFF2-40B4-BE49-F238E27FC236}">
-                <a16:creationId xmlns:a16="http://schemas.microsoft.com/office/drawing/2014/main" id="{8F41BDB9-9282-E5F0-D75A-94F61F4D72DC}"/>
+                <a16:creationId xmlns:a16="http://schemas.microsoft.com/office/drawing/2014/main" id="{BF1C3273-B52E-75C7-4AA5-00426F7665DC}"/>
               </a:ext>
             </a:extLst>
           </p:cNvPr>
@@ -751,28 +749,7 @@
             <a:pPr marL="228600" indent="-228600">
               <a:buAutoNum type="arabicPeriod"/>
             </a:pPr>
-            <a:r>
-              <a:rPr lang="en-US" dirty="0"/>
-              <a:t>False!</a:t>
-            </a:r>
-          </a:p>
-          <a:p>
-            <a:pPr marL="228600" indent="-228600">
-              <a:buAutoNum type="arabicPeriod"/>
-            </a:pPr>
-            <a:r>
-              <a:rPr lang="en-US" dirty="0"/>
-              <a:t>Function, Formula, Function</a:t>
-            </a:r>
-          </a:p>
-          <a:p>
-            <a:pPr marL="228600" indent="-228600">
-              <a:buAutoNum type="arabicPeriod"/>
-            </a:pPr>
-            <a:r>
-              <a:rPr lang="en-US" dirty="0"/>
-              <a:t>Argument</a:t>
-            </a:r>
+            <a:endParaRPr lang="en-US" dirty="0"/>
           </a:p>
         </p:txBody>
       </p:sp>
@@ -781,7 +758,7 @@
           <p:cNvPr id="4" name="Slide Number Placeholder 3">
             <a:extLst>
               <a:ext uri="{FF2B5EF4-FFF2-40B4-BE49-F238E27FC236}">
-                <a16:creationId xmlns:a16="http://schemas.microsoft.com/office/drawing/2014/main" id="{ECD23788-BD0E-83B3-6825-80BAEA177181}"/>
+                <a16:creationId xmlns:a16="http://schemas.microsoft.com/office/drawing/2014/main" id="{1850843E-9294-D301-C38E-EC9A5838A381}"/>
               </a:ext>
             </a:extLst>
           </p:cNvPr>
@@ -808,7 +785,7 @@
     </p:spTree>
     <p:extLst>
       <p:ext uri="{BB962C8B-B14F-4D97-AF65-F5344CB8AC3E}">
-        <p14:creationId xmlns:p14="http://schemas.microsoft.com/office/powerpoint/2010/main" val="2055381912"/>
+        <p14:creationId xmlns:p14="http://schemas.microsoft.com/office/powerpoint/2010/main" val="55642673"/>
       </p:ext>
     </p:extLst>
   </p:cSld>
@@ -826,7 +803,7 @@
         <p:cNvPr id="1" name="">
           <a:extLst>
             <a:ext uri="{FF2B5EF4-FFF2-40B4-BE49-F238E27FC236}">
-              <a16:creationId xmlns:a16="http://schemas.microsoft.com/office/drawing/2014/main" id="{CB4ED567-4E92-5456-76DE-64BB8D1D7E41}"/>
+              <a16:creationId xmlns:a16="http://schemas.microsoft.com/office/drawing/2014/main" id="{CC639B45-FCD9-C2E1-5121-5C6BF4C9987C}"/>
             </a:ext>
           </a:extLst>
         </p:cNvPr>
@@ -846,7 +823,7 @@
           <p:cNvPr id="2" name="Slide Image Placeholder 1">
             <a:extLst>
               <a:ext uri="{FF2B5EF4-FFF2-40B4-BE49-F238E27FC236}">
-                <a16:creationId xmlns:a16="http://schemas.microsoft.com/office/drawing/2014/main" id="{E86FAB1C-F351-A3B8-EF0C-07B74DD934D1}"/>
+                <a16:creationId xmlns:a16="http://schemas.microsoft.com/office/drawing/2014/main" id="{6E94D143-DDA1-96A8-FAFB-F9C6B37BA7F4}"/>
               </a:ext>
             </a:extLst>
           </p:cNvPr>
@@ -864,7 +841,7 @@
           <p:cNvPr id="3" name="Notes Placeholder 2">
             <a:extLst>
               <a:ext uri="{FF2B5EF4-FFF2-40B4-BE49-F238E27FC236}">
-                <a16:creationId xmlns:a16="http://schemas.microsoft.com/office/drawing/2014/main" id="{BF1C3273-B52E-75C7-4AA5-00426F7665DC}"/>
+                <a16:creationId xmlns:a16="http://schemas.microsoft.com/office/drawing/2014/main" id="{8F41BDB9-9282-E5F0-D75A-94F61F4D72DC}"/>
               </a:ext>
             </a:extLst>
           </p:cNvPr>
@@ -892,7 +869,7 @@
           <p:cNvPr id="4" name="Slide Number Placeholder 3">
             <a:extLst>
               <a:ext uri="{FF2B5EF4-FFF2-40B4-BE49-F238E27FC236}">
-                <a16:creationId xmlns:a16="http://schemas.microsoft.com/office/drawing/2014/main" id="{1850843E-9294-D301-C38E-EC9A5838A381}"/>
+                <a16:creationId xmlns:a16="http://schemas.microsoft.com/office/drawing/2014/main" id="{ECD23788-BD0E-83B3-6825-80BAEA177181}"/>
               </a:ext>
             </a:extLst>
           </p:cNvPr>
@@ -919,7 +896,7 @@
     </p:spTree>
     <p:extLst>
       <p:ext uri="{BB962C8B-B14F-4D97-AF65-F5344CB8AC3E}">
-        <p14:creationId xmlns:p14="http://schemas.microsoft.com/office/powerpoint/2010/main" val="55642673"/>
+        <p14:creationId xmlns:p14="http://schemas.microsoft.com/office/powerpoint/2010/main" val="2055381912"/>
       </p:ext>
     </p:extLst>
   </p:cSld>
@@ -1097,6 +1074,61 @@
           <a:p>
             <a:endParaRPr lang="en-US" dirty="0"/>
           </a:p>
+          <a:p>
+            <a:endParaRPr lang="en-US" dirty="0"/>
+          </a:p>
+          <a:p>
+            <a:r>
+              <a:rPr lang="en-US" dirty="0"/>
+              <a:t>Tier 2 is ideal if you're ready to level up your team's analytical capabilities. In this comprehensive two-day workshop, participants learn how to build robust, repeatable data workflows using Modern Excel tools like Power Query, Power Pivot, dynamic arrays, and Excel AI features.</a:t>
+            </a:r>
+          </a:p>
+          <a:p>
+            <a:r>
+              <a:rPr lang="en-US" dirty="0"/>
+              <a:t>Unlike shorter sessions, this workshop allows time for hands-on, practical exercises using your team's actual data, ensuring everyone leaves confident and capable. The result isn't just productivity—it's a significant leap forward in your team's analytics maturity.</a:t>
+            </a:r>
+          </a:p>
+          <a:p>
+            <a:endParaRPr lang="en-US" dirty="0"/>
+          </a:p>
+          <a:p>
+            <a:endParaRPr lang="en-US" dirty="0"/>
+          </a:p>
+          <a:p>
+            <a:r>
+              <a:rPr lang="en-US" dirty="0"/>
+              <a:t>Tier 3 is my most strategic offering. With the Learning Paths Advisory, we take a high-level, customized approach to developing data skills across your organization. We'll start by building competency frameworks tailored specifically to your business goals and industry standards, clearly outlining what data literacy and analytics maturity look like at every level of your organization.</a:t>
+            </a:r>
+            <a:br>
+              <a:rPr lang="en-US" dirty="0"/>
+            </a:br>
+            <a:endParaRPr lang="en-US" dirty="0"/>
+          </a:p>
+          <a:p>
+            <a:r>
+              <a:rPr lang="en-US" dirty="0"/>
+              <a:t>From there, I'll design detailed learning pathways for 3–5 unique learner personas—mapping exactly which skills, training modules, and assessments each type of role or employee needs to succeed.</a:t>
+            </a:r>
+          </a:p>
+          <a:p>
+            <a:r>
+              <a:rPr lang="en-US" dirty="0"/>
+              <a:t>Finally, we’ll audit your existing training resources to determine how best to integrate and leverage what you already have, ensuring your learning initiatives are both efficient and effective</a:t>
+            </a:r>
+          </a:p>
+          <a:p>
+            <a:endParaRPr lang="en-US" dirty="0"/>
+          </a:p>
+          <a:p>
+            <a:endParaRPr lang="en-US" dirty="0"/>
+          </a:p>
+          <a:p>
+            <a:endParaRPr lang="en-US" dirty="0"/>
+          </a:p>
+          <a:p>
+            <a:endParaRPr lang="en-US" dirty="0"/>
+          </a:p>
         </p:txBody>
       </p:sp>
       <p:sp>
@@ -1180,17 +1212,9 @@
           <a:lstStyle/>
           <a:p>
             <a:r>
-              <a:rPr lang="en-US" dirty="0"/>
-              <a:t>Tier 2 is ideal if you're ready to level up your team's analytical capabilities. In this comprehensive two-day workshop, participants learn how to build robust, repeatable data workflows using Modern Excel tools like Power Query, Power Pivot, dynamic arrays, and Excel AI features.</a:t>
-            </a:r>
-          </a:p>
-          <a:p>
-            <a:r>
-              <a:rPr lang="en-US" dirty="0"/>
-              <a:t>Unlike shorter sessions, this workshop allows time for hands-on, practical exercises using your team's actual data, ensuring everyone leaves confident and capable. The result isn't just productivity—it's a significant leap forward in your team's analytics maturity.</a:t>
-            </a:r>
-          </a:p>
-          <a:p>
+              <a:rPr lang="en-US"/>
+              <a:t>https://stringfestdata.gumroad.com/</a:t>
+            </a:r>
             <a:endParaRPr lang="en-US" dirty="0"/>
           </a:p>
         </p:txBody>
@@ -1212,201 +1236,7 @@
           <a:p>
             <a:fld id="{FFB500C5-13F7-48FC-8160-C29AECF6C602}" type="slidenum">
               <a:rPr lang="en-US" smtClean="0"/>
-              <a:t>15</a:t>
-            </a:fld>
-            <a:endParaRPr lang="en-US"/>
-          </a:p>
-        </p:txBody>
-      </p:sp>
-    </p:spTree>
-    <p:extLst>
-      <p:ext uri="{BB962C8B-B14F-4D97-AF65-F5344CB8AC3E}">
-        <p14:creationId xmlns:p14="http://schemas.microsoft.com/office/powerpoint/2010/main" val="3335937249"/>
-      </p:ext>
-    </p:extLst>
-  </p:cSld>
-  <p:clrMapOvr>
-    <a:masterClrMapping/>
-  </p:clrMapOvr>
-</p:notes>
-</file>
-
-<file path=ppt/notesSlides/notesSlide8.xml><?xml version="1.0" encoding="utf-8"?>
-<p:notes xmlns:a="http://schemas.openxmlformats.org/drawingml/2006/main" xmlns:r="http://schemas.openxmlformats.org/officeDocument/2006/relationships" xmlns:p="http://schemas.openxmlformats.org/presentationml/2006/main">
-  <p:cSld>
-    <p:spTree>
-      <p:nvGrpSpPr>
-        <p:cNvPr id="1" name=""/>
-        <p:cNvGrpSpPr/>
-        <p:nvPr/>
-      </p:nvGrpSpPr>
-      <p:grpSpPr>
-        <a:xfrm>
-          <a:off x="0" y="0"/>
-          <a:ext cx="0" cy="0"/>
-          <a:chOff x="0" y="0"/>
-          <a:chExt cx="0" cy="0"/>
-        </a:xfrm>
-      </p:grpSpPr>
-      <p:sp>
-        <p:nvSpPr>
-          <p:cNvPr id="2" name="Slide Image Placeholder 1"/>
-          <p:cNvSpPr>
-            <a:spLocks noGrp="1" noRot="1" noChangeAspect="1"/>
-          </p:cNvSpPr>
-          <p:nvPr>
-            <p:ph type="sldImg"/>
-          </p:nvPr>
-        </p:nvSpPr>
-        <p:spPr/>
-      </p:sp>
-      <p:sp>
-        <p:nvSpPr>
-          <p:cNvPr id="3" name="Notes Placeholder 2"/>
-          <p:cNvSpPr>
-            <a:spLocks noGrp="1"/>
-          </p:cNvSpPr>
-          <p:nvPr>
-            <p:ph type="body" idx="1"/>
-          </p:nvPr>
-        </p:nvSpPr>
-        <p:spPr/>
-        <p:txBody>
-          <a:bodyPr/>
-          <a:lstStyle/>
-          <a:p>
-            <a:r>
-              <a:rPr lang="en-US" dirty="0"/>
-              <a:t>Tier 3 is my most strategic offering. With the Learning Paths Advisory, we take a high-level, customized approach to developing data skills across your organization. We'll start by building competency frameworks tailored specifically to your business goals and industry standards, clearly outlining what data literacy and analytics maturity look like at every level of your organization.</a:t>
-            </a:r>
-            <a:br>
-              <a:rPr lang="en-US" dirty="0"/>
-            </a:br>
-            <a:endParaRPr lang="en-US" dirty="0"/>
-          </a:p>
-          <a:p>
-            <a:r>
-              <a:rPr lang="en-US" dirty="0"/>
-              <a:t>From there, I'll design detailed learning pathways for 3–5 unique learner personas—mapping exactly which skills, training modules, and assessments each type of role or employee needs to succeed.</a:t>
-            </a:r>
-          </a:p>
-          <a:p>
-            <a:r>
-              <a:rPr lang="en-US" dirty="0"/>
-              <a:t>Finally, we’ll audit your existing training resources to determine how best to integrate and leverage what you already have, ensuring your learning initiatives are both efficient and effective</a:t>
-            </a:r>
-          </a:p>
-          <a:p>
-            <a:endParaRPr lang="en-US" dirty="0"/>
-          </a:p>
-        </p:txBody>
-      </p:sp>
-      <p:sp>
-        <p:nvSpPr>
-          <p:cNvPr id="4" name="Slide Number Placeholder 3"/>
-          <p:cNvSpPr>
-            <a:spLocks noGrp="1"/>
-          </p:cNvSpPr>
-          <p:nvPr>
-            <p:ph type="sldNum" sz="quarter" idx="5"/>
-          </p:nvPr>
-        </p:nvSpPr>
-        <p:spPr/>
-        <p:txBody>
-          <a:bodyPr/>
-          <a:lstStyle/>
-          <a:p>
-            <a:fld id="{FFB500C5-13F7-48FC-8160-C29AECF6C602}" type="slidenum">
-              <a:rPr lang="en-US" smtClean="0"/>
-              <a:t>16</a:t>
-            </a:fld>
-            <a:endParaRPr lang="en-US"/>
-          </a:p>
-        </p:txBody>
-      </p:sp>
-    </p:spTree>
-    <p:extLst>
-      <p:ext uri="{BB962C8B-B14F-4D97-AF65-F5344CB8AC3E}">
-        <p14:creationId xmlns:p14="http://schemas.microsoft.com/office/powerpoint/2010/main" val="705767981"/>
-      </p:ext>
-    </p:extLst>
-  </p:cSld>
-  <p:clrMapOvr>
-    <a:masterClrMapping/>
-  </p:clrMapOvr>
-</p:notes>
-</file>
-
-<file path=ppt/notesSlides/notesSlide9.xml><?xml version="1.0" encoding="utf-8"?>
-<p:notes xmlns:a="http://schemas.openxmlformats.org/drawingml/2006/main" xmlns:r="http://schemas.openxmlformats.org/officeDocument/2006/relationships" xmlns:p="http://schemas.openxmlformats.org/presentationml/2006/main">
-  <p:cSld>
-    <p:spTree>
-      <p:nvGrpSpPr>
-        <p:cNvPr id="1" name=""/>
-        <p:cNvGrpSpPr/>
-        <p:nvPr/>
-      </p:nvGrpSpPr>
-      <p:grpSpPr>
-        <a:xfrm>
-          <a:off x="0" y="0"/>
-          <a:ext cx="0" cy="0"/>
-          <a:chOff x="0" y="0"/>
-          <a:chExt cx="0" cy="0"/>
-        </a:xfrm>
-      </p:grpSpPr>
-      <p:sp>
-        <p:nvSpPr>
-          <p:cNvPr id="2" name="Slide Image Placeholder 1"/>
-          <p:cNvSpPr>
-            <a:spLocks noGrp="1" noRot="1" noChangeAspect="1"/>
-          </p:cNvSpPr>
-          <p:nvPr>
-            <p:ph type="sldImg"/>
-          </p:nvPr>
-        </p:nvSpPr>
-        <p:spPr/>
-      </p:sp>
-      <p:sp>
-        <p:nvSpPr>
-          <p:cNvPr id="3" name="Notes Placeholder 2"/>
-          <p:cNvSpPr>
-            <a:spLocks noGrp="1"/>
-          </p:cNvSpPr>
-          <p:nvPr>
-            <p:ph type="body" idx="1"/>
-          </p:nvPr>
-        </p:nvSpPr>
-        <p:spPr/>
-        <p:txBody>
-          <a:bodyPr/>
-          <a:lstStyle/>
-          <a:p>
-            <a:r>
-              <a:rPr lang="en-US"/>
-              <a:t>https://stringfestdata.gumroad.com/</a:t>
-            </a:r>
-            <a:endParaRPr lang="en-US" dirty="0"/>
-          </a:p>
-        </p:txBody>
-      </p:sp>
-      <p:sp>
-        <p:nvSpPr>
-          <p:cNvPr id="4" name="Slide Number Placeholder 3"/>
-          <p:cNvSpPr>
-            <a:spLocks noGrp="1"/>
-          </p:cNvSpPr>
-          <p:nvPr>
-            <p:ph type="sldNum" sz="quarter" idx="5"/>
-          </p:nvPr>
-        </p:nvSpPr>
-        <p:spPr/>
-        <p:txBody>
-          <a:bodyPr/>
-          <a:lstStyle/>
-          <a:p>
-            <a:fld id="{FFB500C5-13F7-48FC-8160-C29AECF6C602}" type="slidenum">
-              <a:rPr lang="en-US" smtClean="0"/>
-              <a:t>19</a:t>
+              <a:t>17</a:t>
             </a:fld>
             <a:endParaRPr lang="en-US"/>
           </a:p>
@@ -1605,7 +1435,7 @@
             <a:fld id="{1D8BD707-D9CF-40AE-B4C6-C98DA3205C09}" type="datetimeFigureOut">
               <a:rPr lang="en-US" smtClean="0"/>
               <a:pPr/>
-              <a:t>9/21/2025</a:t>
+              <a:t>9/22/2025</a:t>
             </a:fld>
             <a:endParaRPr lang="en-US"/>
           </a:p>
@@ -1770,7 +1600,7 @@
             <a:fld id="{1D8BD707-D9CF-40AE-B4C6-C98DA3205C09}" type="datetimeFigureOut">
               <a:rPr lang="en-US" smtClean="0"/>
               <a:pPr/>
-              <a:t>9/21/2025</a:t>
+              <a:t>9/22/2025</a:t>
             </a:fld>
             <a:endParaRPr lang="en-US"/>
           </a:p>
@@ -1945,7 +1775,7 @@
             <a:fld id="{1D8BD707-D9CF-40AE-B4C6-C98DA3205C09}" type="datetimeFigureOut">
               <a:rPr lang="en-US" smtClean="0"/>
               <a:pPr/>
-              <a:t>9/21/2025</a:t>
+              <a:t>9/22/2025</a:t>
             </a:fld>
             <a:endParaRPr lang="en-US"/>
           </a:p>
@@ -2110,7 +1940,7 @@
             <a:fld id="{1D8BD707-D9CF-40AE-B4C6-C98DA3205C09}" type="datetimeFigureOut">
               <a:rPr lang="en-US" smtClean="0"/>
               <a:pPr/>
-              <a:t>9/21/2025</a:t>
+              <a:t>9/22/2025</a:t>
             </a:fld>
             <a:endParaRPr lang="en-US"/>
           </a:p>
@@ -2352,7 +2182,7 @@
             <a:fld id="{1D8BD707-D9CF-40AE-B4C6-C98DA3205C09}" type="datetimeFigureOut">
               <a:rPr lang="en-US" smtClean="0"/>
               <a:pPr/>
-              <a:t>9/21/2025</a:t>
+              <a:t>9/22/2025</a:t>
             </a:fld>
             <a:endParaRPr lang="en-US"/>
           </a:p>
@@ -2634,7 +2464,7 @@
             <a:fld id="{1D8BD707-D9CF-40AE-B4C6-C98DA3205C09}" type="datetimeFigureOut">
               <a:rPr lang="en-US" smtClean="0"/>
               <a:pPr/>
-              <a:t>9/21/2025</a:t>
+              <a:t>9/22/2025</a:t>
             </a:fld>
             <a:endParaRPr lang="en-US"/>
           </a:p>
@@ -3050,7 +2880,7 @@
             <a:fld id="{1D8BD707-D9CF-40AE-B4C6-C98DA3205C09}" type="datetimeFigureOut">
               <a:rPr lang="en-US" smtClean="0"/>
               <a:pPr/>
-              <a:t>9/21/2025</a:t>
+              <a:t>9/22/2025</a:t>
             </a:fld>
             <a:endParaRPr lang="en-US"/>
           </a:p>
@@ -3164,7 +2994,7 @@
             <a:fld id="{1D8BD707-D9CF-40AE-B4C6-C98DA3205C09}" type="datetimeFigureOut">
               <a:rPr lang="en-US" smtClean="0"/>
               <a:pPr/>
-              <a:t>9/21/2025</a:t>
+              <a:t>9/22/2025</a:t>
             </a:fld>
             <a:endParaRPr lang="en-US"/>
           </a:p>
@@ -3256,7 +3086,7 @@
             <a:fld id="{1D8BD707-D9CF-40AE-B4C6-C98DA3205C09}" type="datetimeFigureOut">
               <a:rPr lang="en-US" smtClean="0"/>
               <a:pPr/>
-              <a:t>9/21/2025</a:t>
+              <a:t>9/22/2025</a:t>
             </a:fld>
             <a:endParaRPr lang="en-US"/>
           </a:p>
@@ -3528,7 +3358,7 @@
             <a:fld id="{1D8BD707-D9CF-40AE-B4C6-C98DA3205C09}" type="datetimeFigureOut">
               <a:rPr lang="en-US" smtClean="0"/>
               <a:pPr/>
-              <a:t>9/21/2025</a:t>
+              <a:t>9/22/2025</a:t>
             </a:fld>
             <a:endParaRPr lang="en-US"/>
           </a:p>
@@ -3777,7 +3607,7 @@
             <a:fld id="{1D8BD707-D9CF-40AE-B4C6-C98DA3205C09}" type="datetimeFigureOut">
               <a:rPr lang="en-US" smtClean="0"/>
               <a:pPr/>
-              <a:t>9/21/2025</a:t>
+              <a:t>9/22/2025</a:t>
             </a:fld>
             <a:endParaRPr lang="en-US"/>
           </a:p>
@@ -3990,7 +3820,7 @@
             <a:fld id="{1D8BD707-D9CF-40AE-B4C6-C98DA3205C09}" type="datetimeFigureOut">
               <a:rPr lang="en-US" smtClean="0"/>
               <a:pPr/>
-              <a:t>9/21/2025</a:t>
+              <a:t>9/22/2025</a:t>
             </a:fld>
             <a:endParaRPr lang="en-US"/>
           </a:p>
@@ -4663,7 +4493,7 @@
                 </a:solidFill>
                 <a:latin typeface="Pragmatica" panose="020B0403040502020204" pitchFamily="34" charset="0"/>
               </a:rPr>
-              <a:t>Newsletter: Subscribe at blog!</a:t>
+              <a:t>Newsletter: Subscribe at blog</a:t>
             </a:r>
           </a:p>
           <a:p>
@@ -4844,7 +4674,7 @@
         <p:spPr>
           <a:xfrm>
             <a:off x="520861" y="3191948"/>
-            <a:ext cx="14393120" cy="2862322"/>
+            <a:ext cx="14393120" cy="3785652"/>
           </a:xfrm>
           <a:prstGeom prst="rect">
             <a:avLst/>
@@ -4878,7 +4708,7 @@
                   </a:extLst>
                 </a:hlinkClick>
               </a:rPr>
-              <a:t>2 books (O’Reilly Media)</a:t>
+              <a:t>Read my books (O’Reilly Media)</a:t>
             </a:r>
             <a:endParaRPr lang="en-US" sz="6000" dirty="0">
               <a:solidFill>
@@ -4909,7 +4739,7 @@
                   </a:extLst>
                 </a:hlinkClick>
               </a:rPr>
-              <a:t>LinkedIn Learning Courses</a:t>
+              <a:t>Take my LinkedIn Learning Courses</a:t>
             </a:r>
             <a:endParaRPr lang="en-US" sz="6000" dirty="0">
               <a:solidFill>
@@ -4940,7 +4770,7 @@
                   </a:extLst>
                 </a:hlinkClick>
               </a:rPr>
-              <a:t>Quick-win video courses on </a:t>
+              <a:t>Watch my quick-win video courses on </a:t>
             </a:r>
             <a:r>
               <a:rPr lang="en-US" sz="6000" dirty="0" err="1">
@@ -5367,108 +5197,6 @@
           <a:chExt cx="0" cy="0"/>
         </a:xfrm>
       </p:grpSpPr>
-      <p:sp>
-        <p:nvSpPr>
-          <p:cNvPr id="11" name="TextBox 10">
-            <a:extLst>
-              <a:ext uri="{FF2B5EF4-FFF2-40B4-BE49-F238E27FC236}">
-                <a16:creationId xmlns:a16="http://schemas.microsoft.com/office/drawing/2014/main" id="{44918A13-E8DE-9479-343B-14D08036F48F}"/>
-              </a:ext>
-            </a:extLst>
-          </p:cNvPr>
-          <p:cNvSpPr txBox="1"/>
-          <p:nvPr/>
-        </p:nvSpPr>
-        <p:spPr>
-          <a:xfrm>
-            <a:off x="520861" y="170082"/>
-            <a:ext cx="11979797" cy="1477328"/>
-          </a:xfrm>
-          <a:prstGeom prst="rect">
-            <a:avLst/>
-          </a:prstGeom>
-          <a:noFill/>
-        </p:spPr>
-        <p:txBody>
-          <a:bodyPr wrap="square" rtlCol="0">
-            <a:spAutoFit/>
-          </a:bodyPr>
-          <a:lstStyle/>
-          <a:p>
-            <a:r>
-              <a:rPr lang="en-US" sz="9000" dirty="0">
-                <a:latin typeface="Aliens &amp; cows" panose="00000500000000000000" pitchFamily="2" charset="0"/>
-              </a:rPr>
-              <a:t>Tier 1: Essentials Training</a:t>
-            </a:r>
-          </a:p>
-        </p:txBody>
-      </p:sp>
-      <p:sp>
-        <p:nvSpPr>
-          <p:cNvPr id="3" name="TextBox 2">
-            <a:extLst>
-              <a:ext uri="{FF2B5EF4-FFF2-40B4-BE49-F238E27FC236}">
-                <a16:creationId xmlns:a16="http://schemas.microsoft.com/office/drawing/2014/main" id="{877392C4-4BFB-B726-2A2C-BCC10F0FDF2A}"/>
-              </a:ext>
-            </a:extLst>
-          </p:cNvPr>
-          <p:cNvSpPr txBox="1"/>
-          <p:nvPr/>
-        </p:nvSpPr>
-        <p:spPr>
-          <a:xfrm>
-            <a:off x="520861" y="3191948"/>
-            <a:ext cx="14393120" cy="2862322"/>
-          </a:xfrm>
-          <a:prstGeom prst="rect">
-            <a:avLst/>
-          </a:prstGeom>
-          <a:noFill/>
-        </p:spPr>
-        <p:txBody>
-          <a:bodyPr wrap="square" rtlCol="0">
-            <a:spAutoFit/>
-          </a:bodyPr>
-          <a:lstStyle/>
-          <a:p>
-            <a:pPr marL="685800" indent="-685800">
-              <a:buClr>
-                <a:srgbClr val="CF3338"/>
-              </a:buClr>
-              <a:buFont typeface="Arial" panose="020B0604020202020204" pitchFamily="34" charset="0"/>
-              <a:buChar char="•"/>
-            </a:pPr>
-            <a:r>
-              <a:rPr lang="en-US" sz="6000" dirty="0">
-                <a:solidFill>
-                  <a:srgbClr val="707070"/>
-                </a:solidFill>
-                <a:latin typeface="Pragmatica" panose="020B0403040502020204" pitchFamily="34" charset="0"/>
-              </a:rPr>
-              <a:t>1-day focused Excel sessions (Tables, Power Query, Excel AI)</a:t>
-            </a:r>
-          </a:p>
-          <a:p>
-            <a:pPr marL="685800" indent="-685800">
-              <a:buClr>
-                <a:srgbClr val="CF3338"/>
-              </a:buClr>
-              <a:buFont typeface="Arial" panose="020B0604020202020204" pitchFamily="34" charset="0"/>
-              <a:buChar char="•"/>
-            </a:pPr>
-            <a:r>
-              <a:rPr lang="en-US" sz="6000" dirty="0">
-                <a:solidFill>
-                  <a:srgbClr val="707070"/>
-                </a:solidFill>
-                <a:latin typeface="Pragmatica" panose="020B0403040502020204" pitchFamily="34" charset="0"/>
-              </a:rPr>
-              <a:t>Immediate productivity boost</a:t>
-            </a:r>
-          </a:p>
-        </p:txBody>
-      </p:sp>
       <p:pic>
         <p:nvPicPr>
           <p:cNvPr id="15" name="Picture 14" descr="A close up of a sign&#10;&#10;Description automatically generated">
@@ -5505,6 +5233,361 @@
           </a:prstGeom>
         </p:spPr>
       </p:pic>
+      <p:graphicFrame>
+        <p:nvGraphicFramePr>
+          <p:cNvPr id="2" name="Table 1">
+            <a:extLst>
+              <a:ext uri="{FF2B5EF4-FFF2-40B4-BE49-F238E27FC236}">
+                <a16:creationId xmlns:a16="http://schemas.microsoft.com/office/drawing/2014/main" id="{01FCA77D-EB05-A35E-40E4-BDE6F2B609D0}"/>
+              </a:ext>
+            </a:extLst>
+          </p:cNvPr>
+          <p:cNvGraphicFramePr>
+            <a:graphicFrameLocks noGrp="1"/>
+          </p:cNvGraphicFramePr>
+          <p:nvPr>
+            <p:extLst>
+              <p:ext uri="{D42A27DB-BD31-4B8C-83A1-F6EECF244321}">
+                <p14:modId xmlns:p14="http://schemas.microsoft.com/office/powerpoint/2010/main" val="373985847"/>
+              </p:ext>
+            </p:extLst>
+          </p:nvPr>
+        </p:nvGraphicFramePr>
+        <p:xfrm>
+          <a:off x="457200" y="800100"/>
+          <a:ext cx="14935200" cy="8915398"/>
+        </p:xfrm>
+        <a:graphic>
+          <a:graphicData uri="http://schemas.openxmlformats.org/drawingml/2006/table">
+            <a:tbl>
+              <a:tblPr>
+                <a:tableStyleId>{793D81CF-94F2-401A-BA57-92F5A7B2D0C5}</a:tableStyleId>
+              </a:tblPr>
+              <a:tblGrid>
+                <a:gridCol w="4978400">
+                  <a:extLst>
+                    <a:ext uri="{9D8B030D-6E8A-4147-A177-3AD203B41FA5}">
+                      <a16:colId xmlns:a16="http://schemas.microsoft.com/office/drawing/2014/main" val="583647400"/>
+                    </a:ext>
+                  </a:extLst>
+                </a:gridCol>
+                <a:gridCol w="4978400">
+                  <a:extLst>
+                    <a:ext uri="{9D8B030D-6E8A-4147-A177-3AD203B41FA5}">
+                      <a16:colId xmlns:a16="http://schemas.microsoft.com/office/drawing/2014/main" val="372175440"/>
+                    </a:ext>
+                  </a:extLst>
+                </a:gridCol>
+                <a:gridCol w="4978400">
+                  <a:extLst>
+                    <a:ext uri="{9D8B030D-6E8A-4147-A177-3AD203B41FA5}">
+                      <a16:colId xmlns:a16="http://schemas.microsoft.com/office/drawing/2014/main" val="858243347"/>
+                    </a:ext>
+                  </a:extLst>
+                </a:gridCol>
+              </a:tblGrid>
+              <a:tr h="1150374">
+                <a:tc>
+                  <a:txBody>
+                    <a:bodyPr/>
+                    <a:lstStyle/>
+                    <a:p>
+                      <a:pPr>
+                        <a:buNone/>
+                      </a:pPr>
+                      <a:r>
+                        <a:rPr lang="en-US" sz="4000" b="1"/>
+                        <a:t>Tier</a:t>
+                      </a:r>
+                      <a:endParaRPr lang="en-US" sz="4000"/>
+                    </a:p>
+                  </a:txBody>
+                  <a:tcPr anchor="ctr">
+                    <a:solidFill>
+                      <a:schemeClr val="bg1">
+                        <a:lumMod val="95000"/>
+                      </a:schemeClr>
+                    </a:solidFill>
+                  </a:tcPr>
+                </a:tc>
+                <a:tc>
+                  <a:txBody>
+                    <a:bodyPr/>
+                    <a:lstStyle/>
+                    <a:p>
+                      <a:pPr>
+                        <a:buNone/>
+                      </a:pPr>
+                      <a:r>
+                        <a:rPr lang="en-US" sz="4000" b="1"/>
+                        <a:t>Focus</a:t>
+                      </a:r>
+                      <a:endParaRPr lang="en-US" sz="4000"/>
+                    </a:p>
+                  </a:txBody>
+                  <a:tcPr anchor="ctr">
+                    <a:solidFill>
+                      <a:schemeClr val="bg1">
+                        <a:lumMod val="95000"/>
+                      </a:schemeClr>
+                    </a:solidFill>
+                  </a:tcPr>
+                </a:tc>
+                <a:tc>
+                  <a:txBody>
+                    <a:bodyPr/>
+                    <a:lstStyle/>
+                    <a:p>
+                      <a:pPr>
+                        <a:buNone/>
+                      </a:pPr>
+                      <a:r>
+                        <a:rPr lang="en-US" sz="4000" b="1"/>
+                        <a:t>What You Get</a:t>
+                      </a:r>
+                      <a:endParaRPr lang="en-US" sz="4000"/>
+                    </a:p>
+                  </a:txBody>
+                  <a:tcPr anchor="ctr">
+                    <a:solidFill>
+                      <a:schemeClr val="bg1">
+                        <a:lumMod val="95000"/>
+                      </a:schemeClr>
+                    </a:solidFill>
+                  </a:tcPr>
+                </a:tc>
+                <a:extLst>
+                  <a:ext uri="{0D108BD9-81ED-4DB2-BD59-A6C34878D82A}">
+                    <a16:rowId xmlns:a16="http://schemas.microsoft.com/office/drawing/2014/main" val="986943229"/>
+                  </a:ext>
+                </a:extLst>
+              </a:tr>
+              <a:tr h="2875935">
+                <a:tc>
+                  <a:txBody>
+                    <a:bodyPr/>
+                    <a:lstStyle/>
+                    <a:p>
+                      <a:pPr>
+                        <a:buNone/>
+                      </a:pPr>
+                      <a:r>
+                        <a:rPr lang="en-US" sz="4000" b="1" dirty="0"/>
+                        <a:t>Tier 1: Essentials Training</a:t>
+                      </a:r>
+                      <a:endParaRPr lang="en-US" sz="4000" dirty="0"/>
+                    </a:p>
+                  </a:txBody>
+                  <a:tcPr anchor="ctr">
+                    <a:solidFill>
+                      <a:schemeClr val="bg1">
+                        <a:lumMod val="95000"/>
+                      </a:schemeClr>
+                    </a:solidFill>
+                  </a:tcPr>
+                </a:tc>
+                <a:tc>
+                  <a:txBody>
+                    <a:bodyPr/>
+                    <a:lstStyle/>
+                    <a:p>
+                      <a:pPr>
+                        <a:buNone/>
+                      </a:pPr>
+                      <a:r>
+                        <a:rPr lang="en-US" sz="4000" dirty="0"/>
+                        <a:t>1-day focused Excel sessions (Tables, Power Query, Excel AI)</a:t>
+                      </a:r>
+                    </a:p>
+                  </a:txBody>
+                  <a:tcPr anchor="ctr">
+                    <a:solidFill>
+                      <a:schemeClr val="bg1">
+                        <a:lumMod val="95000"/>
+                      </a:schemeClr>
+                    </a:solidFill>
+                  </a:tcPr>
+                </a:tc>
+                <a:tc>
+                  <a:txBody>
+                    <a:bodyPr/>
+                    <a:lstStyle/>
+                    <a:p>
+                      <a:pPr>
+                        <a:buNone/>
+                      </a:pPr>
+                      <a:r>
+                        <a:rPr lang="en-US" sz="4000"/>
+                        <a:t>Immediate productivity boost</a:t>
+                      </a:r>
+                    </a:p>
+                  </a:txBody>
+                  <a:tcPr anchor="ctr">
+                    <a:solidFill>
+                      <a:schemeClr val="bg1">
+                        <a:lumMod val="95000"/>
+                      </a:schemeClr>
+                    </a:solidFill>
+                  </a:tcPr>
+                </a:tc>
+                <a:extLst>
+                  <a:ext uri="{0D108BD9-81ED-4DB2-BD59-A6C34878D82A}">
+                    <a16:rowId xmlns:a16="http://schemas.microsoft.com/office/drawing/2014/main" val="2852601429"/>
+                  </a:ext>
+                </a:extLst>
+              </a:tr>
+              <a:tr h="2013154">
+                <a:tc>
+                  <a:txBody>
+                    <a:bodyPr/>
+                    <a:lstStyle/>
+                    <a:p>
+                      <a:pPr>
+                        <a:buNone/>
+                      </a:pPr>
+                      <a:r>
+                        <a:rPr lang="en-US" sz="4000" b="1"/>
+                        <a:t>Tier 2: Team Enablement</a:t>
+                      </a:r>
+                      <a:endParaRPr lang="en-US" sz="4000"/>
+                    </a:p>
+                  </a:txBody>
+                  <a:tcPr anchor="ctr">
+                    <a:solidFill>
+                      <a:schemeClr val="bg1">
+                        <a:lumMod val="95000"/>
+                      </a:schemeClr>
+                    </a:solidFill>
+                  </a:tcPr>
+                </a:tc>
+                <a:tc>
+                  <a:txBody>
+                    <a:bodyPr/>
+                    <a:lstStyle/>
+                    <a:p>
+                      <a:pPr>
+                        <a:buNone/>
+                      </a:pPr>
+                      <a:r>
+                        <a:rPr lang="en-US" sz="4000"/>
+                        <a:t>2-day Modern Analytics in Excel workshop</a:t>
+                      </a:r>
+                    </a:p>
+                  </a:txBody>
+                  <a:tcPr anchor="ctr">
+                    <a:solidFill>
+                      <a:schemeClr val="bg1">
+                        <a:lumMod val="95000"/>
+                      </a:schemeClr>
+                    </a:solidFill>
+                  </a:tcPr>
+                </a:tc>
+                <a:tc>
+                  <a:txBody>
+                    <a:bodyPr/>
+                    <a:lstStyle/>
+                    <a:p>
+                      <a:pPr>
+                        <a:buNone/>
+                      </a:pPr>
+                      <a:r>
+                        <a:rPr lang="en-US" sz="4000" dirty="0"/>
+                        <a:t>Hands-on workflow training</a:t>
+                      </a:r>
+                    </a:p>
+                  </a:txBody>
+                  <a:tcPr anchor="ctr">
+                    <a:solidFill>
+                      <a:schemeClr val="bg1">
+                        <a:lumMod val="95000"/>
+                      </a:schemeClr>
+                    </a:solidFill>
+                  </a:tcPr>
+                </a:tc>
+                <a:extLst>
+                  <a:ext uri="{0D108BD9-81ED-4DB2-BD59-A6C34878D82A}">
+                    <a16:rowId xmlns:a16="http://schemas.microsoft.com/office/drawing/2014/main" val="1114967597"/>
+                  </a:ext>
+                </a:extLst>
+              </a:tr>
+              <a:tr h="2875935">
+                <a:tc>
+                  <a:txBody>
+                    <a:bodyPr/>
+                    <a:lstStyle/>
+                    <a:p>
+                      <a:pPr>
+                        <a:buNone/>
+                      </a:pPr>
+                      <a:r>
+                        <a:rPr lang="en-US" sz="4000" b="1"/>
+                        <a:t>Tier 3: Learning Paths Advisory</a:t>
+                      </a:r>
+                      <a:endParaRPr lang="en-US" sz="4000"/>
+                    </a:p>
+                  </a:txBody>
+                  <a:tcPr anchor="ctr">
+                    <a:solidFill>
+                      <a:schemeClr val="bg1">
+                        <a:lumMod val="95000"/>
+                      </a:schemeClr>
+                    </a:solidFill>
+                  </a:tcPr>
+                </a:tc>
+                <a:tc>
+                  <a:txBody>
+                    <a:bodyPr/>
+                    <a:lstStyle/>
+                    <a:p>
+                      <a:pPr>
+                        <a:buNone/>
+                      </a:pPr>
+                      <a:r>
+                        <a:rPr lang="en-US" sz="4000" dirty="0"/>
+                        <a:t>Competency frameworks, customized pathways for 3–5 personas</a:t>
+                      </a:r>
+                    </a:p>
+                  </a:txBody>
+                  <a:tcPr anchor="ctr">
+                    <a:solidFill>
+                      <a:schemeClr val="bg1">
+                        <a:lumMod val="95000"/>
+                      </a:schemeClr>
+                    </a:solidFill>
+                  </a:tcPr>
+                </a:tc>
+                <a:tc>
+                  <a:txBody>
+                    <a:bodyPr/>
+                    <a:lstStyle/>
+                    <a:p>
+                      <a:pPr>
+                        <a:buNone/>
+                      </a:pPr>
+                      <a:r>
+                        <a:rPr lang="en-US" sz="4000" dirty="0"/>
+                        <a:t>Audit of existing training resources for optimized data literacy</a:t>
+                      </a:r>
+                    </a:p>
+                  </a:txBody>
+                  <a:tcPr anchor="ctr">
+                    <a:solidFill>
+                      <a:schemeClr val="bg1">
+                        <a:lumMod val="95000"/>
+                      </a:schemeClr>
+                    </a:solidFill>
+                  </a:tcPr>
+                </a:tc>
+                <a:extLst>
+                  <a:ext uri="{0D108BD9-81ED-4DB2-BD59-A6C34878D82A}">
+                    <a16:rowId xmlns:a16="http://schemas.microsoft.com/office/drawing/2014/main" val="4095421590"/>
+                  </a:ext>
+                </a:extLst>
+              </a:tr>
+            </a:tbl>
+          </a:graphicData>
+        </a:graphic>
+      </p:graphicFrame>
     </p:spTree>
     <p:extLst>
       <p:ext uri="{BB962C8B-B14F-4D97-AF65-F5344CB8AC3E}">
@@ -5519,372 +5602,6 @@
 </file>
 
 <file path=ppt/slides/slide15.xml><?xml version="1.0" encoding="utf-8"?>
-<p:sld xmlns:a="http://schemas.openxmlformats.org/drawingml/2006/main" xmlns:r="http://schemas.openxmlformats.org/officeDocument/2006/relationships" xmlns:p="http://schemas.openxmlformats.org/presentationml/2006/main">
-  <p:cSld>
-    <p:spTree>
-      <p:nvGrpSpPr>
-        <p:cNvPr id="1" name="">
-          <a:extLst>
-            <a:ext uri="{FF2B5EF4-FFF2-40B4-BE49-F238E27FC236}">
-              <a16:creationId xmlns:a16="http://schemas.microsoft.com/office/drawing/2014/main" id="{6D30ABC0-7DAF-8175-6FFC-54F26FC584E8}"/>
-            </a:ext>
-          </a:extLst>
-        </p:cNvPr>
-        <p:cNvGrpSpPr/>
-        <p:nvPr/>
-      </p:nvGrpSpPr>
-      <p:grpSpPr>
-        <a:xfrm>
-          <a:off x="0" y="0"/>
-          <a:ext cx="0" cy="0"/>
-          <a:chOff x="0" y="0"/>
-          <a:chExt cx="0" cy="0"/>
-        </a:xfrm>
-      </p:grpSpPr>
-      <p:sp>
-        <p:nvSpPr>
-          <p:cNvPr id="11" name="TextBox 10">
-            <a:extLst>
-              <a:ext uri="{FF2B5EF4-FFF2-40B4-BE49-F238E27FC236}">
-                <a16:creationId xmlns:a16="http://schemas.microsoft.com/office/drawing/2014/main" id="{E6BB445A-EEFB-EC28-F064-6FA6ED670D20}"/>
-              </a:ext>
-            </a:extLst>
-          </p:cNvPr>
-          <p:cNvSpPr txBox="1"/>
-          <p:nvPr/>
-        </p:nvSpPr>
-        <p:spPr>
-          <a:xfrm>
-            <a:off x="520861" y="170082"/>
-            <a:ext cx="11979797" cy="1477328"/>
-          </a:xfrm>
-          <a:prstGeom prst="rect">
-            <a:avLst/>
-          </a:prstGeom>
-          <a:noFill/>
-        </p:spPr>
-        <p:txBody>
-          <a:bodyPr wrap="square" rtlCol="0">
-            <a:spAutoFit/>
-          </a:bodyPr>
-          <a:lstStyle/>
-          <a:p>
-            <a:r>
-              <a:rPr lang="en-US" sz="9000" dirty="0">
-                <a:latin typeface="Aliens &amp; cows" panose="00000500000000000000" pitchFamily="2" charset="0"/>
-              </a:rPr>
-              <a:t>Tier 2: Team Enablement</a:t>
-            </a:r>
-          </a:p>
-        </p:txBody>
-      </p:sp>
-      <p:sp>
-        <p:nvSpPr>
-          <p:cNvPr id="3" name="TextBox 2">
-            <a:extLst>
-              <a:ext uri="{FF2B5EF4-FFF2-40B4-BE49-F238E27FC236}">
-                <a16:creationId xmlns:a16="http://schemas.microsoft.com/office/drawing/2014/main" id="{C2A7B404-439B-84EC-4E14-2ACEC12EF86A}"/>
-              </a:ext>
-            </a:extLst>
-          </p:cNvPr>
-          <p:cNvSpPr txBox="1"/>
-          <p:nvPr/>
-        </p:nvSpPr>
-        <p:spPr>
-          <a:xfrm>
-            <a:off x="520861" y="3191948"/>
-            <a:ext cx="14393120" cy="2862322"/>
-          </a:xfrm>
-          <a:prstGeom prst="rect">
-            <a:avLst/>
-          </a:prstGeom>
-          <a:noFill/>
-        </p:spPr>
-        <p:txBody>
-          <a:bodyPr wrap="square" rtlCol="0">
-            <a:spAutoFit/>
-          </a:bodyPr>
-          <a:lstStyle/>
-          <a:p>
-            <a:pPr marL="685800" indent="-685800">
-              <a:buClr>
-                <a:srgbClr val="CF3338"/>
-              </a:buClr>
-              <a:buFont typeface="Arial" panose="020B0604020202020204" pitchFamily="34" charset="0"/>
-              <a:buChar char="•"/>
-            </a:pPr>
-            <a:r>
-              <a:rPr lang="en-US" sz="6000" dirty="0">
-                <a:solidFill>
-                  <a:srgbClr val="707070"/>
-                </a:solidFill>
-                <a:latin typeface="Pragmatica" panose="020B0403040502020204" pitchFamily="34" charset="0"/>
-              </a:rPr>
-              <a:t>2-day comprehensive Modern Analytics in Excel workshop</a:t>
-            </a:r>
-          </a:p>
-          <a:p>
-            <a:pPr marL="685800" indent="-685800">
-              <a:buClr>
-                <a:srgbClr val="CF3338"/>
-              </a:buClr>
-              <a:buFont typeface="Arial" panose="020B0604020202020204" pitchFamily="34" charset="0"/>
-              <a:buChar char="•"/>
-            </a:pPr>
-            <a:r>
-              <a:rPr lang="en-US" sz="6000" dirty="0">
-                <a:solidFill>
-                  <a:srgbClr val="707070"/>
-                </a:solidFill>
-                <a:latin typeface="Pragmatica" panose="020B0403040502020204" pitchFamily="34" charset="0"/>
-              </a:rPr>
-              <a:t>Hands-on workflow training</a:t>
-            </a:r>
-          </a:p>
-        </p:txBody>
-      </p:sp>
-      <p:pic>
-        <p:nvPicPr>
-          <p:cNvPr id="15" name="Picture 14" descr="A close up of a sign&#10;&#10;Description automatically generated">
-            <a:extLst>
-              <a:ext uri="{FF2B5EF4-FFF2-40B4-BE49-F238E27FC236}">
-                <a16:creationId xmlns:a16="http://schemas.microsoft.com/office/drawing/2014/main" id="{50AC218D-918A-DAD3-E88C-4ADB02063868}"/>
-              </a:ext>
-            </a:extLst>
-          </p:cNvPr>
-          <p:cNvPicPr>
-            <a:picLocks noChangeAspect="1"/>
-          </p:cNvPicPr>
-          <p:nvPr/>
-        </p:nvPicPr>
-        <p:blipFill>
-          <a:blip r:embed="rId3">
-            <a:extLst>
-              <a:ext uri="{28A0092B-C50C-407E-A947-70E740481C1C}">
-                <a14:useLocalDpi xmlns:a14="http://schemas.microsoft.com/office/drawing/2010/main" val="0"/>
-              </a:ext>
-            </a:extLst>
-          </a:blip>
-          <a:stretch>
-            <a:fillRect/>
-          </a:stretch>
-        </p:blipFill>
-        <p:spPr>
-          <a:xfrm>
-            <a:off x="16341036" y="8058429"/>
-            <a:ext cx="1942857" cy="2228571"/>
-          </a:xfrm>
-          <a:prstGeom prst="rect">
-            <a:avLst/>
-          </a:prstGeom>
-        </p:spPr>
-      </p:pic>
-    </p:spTree>
-    <p:extLst>
-      <p:ext uri="{BB962C8B-B14F-4D97-AF65-F5344CB8AC3E}">
-        <p14:creationId xmlns:p14="http://schemas.microsoft.com/office/powerpoint/2010/main" val="3919150901"/>
-      </p:ext>
-    </p:extLst>
-  </p:cSld>
-  <p:clrMapOvr>
-    <a:masterClrMapping/>
-  </p:clrMapOvr>
-</p:sld>
-</file>
-
-<file path=ppt/slides/slide16.xml><?xml version="1.0" encoding="utf-8"?>
-<p:sld xmlns:a="http://schemas.openxmlformats.org/drawingml/2006/main" xmlns:r="http://schemas.openxmlformats.org/officeDocument/2006/relationships" xmlns:p="http://schemas.openxmlformats.org/presentationml/2006/main">
-  <p:cSld>
-    <p:spTree>
-      <p:nvGrpSpPr>
-        <p:cNvPr id="1" name="">
-          <a:extLst>
-            <a:ext uri="{FF2B5EF4-FFF2-40B4-BE49-F238E27FC236}">
-              <a16:creationId xmlns:a16="http://schemas.microsoft.com/office/drawing/2014/main" id="{C9FB24D6-04DB-F796-9E17-012E7755E1EB}"/>
-            </a:ext>
-          </a:extLst>
-        </p:cNvPr>
-        <p:cNvGrpSpPr/>
-        <p:nvPr/>
-      </p:nvGrpSpPr>
-      <p:grpSpPr>
-        <a:xfrm>
-          <a:off x="0" y="0"/>
-          <a:ext cx="0" cy="0"/>
-          <a:chOff x="0" y="0"/>
-          <a:chExt cx="0" cy="0"/>
-        </a:xfrm>
-      </p:grpSpPr>
-      <p:sp>
-        <p:nvSpPr>
-          <p:cNvPr id="11" name="TextBox 10">
-            <a:extLst>
-              <a:ext uri="{FF2B5EF4-FFF2-40B4-BE49-F238E27FC236}">
-                <a16:creationId xmlns:a16="http://schemas.microsoft.com/office/drawing/2014/main" id="{DF2FF07C-3B47-AA2D-A6BE-DCC4BC54E171}"/>
-              </a:ext>
-            </a:extLst>
-          </p:cNvPr>
-          <p:cNvSpPr txBox="1"/>
-          <p:nvPr/>
-        </p:nvSpPr>
-        <p:spPr>
-          <a:xfrm>
-            <a:off x="520861" y="170082"/>
-            <a:ext cx="14947739" cy="1477328"/>
-          </a:xfrm>
-          <a:prstGeom prst="rect">
-            <a:avLst/>
-          </a:prstGeom>
-          <a:noFill/>
-        </p:spPr>
-        <p:txBody>
-          <a:bodyPr wrap="square" rtlCol="0">
-            <a:spAutoFit/>
-          </a:bodyPr>
-          <a:lstStyle/>
-          <a:p>
-            <a:r>
-              <a:rPr lang="en-US" sz="9000" dirty="0">
-                <a:latin typeface="Aliens &amp; cows" panose="00000500000000000000" pitchFamily="2" charset="0"/>
-              </a:rPr>
-              <a:t>Tier 3: Learning Paths Advisory</a:t>
-            </a:r>
-          </a:p>
-        </p:txBody>
-      </p:sp>
-      <p:sp>
-        <p:nvSpPr>
-          <p:cNvPr id="3" name="TextBox 2">
-            <a:extLst>
-              <a:ext uri="{FF2B5EF4-FFF2-40B4-BE49-F238E27FC236}">
-                <a16:creationId xmlns:a16="http://schemas.microsoft.com/office/drawing/2014/main" id="{81B616DA-7B6B-524C-26D9-7FCE9FC40526}"/>
-              </a:ext>
-            </a:extLst>
-          </p:cNvPr>
-          <p:cNvSpPr txBox="1"/>
-          <p:nvPr/>
-        </p:nvSpPr>
-        <p:spPr>
-          <a:xfrm>
-            <a:off x="520861" y="3191948"/>
-            <a:ext cx="14393120" cy="5632311"/>
-          </a:xfrm>
-          <a:prstGeom prst="rect">
-            <a:avLst/>
-          </a:prstGeom>
-          <a:noFill/>
-        </p:spPr>
-        <p:txBody>
-          <a:bodyPr wrap="square" rtlCol="0">
-            <a:spAutoFit/>
-          </a:bodyPr>
-          <a:lstStyle/>
-          <a:p>
-            <a:pPr marL="685800" indent="-685800">
-              <a:buClr>
-                <a:srgbClr val="CF3338"/>
-              </a:buClr>
-              <a:buFont typeface="Arial" panose="020B0604020202020204" pitchFamily="34" charset="0"/>
-              <a:buChar char="•"/>
-            </a:pPr>
-            <a:r>
-              <a:rPr lang="en-US" sz="6000" dirty="0">
-                <a:solidFill>
-                  <a:srgbClr val="707070"/>
-                </a:solidFill>
-                <a:latin typeface="Pragmatica" panose="020B0403040502020204" pitchFamily="34" charset="0"/>
-              </a:rPr>
-              <a:t>Competency frameworks tailored to your organization</a:t>
-            </a:r>
-          </a:p>
-          <a:p>
-            <a:pPr marL="685800" indent="-685800">
-              <a:buClr>
-                <a:srgbClr val="CF3338"/>
-              </a:buClr>
-              <a:buFont typeface="Arial" panose="020B0604020202020204" pitchFamily="34" charset="0"/>
-              <a:buChar char="•"/>
-            </a:pPr>
-            <a:r>
-              <a:rPr lang="en-US" sz="6000" dirty="0">
-                <a:solidFill>
-                  <a:srgbClr val="707070"/>
-                </a:solidFill>
-                <a:latin typeface="Pragmatica" panose="020B0403040502020204" pitchFamily="34" charset="0"/>
-              </a:rPr>
-              <a:t>Customized learning pathways for 3–5 learner personas</a:t>
-            </a:r>
-          </a:p>
-          <a:p>
-            <a:pPr marL="685800" indent="-685800">
-              <a:buClr>
-                <a:srgbClr val="CF3338"/>
-              </a:buClr>
-              <a:buFont typeface="Arial" panose="020B0604020202020204" pitchFamily="34" charset="0"/>
-              <a:buChar char="•"/>
-            </a:pPr>
-            <a:r>
-              <a:rPr lang="en-US" sz="6000" dirty="0">
-                <a:solidFill>
-                  <a:srgbClr val="707070"/>
-                </a:solidFill>
-                <a:latin typeface="Pragmatica" panose="020B0403040502020204" pitchFamily="34" charset="0"/>
-              </a:rPr>
-              <a:t>Audit of existing training resources for optimized data literacy</a:t>
-            </a:r>
-          </a:p>
-        </p:txBody>
-      </p:sp>
-      <p:pic>
-        <p:nvPicPr>
-          <p:cNvPr id="15" name="Picture 14" descr="A close up of a sign&#10;&#10;Description automatically generated">
-            <a:extLst>
-              <a:ext uri="{FF2B5EF4-FFF2-40B4-BE49-F238E27FC236}">
-                <a16:creationId xmlns:a16="http://schemas.microsoft.com/office/drawing/2014/main" id="{BF4DD41A-0B6F-C908-15D1-21167011123E}"/>
-              </a:ext>
-            </a:extLst>
-          </p:cNvPr>
-          <p:cNvPicPr>
-            <a:picLocks noChangeAspect="1"/>
-          </p:cNvPicPr>
-          <p:nvPr/>
-        </p:nvPicPr>
-        <p:blipFill>
-          <a:blip r:embed="rId3">
-            <a:extLst>
-              <a:ext uri="{28A0092B-C50C-407E-A947-70E740481C1C}">
-                <a14:useLocalDpi xmlns:a14="http://schemas.microsoft.com/office/drawing/2010/main" val="0"/>
-              </a:ext>
-            </a:extLst>
-          </a:blip>
-          <a:stretch>
-            <a:fillRect/>
-          </a:stretch>
-        </p:blipFill>
-        <p:spPr>
-          <a:xfrm>
-            <a:off x="16341036" y="8058429"/>
-            <a:ext cx="1942857" cy="2228571"/>
-          </a:xfrm>
-          <a:prstGeom prst="rect">
-            <a:avLst/>
-          </a:prstGeom>
-        </p:spPr>
-      </p:pic>
-    </p:spTree>
-    <p:extLst>
-      <p:ext uri="{BB962C8B-B14F-4D97-AF65-F5344CB8AC3E}">
-        <p14:creationId xmlns:p14="http://schemas.microsoft.com/office/powerpoint/2010/main" val="2102110586"/>
-      </p:ext>
-    </p:extLst>
-  </p:cSld>
-  <p:clrMapOvr>
-    <a:masterClrMapping/>
-  </p:clrMapOvr>
-</p:sld>
-</file>
-
-<file path=ppt/slides/slide17.xml><?xml version="1.0" encoding="utf-8"?>
 <p:sld xmlns:a="http://schemas.openxmlformats.org/drawingml/2006/main" xmlns:r="http://schemas.openxmlformats.org/officeDocument/2006/relationships" xmlns:p="http://schemas.openxmlformats.org/presentationml/2006/main">
   <p:cSld>
     <p:spTree>
@@ -6014,7 +5731,7 @@
 </p:sld>
 </file>
 
-<file path=ppt/slides/slide18.xml><?xml version="1.0" encoding="utf-8"?>
+<file path=ppt/slides/slide16.xml><?xml version="1.0" encoding="utf-8"?>
 <p:sld xmlns:a="http://schemas.openxmlformats.org/drawingml/2006/main" xmlns:r="http://schemas.openxmlformats.org/officeDocument/2006/relationships" xmlns:p="http://schemas.openxmlformats.org/presentationml/2006/main">
   <p:cSld>
     <p:spTree>
@@ -6188,7 +5905,7 @@
 </p:sld>
 </file>
 
-<file path=ppt/slides/slide19.xml><?xml version="1.0" encoding="utf-8"?>
+<file path=ppt/slides/slide17.xml><?xml version="1.0" encoding="utf-8"?>
 <p:sld xmlns:a="http://schemas.openxmlformats.org/drawingml/2006/main" xmlns:r="http://schemas.openxmlformats.org/officeDocument/2006/relationships" xmlns:p="http://schemas.openxmlformats.org/presentationml/2006/main">
   <p:cSld>
     <p:spTree>
@@ -6433,6 +6150,415 @@
     <p:extLst>
       <p:ext uri="{BB962C8B-B14F-4D97-AF65-F5344CB8AC3E}">
         <p14:creationId xmlns:p14="http://schemas.microsoft.com/office/powerpoint/2010/main" val="3930223754"/>
+      </p:ext>
+    </p:extLst>
+  </p:cSld>
+  <p:clrMapOvr>
+    <a:masterClrMapping/>
+  </p:clrMapOvr>
+</p:sld>
+</file>
+
+<file path=ppt/slides/slide18.xml><?xml version="1.0" encoding="utf-8"?>
+<p:sld xmlns:a="http://schemas.openxmlformats.org/drawingml/2006/main" xmlns:r="http://schemas.openxmlformats.org/officeDocument/2006/relationships" xmlns:p="http://schemas.openxmlformats.org/presentationml/2006/main">
+  <p:cSld>
+    <p:spTree>
+      <p:nvGrpSpPr>
+        <p:cNvPr id="1" name="">
+          <a:extLst>
+            <a:ext uri="{FF2B5EF4-FFF2-40B4-BE49-F238E27FC236}">
+              <a16:creationId xmlns:a16="http://schemas.microsoft.com/office/drawing/2014/main" id="{73629F3B-66F6-2DFF-0DD2-E675D301B9E2}"/>
+            </a:ext>
+          </a:extLst>
+        </p:cNvPr>
+        <p:cNvGrpSpPr/>
+        <p:nvPr/>
+      </p:nvGrpSpPr>
+      <p:grpSpPr>
+        <a:xfrm>
+          <a:off x="0" y="0"/>
+          <a:ext cx="0" cy="0"/>
+          <a:chOff x="0" y="0"/>
+          <a:chExt cx="0" cy="0"/>
+        </a:xfrm>
+      </p:grpSpPr>
+      <p:sp>
+        <p:nvSpPr>
+          <p:cNvPr id="11" name="TextBox 10">
+            <a:extLst>
+              <a:ext uri="{FF2B5EF4-FFF2-40B4-BE49-F238E27FC236}">
+                <a16:creationId xmlns:a16="http://schemas.microsoft.com/office/drawing/2014/main" id="{7191E071-9895-6FB6-F22E-1F074E411B2E}"/>
+              </a:ext>
+            </a:extLst>
+          </p:cNvPr>
+          <p:cNvSpPr txBox="1"/>
+          <p:nvPr/>
+        </p:nvSpPr>
+        <p:spPr>
+          <a:xfrm>
+            <a:off x="520861" y="170082"/>
+            <a:ext cx="14947739" cy="1323439"/>
+          </a:xfrm>
+          <a:prstGeom prst="rect">
+            <a:avLst/>
+          </a:prstGeom>
+          <a:noFill/>
+        </p:spPr>
+        <p:txBody>
+          <a:bodyPr wrap="square" rtlCol="0">
+            <a:spAutoFit/>
+          </a:bodyPr>
+          <a:lstStyle/>
+          <a:p>
+            <a:r>
+              <a:rPr lang="en-US" sz="8000" dirty="0">
+                <a:latin typeface="Aliens &amp; cows" panose="00000500000000000000" pitchFamily="2" charset="0"/>
+              </a:rPr>
+              <a:t>Attendee freebie</a:t>
+            </a:r>
+          </a:p>
+        </p:txBody>
+      </p:sp>
+      <p:sp>
+        <p:nvSpPr>
+          <p:cNvPr id="3" name="TextBox 2">
+            <a:extLst>
+              <a:ext uri="{FF2B5EF4-FFF2-40B4-BE49-F238E27FC236}">
+                <a16:creationId xmlns:a16="http://schemas.microsoft.com/office/drawing/2014/main" id="{3B7C3EBD-E30E-61DE-35DB-807E49DBD32A}"/>
+              </a:ext>
+            </a:extLst>
+          </p:cNvPr>
+          <p:cNvSpPr txBox="1"/>
+          <p:nvPr/>
+        </p:nvSpPr>
+        <p:spPr>
+          <a:xfrm>
+            <a:off x="520861" y="3191948"/>
+            <a:ext cx="14393120" cy="4708981"/>
+          </a:xfrm>
+          <a:prstGeom prst="rect">
+            <a:avLst/>
+          </a:prstGeom>
+          <a:noFill/>
+        </p:spPr>
+        <p:txBody>
+          <a:bodyPr wrap="square" rtlCol="0">
+            <a:spAutoFit/>
+          </a:bodyPr>
+          <a:lstStyle/>
+          <a:p>
+            <a:pPr marL="685800" indent="-685800">
+              <a:buClr>
+                <a:srgbClr val="CF3338"/>
+              </a:buClr>
+              <a:buFont typeface="Arial" panose="020B0604020202020204" pitchFamily="34" charset="0"/>
+              <a:buChar char="•"/>
+            </a:pPr>
+            <a:r>
+              <a:rPr lang="en-US" sz="6000" dirty="0">
+                <a:solidFill>
+                  <a:srgbClr val="707070"/>
+                </a:solidFill>
+                <a:latin typeface="Pragmatica" panose="020B0403040502020204" pitchFamily="34" charset="0"/>
+              </a:rPr>
+              <a:t>Modern Excel Starter Kit PDF</a:t>
+            </a:r>
+          </a:p>
+          <a:p>
+            <a:pPr marL="1143000" lvl="1" indent="-685800">
+              <a:buClr>
+                <a:srgbClr val="CF3338"/>
+              </a:buClr>
+              <a:buFont typeface="Arial" panose="020B0604020202020204" pitchFamily="34" charset="0"/>
+              <a:buChar char="•"/>
+            </a:pPr>
+            <a:r>
+              <a:rPr lang="en-US" sz="6000" dirty="0">
+                <a:solidFill>
+                  <a:srgbClr val="707070"/>
+                </a:solidFill>
+                <a:latin typeface="Pragmatica" panose="020B0403040502020204" pitchFamily="34" charset="0"/>
+              </a:rPr>
+              <a:t>Introduction, learning strategies, additional resources to master Modern Excel</a:t>
+            </a:r>
+          </a:p>
+          <a:p>
+            <a:pPr marL="1143000" lvl="1" indent="-685800">
+              <a:buClr>
+                <a:srgbClr val="CF3338"/>
+              </a:buClr>
+              <a:buFont typeface="Arial" panose="020B0604020202020204" pitchFamily="34" charset="0"/>
+              <a:buChar char="•"/>
+            </a:pPr>
+            <a:r>
+              <a:rPr lang="en-US" sz="6000" dirty="0">
+                <a:solidFill>
+                  <a:srgbClr val="707070"/>
+                </a:solidFill>
+                <a:latin typeface="Pragmatica" panose="020B0403040502020204" pitchFamily="34" charset="0"/>
+              </a:rPr>
+              <a:t>Available in the event downloads folder</a:t>
+            </a:r>
+          </a:p>
+        </p:txBody>
+      </p:sp>
+      <p:pic>
+        <p:nvPicPr>
+          <p:cNvPr id="15" name="Picture 14" descr="A close up of a sign&#10;&#10;Description automatically generated">
+            <a:extLst>
+              <a:ext uri="{FF2B5EF4-FFF2-40B4-BE49-F238E27FC236}">
+                <a16:creationId xmlns:a16="http://schemas.microsoft.com/office/drawing/2014/main" id="{13B07C37-CB06-81A2-E8A5-6FB14518C801}"/>
+              </a:ext>
+            </a:extLst>
+          </p:cNvPr>
+          <p:cNvPicPr>
+            <a:picLocks noChangeAspect="1"/>
+          </p:cNvPicPr>
+          <p:nvPr/>
+        </p:nvPicPr>
+        <p:blipFill>
+          <a:blip r:embed="rId2">
+            <a:extLst>
+              <a:ext uri="{28A0092B-C50C-407E-A947-70E740481C1C}">
+                <a14:useLocalDpi xmlns:a14="http://schemas.microsoft.com/office/drawing/2010/main" val="0"/>
+              </a:ext>
+            </a:extLst>
+          </a:blip>
+          <a:stretch>
+            <a:fillRect/>
+          </a:stretch>
+        </p:blipFill>
+        <p:spPr>
+          <a:xfrm>
+            <a:off x="16341036" y="8058429"/>
+            <a:ext cx="1942857" cy="2228571"/>
+          </a:xfrm>
+          <a:prstGeom prst="rect">
+            <a:avLst/>
+          </a:prstGeom>
+        </p:spPr>
+      </p:pic>
+    </p:spTree>
+    <p:extLst>
+      <p:ext uri="{BB962C8B-B14F-4D97-AF65-F5344CB8AC3E}">
+        <p14:creationId xmlns:p14="http://schemas.microsoft.com/office/powerpoint/2010/main" val="3018689313"/>
+      </p:ext>
+    </p:extLst>
+  </p:cSld>
+  <p:clrMapOvr>
+    <a:masterClrMapping/>
+  </p:clrMapOvr>
+</p:sld>
+</file>
+
+<file path=ppt/slides/slide19.xml><?xml version="1.0" encoding="utf-8"?>
+<p:sld xmlns:a="http://schemas.openxmlformats.org/drawingml/2006/main" xmlns:r="http://schemas.openxmlformats.org/officeDocument/2006/relationships" xmlns:p="http://schemas.openxmlformats.org/presentationml/2006/main">
+  <p:cSld>
+    <p:spTree>
+      <p:nvGrpSpPr>
+        <p:cNvPr id="1" name="">
+          <a:extLst>
+            <a:ext uri="{FF2B5EF4-FFF2-40B4-BE49-F238E27FC236}">
+              <a16:creationId xmlns:a16="http://schemas.microsoft.com/office/drawing/2014/main" id="{DA8CB409-CE91-9113-CF5B-9EF56BE94356}"/>
+            </a:ext>
+          </a:extLst>
+        </p:cNvPr>
+        <p:cNvGrpSpPr/>
+        <p:nvPr/>
+      </p:nvGrpSpPr>
+      <p:grpSpPr>
+        <a:xfrm>
+          <a:off x="0" y="0"/>
+          <a:ext cx="0" cy="0"/>
+          <a:chOff x="0" y="0"/>
+          <a:chExt cx="0" cy="0"/>
+        </a:xfrm>
+      </p:grpSpPr>
+      <p:sp>
+        <p:nvSpPr>
+          <p:cNvPr id="11" name="TextBox 10">
+            <a:extLst>
+              <a:ext uri="{FF2B5EF4-FFF2-40B4-BE49-F238E27FC236}">
+                <a16:creationId xmlns:a16="http://schemas.microsoft.com/office/drawing/2014/main" id="{DB8D7723-DD6F-44FA-345F-472CF117590F}"/>
+              </a:ext>
+            </a:extLst>
+          </p:cNvPr>
+          <p:cNvSpPr txBox="1"/>
+          <p:nvPr/>
+        </p:nvSpPr>
+        <p:spPr>
+          <a:xfrm>
+            <a:off x="520861" y="170082"/>
+            <a:ext cx="14947739" cy="1323439"/>
+          </a:xfrm>
+          <a:prstGeom prst="rect">
+            <a:avLst/>
+          </a:prstGeom>
+          <a:noFill/>
+        </p:spPr>
+        <p:txBody>
+          <a:bodyPr wrap="square" rtlCol="0">
+            <a:spAutoFit/>
+          </a:bodyPr>
+          <a:lstStyle/>
+          <a:p>
+            <a:r>
+              <a:rPr lang="en-US" sz="8000" dirty="0">
+                <a:latin typeface="Aliens &amp; cows" panose="00000500000000000000" pitchFamily="2" charset="0"/>
+              </a:rPr>
+              <a:t>Next steps</a:t>
+            </a:r>
+          </a:p>
+        </p:txBody>
+      </p:sp>
+      <p:sp>
+        <p:nvSpPr>
+          <p:cNvPr id="3" name="TextBox 2">
+            <a:extLst>
+              <a:ext uri="{FF2B5EF4-FFF2-40B4-BE49-F238E27FC236}">
+                <a16:creationId xmlns:a16="http://schemas.microsoft.com/office/drawing/2014/main" id="{80175D3E-AE80-1413-C125-5F34E069E354}"/>
+              </a:ext>
+            </a:extLst>
+          </p:cNvPr>
+          <p:cNvSpPr txBox="1"/>
+          <p:nvPr/>
+        </p:nvSpPr>
+        <p:spPr>
+          <a:xfrm>
+            <a:off x="520861" y="3191948"/>
+            <a:ext cx="14393120" cy="3785652"/>
+          </a:xfrm>
+          <a:prstGeom prst="rect">
+            <a:avLst/>
+          </a:prstGeom>
+          <a:noFill/>
+        </p:spPr>
+        <p:txBody>
+          <a:bodyPr wrap="square" rtlCol="0">
+            <a:spAutoFit/>
+          </a:bodyPr>
+          <a:lstStyle/>
+          <a:p>
+            <a:pPr marL="685800" indent="-685800">
+              <a:buClr>
+                <a:srgbClr val="CF3338"/>
+              </a:buClr>
+              <a:buFont typeface="Arial" panose="020B0604020202020204" pitchFamily="34" charset="0"/>
+              <a:buChar char="•"/>
+            </a:pPr>
+            <a:r>
+              <a:rPr lang="en-US" sz="6000" dirty="0">
+                <a:solidFill>
+                  <a:srgbClr val="707070"/>
+                </a:solidFill>
+                <a:latin typeface="Pragmatica" panose="020B0403040502020204" pitchFamily="34" charset="0"/>
+              </a:rPr>
+              <a:t>Book a discovery call at </a:t>
+            </a:r>
+            <a:r>
+              <a:rPr lang="en-US" sz="6000" dirty="0">
+                <a:solidFill>
+                  <a:srgbClr val="CF3338"/>
+                </a:solidFill>
+                <a:latin typeface="Pragmatica" panose="020B0403040502020204" pitchFamily="34" charset="0"/>
+                <a:hlinkClick r:id="rId2">
+                  <a:extLst>
+                    <a:ext uri="{A12FA001-AC4F-418D-AE19-62706E023703}">
+                      <ahyp:hlinkClr xmlns:ahyp="http://schemas.microsoft.com/office/drawing/2018/hyperlinkcolor" val="tx"/>
+                    </a:ext>
+                  </a:extLst>
+                </a:hlinkClick>
+              </a:rPr>
+              <a:t>https://stringfestanalytics.com/book-me/</a:t>
+            </a:r>
+            <a:r>
+              <a:rPr lang="en-US" sz="6000" dirty="0">
+                <a:solidFill>
+                  <a:srgbClr val="CF3338"/>
+                </a:solidFill>
+                <a:latin typeface="Pragmatica" panose="020B0403040502020204" pitchFamily="34" charset="0"/>
+              </a:rPr>
+              <a:t> </a:t>
+            </a:r>
+          </a:p>
+          <a:p>
+            <a:pPr marL="685800" indent="-685800">
+              <a:buClr>
+                <a:srgbClr val="CF3338"/>
+              </a:buClr>
+              <a:buFont typeface="Arial" panose="020B0604020202020204" pitchFamily="34" charset="0"/>
+              <a:buChar char="•"/>
+            </a:pPr>
+            <a:r>
+              <a:rPr lang="en-US" sz="6000" dirty="0">
+                <a:solidFill>
+                  <a:srgbClr val="707070"/>
+                </a:solidFill>
+                <a:latin typeface="Pragmatica" panose="020B0403040502020204" pitchFamily="34" charset="0"/>
+              </a:rPr>
+              <a:t>Follow me on LinkedIn</a:t>
+            </a:r>
+          </a:p>
+          <a:p>
+            <a:pPr marL="685800" indent="-685800">
+              <a:buClr>
+                <a:srgbClr val="CF3338"/>
+              </a:buClr>
+              <a:buFont typeface="Arial" panose="020B0604020202020204" pitchFamily="34" charset="0"/>
+              <a:buChar char="•"/>
+            </a:pPr>
+            <a:r>
+              <a:rPr lang="en-US" sz="6000" dirty="0">
+                <a:solidFill>
+                  <a:srgbClr val="707070"/>
+                </a:solidFill>
+                <a:latin typeface="Pragmatica" panose="020B0403040502020204" pitchFamily="34" charset="0"/>
+              </a:rPr>
+              <a:t>Share this event with your network</a:t>
+            </a:r>
+          </a:p>
+        </p:txBody>
+      </p:sp>
+      <p:pic>
+        <p:nvPicPr>
+          <p:cNvPr id="15" name="Picture 14" descr="A close up of a sign&#10;&#10;Description automatically generated">
+            <a:extLst>
+              <a:ext uri="{FF2B5EF4-FFF2-40B4-BE49-F238E27FC236}">
+                <a16:creationId xmlns:a16="http://schemas.microsoft.com/office/drawing/2014/main" id="{23401A70-278E-956F-C05F-181A5C8C8A73}"/>
+              </a:ext>
+            </a:extLst>
+          </p:cNvPr>
+          <p:cNvPicPr>
+            <a:picLocks noChangeAspect="1"/>
+          </p:cNvPicPr>
+          <p:nvPr/>
+        </p:nvPicPr>
+        <p:blipFill>
+          <a:blip r:embed="rId3">
+            <a:extLst>
+              <a:ext uri="{28A0092B-C50C-407E-A947-70E740481C1C}">
+                <a14:useLocalDpi xmlns:a14="http://schemas.microsoft.com/office/drawing/2010/main" val="0"/>
+              </a:ext>
+            </a:extLst>
+          </a:blip>
+          <a:stretch>
+            <a:fillRect/>
+          </a:stretch>
+        </p:blipFill>
+        <p:spPr>
+          <a:xfrm>
+            <a:off x="16341036" y="8058429"/>
+            <a:ext cx="1942857" cy="2228571"/>
+          </a:xfrm>
+          <a:prstGeom prst="rect">
+            <a:avLst/>
+          </a:prstGeom>
+        </p:spPr>
+      </p:pic>
+    </p:spTree>
+    <p:extLst>
+      <p:ext uri="{BB962C8B-B14F-4D97-AF65-F5344CB8AC3E}">
+        <p14:creationId xmlns:p14="http://schemas.microsoft.com/office/powerpoint/2010/main" val="3278776888"/>
       </p:ext>
     </p:extLst>
   </p:cSld>
@@ -6831,418 +6957,6 @@
         <p:cNvPr id="1" name="">
           <a:extLst>
             <a:ext uri="{FF2B5EF4-FFF2-40B4-BE49-F238E27FC236}">
-              <a16:creationId xmlns:a16="http://schemas.microsoft.com/office/drawing/2014/main" id="{73629F3B-66F6-2DFF-0DD2-E675D301B9E2}"/>
-            </a:ext>
-          </a:extLst>
-        </p:cNvPr>
-        <p:cNvGrpSpPr/>
-        <p:nvPr/>
-      </p:nvGrpSpPr>
-      <p:grpSpPr>
-        <a:xfrm>
-          <a:off x="0" y="0"/>
-          <a:ext cx="0" cy="0"/>
-          <a:chOff x="0" y="0"/>
-          <a:chExt cx="0" cy="0"/>
-        </a:xfrm>
-      </p:grpSpPr>
-      <p:sp>
-        <p:nvSpPr>
-          <p:cNvPr id="11" name="TextBox 10">
-            <a:extLst>
-              <a:ext uri="{FF2B5EF4-FFF2-40B4-BE49-F238E27FC236}">
-                <a16:creationId xmlns:a16="http://schemas.microsoft.com/office/drawing/2014/main" id="{7191E071-9895-6FB6-F22E-1F074E411B2E}"/>
-              </a:ext>
-            </a:extLst>
-          </p:cNvPr>
-          <p:cNvSpPr txBox="1"/>
-          <p:nvPr/>
-        </p:nvSpPr>
-        <p:spPr>
-          <a:xfrm>
-            <a:off x="520861" y="170082"/>
-            <a:ext cx="14947739" cy="1323439"/>
-          </a:xfrm>
-          <a:prstGeom prst="rect">
-            <a:avLst/>
-          </a:prstGeom>
-          <a:noFill/>
-        </p:spPr>
-        <p:txBody>
-          <a:bodyPr wrap="square" rtlCol="0">
-            <a:spAutoFit/>
-          </a:bodyPr>
-          <a:lstStyle/>
-          <a:p>
-            <a:r>
-              <a:rPr lang="en-US" sz="8000" dirty="0">
-                <a:latin typeface="Aliens &amp; cows" panose="00000500000000000000" pitchFamily="2" charset="0"/>
-              </a:rPr>
-              <a:t>Attendee freebie</a:t>
-            </a:r>
-          </a:p>
-        </p:txBody>
-      </p:sp>
-      <p:sp>
-        <p:nvSpPr>
-          <p:cNvPr id="3" name="TextBox 2">
-            <a:extLst>
-              <a:ext uri="{FF2B5EF4-FFF2-40B4-BE49-F238E27FC236}">
-                <a16:creationId xmlns:a16="http://schemas.microsoft.com/office/drawing/2014/main" id="{3B7C3EBD-E30E-61DE-35DB-807E49DBD32A}"/>
-              </a:ext>
-            </a:extLst>
-          </p:cNvPr>
-          <p:cNvSpPr txBox="1"/>
-          <p:nvPr/>
-        </p:nvSpPr>
-        <p:spPr>
-          <a:xfrm>
-            <a:off x="520861" y="3191948"/>
-            <a:ext cx="14393120" cy="5632311"/>
-          </a:xfrm>
-          <a:prstGeom prst="rect">
-            <a:avLst/>
-          </a:prstGeom>
-          <a:noFill/>
-        </p:spPr>
-        <p:txBody>
-          <a:bodyPr wrap="square" rtlCol="0">
-            <a:spAutoFit/>
-          </a:bodyPr>
-          <a:lstStyle/>
-          <a:p>
-            <a:pPr marL="685800" indent="-685800">
-              <a:buClr>
-                <a:srgbClr val="CF3338"/>
-              </a:buClr>
-              <a:buFont typeface="Arial" panose="020B0604020202020204" pitchFamily="34" charset="0"/>
-              <a:buChar char="•"/>
-            </a:pPr>
-            <a:r>
-              <a:rPr lang="en-US" sz="6000" dirty="0">
-                <a:solidFill>
-                  <a:srgbClr val="707070"/>
-                </a:solidFill>
-                <a:latin typeface="Pragmatica" panose="020B0403040502020204" pitchFamily="34" charset="0"/>
-              </a:rPr>
-              <a:t>Modern Excel Starter Kit PDF</a:t>
-            </a:r>
-            <a:br>
-              <a:rPr lang="en-US" sz="6000" dirty="0">
-                <a:solidFill>
-                  <a:srgbClr val="707070"/>
-                </a:solidFill>
-                <a:latin typeface="Pragmatica" panose="020B0403040502020204" pitchFamily="34" charset="0"/>
-              </a:rPr>
-            </a:br>
-            <a:endParaRPr lang="en-US" sz="6000" dirty="0">
-              <a:solidFill>
-                <a:srgbClr val="707070"/>
-              </a:solidFill>
-              <a:latin typeface="Pragmatica" panose="020B0403040502020204" pitchFamily="34" charset="0"/>
-            </a:endParaRPr>
-          </a:p>
-          <a:p>
-            <a:pPr marL="685800" indent="-685800">
-              <a:buClr>
-                <a:srgbClr val="CF3338"/>
-              </a:buClr>
-              <a:buFont typeface="Arial" panose="020B0604020202020204" pitchFamily="34" charset="0"/>
-              <a:buChar char="•"/>
-            </a:pPr>
-            <a:r>
-              <a:rPr lang="en-US" sz="6000" dirty="0">
-                <a:solidFill>
-                  <a:srgbClr val="707070"/>
-                </a:solidFill>
-                <a:latin typeface="Pragmatica" panose="020B0403040502020204" pitchFamily="34" charset="0"/>
-              </a:rPr>
-              <a:t>Introduction, learning strategies, additional resources to master Modern Excel</a:t>
-            </a:r>
-            <a:br>
-              <a:rPr lang="en-US" sz="6000" dirty="0">
-                <a:solidFill>
-                  <a:srgbClr val="707070"/>
-                </a:solidFill>
-                <a:latin typeface="Pragmatica" panose="020B0403040502020204" pitchFamily="34" charset="0"/>
-              </a:rPr>
-            </a:br>
-            <a:endParaRPr lang="en-US" sz="6000" dirty="0">
-              <a:solidFill>
-                <a:srgbClr val="707070"/>
-              </a:solidFill>
-              <a:latin typeface="Pragmatica" panose="020B0403040502020204" pitchFamily="34" charset="0"/>
-            </a:endParaRPr>
-          </a:p>
-          <a:p>
-            <a:pPr marL="685800" indent="-685800">
-              <a:buClr>
-                <a:srgbClr val="CF3338"/>
-              </a:buClr>
-              <a:buFont typeface="Arial" panose="020B0604020202020204" pitchFamily="34" charset="0"/>
-              <a:buChar char="•"/>
-            </a:pPr>
-            <a:r>
-              <a:rPr lang="en-US" sz="6000" dirty="0">
-                <a:solidFill>
-                  <a:srgbClr val="707070"/>
-                </a:solidFill>
-                <a:latin typeface="Pragmatica" panose="020B0403040502020204" pitchFamily="34" charset="0"/>
-              </a:rPr>
-              <a:t>Available in the event downloads folder</a:t>
-            </a:r>
-          </a:p>
-        </p:txBody>
-      </p:sp>
-      <p:pic>
-        <p:nvPicPr>
-          <p:cNvPr id="15" name="Picture 14" descr="A close up of a sign&#10;&#10;Description automatically generated">
-            <a:extLst>
-              <a:ext uri="{FF2B5EF4-FFF2-40B4-BE49-F238E27FC236}">
-                <a16:creationId xmlns:a16="http://schemas.microsoft.com/office/drawing/2014/main" id="{13B07C37-CB06-81A2-E8A5-6FB14518C801}"/>
-              </a:ext>
-            </a:extLst>
-          </p:cNvPr>
-          <p:cNvPicPr>
-            <a:picLocks noChangeAspect="1"/>
-          </p:cNvPicPr>
-          <p:nvPr/>
-        </p:nvPicPr>
-        <p:blipFill>
-          <a:blip r:embed="rId2">
-            <a:extLst>
-              <a:ext uri="{28A0092B-C50C-407E-A947-70E740481C1C}">
-                <a14:useLocalDpi xmlns:a14="http://schemas.microsoft.com/office/drawing/2010/main" val="0"/>
-              </a:ext>
-            </a:extLst>
-          </a:blip>
-          <a:stretch>
-            <a:fillRect/>
-          </a:stretch>
-        </p:blipFill>
-        <p:spPr>
-          <a:xfrm>
-            <a:off x="16341036" y="8058429"/>
-            <a:ext cx="1942857" cy="2228571"/>
-          </a:xfrm>
-          <a:prstGeom prst="rect">
-            <a:avLst/>
-          </a:prstGeom>
-        </p:spPr>
-      </p:pic>
-    </p:spTree>
-    <p:extLst>
-      <p:ext uri="{BB962C8B-B14F-4D97-AF65-F5344CB8AC3E}">
-        <p14:creationId xmlns:p14="http://schemas.microsoft.com/office/powerpoint/2010/main" val="3018689313"/>
-      </p:ext>
-    </p:extLst>
-  </p:cSld>
-  <p:clrMapOvr>
-    <a:masterClrMapping/>
-  </p:clrMapOvr>
-</p:sld>
-</file>
-
-<file path=ppt/slides/slide21.xml><?xml version="1.0" encoding="utf-8"?>
-<p:sld xmlns:a="http://schemas.openxmlformats.org/drawingml/2006/main" xmlns:r="http://schemas.openxmlformats.org/officeDocument/2006/relationships" xmlns:p="http://schemas.openxmlformats.org/presentationml/2006/main">
-  <p:cSld>
-    <p:spTree>
-      <p:nvGrpSpPr>
-        <p:cNvPr id="1" name="">
-          <a:extLst>
-            <a:ext uri="{FF2B5EF4-FFF2-40B4-BE49-F238E27FC236}">
-              <a16:creationId xmlns:a16="http://schemas.microsoft.com/office/drawing/2014/main" id="{DA8CB409-CE91-9113-CF5B-9EF56BE94356}"/>
-            </a:ext>
-          </a:extLst>
-        </p:cNvPr>
-        <p:cNvGrpSpPr/>
-        <p:nvPr/>
-      </p:nvGrpSpPr>
-      <p:grpSpPr>
-        <a:xfrm>
-          <a:off x="0" y="0"/>
-          <a:ext cx="0" cy="0"/>
-          <a:chOff x="0" y="0"/>
-          <a:chExt cx="0" cy="0"/>
-        </a:xfrm>
-      </p:grpSpPr>
-      <p:sp>
-        <p:nvSpPr>
-          <p:cNvPr id="11" name="TextBox 10">
-            <a:extLst>
-              <a:ext uri="{FF2B5EF4-FFF2-40B4-BE49-F238E27FC236}">
-                <a16:creationId xmlns:a16="http://schemas.microsoft.com/office/drawing/2014/main" id="{DB8D7723-DD6F-44FA-345F-472CF117590F}"/>
-              </a:ext>
-            </a:extLst>
-          </p:cNvPr>
-          <p:cNvSpPr txBox="1"/>
-          <p:nvPr/>
-        </p:nvSpPr>
-        <p:spPr>
-          <a:xfrm>
-            <a:off x="520861" y="170082"/>
-            <a:ext cx="14947739" cy="1323439"/>
-          </a:xfrm>
-          <a:prstGeom prst="rect">
-            <a:avLst/>
-          </a:prstGeom>
-          <a:noFill/>
-        </p:spPr>
-        <p:txBody>
-          <a:bodyPr wrap="square" rtlCol="0">
-            <a:spAutoFit/>
-          </a:bodyPr>
-          <a:lstStyle/>
-          <a:p>
-            <a:r>
-              <a:rPr lang="en-US" sz="8000" dirty="0">
-                <a:latin typeface="Aliens &amp; cows" panose="00000500000000000000" pitchFamily="2" charset="0"/>
-              </a:rPr>
-              <a:t>Next steps</a:t>
-            </a:r>
-          </a:p>
-        </p:txBody>
-      </p:sp>
-      <p:sp>
-        <p:nvSpPr>
-          <p:cNvPr id="3" name="TextBox 2">
-            <a:extLst>
-              <a:ext uri="{FF2B5EF4-FFF2-40B4-BE49-F238E27FC236}">
-                <a16:creationId xmlns:a16="http://schemas.microsoft.com/office/drawing/2014/main" id="{80175D3E-AE80-1413-C125-5F34E069E354}"/>
-              </a:ext>
-            </a:extLst>
-          </p:cNvPr>
-          <p:cNvSpPr txBox="1"/>
-          <p:nvPr/>
-        </p:nvSpPr>
-        <p:spPr>
-          <a:xfrm>
-            <a:off x="520861" y="3191948"/>
-            <a:ext cx="14393120" cy="2862322"/>
-          </a:xfrm>
-          <a:prstGeom prst="rect">
-            <a:avLst/>
-          </a:prstGeom>
-          <a:noFill/>
-        </p:spPr>
-        <p:txBody>
-          <a:bodyPr wrap="square" rtlCol="0">
-            <a:spAutoFit/>
-          </a:bodyPr>
-          <a:lstStyle/>
-          <a:p>
-            <a:pPr marL="685800" indent="-685800">
-              <a:buClr>
-                <a:srgbClr val="CF3338"/>
-              </a:buClr>
-              <a:buFont typeface="Arial" panose="020B0604020202020204" pitchFamily="34" charset="0"/>
-              <a:buChar char="•"/>
-            </a:pPr>
-            <a:r>
-              <a:rPr lang="en-US" sz="6000" dirty="0">
-                <a:solidFill>
-                  <a:srgbClr val="707070"/>
-                </a:solidFill>
-                <a:latin typeface="Pragmatica" panose="020B0403040502020204" pitchFamily="34" charset="0"/>
-              </a:rPr>
-              <a:t>Book a discovery call</a:t>
-            </a:r>
-          </a:p>
-          <a:p>
-            <a:pPr marL="685800" indent="-685800">
-              <a:buClr>
-                <a:srgbClr val="CF3338"/>
-              </a:buClr>
-              <a:buFont typeface="Arial" panose="020B0604020202020204" pitchFamily="34" charset="0"/>
-              <a:buChar char="•"/>
-            </a:pPr>
-            <a:r>
-              <a:rPr lang="en-US" sz="6000" dirty="0">
-                <a:solidFill>
-                  <a:srgbClr val="707070"/>
-                </a:solidFill>
-                <a:latin typeface="Pragmatica" panose="020B0403040502020204" pitchFamily="34" charset="0"/>
-              </a:rPr>
-              <a:t>Follow me on LinkedIn</a:t>
-            </a:r>
-          </a:p>
-          <a:p>
-            <a:pPr marL="685800" indent="-685800">
-              <a:buClr>
-                <a:srgbClr val="CF3338"/>
-              </a:buClr>
-              <a:buFont typeface="Arial" panose="020B0604020202020204" pitchFamily="34" charset="0"/>
-              <a:buChar char="•"/>
-            </a:pPr>
-            <a:r>
-              <a:rPr lang="en-US" sz="6000" dirty="0">
-                <a:solidFill>
-                  <a:srgbClr val="707070"/>
-                </a:solidFill>
-                <a:latin typeface="Pragmatica" panose="020B0403040502020204" pitchFamily="34" charset="0"/>
-              </a:rPr>
-              <a:t>Share this event with your network</a:t>
-            </a:r>
-          </a:p>
-        </p:txBody>
-      </p:sp>
-      <p:pic>
-        <p:nvPicPr>
-          <p:cNvPr id="15" name="Picture 14" descr="A close up of a sign&#10;&#10;Description automatically generated">
-            <a:extLst>
-              <a:ext uri="{FF2B5EF4-FFF2-40B4-BE49-F238E27FC236}">
-                <a16:creationId xmlns:a16="http://schemas.microsoft.com/office/drawing/2014/main" id="{23401A70-278E-956F-C05F-181A5C8C8A73}"/>
-              </a:ext>
-            </a:extLst>
-          </p:cNvPr>
-          <p:cNvPicPr>
-            <a:picLocks noChangeAspect="1"/>
-          </p:cNvPicPr>
-          <p:nvPr/>
-        </p:nvPicPr>
-        <p:blipFill>
-          <a:blip r:embed="rId2">
-            <a:extLst>
-              <a:ext uri="{28A0092B-C50C-407E-A947-70E740481C1C}">
-                <a14:useLocalDpi xmlns:a14="http://schemas.microsoft.com/office/drawing/2010/main" val="0"/>
-              </a:ext>
-            </a:extLst>
-          </a:blip>
-          <a:stretch>
-            <a:fillRect/>
-          </a:stretch>
-        </p:blipFill>
-        <p:spPr>
-          <a:xfrm>
-            <a:off x="16341036" y="8058429"/>
-            <a:ext cx="1942857" cy="2228571"/>
-          </a:xfrm>
-          <a:prstGeom prst="rect">
-            <a:avLst/>
-          </a:prstGeom>
-        </p:spPr>
-      </p:pic>
-    </p:spTree>
-    <p:extLst>
-      <p:ext uri="{BB962C8B-B14F-4D97-AF65-F5344CB8AC3E}">
-        <p14:creationId xmlns:p14="http://schemas.microsoft.com/office/powerpoint/2010/main" val="3278776888"/>
-      </p:ext>
-    </p:extLst>
-  </p:cSld>
-  <p:clrMapOvr>
-    <a:masterClrMapping/>
-  </p:clrMapOvr>
-</p:sld>
-</file>
-
-<file path=ppt/slides/slide22.xml><?xml version="1.0" encoding="utf-8"?>
-<p:sld xmlns:a="http://schemas.openxmlformats.org/drawingml/2006/main" xmlns:r="http://schemas.openxmlformats.org/officeDocument/2006/relationships" xmlns:p="http://schemas.openxmlformats.org/presentationml/2006/main">
-  <p:cSld>
-    <p:spTree>
-      <p:nvGrpSpPr>
-        <p:cNvPr id="1" name="">
-          <a:extLst>
-            <a:ext uri="{FF2B5EF4-FFF2-40B4-BE49-F238E27FC236}">
               <a16:creationId xmlns:a16="http://schemas.microsoft.com/office/drawing/2014/main" id="{8FC0C042-4FA7-C99A-DB6A-E56C8A4C9FF2}"/>
             </a:ext>
           </a:extLst>
@@ -7363,7 +7077,7 @@
 </p:sld>
 </file>
 
-<file path=ppt/slides/slide23.xml><?xml version="1.0" encoding="utf-8"?>
+<file path=ppt/slides/slide21.xml><?xml version="1.0" encoding="utf-8"?>
 <p:sld xmlns:a="http://schemas.openxmlformats.org/drawingml/2006/main" xmlns:r="http://schemas.openxmlformats.org/officeDocument/2006/relationships" xmlns:p="http://schemas.openxmlformats.org/presentationml/2006/main">
   <p:cSld>
     <p:spTree>
@@ -8130,6 +7844,262 @@
         <p:cNvPr id="1" name="">
           <a:extLst>
             <a:ext uri="{FF2B5EF4-FFF2-40B4-BE49-F238E27FC236}">
+              <a16:creationId xmlns:a16="http://schemas.microsoft.com/office/drawing/2014/main" id="{3938B0BA-2457-E883-9B94-9EF4CB53F464}"/>
+            </a:ext>
+          </a:extLst>
+        </p:cNvPr>
+        <p:cNvGrpSpPr/>
+        <p:nvPr/>
+      </p:nvGrpSpPr>
+      <p:grpSpPr>
+        <a:xfrm>
+          <a:off x="0" y="0"/>
+          <a:ext cx="0" cy="0"/>
+          <a:chOff x="0" y="0"/>
+          <a:chExt cx="0" cy="0"/>
+        </a:xfrm>
+      </p:grpSpPr>
+      <p:sp>
+        <p:nvSpPr>
+          <p:cNvPr id="4" name="Rectangle 3">
+            <a:extLst>
+              <a:ext uri="{FF2B5EF4-FFF2-40B4-BE49-F238E27FC236}">
+                <a16:creationId xmlns:a16="http://schemas.microsoft.com/office/drawing/2014/main" id="{FB2669EB-FDD3-FD04-8DC6-CC0F1E621197}"/>
+              </a:ext>
+            </a:extLst>
+          </p:cNvPr>
+          <p:cNvSpPr/>
+          <p:nvPr/>
+        </p:nvSpPr>
+        <p:spPr>
+          <a:xfrm>
+            <a:off x="9861630" y="0"/>
+            <a:ext cx="8426370" cy="10287000"/>
+          </a:xfrm>
+          <a:prstGeom prst="rect">
+            <a:avLst/>
+          </a:prstGeom>
+          <a:solidFill>
+            <a:srgbClr val="CF3338"/>
+          </a:solidFill>
+          <a:ln>
+            <a:noFill/>
+          </a:ln>
+        </p:spPr>
+        <p:style>
+          <a:lnRef idx="2">
+            <a:schemeClr val="accent1">
+              <a:shade val="50000"/>
+            </a:schemeClr>
+          </a:lnRef>
+          <a:fillRef idx="1">
+            <a:schemeClr val="accent1"/>
+          </a:fillRef>
+          <a:effectRef idx="0">
+            <a:schemeClr val="accent1"/>
+          </a:effectRef>
+          <a:fontRef idx="minor">
+            <a:schemeClr val="lt1"/>
+          </a:fontRef>
+        </p:style>
+        <p:txBody>
+          <a:bodyPr rtlCol="0" anchor="ctr"/>
+          <a:lstStyle/>
+          <a:p>
+            <a:pPr algn="ctr"/>
+            <a:endParaRPr lang="en-US" sz="2700"/>
+          </a:p>
+        </p:txBody>
+      </p:sp>
+      <p:pic>
+        <p:nvPicPr>
+          <p:cNvPr id="2" name="Picture 1">
+            <a:extLst>
+              <a:ext uri="{FF2B5EF4-FFF2-40B4-BE49-F238E27FC236}">
+                <a16:creationId xmlns:a16="http://schemas.microsoft.com/office/drawing/2014/main" id="{1AF1603A-5226-7133-332B-9ED91B061A51}"/>
+              </a:ext>
+            </a:extLst>
+          </p:cNvPr>
+          <p:cNvPicPr>
+            <a:picLocks noChangeAspect="1"/>
+          </p:cNvPicPr>
+          <p:nvPr/>
+        </p:nvPicPr>
+        <p:blipFill rotWithShape="1">
+          <a:blip r:embed="rId3">
+            <a:extLst>
+              <a:ext uri="{28A0092B-C50C-407E-A947-70E740481C1C}">
+                <a14:useLocalDpi xmlns:a14="http://schemas.microsoft.com/office/drawing/2010/main" val="0"/>
+              </a:ext>
+            </a:extLst>
+          </a:blip>
+          <a:srcRect l="69227" t="33418" r="20112" b="50548"/>
+          <a:stretch/>
+        </p:blipFill>
+        <p:spPr>
+          <a:xfrm>
+            <a:off x="15579524" y="7544693"/>
+            <a:ext cx="2708477" cy="2987579"/>
+          </a:xfrm>
+          <a:prstGeom prst="rect">
+            <a:avLst/>
+          </a:prstGeom>
+        </p:spPr>
+      </p:pic>
+      <p:sp>
+        <p:nvSpPr>
+          <p:cNvPr id="3" name="TextBox 2">
+            <a:extLst>
+              <a:ext uri="{FF2B5EF4-FFF2-40B4-BE49-F238E27FC236}">
+                <a16:creationId xmlns:a16="http://schemas.microsoft.com/office/drawing/2014/main" id="{3A1F1624-DFBB-B741-F011-B1F4773062C8}"/>
+              </a:ext>
+            </a:extLst>
+          </p:cNvPr>
+          <p:cNvSpPr txBox="1"/>
+          <p:nvPr/>
+        </p:nvSpPr>
+        <p:spPr>
+          <a:xfrm>
+            <a:off x="260431" y="329879"/>
+            <a:ext cx="8906720" cy="8045279"/>
+          </a:xfrm>
+          <a:prstGeom prst="rect">
+            <a:avLst/>
+          </a:prstGeom>
+          <a:noFill/>
+        </p:spPr>
+        <p:txBody>
+          <a:bodyPr wrap="square" rtlCol="0">
+            <a:spAutoFit/>
+          </a:bodyPr>
+          <a:lstStyle/>
+          <a:p>
+            <a:r>
+              <a:rPr lang="en-US" sz="6000" b="1" dirty="0">
+                <a:solidFill>
+                  <a:srgbClr val="CF3338"/>
+                </a:solidFill>
+                <a:latin typeface="Pragmatica" panose="020B0403040502020204" pitchFamily="34" charset="0"/>
+              </a:rPr>
+              <a:t>Quick Win #2: Analyze Data (AI in Excel… No Copilot Needed!)</a:t>
+            </a:r>
+            <a:br>
+              <a:rPr lang="en-US" sz="6000" b="1" dirty="0">
+                <a:solidFill>
+                  <a:srgbClr val="CF3338"/>
+                </a:solidFill>
+                <a:latin typeface="Pragmatica" panose="020B0403040502020204" pitchFamily="34" charset="0"/>
+              </a:rPr>
+            </a:br>
+            <a:endParaRPr lang="en-US" sz="3600" dirty="0">
+              <a:solidFill>
+                <a:srgbClr val="C00000"/>
+              </a:solidFill>
+              <a:latin typeface="Pragmatica" panose="020B0403040502020204"/>
+              <a:sym typeface="Consolas"/>
+            </a:endParaRPr>
+          </a:p>
+          <a:p>
+            <a:pPr marL="685800" indent="-542925">
+              <a:lnSpc>
+                <a:spcPct val="115000"/>
+              </a:lnSpc>
+              <a:spcBef>
+                <a:spcPts val="1125"/>
+              </a:spcBef>
+              <a:buClr>
+                <a:srgbClr val="C00000"/>
+              </a:buClr>
+              <a:buSzPts val="2100"/>
+              <a:buFont typeface="Arial"/>
+              <a:buAutoNum type="arabicPeriod"/>
+            </a:pPr>
+            <a:r>
+              <a:rPr lang="en-US" sz="4000" dirty="0">
+                <a:solidFill>
+                  <a:srgbClr val="C00000"/>
+                </a:solidFill>
+                <a:latin typeface="Pragmatica" panose="020B0403040502020204"/>
+                <a:sym typeface="Consolas"/>
+              </a:rPr>
+              <a:t>Problem: Overwhelmed by large datasets</a:t>
+            </a:r>
+          </a:p>
+          <a:p>
+            <a:pPr marL="685800" indent="-542925">
+              <a:lnSpc>
+                <a:spcPct val="115000"/>
+              </a:lnSpc>
+              <a:spcBef>
+                <a:spcPts val="1125"/>
+              </a:spcBef>
+              <a:buClr>
+                <a:srgbClr val="C00000"/>
+              </a:buClr>
+              <a:buSzPts val="2100"/>
+              <a:buFont typeface="Arial"/>
+              <a:buAutoNum type="arabicPeriod"/>
+            </a:pPr>
+            <a:r>
+              <a:rPr lang="en-US" sz="4000" dirty="0">
+                <a:solidFill>
+                  <a:srgbClr val="C00000"/>
+                </a:solidFill>
+                <a:latin typeface="Pragmatica" panose="020B0403040502020204"/>
+                <a:sym typeface="Consolas"/>
+              </a:rPr>
+              <a:t>Demo: Get instant AI-powered insights from Excel’s Analyze Data</a:t>
+            </a:r>
+          </a:p>
+          <a:p>
+            <a:pPr marL="685800" indent="-542925">
+              <a:lnSpc>
+                <a:spcPct val="115000"/>
+              </a:lnSpc>
+              <a:spcBef>
+                <a:spcPts val="1125"/>
+              </a:spcBef>
+              <a:buClr>
+                <a:srgbClr val="C00000"/>
+              </a:buClr>
+              <a:buSzPts val="2100"/>
+              <a:buFont typeface="Arial"/>
+              <a:buAutoNum type="arabicPeriod"/>
+            </a:pPr>
+            <a:r>
+              <a:rPr lang="en-US" sz="4000" dirty="0">
+                <a:solidFill>
+                  <a:srgbClr val="C00000"/>
+                </a:solidFill>
+                <a:latin typeface="Pragmatica" panose="020B0403040502020204"/>
+                <a:sym typeface="Consolas"/>
+              </a:rPr>
+              <a:t>Result: Quick, actionable analysis… no formulas required</a:t>
+            </a:r>
+          </a:p>
+        </p:txBody>
+      </p:sp>
+    </p:spTree>
+    <p:extLst>
+      <p:ext uri="{BB962C8B-B14F-4D97-AF65-F5344CB8AC3E}">
+        <p14:creationId xmlns:p14="http://schemas.microsoft.com/office/powerpoint/2010/main" val="3710875369"/>
+      </p:ext>
+    </p:extLst>
+  </p:cSld>
+  <p:clrMapOvr>
+    <a:masterClrMapping/>
+  </p:clrMapOvr>
+</p:sld>
+</file>
+
+<file path=ppt/slides/slide7.xml><?xml version="1.0" encoding="utf-8"?>
+<p:sld xmlns:a="http://schemas.openxmlformats.org/drawingml/2006/main" xmlns:r="http://schemas.openxmlformats.org/officeDocument/2006/relationships" xmlns:p="http://schemas.openxmlformats.org/presentationml/2006/main">
+  <p:cSld>
+    <p:spTree>
+      <p:nvGrpSpPr>
+        <p:cNvPr id="1" name="">
+          <a:extLst>
+            <a:ext uri="{FF2B5EF4-FFF2-40B4-BE49-F238E27FC236}">
               <a16:creationId xmlns:a16="http://schemas.microsoft.com/office/drawing/2014/main" id="{1661A27C-8894-1039-C10D-49DEF731C871}"/>
             </a:ext>
           </a:extLst>
@@ -8247,7 +8217,7 @@
         <p:spPr>
           <a:xfrm>
             <a:off x="260431" y="329879"/>
-            <a:ext cx="8906720" cy="7346114"/>
+            <a:ext cx="8906720" cy="8054000"/>
           </a:xfrm>
           <a:prstGeom prst="rect">
             <a:avLst/>
@@ -8267,7 +8237,7 @@
                 </a:solidFill>
                 <a:latin typeface="Pragmatica" panose="020B0403040502020204" pitchFamily="34" charset="0"/>
               </a:rPr>
-              <a:t>Quick Win #2: Power Query Data Cleanup</a:t>
+              <a:t>Quick Win #3: Power Query Data Cleanup</a:t>
             </a:r>
             <a:endParaRPr lang="en-US" sz="4200" dirty="0">
               <a:solidFill>
@@ -8374,7 +8344,7 @@
                 <a:latin typeface="Pragmatica" panose="020B0403040502020204"/>
                 <a:sym typeface="Consolas"/>
               </a:rPr>
-              <a:t>Result: Reliable, repeatable data workflows</a:t>
+              <a:t>Result: Reliable, repeatable data workflows.. AND better analysis results!</a:t>
             </a:r>
           </a:p>
         </p:txBody>
@@ -8383,262 +8353,6 @@
     <p:extLst>
       <p:ext uri="{BB962C8B-B14F-4D97-AF65-F5344CB8AC3E}">
         <p14:creationId xmlns:p14="http://schemas.microsoft.com/office/powerpoint/2010/main" val="3595346641"/>
-      </p:ext>
-    </p:extLst>
-  </p:cSld>
-  <p:clrMapOvr>
-    <a:masterClrMapping/>
-  </p:clrMapOvr>
-</p:sld>
-</file>
-
-<file path=ppt/slides/slide7.xml><?xml version="1.0" encoding="utf-8"?>
-<p:sld xmlns:a="http://schemas.openxmlformats.org/drawingml/2006/main" xmlns:r="http://schemas.openxmlformats.org/officeDocument/2006/relationships" xmlns:p="http://schemas.openxmlformats.org/presentationml/2006/main">
-  <p:cSld>
-    <p:spTree>
-      <p:nvGrpSpPr>
-        <p:cNvPr id="1" name="">
-          <a:extLst>
-            <a:ext uri="{FF2B5EF4-FFF2-40B4-BE49-F238E27FC236}">
-              <a16:creationId xmlns:a16="http://schemas.microsoft.com/office/drawing/2014/main" id="{3938B0BA-2457-E883-9B94-9EF4CB53F464}"/>
-            </a:ext>
-          </a:extLst>
-        </p:cNvPr>
-        <p:cNvGrpSpPr/>
-        <p:nvPr/>
-      </p:nvGrpSpPr>
-      <p:grpSpPr>
-        <a:xfrm>
-          <a:off x="0" y="0"/>
-          <a:ext cx="0" cy="0"/>
-          <a:chOff x="0" y="0"/>
-          <a:chExt cx="0" cy="0"/>
-        </a:xfrm>
-      </p:grpSpPr>
-      <p:sp>
-        <p:nvSpPr>
-          <p:cNvPr id="4" name="Rectangle 3">
-            <a:extLst>
-              <a:ext uri="{FF2B5EF4-FFF2-40B4-BE49-F238E27FC236}">
-                <a16:creationId xmlns:a16="http://schemas.microsoft.com/office/drawing/2014/main" id="{FB2669EB-FDD3-FD04-8DC6-CC0F1E621197}"/>
-              </a:ext>
-            </a:extLst>
-          </p:cNvPr>
-          <p:cNvSpPr/>
-          <p:nvPr/>
-        </p:nvSpPr>
-        <p:spPr>
-          <a:xfrm>
-            <a:off x="9861630" y="0"/>
-            <a:ext cx="8426370" cy="10287000"/>
-          </a:xfrm>
-          <a:prstGeom prst="rect">
-            <a:avLst/>
-          </a:prstGeom>
-          <a:solidFill>
-            <a:srgbClr val="CF3338"/>
-          </a:solidFill>
-          <a:ln>
-            <a:noFill/>
-          </a:ln>
-        </p:spPr>
-        <p:style>
-          <a:lnRef idx="2">
-            <a:schemeClr val="accent1">
-              <a:shade val="50000"/>
-            </a:schemeClr>
-          </a:lnRef>
-          <a:fillRef idx="1">
-            <a:schemeClr val="accent1"/>
-          </a:fillRef>
-          <a:effectRef idx="0">
-            <a:schemeClr val="accent1"/>
-          </a:effectRef>
-          <a:fontRef idx="minor">
-            <a:schemeClr val="lt1"/>
-          </a:fontRef>
-        </p:style>
-        <p:txBody>
-          <a:bodyPr rtlCol="0" anchor="ctr"/>
-          <a:lstStyle/>
-          <a:p>
-            <a:pPr algn="ctr"/>
-            <a:endParaRPr lang="en-US" sz="2700"/>
-          </a:p>
-        </p:txBody>
-      </p:sp>
-      <p:pic>
-        <p:nvPicPr>
-          <p:cNvPr id="2" name="Picture 1">
-            <a:extLst>
-              <a:ext uri="{FF2B5EF4-FFF2-40B4-BE49-F238E27FC236}">
-                <a16:creationId xmlns:a16="http://schemas.microsoft.com/office/drawing/2014/main" id="{1AF1603A-5226-7133-332B-9ED91B061A51}"/>
-              </a:ext>
-            </a:extLst>
-          </p:cNvPr>
-          <p:cNvPicPr>
-            <a:picLocks noChangeAspect="1"/>
-          </p:cNvPicPr>
-          <p:nvPr/>
-        </p:nvPicPr>
-        <p:blipFill rotWithShape="1">
-          <a:blip r:embed="rId3">
-            <a:extLst>
-              <a:ext uri="{28A0092B-C50C-407E-A947-70E740481C1C}">
-                <a14:useLocalDpi xmlns:a14="http://schemas.microsoft.com/office/drawing/2010/main" val="0"/>
-              </a:ext>
-            </a:extLst>
-          </a:blip>
-          <a:srcRect l="69227" t="33418" r="20112" b="50548"/>
-          <a:stretch/>
-        </p:blipFill>
-        <p:spPr>
-          <a:xfrm>
-            <a:off x="15579524" y="7544693"/>
-            <a:ext cx="2708477" cy="2987579"/>
-          </a:xfrm>
-          <a:prstGeom prst="rect">
-            <a:avLst/>
-          </a:prstGeom>
-        </p:spPr>
-      </p:pic>
-      <p:sp>
-        <p:nvSpPr>
-          <p:cNvPr id="3" name="TextBox 2">
-            <a:extLst>
-              <a:ext uri="{FF2B5EF4-FFF2-40B4-BE49-F238E27FC236}">
-                <a16:creationId xmlns:a16="http://schemas.microsoft.com/office/drawing/2014/main" id="{3A1F1624-DFBB-B741-F011-B1F4773062C8}"/>
-              </a:ext>
-            </a:extLst>
-          </p:cNvPr>
-          <p:cNvSpPr txBox="1"/>
-          <p:nvPr/>
-        </p:nvSpPr>
-        <p:spPr>
-          <a:xfrm>
-            <a:off x="260431" y="329879"/>
-            <a:ext cx="8906720" cy="8045279"/>
-          </a:xfrm>
-          <a:prstGeom prst="rect">
-            <a:avLst/>
-          </a:prstGeom>
-          <a:noFill/>
-        </p:spPr>
-        <p:txBody>
-          <a:bodyPr wrap="square" rtlCol="0">
-            <a:spAutoFit/>
-          </a:bodyPr>
-          <a:lstStyle/>
-          <a:p>
-            <a:r>
-              <a:rPr lang="en-US" sz="6000" b="1" dirty="0">
-                <a:solidFill>
-                  <a:srgbClr val="CF3338"/>
-                </a:solidFill>
-                <a:latin typeface="Pragmatica" panose="020B0403040502020204" pitchFamily="34" charset="0"/>
-              </a:rPr>
-              <a:t>Quick Win #3: Analyze Data (AI in Excel… No Copilot Needed!)</a:t>
-            </a:r>
-            <a:br>
-              <a:rPr lang="en-US" sz="6000" b="1" dirty="0">
-                <a:solidFill>
-                  <a:srgbClr val="CF3338"/>
-                </a:solidFill>
-                <a:latin typeface="Pragmatica" panose="020B0403040502020204" pitchFamily="34" charset="0"/>
-              </a:rPr>
-            </a:br>
-            <a:endParaRPr lang="en-US" sz="3600" dirty="0">
-              <a:solidFill>
-                <a:srgbClr val="C00000"/>
-              </a:solidFill>
-              <a:latin typeface="Pragmatica" panose="020B0403040502020204"/>
-              <a:sym typeface="Consolas"/>
-            </a:endParaRPr>
-          </a:p>
-          <a:p>
-            <a:pPr marL="685800" indent="-542925">
-              <a:lnSpc>
-                <a:spcPct val="115000"/>
-              </a:lnSpc>
-              <a:spcBef>
-                <a:spcPts val="1125"/>
-              </a:spcBef>
-              <a:buClr>
-                <a:srgbClr val="C00000"/>
-              </a:buClr>
-              <a:buSzPts val="2100"/>
-              <a:buFont typeface="Arial"/>
-              <a:buAutoNum type="arabicPeriod"/>
-            </a:pPr>
-            <a:r>
-              <a:rPr lang="en-US" sz="4000" dirty="0">
-                <a:solidFill>
-                  <a:srgbClr val="C00000"/>
-                </a:solidFill>
-                <a:latin typeface="Pragmatica" panose="020B0403040502020204"/>
-                <a:sym typeface="Consolas"/>
-              </a:rPr>
-              <a:t>Problem: Overwhelmed by large datasets</a:t>
-            </a:r>
-          </a:p>
-          <a:p>
-            <a:pPr marL="685800" indent="-542925">
-              <a:lnSpc>
-                <a:spcPct val="115000"/>
-              </a:lnSpc>
-              <a:spcBef>
-                <a:spcPts val="1125"/>
-              </a:spcBef>
-              <a:buClr>
-                <a:srgbClr val="C00000"/>
-              </a:buClr>
-              <a:buSzPts val="2100"/>
-              <a:buFont typeface="Arial"/>
-              <a:buAutoNum type="arabicPeriod"/>
-            </a:pPr>
-            <a:r>
-              <a:rPr lang="en-US" sz="4000" dirty="0">
-                <a:solidFill>
-                  <a:srgbClr val="C00000"/>
-                </a:solidFill>
-                <a:latin typeface="Pragmatica" panose="020B0403040502020204"/>
-                <a:sym typeface="Consolas"/>
-              </a:rPr>
-              <a:t>Demo: Get instant AI-powered insights from Excel’s Analyze Data</a:t>
-            </a:r>
-          </a:p>
-          <a:p>
-            <a:pPr marL="685800" indent="-542925">
-              <a:lnSpc>
-                <a:spcPct val="115000"/>
-              </a:lnSpc>
-              <a:spcBef>
-                <a:spcPts val="1125"/>
-              </a:spcBef>
-              <a:buClr>
-                <a:srgbClr val="C00000"/>
-              </a:buClr>
-              <a:buSzPts val="2100"/>
-              <a:buFont typeface="Arial"/>
-              <a:buAutoNum type="arabicPeriod"/>
-            </a:pPr>
-            <a:r>
-              <a:rPr lang="en-US" sz="4000" dirty="0">
-                <a:solidFill>
-                  <a:srgbClr val="C00000"/>
-                </a:solidFill>
-                <a:latin typeface="Pragmatica" panose="020B0403040502020204"/>
-                <a:sym typeface="Consolas"/>
-              </a:rPr>
-              <a:t>Result: Quick, actionable analysis… no formulas required</a:t>
-            </a:r>
-          </a:p>
-        </p:txBody>
-      </p:sp>
-    </p:spTree>
-    <p:extLst>
-      <p:ext uri="{BB962C8B-B14F-4D97-AF65-F5344CB8AC3E}">
-        <p14:creationId xmlns:p14="http://schemas.microsoft.com/office/powerpoint/2010/main" val="3710875369"/>
       </p:ext>
     </p:extLst>
   </p:cSld>

--- a/modern-excel-demo-day.pptx
+++ b/modern-excel-demo-day.pptx
@@ -5,7 +5,7 @@
     <p:sldMasterId id="2147483648" r:id="rId1"/>
   </p:sldMasterIdLst>
   <p:notesMasterIdLst>
-    <p:notesMasterId r:id="rId23"/>
+    <p:notesMasterId r:id="rId24"/>
   </p:notesMasterIdLst>
   <p:sldIdLst>
     <p:sldId id="256" r:id="rId2"/>
@@ -19,16 +19,17 @@
     <p:sldId id="427" r:id="rId10"/>
     <p:sldId id="441" r:id="rId11"/>
     <p:sldId id="442" r:id="rId12"/>
-    <p:sldId id="443" r:id="rId13"/>
-    <p:sldId id="444" r:id="rId14"/>
-    <p:sldId id="445" r:id="rId15"/>
-    <p:sldId id="448" r:id="rId16"/>
-    <p:sldId id="449" r:id="rId17"/>
-    <p:sldId id="450" r:id="rId18"/>
-    <p:sldId id="451" r:id="rId19"/>
-    <p:sldId id="452" r:id="rId20"/>
-    <p:sldId id="453" r:id="rId21"/>
-    <p:sldId id="415" r:id="rId22"/>
+    <p:sldId id="454" r:id="rId13"/>
+    <p:sldId id="443" r:id="rId14"/>
+    <p:sldId id="444" r:id="rId15"/>
+    <p:sldId id="445" r:id="rId16"/>
+    <p:sldId id="448" r:id="rId17"/>
+    <p:sldId id="449" r:id="rId18"/>
+    <p:sldId id="450" r:id="rId19"/>
+    <p:sldId id="451" r:id="rId20"/>
+    <p:sldId id="452" r:id="rId21"/>
+    <p:sldId id="453" r:id="rId22"/>
+    <p:sldId id="415" r:id="rId23"/>
   </p:sldIdLst>
   <p:sldSz cx="18288000" cy="10287000"/>
   <p:notesSz cx="6858000" cy="9144000"/>
@@ -246,7 +247,7 @@
           <a:p>
             <a:fld id="{17A98A70-FA8C-4354-959C-C70678AC9BCF}" type="datetimeFigureOut">
               <a:rPr lang="en-US" smtClean="0"/>
-              <a:t>9/22/2025</a:t>
+              <a:t>1/2/2026</a:t>
             </a:fld>
             <a:endParaRPr lang="en-US"/>
           </a:p>
@@ -997,7 +998,7 @@
           <a:p>
             <a:fld id="{FFB500C5-13F7-48FC-8160-C29AECF6C602}" type="slidenum">
               <a:rPr lang="en-US" smtClean="0"/>
-              <a:t>12</a:t>
+              <a:t>13</a:t>
             </a:fld>
             <a:endParaRPr lang="en-US"/>
           </a:p>
@@ -1148,7 +1149,7 @@
           <a:p>
             <a:fld id="{FFB500C5-13F7-48FC-8160-C29AECF6C602}" type="slidenum">
               <a:rPr lang="en-US" smtClean="0"/>
-              <a:t>14</a:t>
+              <a:t>15</a:t>
             </a:fld>
             <a:endParaRPr lang="en-US"/>
           </a:p>
@@ -1236,7 +1237,7 @@
           <a:p>
             <a:fld id="{FFB500C5-13F7-48FC-8160-C29AECF6C602}" type="slidenum">
               <a:rPr lang="en-US" smtClean="0"/>
-              <a:t>17</a:t>
+              <a:t>18</a:t>
             </a:fld>
             <a:endParaRPr lang="en-US"/>
           </a:p>
@@ -1435,7 +1436,7 @@
             <a:fld id="{1D8BD707-D9CF-40AE-B4C6-C98DA3205C09}" type="datetimeFigureOut">
               <a:rPr lang="en-US" smtClean="0"/>
               <a:pPr/>
-              <a:t>9/22/2025</a:t>
+              <a:t>1/2/2026</a:t>
             </a:fld>
             <a:endParaRPr lang="en-US"/>
           </a:p>
@@ -1600,7 +1601,7 @@
             <a:fld id="{1D8BD707-D9CF-40AE-B4C6-C98DA3205C09}" type="datetimeFigureOut">
               <a:rPr lang="en-US" smtClean="0"/>
               <a:pPr/>
-              <a:t>9/22/2025</a:t>
+              <a:t>1/2/2026</a:t>
             </a:fld>
             <a:endParaRPr lang="en-US"/>
           </a:p>
@@ -1775,7 +1776,7 @@
             <a:fld id="{1D8BD707-D9CF-40AE-B4C6-C98DA3205C09}" type="datetimeFigureOut">
               <a:rPr lang="en-US" smtClean="0"/>
               <a:pPr/>
-              <a:t>9/22/2025</a:t>
+              <a:t>1/2/2026</a:t>
             </a:fld>
             <a:endParaRPr lang="en-US"/>
           </a:p>
@@ -1940,7 +1941,7 @@
             <a:fld id="{1D8BD707-D9CF-40AE-B4C6-C98DA3205C09}" type="datetimeFigureOut">
               <a:rPr lang="en-US" smtClean="0"/>
               <a:pPr/>
-              <a:t>9/22/2025</a:t>
+              <a:t>1/2/2026</a:t>
             </a:fld>
             <a:endParaRPr lang="en-US"/>
           </a:p>
@@ -2182,7 +2183,7 @@
             <a:fld id="{1D8BD707-D9CF-40AE-B4C6-C98DA3205C09}" type="datetimeFigureOut">
               <a:rPr lang="en-US" smtClean="0"/>
               <a:pPr/>
-              <a:t>9/22/2025</a:t>
+              <a:t>1/2/2026</a:t>
             </a:fld>
             <a:endParaRPr lang="en-US"/>
           </a:p>
@@ -2464,7 +2465,7 @@
             <a:fld id="{1D8BD707-D9CF-40AE-B4C6-C98DA3205C09}" type="datetimeFigureOut">
               <a:rPr lang="en-US" smtClean="0"/>
               <a:pPr/>
-              <a:t>9/22/2025</a:t>
+              <a:t>1/2/2026</a:t>
             </a:fld>
             <a:endParaRPr lang="en-US"/>
           </a:p>
@@ -2880,7 +2881,7 @@
             <a:fld id="{1D8BD707-D9CF-40AE-B4C6-C98DA3205C09}" type="datetimeFigureOut">
               <a:rPr lang="en-US" smtClean="0"/>
               <a:pPr/>
-              <a:t>9/22/2025</a:t>
+              <a:t>1/2/2026</a:t>
             </a:fld>
             <a:endParaRPr lang="en-US"/>
           </a:p>
@@ -2994,7 +2995,7 @@
             <a:fld id="{1D8BD707-D9CF-40AE-B4C6-C98DA3205C09}" type="datetimeFigureOut">
               <a:rPr lang="en-US" smtClean="0"/>
               <a:pPr/>
-              <a:t>9/22/2025</a:t>
+              <a:t>1/2/2026</a:t>
             </a:fld>
             <a:endParaRPr lang="en-US"/>
           </a:p>
@@ -3086,7 +3087,7 @@
             <a:fld id="{1D8BD707-D9CF-40AE-B4C6-C98DA3205C09}" type="datetimeFigureOut">
               <a:rPr lang="en-US" smtClean="0"/>
               <a:pPr/>
-              <a:t>9/22/2025</a:t>
+              <a:t>1/2/2026</a:t>
             </a:fld>
             <a:endParaRPr lang="en-US"/>
           </a:p>
@@ -3358,7 +3359,7 @@
             <a:fld id="{1D8BD707-D9CF-40AE-B4C6-C98DA3205C09}" type="datetimeFigureOut">
               <a:rPr lang="en-US" smtClean="0"/>
               <a:pPr/>
-              <a:t>9/22/2025</a:t>
+              <a:t>1/2/2026</a:t>
             </a:fld>
             <a:endParaRPr lang="en-US"/>
           </a:p>
@@ -3607,7 +3608,7 @@
             <a:fld id="{1D8BD707-D9CF-40AE-B4C6-C98DA3205C09}" type="datetimeFigureOut">
               <a:rPr lang="en-US" smtClean="0"/>
               <a:pPr/>
-              <a:t>9/22/2025</a:t>
+              <a:t>1/2/2026</a:t>
             </a:fld>
             <a:endParaRPr lang="en-US"/>
           </a:p>
@@ -3820,7 +3821,7 @@
             <a:fld id="{1D8BD707-D9CF-40AE-B4C6-C98DA3205C09}" type="datetimeFigureOut">
               <a:rPr lang="en-US" smtClean="0"/>
               <a:pPr/>
-              <a:t>9/22/2025</a:t>
+              <a:t>1/2/2026</a:t>
             </a:fld>
             <a:endParaRPr lang="en-US"/>
           </a:p>
@@ -4854,6 +4855,254 @@
         <p:cNvPr id="1" name="">
           <a:extLst>
             <a:ext uri="{FF2B5EF4-FFF2-40B4-BE49-F238E27FC236}">
+              <a16:creationId xmlns:a16="http://schemas.microsoft.com/office/drawing/2014/main" id="{F5AEC324-F127-034F-789B-5A7053A9EA42}"/>
+            </a:ext>
+          </a:extLst>
+        </p:cNvPr>
+        <p:cNvGrpSpPr/>
+        <p:nvPr/>
+      </p:nvGrpSpPr>
+      <p:grpSpPr>
+        <a:xfrm>
+          <a:off x="0" y="0"/>
+          <a:ext cx="0" cy="0"/>
+          <a:chOff x="0" y="0"/>
+          <a:chExt cx="0" cy="0"/>
+        </a:xfrm>
+      </p:grpSpPr>
+      <p:sp>
+        <p:nvSpPr>
+          <p:cNvPr id="11" name="TextBox 10">
+            <a:extLst>
+              <a:ext uri="{FF2B5EF4-FFF2-40B4-BE49-F238E27FC236}">
+                <a16:creationId xmlns:a16="http://schemas.microsoft.com/office/drawing/2014/main" id="{6CFC538D-387E-3B37-334C-F0DA73611E0F}"/>
+              </a:ext>
+            </a:extLst>
+          </p:cNvPr>
+          <p:cNvSpPr txBox="1"/>
+          <p:nvPr/>
+        </p:nvSpPr>
+        <p:spPr>
+          <a:xfrm>
+            <a:off x="520861" y="170082"/>
+            <a:ext cx="11979797" cy="2308324"/>
+          </a:xfrm>
+          <a:prstGeom prst="rect">
+            <a:avLst/>
+          </a:prstGeom>
+          <a:noFill/>
+        </p:spPr>
+        <p:txBody>
+          <a:bodyPr wrap="square" rtlCol="0">
+            <a:spAutoFit/>
+          </a:bodyPr>
+          <a:lstStyle/>
+          <a:p>
+            <a:r>
+              <a:rPr lang="en-US" sz="7200" dirty="0">
+                <a:latin typeface="Aliens &amp; cows" panose="00000500000000000000" pitchFamily="2" charset="0"/>
+              </a:rPr>
+              <a:t>Recurring insights with my membership!</a:t>
+            </a:r>
+          </a:p>
+        </p:txBody>
+      </p:sp>
+      <p:sp>
+        <p:nvSpPr>
+          <p:cNvPr id="3" name="TextBox 2">
+            <a:extLst>
+              <a:ext uri="{FF2B5EF4-FFF2-40B4-BE49-F238E27FC236}">
+                <a16:creationId xmlns:a16="http://schemas.microsoft.com/office/drawing/2014/main" id="{0938EDF8-7875-694D-9006-A4377D8A6033}"/>
+              </a:ext>
+            </a:extLst>
+          </p:cNvPr>
+          <p:cNvSpPr txBox="1"/>
+          <p:nvPr/>
+        </p:nvSpPr>
+        <p:spPr>
+          <a:xfrm>
+            <a:off x="520861" y="3191948"/>
+            <a:ext cx="7480139" cy="7478970"/>
+          </a:xfrm>
+          <a:prstGeom prst="rect">
+            <a:avLst/>
+          </a:prstGeom>
+          <a:noFill/>
+        </p:spPr>
+        <p:txBody>
+          <a:bodyPr wrap="square" rtlCol="0">
+            <a:spAutoFit/>
+          </a:bodyPr>
+          <a:lstStyle/>
+          <a:p>
+            <a:pPr marL="685800" indent="-685800">
+              <a:buClr>
+                <a:srgbClr val="CF3338"/>
+              </a:buClr>
+              <a:buFont typeface="Arial" panose="020B0604020202020204" pitchFamily="34" charset="0"/>
+              <a:buChar char="•"/>
+            </a:pPr>
+            <a:r>
+              <a:rPr lang="en-US" sz="6000" dirty="0">
+                <a:solidFill>
+                  <a:srgbClr val="CF3338"/>
+                </a:solidFill>
+                <a:latin typeface="Pragmatica" panose="020B0403040502020204" pitchFamily="34" charset="0"/>
+                <a:hlinkClick r:id="rId2">
+                  <a:extLst>
+                    <a:ext uri="{A12FA001-AC4F-418D-AE19-62706E023703}">
+                      <ahyp:hlinkClr xmlns:ahyp="http://schemas.microsoft.com/office/drawing/2018/hyperlinkcolor" val="tx"/>
+                    </a:ext>
+                  </a:extLst>
+                </a:hlinkClick>
+              </a:rPr>
+              <a:t>stringfestdata.gumroad.com/l/</a:t>
+            </a:r>
+            <a:r>
+              <a:rPr lang="en-US" sz="6000" dirty="0" err="1">
+                <a:solidFill>
+                  <a:srgbClr val="CF3338"/>
+                </a:solidFill>
+                <a:latin typeface="Pragmatica" panose="020B0403040502020204" pitchFamily="34" charset="0"/>
+                <a:hlinkClick r:id="rId2">
+                  <a:extLst>
+                    <a:ext uri="{A12FA001-AC4F-418D-AE19-62706E023703}">
+                      <ahyp:hlinkClr xmlns:ahyp="http://schemas.microsoft.com/office/drawing/2018/hyperlinkcolor" val="tx"/>
+                    </a:ext>
+                  </a:extLst>
+                </a:hlinkClick>
+              </a:rPr>
+              <a:t>mxlais</a:t>
+            </a:r>
+            <a:endParaRPr lang="en-US" sz="6000" dirty="0">
+              <a:solidFill>
+                <a:srgbClr val="CF3338"/>
+              </a:solidFill>
+              <a:latin typeface="Pragmatica" panose="020B0403040502020204" pitchFamily="34" charset="0"/>
+            </a:endParaRPr>
+          </a:p>
+          <a:p>
+            <a:pPr marL="685800" indent="-685800">
+              <a:buClr>
+                <a:srgbClr val="CF3338"/>
+              </a:buClr>
+              <a:buFont typeface="Arial" panose="020B0604020202020204" pitchFamily="34" charset="0"/>
+              <a:buChar char="•"/>
+            </a:pPr>
+            <a:r>
+              <a:rPr lang="en-US" sz="6000" dirty="0">
+                <a:solidFill>
+                  <a:srgbClr val="CF3338"/>
+                </a:solidFill>
+                <a:latin typeface="Pragmatica" panose="020B0403040502020204" pitchFamily="34" charset="0"/>
+              </a:rPr>
+              <a:t>Monthly updates on what actually matters in AI-powered Excel &amp; friends</a:t>
+            </a:r>
+          </a:p>
+          <a:p>
+            <a:pPr marL="685800" indent="-685800">
+              <a:buClr>
+                <a:srgbClr val="CF3338"/>
+              </a:buClr>
+              <a:buFont typeface="Arial" panose="020B0604020202020204" pitchFamily="34" charset="0"/>
+              <a:buChar char="•"/>
+            </a:pPr>
+            <a:endParaRPr lang="en-US" sz="6000" dirty="0">
+              <a:solidFill>
+                <a:srgbClr val="CF3338"/>
+              </a:solidFill>
+              <a:latin typeface="Pragmatica" panose="020B0403040502020204" pitchFamily="34" charset="0"/>
+            </a:endParaRPr>
+          </a:p>
+        </p:txBody>
+      </p:sp>
+      <p:pic>
+        <p:nvPicPr>
+          <p:cNvPr id="15" name="Picture 14" descr="A close up of a sign&#10;&#10;Description automatically generated">
+            <a:extLst>
+              <a:ext uri="{FF2B5EF4-FFF2-40B4-BE49-F238E27FC236}">
+                <a16:creationId xmlns:a16="http://schemas.microsoft.com/office/drawing/2014/main" id="{DC2C381A-C4F4-6B52-5F4D-223BA763C7BD}"/>
+              </a:ext>
+            </a:extLst>
+          </p:cNvPr>
+          <p:cNvPicPr>
+            <a:picLocks noChangeAspect="1"/>
+          </p:cNvPicPr>
+          <p:nvPr/>
+        </p:nvPicPr>
+        <p:blipFill>
+          <a:blip r:embed="rId3">
+            <a:extLst>
+              <a:ext uri="{28A0092B-C50C-407E-A947-70E740481C1C}">
+                <a14:useLocalDpi xmlns:a14="http://schemas.microsoft.com/office/drawing/2010/main" val="0"/>
+              </a:ext>
+            </a:extLst>
+          </a:blip>
+          <a:stretch>
+            <a:fillRect/>
+          </a:stretch>
+        </p:blipFill>
+        <p:spPr>
+          <a:xfrm>
+            <a:off x="16341036" y="8058429"/>
+            <a:ext cx="1942857" cy="2228571"/>
+          </a:xfrm>
+          <a:prstGeom prst="rect">
+            <a:avLst/>
+          </a:prstGeom>
+        </p:spPr>
+      </p:pic>
+      <p:pic>
+        <p:nvPicPr>
+          <p:cNvPr id="2" name="Picture 1">
+            <a:extLst>
+              <a:ext uri="{FF2B5EF4-FFF2-40B4-BE49-F238E27FC236}">
+                <a16:creationId xmlns:a16="http://schemas.microsoft.com/office/drawing/2014/main" id="{681BD4E7-538A-7B3D-9DA6-06DA1F97B39B}"/>
+              </a:ext>
+            </a:extLst>
+          </p:cNvPr>
+          <p:cNvPicPr>
+            <a:picLocks noChangeAspect="1"/>
+          </p:cNvPicPr>
+          <p:nvPr/>
+        </p:nvPicPr>
+        <p:blipFill>
+          <a:blip r:embed="rId4"/>
+          <a:stretch>
+            <a:fillRect/>
+          </a:stretch>
+        </p:blipFill>
+        <p:spPr>
+          <a:xfrm>
+            <a:off x="8576733" y="3170781"/>
+            <a:ext cx="8963025" cy="5981197"/>
+          </a:xfrm>
+          <a:prstGeom prst="rect">
+            <a:avLst/>
+          </a:prstGeom>
+        </p:spPr>
+      </p:pic>
+    </p:spTree>
+    <p:extLst>
+      <p:ext uri="{BB962C8B-B14F-4D97-AF65-F5344CB8AC3E}">
+        <p14:creationId xmlns:p14="http://schemas.microsoft.com/office/powerpoint/2010/main" val="3632322916"/>
+      </p:ext>
+    </p:extLst>
+  </p:cSld>
+  <p:clrMapOvr>
+    <a:masterClrMapping/>
+  </p:clrMapOvr>
+</p:sld>
+</file>
+
+<file path=ppt/slides/slide13.xml><?xml version="1.0" encoding="utf-8"?>
+<p:sld xmlns:a="http://schemas.openxmlformats.org/drawingml/2006/main" xmlns:r="http://schemas.openxmlformats.org/officeDocument/2006/relationships" xmlns:p="http://schemas.openxmlformats.org/presentationml/2006/main">
+  <p:cSld>
+    <p:spTree>
+      <p:nvGrpSpPr>
+        <p:cNvPr id="1" name="">
+          <a:extLst>
+            <a:ext uri="{FF2B5EF4-FFF2-40B4-BE49-F238E27FC236}">
               <a16:creationId xmlns:a16="http://schemas.microsoft.com/office/drawing/2014/main" id="{9C2D1794-A89B-13E7-C584-62963DC48543}"/>
             </a:ext>
           </a:extLst>
@@ -5044,7 +5293,7 @@
 </p:sld>
 </file>
 
-<file path=ppt/slides/slide13.xml><?xml version="1.0" encoding="utf-8"?>
+<file path=ppt/slides/slide14.xml><?xml version="1.0" encoding="utf-8"?>
 <p:sld xmlns:a="http://schemas.openxmlformats.org/drawingml/2006/main" xmlns:r="http://schemas.openxmlformats.org/officeDocument/2006/relationships" xmlns:p="http://schemas.openxmlformats.org/presentationml/2006/main">
   <p:cSld>
     <p:spTree>
@@ -5174,7 +5423,7 @@
 </p:sld>
 </file>
 
-<file path=ppt/slides/slide14.xml><?xml version="1.0" encoding="utf-8"?>
+<file path=ppt/slides/slide15.xml><?xml version="1.0" encoding="utf-8"?>
 <p:sld xmlns:a="http://schemas.openxmlformats.org/drawingml/2006/main" xmlns:r="http://schemas.openxmlformats.org/officeDocument/2006/relationships" xmlns:p="http://schemas.openxmlformats.org/presentationml/2006/main">
   <p:cSld>
     <p:spTree>
@@ -5601,7 +5850,7 @@
 </p:sld>
 </file>
 
-<file path=ppt/slides/slide15.xml><?xml version="1.0" encoding="utf-8"?>
+<file path=ppt/slides/slide16.xml><?xml version="1.0" encoding="utf-8"?>
 <p:sld xmlns:a="http://schemas.openxmlformats.org/drawingml/2006/main" xmlns:r="http://schemas.openxmlformats.org/officeDocument/2006/relationships" xmlns:p="http://schemas.openxmlformats.org/presentationml/2006/main">
   <p:cSld>
     <p:spTree>
@@ -5731,7 +5980,7 @@
 </p:sld>
 </file>
 
-<file path=ppt/slides/slide16.xml><?xml version="1.0" encoding="utf-8"?>
+<file path=ppt/slides/slide17.xml><?xml version="1.0" encoding="utf-8"?>
 <p:sld xmlns:a="http://schemas.openxmlformats.org/drawingml/2006/main" xmlns:r="http://schemas.openxmlformats.org/officeDocument/2006/relationships" xmlns:p="http://schemas.openxmlformats.org/presentationml/2006/main">
   <p:cSld>
     <p:spTree>
@@ -5905,7 +6154,7 @@
 </p:sld>
 </file>
 
-<file path=ppt/slides/slide17.xml><?xml version="1.0" encoding="utf-8"?>
+<file path=ppt/slides/slide18.xml><?xml version="1.0" encoding="utf-8"?>
 <p:sld xmlns:a="http://schemas.openxmlformats.org/drawingml/2006/main" xmlns:r="http://schemas.openxmlformats.org/officeDocument/2006/relationships" xmlns:p="http://schemas.openxmlformats.org/presentationml/2006/main">
   <p:cSld>
     <p:spTree>
@@ -6159,7 +6408,7 @@
 </p:sld>
 </file>
 
-<file path=ppt/slides/slide18.xml><?xml version="1.0" encoding="utf-8"?>
+<file path=ppt/slides/slide19.xml><?xml version="1.0" encoding="utf-8"?>
 <p:sld xmlns:a="http://schemas.openxmlformats.org/drawingml/2006/main" xmlns:r="http://schemas.openxmlformats.org/officeDocument/2006/relationships" xmlns:p="http://schemas.openxmlformats.org/presentationml/2006/main">
   <p:cSld>
     <p:spTree>
@@ -6342,223 +6591,6 @@
     <p:extLst>
       <p:ext uri="{BB962C8B-B14F-4D97-AF65-F5344CB8AC3E}">
         <p14:creationId xmlns:p14="http://schemas.microsoft.com/office/powerpoint/2010/main" val="3018689313"/>
-      </p:ext>
-    </p:extLst>
-  </p:cSld>
-  <p:clrMapOvr>
-    <a:masterClrMapping/>
-  </p:clrMapOvr>
-</p:sld>
-</file>
-
-<file path=ppt/slides/slide19.xml><?xml version="1.0" encoding="utf-8"?>
-<p:sld xmlns:a="http://schemas.openxmlformats.org/drawingml/2006/main" xmlns:r="http://schemas.openxmlformats.org/officeDocument/2006/relationships" xmlns:p="http://schemas.openxmlformats.org/presentationml/2006/main">
-  <p:cSld>
-    <p:spTree>
-      <p:nvGrpSpPr>
-        <p:cNvPr id="1" name="">
-          <a:extLst>
-            <a:ext uri="{FF2B5EF4-FFF2-40B4-BE49-F238E27FC236}">
-              <a16:creationId xmlns:a16="http://schemas.microsoft.com/office/drawing/2014/main" id="{DA8CB409-CE91-9113-CF5B-9EF56BE94356}"/>
-            </a:ext>
-          </a:extLst>
-        </p:cNvPr>
-        <p:cNvGrpSpPr/>
-        <p:nvPr/>
-      </p:nvGrpSpPr>
-      <p:grpSpPr>
-        <a:xfrm>
-          <a:off x="0" y="0"/>
-          <a:ext cx="0" cy="0"/>
-          <a:chOff x="0" y="0"/>
-          <a:chExt cx="0" cy="0"/>
-        </a:xfrm>
-      </p:grpSpPr>
-      <p:sp>
-        <p:nvSpPr>
-          <p:cNvPr id="11" name="TextBox 10">
-            <a:extLst>
-              <a:ext uri="{FF2B5EF4-FFF2-40B4-BE49-F238E27FC236}">
-                <a16:creationId xmlns:a16="http://schemas.microsoft.com/office/drawing/2014/main" id="{DB8D7723-DD6F-44FA-345F-472CF117590F}"/>
-              </a:ext>
-            </a:extLst>
-          </p:cNvPr>
-          <p:cNvSpPr txBox="1"/>
-          <p:nvPr/>
-        </p:nvSpPr>
-        <p:spPr>
-          <a:xfrm>
-            <a:off x="520861" y="170082"/>
-            <a:ext cx="14947739" cy="1323439"/>
-          </a:xfrm>
-          <a:prstGeom prst="rect">
-            <a:avLst/>
-          </a:prstGeom>
-          <a:noFill/>
-        </p:spPr>
-        <p:txBody>
-          <a:bodyPr wrap="square" rtlCol="0">
-            <a:spAutoFit/>
-          </a:bodyPr>
-          <a:lstStyle/>
-          <a:p>
-            <a:r>
-              <a:rPr lang="en-US" sz="8000" dirty="0">
-                <a:latin typeface="Aliens &amp; cows" panose="00000500000000000000" pitchFamily="2" charset="0"/>
-              </a:rPr>
-              <a:t>Next steps</a:t>
-            </a:r>
-          </a:p>
-        </p:txBody>
-      </p:sp>
-      <p:sp>
-        <p:nvSpPr>
-          <p:cNvPr id="3" name="TextBox 2">
-            <a:extLst>
-              <a:ext uri="{FF2B5EF4-FFF2-40B4-BE49-F238E27FC236}">
-                <a16:creationId xmlns:a16="http://schemas.microsoft.com/office/drawing/2014/main" id="{80175D3E-AE80-1413-C125-5F34E069E354}"/>
-              </a:ext>
-            </a:extLst>
-          </p:cNvPr>
-          <p:cNvSpPr txBox="1"/>
-          <p:nvPr/>
-        </p:nvSpPr>
-        <p:spPr>
-          <a:xfrm>
-            <a:off x="520861" y="3191948"/>
-            <a:ext cx="14393120" cy="3785652"/>
-          </a:xfrm>
-          <a:prstGeom prst="rect">
-            <a:avLst/>
-          </a:prstGeom>
-          <a:noFill/>
-        </p:spPr>
-        <p:txBody>
-          <a:bodyPr wrap="square" rtlCol="0">
-            <a:spAutoFit/>
-          </a:bodyPr>
-          <a:lstStyle/>
-          <a:p>
-            <a:pPr marL="685800" indent="-685800">
-              <a:buClr>
-                <a:srgbClr val="CF3338"/>
-              </a:buClr>
-              <a:buFont typeface="Arial" panose="020B0604020202020204" pitchFamily="34" charset="0"/>
-              <a:buChar char="•"/>
-            </a:pPr>
-            <a:r>
-              <a:rPr lang="en-US" sz="6000" dirty="0">
-                <a:solidFill>
-                  <a:srgbClr val="707070"/>
-                </a:solidFill>
-                <a:latin typeface="Pragmatica" panose="020B0403040502020204" pitchFamily="34" charset="0"/>
-              </a:rPr>
-              <a:t>Book a discovery call at </a:t>
-            </a:r>
-            <a:r>
-              <a:rPr lang="en-US" sz="6000" dirty="0">
-                <a:solidFill>
-                  <a:srgbClr val="CF3338"/>
-                </a:solidFill>
-                <a:latin typeface="Pragmatica" panose="020B0403040502020204" pitchFamily="34" charset="0"/>
-                <a:hlinkClick r:id="rId2">
-                  <a:extLst>
-                    <a:ext uri="{A12FA001-AC4F-418D-AE19-62706E023703}">
-                      <ahyp:hlinkClr xmlns:ahyp="http://schemas.microsoft.com/office/drawing/2018/hyperlinkcolor" val="tx"/>
-                    </a:ext>
-                  </a:extLst>
-                </a:hlinkClick>
-              </a:rPr>
-              <a:t>https://stringfestanalytics.com/book-me/</a:t>
-            </a:r>
-            <a:r>
-              <a:rPr lang="en-US" sz="6000" dirty="0">
-                <a:solidFill>
-                  <a:srgbClr val="CF3338"/>
-                </a:solidFill>
-                <a:latin typeface="Pragmatica" panose="020B0403040502020204" pitchFamily="34" charset="0"/>
-              </a:rPr>
-              <a:t> </a:t>
-            </a:r>
-          </a:p>
-          <a:p>
-            <a:pPr marL="685800" indent="-685800">
-              <a:buClr>
-                <a:srgbClr val="CF3338"/>
-              </a:buClr>
-              <a:buFont typeface="Arial" panose="020B0604020202020204" pitchFamily="34" charset="0"/>
-              <a:buChar char="•"/>
-            </a:pPr>
-            <a:r>
-              <a:rPr lang="en-US" sz="6000" dirty="0">
-                <a:solidFill>
-                  <a:srgbClr val="707070"/>
-                </a:solidFill>
-                <a:latin typeface="Pragmatica" panose="020B0403040502020204" pitchFamily="34" charset="0"/>
-              </a:rPr>
-              <a:t>Follow me on LinkedIn</a:t>
-            </a:r>
-          </a:p>
-          <a:p>
-            <a:pPr marL="685800" indent="-685800">
-              <a:buClr>
-                <a:srgbClr val="CF3338"/>
-              </a:buClr>
-              <a:buFont typeface="Arial" panose="020B0604020202020204" pitchFamily="34" charset="0"/>
-              <a:buChar char="•"/>
-            </a:pPr>
-            <a:r>
-              <a:rPr lang="en-US" sz="6000" dirty="0">
-                <a:solidFill>
-                  <a:srgbClr val="707070"/>
-                </a:solidFill>
-                <a:latin typeface="Pragmatica" panose="020B0403040502020204" pitchFamily="34" charset="0"/>
-              </a:rPr>
-              <a:t>Share this event with your network</a:t>
-            </a:r>
-          </a:p>
-        </p:txBody>
-      </p:sp>
-      <p:pic>
-        <p:nvPicPr>
-          <p:cNvPr id="15" name="Picture 14" descr="A close up of a sign&#10;&#10;Description automatically generated">
-            <a:extLst>
-              <a:ext uri="{FF2B5EF4-FFF2-40B4-BE49-F238E27FC236}">
-                <a16:creationId xmlns:a16="http://schemas.microsoft.com/office/drawing/2014/main" id="{23401A70-278E-956F-C05F-181A5C8C8A73}"/>
-              </a:ext>
-            </a:extLst>
-          </p:cNvPr>
-          <p:cNvPicPr>
-            <a:picLocks noChangeAspect="1"/>
-          </p:cNvPicPr>
-          <p:nvPr/>
-        </p:nvPicPr>
-        <p:blipFill>
-          <a:blip r:embed="rId3">
-            <a:extLst>
-              <a:ext uri="{28A0092B-C50C-407E-A947-70E740481C1C}">
-                <a14:useLocalDpi xmlns:a14="http://schemas.microsoft.com/office/drawing/2010/main" val="0"/>
-              </a:ext>
-            </a:extLst>
-          </a:blip>
-          <a:stretch>
-            <a:fillRect/>
-          </a:stretch>
-        </p:blipFill>
-        <p:spPr>
-          <a:xfrm>
-            <a:off x="16341036" y="8058429"/>
-            <a:ext cx="1942857" cy="2228571"/>
-          </a:xfrm>
-          <a:prstGeom prst="rect">
-            <a:avLst/>
-          </a:prstGeom>
-        </p:spPr>
-      </p:pic>
-    </p:spTree>
-    <p:extLst>
-      <p:ext uri="{BB962C8B-B14F-4D97-AF65-F5344CB8AC3E}">
-        <p14:creationId xmlns:p14="http://schemas.microsoft.com/office/powerpoint/2010/main" val="3278776888"/>
       </p:ext>
     </p:extLst>
   </p:cSld>
@@ -6957,6 +6989,223 @@
         <p:cNvPr id="1" name="">
           <a:extLst>
             <a:ext uri="{FF2B5EF4-FFF2-40B4-BE49-F238E27FC236}">
+              <a16:creationId xmlns:a16="http://schemas.microsoft.com/office/drawing/2014/main" id="{DA8CB409-CE91-9113-CF5B-9EF56BE94356}"/>
+            </a:ext>
+          </a:extLst>
+        </p:cNvPr>
+        <p:cNvGrpSpPr/>
+        <p:nvPr/>
+      </p:nvGrpSpPr>
+      <p:grpSpPr>
+        <a:xfrm>
+          <a:off x="0" y="0"/>
+          <a:ext cx="0" cy="0"/>
+          <a:chOff x="0" y="0"/>
+          <a:chExt cx="0" cy="0"/>
+        </a:xfrm>
+      </p:grpSpPr>
+      <p:sp>
+        <p:nvSpPr>
+          <p:cNvPr id="11" name="TextBox 10">
+            <a:extLst>
+              <a:ext uri="{FF2B5EF4-FFF2-40B4-BE49-F238E27FC236}">
+                <a16:creationId xmlns:a16="http://schemas.microsoft.com/office/drawing/2014/main" id="{DB8D7723-DD6F-44FA-345F-472CF117590F}"/>
+              </a:ext>
+            </a:extLst>
+          </p:cNvPr>
+          <p:cNvSpPr txBox="1"/>
+          <p:nvPr/>
+        </p:nvSpPr>
+        <p:spPr>
+          <a:xfrm>
+            <a:off x="520861" y="170082"/>
+            <a:ext cx="14947739" cy="1323439"/>
+          </a:xfrm>
+          <a:prstGeom prst="rect">
+            <a:avLst/>
+          </a:prstGeom>
+          <a:noFill/>
+        </p:spPr>
+        <p:txBody>
+          <a:bodyPr wrap="square" rtlCol="0">
+            <a:spAutoFit/>
+          </a:bodyPr>
+          <a:lstStyle/>
+          <a:p>
+            <a:r>
+              <a:rPr lang="en-US" sz="8000" dirty="0">
+                <a:latin typeface="Aliens &amp; cows" panose="00000500000000000000" pitchFamily="2" charset="0"/>
+              </a:rPr>
+              <a:t>Next steps</a:t>
+            </a:r>
+          </a:p>
+        </p:txBody>
+      </p:sp>
+      <p:sp>
+        <p:nvSpPr>
+          <p:cNvPr id="3" name="TextBox 2">
+            <a:extLst>
+              <a:ext uri="{FF2B5EF4-FFF2-40B4-BE49-F238E27FC236}">
+                <a16:creationId xmlns:a16="http://schemas.microsoft.com/office/drawing/2014/main" id="{80175D3E-AE80-1413-C125-5F34E069E354}"/>
+              </a:ext>
+            </a:extLst>
+          </p:cNvPr>
+          <p:cNvSpPr txBox="1"/>
+          <p:nvPr/>
+        </p:nvSpPr>
+        <p:spPr>
+          <a:xfrm>
+            <a:off x="520861" y="3191948"/>
+            <a:ext cx="14393120" cy="3785652"/>
+          </a:xfrm>
+          <a:prstGeom prst="rect">
+            <a:avLst/>
+          </a:prstGeom>
+          <a:noFill/>
+        </p:spPr>
+        <p:txBody>
+          <a:bodyPr wrap="square" rtlCol="0">
+            <a:spAutoFit/>
+          </a:bodyPr>
+          <a:lstStyle/>
+          <a:p>
+            <a:pPr marL="685800" indent="-685800">
+              <a:buClr>
+                <a:srgbClr val="CF3338"/>
+              </a:buClr>
+              <a:buFont typeface="Arial" panose="020B0604020202020204" pitchFamily="34" charset="0"/>
+              <a:buChar char="•"/>
+            </a:pPr>
+            <a:r>
+              <a:rPr lang="en-US" sz="6000" dirty="0">
+                <a:solidFill>
+                  <a:srgbClr val="707070"/>
+                </a:solidFill>
+                <a:latin typeface="Pragmatica" panose="020B0403040502020204" pitchFamily="34" charset="0"/>
+              </a:rPr>
+              <a:t>Book a discovery call at </a:t>
+            </a:r>
+            <a:r>
+              <a:rPr lang="en-US" sz="6000" dirty="0">
+                <a:solidFill>
+                  <a:srgbClr val="CF3338"/>
+                </a:solidFill>
+                <a:latin typeface="Pragmatica" panose="020B0403040502020204" pitchFamily="34" charset="0"/>
+                <a:hlinkClick r:id="rId2">
+                  <a:extLst>
+                    <a:ext uri="{A12FA001-AC4F-418D-AE19-62706E023703}">
+                      <ahyp:hlinkClr xmlns:ahyp="http://schemas.microsoft.com/office/drawing/2018/hyperlinkcolor" val="tx"/>
+                    </a:ext>
+                  </a:extLst>
+                </a:hlinkClick>
+              </a:rPr>
+              <a:t>https://stringfestanalytics.com/book-me/</a:t>
+            </a:r>
+            <a:r>
+              <a:rPr lang="en-US" sz="6000" dirty="0">
+                <a:solidFill>
+                  <a:srgbClr val="CF3338"/>
+                </a:solidFill>
+                <a:latin typeface="Pragmatica" panose="020B0403040502020204" pitchFamily="34" charset="0"/>
+              </a:rPr>
+              <a:t> </a:t>
+            </a:r>
+          </a:p>
+          <a:p>
+            <a:pPr marL="685800" indent="-685800">
+              <a:buClr>
+                <a:srgbClr val="CF3338"/>
+              </a:buClr>
+              <a:buFont typeface="Arial" panose="020B0604020202020204" pitchFamily="34" charset="0"/>
+              <a:buChar char="•"/>
+            </a:pPr>
+            <a:r>
+              <a:rPr lang="en-US" sz="6000" dirty="0">
+                <a:solidFill>
+                  <a:srgbClr val="707070"/>
+                </a:solidFill>
+                <a:latin typeface="Pragmatica" panose="020B0403040502020204" pitchFamily="34" charset="0"/>
+              </a:rPr>
+              <a:t>Follow me on LinkedIn</a:t>
+            </a:r>
+          </a:p>
+          <a:p>
+            <a:pPr marL="685800" indent="-685800">
+              <a:buClr>
+                <a:srgbClr val="CF3338"/>
+              </a:buClr>
+              <a:buFont typeface="Arial" panose="020B0604020202020204" pitchFamily="34" charset="0"/>
+              <a:buChar char="•"/>
+            </a:pPr>
+            <a:r>
+              <a:rPr lang="en-US" sz="6000" dirty="0">
+                <a:solidFill>
+                  <a:srgbClr val="707070"/>
+                </a:solidFill>
+                <a:latin typeface="Pragmatica" panose="020B0403040502020204" pitchFamily="34" charset="0"/>
+              </a:rPr>
+              <a:t>Share this event with your network</a:t>
+            </a:r>
+          </a:p>
+        </p:txBody>
+      </p:sp>
+      <p:pic>
+        <p:nvPicPr>
+          <p:cNvPr id="15" name="Picture 14" descr="A close up of a sign&#10;&#10;Description automatically generated">
+            <a:extLst>
+              <a:ext uri="{FF2B5EF4-FFF2-40B4-BE49-F238E27FC236}">
+                <a16:creationId xmlns:a16="http://schemas.microsoft.com/office/drawing/2014/main" id="{23401A70-278E-956F-C05F-181A5C8C8A73}"/>
+              </a:ext>
+            </a:extLst>
+          </p:cNvPr>
+          <p:cNvPicPr>
+            <a:picLocks noChangeAspect="1"/>
+          </p:cNvPicPr>
+          <p:nvPr/>
+        </p:nvPicPr>
+        <p:blipFill>
+          <a:blip r:embed="rId3">
+            <a:extLst>
+              <a:ext uri="{28A0092B-C50C-407E-A947-70E740481C1C}">
+                <a14:useLocalDpi xmlns:a14="http://schemas.microsoft.com/office/drawing/2010/main" val="0"/>
+              </a:ext>
+            </a:extLst>
+          </a:blip>
+          <a:stretch>
+            <a:fillRect/>
+          </a:stretch>
+        </p:blipFill>
+        <p:spPr>
+          <a:xfrm>
+            <a:off x="16341036" y="8058429"/>
+            <a:ext cx="1942857" cy="2228571"/>
+          </a:xfrm>
+          <a:prstGeom prst="rect">
+            <a:avLst/>
+          </a:prstGeom>
+        </p:spPr>
+      </p:pic>
+    </p:spTree>
+    <p:extLst>
+      <p:ext uri="{BB962C8B-B14F-4D97-AF65-F5344CB8AC3E}">
+        <p14:creationId xmlns:p14="http://schemas.microsoft.com/office/powerpoint/2010/main" val="3278776888"/>
+      </p:ext>
+    </p:extLst>
+  </p:cSld>
+  <p:clrMapOvr>
+    <a:masterClrMapping/>
+  </p:clrMapOvr>
+</p:sld>
+</file>
+
+<file path=ppt/slides/slide21.xml><?xml version="1.0" encoding="utf-8"?>
+<p:sld xmlns:a="http://schemas.openxmlformats.org/drawingml/2006/main" xmlns:r="http://schemas.openxmlformats.org/officeDocument/2006/relationships" xmlns:p="http://schemas.openxmlformats.org/presentationml/2006/main">
+  <p:cSld>
+    <p:spTree>
+      <p:nvGrpSpPr>
+        <p:cNvPr id="1" name="">
+          <a:extLst>
+            <a:ext uri="{FF2B5EF4-FFF2-40B4-BE49-F238E27FC236}">
               <a16:creationId xmlns:a16="http://schemas.microsoft.com/office/drawing/2014/main" id="{8FC0C042-4FA7-C99A-DB6A-E56C8A4C9FF2}"/>
             </a:ext>
           </a:extLst>
@@ -7077,7 +7326,7 @@
 </p:sld>
 </file>
 
-<file path=ppt/slides/slide21.xml><?xml version="1.0" encoding="utf-8"?>
+<file path=ppt/slides/slide22.xml><?xml version="1.0" encoding="utf-8"?>
 <p:sld xmlns:a="http://schemas.openxmlformats.org/drawingml/2006/main" xmlns:r="http://schemas.openxmlformats.org/officeDocument/2006/relationships" xmlns:p="http://schemas.openxmlformats.org/presentationml/2006/main">
   <p:cSld>
     <p:spTree>

--- a/modern-excel-demo-day.pptx
+++ b/modern-excel-demo-day.pptx
@@ -5,7 +5,7 @@
     <p:sldMasterId id="2147483648" r:id="rId1"/>
   </p:sldMasterIdLst>
   <p:notesMasterIdLst>
-    <p:notesMasterId r:id="rId24"/>
+    <p:notesMasterId r:id="rId25"/>
   </p:notesMasterIdLst>
   <p:sldIdLst>
     <p:sldId id="256" r:id="rId2"/>
@@ -20,16 +20,17 @@
     <p:sldId id="441" r:id="rId11"/>
     <p:sldId id="442" r:id="rId12"/>
     <p:sldId id="454" r:id="rId13"/>
-    <p:sldId id="443" r:id="rId14"/>
-    <p:sldId id="444" r:id="rId15"/>
-    <p:sldId id="445" r:id="rId16"/>
-    <p:sldId id="448" r:id="rId17"/>
-    <p:sldId id="449" r:id="rId18"/>
-    <p:sldId id="450" r:id="rId19"/>
-    <p:sldId id="451" r:id="rId20"/>
-    <p:sldId id="452" r:id="rId21"/>
-    <p:sldId id="453" r:id="rId22"/>
-    <p:sldId id="415" r:id="rId23"/>
+    <p:sldId id="455" r:id="rId14"/>
+    <p:sldId id="443" r:id="rId15"/>
+    <p:sldId id="444" r:id="rId16"/>
+    <p:sldId id="445" r:id="rId17"/>
+    <p:sldId id="448" r:id="rId18"/>
+    <p:sldId id="449" r:id="rId19"/>
+    <p:sldId id="450" r:id="rId20"/>
+    <p:sldId id="451" r:id="rId21"/>
+    <p:sldId id="452" r:id="rId22"/>
+    <p:sldId id="453" r:id="rId23"/>
+    <p:sldId id="415" r:id="rId24"/>
   </p:sldIdLst>
   <p:sldSz cx="18288000" cy="10287000"/>
   <p:notesSz cx="6858000" cy="9144000"/>
@@ -247,7 +248,7 @@
           <a:p>
             <a:fld id="{17A98A70-FA8C-4354-959C-C70678AC9BCF}" type="datetimeFigureOut">
               <a:rPr lang="en-US" smtClean="0"/>
-              <a:t>1/2/2026</a:t>
+              <a:t>1/11/2026</a:t>
             </a:fld>
             <a:endParaRPr lang="en-US"/>
           </a:p>
@@ -998,7 +999,7 @@
           <a:p>
             <a:fld id="{FFB500C5-13F7-48FC-8160-C29AECF6C602}" type="slidenum">
               <a:rPr lang="en-US" smtClean="0"/>
-              <a:t>13</a:t>
+              <a:t>14</a:t>
             </a:fld>
             <a:endParaRPr lang="en-US"/>
           </a:p>
@@ -1149,7 +1150,7 @@
           <a:p>
             <a:fld id="{FFB500C5-13F7-48FC-8160-C29AECF6C602}" type="slidenum">
               <a:rPr lang="en-US" smtClean="0"/>
-              <a:t>15</a:t>
+              <a:t>16</a:t>
             </a:fld>
             <a:endParaRPr lang="en-US"/>
           </a:p>
@@ -1237,7 +1238,7 @@
           <a:p>
             <a:fld id="{FFB500C5-13F7-48FC-8160-C29AECF6C602}" type="slidenum">
               <a:rPr lang="en-US" smtClean="0"/>
-              <a:t>18</a:t>
+              <a:t>19</a:t>
             </a:fld>
             <a:endParaRPr lang="en-US"/>
           </a:p>
@@ -1436,7 +1437,7 @@
             <a:fld id="{1D8BD707-D9CF-40AE-B4C6-C98DA3205C09}" type="datetimeFigureOut">
               <a:rPr lang="en-US" smtClean="0"/>
               <a:pPr/>
-              <a:t>1/2/2026</a:t>
+              <a:t>1/11/2026</a:t>
             </a:fld>
             <a:endParaRPr lang="en-US"/>
           </a:p>
@@ -1601,7 +1602,7 @@
             <a:fld id="{1D8BD707-D9CF-40AE-B4C6-C98DA3205C09}" type="datetimeFigureOut">
               <a:rPr lang="en-US" smtClean="0"/>
               <a:pPr/>
-              <a:t>1/2/2026</a:t>
+              <a:t>1/11/2026</a:t>
             </a:fld>
             <a:endParaRPr lang="en-US"/>
           </a:p>
@@ -1776,7 +1777,7 @@
             <a:fld id="{1D8BD707-D9CF-40AE-B4C6-C98DA3205C09}" type="datetimeFigureOut">
               <a:rPr lang="en-US" smtClean="0"/>
               <a:pPr/>
-              <a:t>1/2/2026</a:t>
+              <a:t>1/11/2026</a:t>
             </a:fld>
             <a:endParaRPr lang="en-US"/>
           </a:p>
@@ -1941,7 +1942,7 @@
             <a:fld id="{1D8BD707-D9CF-40AE-B4C6-C98DA3205C09}" type="datetimeFigureOut">
               <a:rPr lang="en-US" smtClean="0"/>
               <a:pPr/>
-              <a:t>1/2/2026</a:t>
+              <a:t>1/11/2026</a:t>
             </a:fld>
             <a:endParaRPr lang="en-US"/>
           </a:p>
@@ -2183,7 +2184,7 @@
             <a:fld id="{1D8BD707-D9CF-40AE-B4C6-C98DA3205C09}" type="datetimeFigureOut">
               <a:rPr lang="en-US" smtClean="0"/>
               <a:pPr/>
-              <a:t>1/2/2026</a:t>
+              <a:t>1/11/2026</a:t>
             </a:fld>
             <a:endParaRPr lang="en-US"/>
           </a:p>
@@ -2465,7 +2466,7 @@
             <a:fld id="{1D8BD707-D9CF-40AE-B4C6-C98DA3205C09}" type="datetimeFigureOut">
               <a:rPr lang="en-US" smtClean="0"/>
               <a:pPr/>
-              <a:t>1/2/2026</a:t>
+              <a:t>1/11/2026</a:t>
             </a:fld>
             <a:endParaRPr lang="en-US"/>
           </a:p>
@@ -2881,7 +2882,7 @@
             <a:fld id="{1D8BD707-D9CF-40AE-B4C6-C98DA3205C09}" type="datetimeFigureOut">
               <a:rPr lang="en-US" smtClean="0"/>
               <a:pPr/>
-              <a:t>1/2/2026</a:t>
+              <a:t>1/11/2026</a:t>
             </a:fld>
             <a:endParaRPr lang="en-US"/>
           </a:p>
@@ -2995,7 +2996,7 @@
             <a:fld id="{1D8BD707-D9CF-40AE-B4C6-C98DA3205C09}" type="datetimeFigureOut">
               <a:rPr lang="en-US" smtClean="0"/>
               <a:pPr/>
-              <a:t>1/2/2026</a:t>
+              <a:t>1/11/2026</a:t>
             </a:fld>
             <a:endParaRPr lang="en-US"/>
           </a:p>
@@ -3087,7 +3088,7 @@
             <a:fld id="{1D8BD707-D9CF-40AE-B4C6-C98DA3205C09}" type="datetimeFigureOut">
               <a:rPr lang="en-US" smtClean="0"/>
               <a:pPr/>
-              <a:t>1/2/2026</a:t>
+              <a:t>1/11/2026</a:t>
             </a:fld>
             <a:endParaRPr lang="en-US"/>
           </a:p>
@@ -3359,7 +3360,7 @@
             <a:fld id="{1D8BD707-D9CF-40AE-B4C6-C98DA3205C09}" type="datetimeFigureOut">
               <a:rPr lang="en-US" smtClean="0"/>
               <a:pPr/>
-              <a:t>1/2/2026</a:t>
+              <a:t>1/11/2026</a:t>
             </a:fld>
             <a:endParaRPr lang="en-US"/>
           </a:p>
@@ -3608,7 +3609,7 @@
             <a:fld id="{1D8BD707-D9CF-40AE-B4C6-C98DA3205C09}" type="datetimeFigureOut">
               <a:rPr lang="en-US" smtClean="0"/>
               <a:pPr/>
-              <a:t>1/2/2026</a:t>
+              <a:t>1/11/2026</a:t>
             </a:fld>
             <a:endParaRPr lang="en-US"/>
           </a:p>
@@ -3821,7 +3822,7 @@
             <a:fld id="{1D8BD707-D9CF-40AE-B4C6-C98DA3205C09}" type="datetimeFigureOut">
               <a:rPr lang="en-US" smtClean="0"/>
               <a:pPr/>
-              <a:t>1/2/2026</a:t>
+              <a:t>1/11/2026</a:t>
             </a:fld>
             <a:endParaRPr lang="en-US"/>
           </a:p>
@@ -5103,6 +5104,279 @@
         <p:cNvPr id="1" name="">
           <a:extLst>
             <a:ext uri="{FF2B5EF4-FFF2-40B4-BE49-F238E27FC236}">
+              <a16:creationId xmlns:a16="http://schemas.microsoft.com/office/drawing/2014/main" id="{C694E238-B928-9A45-6C07-F784EA6E2DC3}"/>
+            </a:ext>
+          </a:extLst>
+        </p:cNvPr>
+        <p:cNvGrpSpPr/>
+        <p:nvPr/>
+      </p:nvGrpSpPr>
+      <p:grpSpPr>
+        <a:xfrm>
+          <a:off x="0" y="0"/>
+          <a:ext cx="0" cy="0"/>
+          <a:chOff x="0" y="0"/>
+          <a:chExt cx="0" cy="0"/>
+        </a:xfrm>
+      </p:grpSpPr>
+      <p:sp>
+        <p:nvSpPr>
+          <p:cNvPr id="11" name="TextBox 10">
+            <a:extLst>
+              <a:ext uri="{FF2B5EF4-FFF2-40B4-BE49-F238E27FC236}">
+                <a16:creationId xmlns:a16="http://schemas.microsoft.com/office/drawing/2014/main" id="{E03A3D75-7011-685D-6601-35E8D4148BB0}"/>
+              </a:ext>
+            </a:extLst>
+          </p:cNvPr>
+          <p:cNvSpPr txBox="1"/>
+          <p:nvPr/>
+        </p:nvSpPr>
+        <p:spPr>
+          <a:xfrm>
+            <a:off x="520861" y="170082"/>
+            <a:ext cx="11979797" cy="1477328"/>
+          </a:xfrm>
+          <a:prstGeom prst="rect">
+            <a:avLst/>
+          </a:prstGeom>
+          <a:noFill/>
+        </p:spPr>
+        <p:txBody>
+          <a:bodyPr wrap="square" rtlCol="0">
+            <a:spAutoFit/>
+          </a:bodyPr>
+          <a:lstStyle/>
+          <a:p>
+            <a:r>
+              <a:rPr lang="en-US" sz="9000" dirty="0">
+                <a:latin typeface="Aliens &amp; cows" panose="00000500000000000000" pitchFamily="2" charset="0"/>
+              </a:rPr>
+              <a:t>Not sure where to start?</a:t>
+            </a:r>
+          </a:p>
+        </p:txBody>
+      </p:sp>
+      <p:sp>
+        <p:nvSpPr>
+          <p:cNvPr id="3" name="TextBox 2">
+            <a:extLst>
+              <a:ext uri="{FF2B5EF4-FFF2-40B4-BE49-F238E27FC236}">
+                <a16:creationId xmlns:a16="http://schemas.microsoft.com/office/drawing/2014/main" id="{A70D9C35-08C9-2B39-29C7-C0EA500B7E30}"/>
+              </a:ext>
+            </a:extLst>
+          </p:cNvPr>
+          <p:cNvSpPr txBox="1"/>
+          <p:nvPr/>
+        </p:nvSpPr>
+        <p:spPr>
+          <a:xfrm>
+            <a:off x="1143000" y="1866900"/>
+            <a:ext cx="14935200" cy="6863417"/>
+          </a:xfrm>
+          <a:prstGeom prst="rect">
+            <a:avLst/>
+          </a:prstGeom>
+          <a:noFill/>
+        </p:spPr>
+        <p:txBody>
+          <a:bodyPr wrap="square" rtlCol="0">
+            <a:spAutoFit/>
+          </a:bodyPr>
+          <a:lstStyle/>
+          <a:p>
+            <a:pPr marL="285750" indent="-285750">
+              <a:buFont typeface="Arial" panose="020B0604020202020204" pitchFamily="34" charset="0"/>
+              <a:buChar char="•"/>
+            </a:pPr>
+            <a:r>
+              <a:rPr lang="en-US" sz="4400" dirty="0">
+                <a:latin typeface="Pragmatica" panose="020B0403040502020204"/>
+              </a:rPr>
+              <a:t>If you’re new to Excel + AI → start with </a:t>
+            </a:r>
+            <a:r>
+              <a:rPr lang="en-US" sz="4400" b="1" u="sng" dirty="0">
+                <a:latin typeface="Pragmatica" panose="020B0403040502020204"/>
+                <a:hlinkClick r:id="rId2"/>
+              </a:rPr>
+              <a:t>Excel Must-Knows for AI Success</a:t>
+            </a:r>
+            <a:r>
+              <a:rPr lang="en-US" sz="4400" dirty="0">
+                <a:latin typeface="Pragmatica" panose="020B0403040502020204"/>
+              </a:rPr>
+              <a:t> </a:t>
+            </a:r>
+          </a:p>
+          <a:p>
+            <a:pPr marL="285750" indent="-285750">
+              <a:buFont typeface="Arial" panose="020B0604020202020204" pitchFamily="34" charset="0"/>
+              <a:buChar char="•"/>
+            </a:pPr>
+            <a:r>
+              <a:rPr lang="en-US" sz="4400" dirty="0">
+                <a:latin typeface="Pragmatica" panose="020B0403040502020204"/>
+              </a:rPr>
+              <a:t>If you want to learn Python in Excel → begin with </a:t>
+            </a:r>
+            <a:r>
+              <a:rPr lang="en-US" sz="4400" b="1" u="sng" dirty="0">
+                <a:latin typeface="Pragmatica" panose="020B0403040502020204"/>
+                <a:hlinkClick r:id="rId3"/>
+              </a:rPr>
+              <a:t>Python in Excel: Quick Wins</a:t>
+            </a:r>
+            <a:endParaRPr lang="en-US" sz="4400" dirty="0">
+              <a:latin typeface="Pragmatica" panose="020B0403040502020204"/>
+            </a:endParaRPr>
+          </a:p>
+          <a:p>
+            <a:pPr marL="285750" indent="-285750">
+              <a:buFont typeface="Arial" panose="020B0604020202020204" pitchFamily="34" charset="0"/>
+              <a:buChar char="•"/>
+            </a:pPr>
+            <a:r>
+              <a:rPr lang="en-US" sz="4400" dirty="0">
+                <a:latin typeface="Pragmatica" panose="020B0403040502020204"/>
+              </a:rPr>
+              <a:t>If you prefer structured self-paced learning → take my </a:t>
+            </a:r>
+            <a:r>
+              <a:rPr lang="en-US" sz="4400" b="1" u="sng" dirty="0">
+                <a:latin typeface="Pragmatica" panose="020B0403040502020204"/>
+                <a:hlinkClick r:id="rId4"/>
+              </a:rPr>
+              <a:t>LinkedIn Learning</a:t>
+            </a:r>
+            <a:r>
+              <a:rPr lang="en-US" sz="4400" dirty="0">
+                <a:latin typeface="Pragmatica" panose="020B0403040502020204"/>
+              </a:rPr>
+              <a:t> courses</a:t>
+            </a:r>
+          </a:p>
+          <a:p>
+            <a:pPr marL="285750" indent="-285750">
+              <a:buFont typeface="Arial" panose="020B0604020202020204" pitchFamily="34" charset="0"/>
+              <a:buChar char="•"/>
+            </a:pPr>
+            <a:r>
+              <a:rPr lang="en-US" sz="4400" dirty="0">
+                <a:latin typeface="Pragmatica" panose="020B0403040502020204"/>
+              </a:rPr>
+              <a:t>If you want live, hands-on training → join an </a:t>
+            </a:r>
+            <a:r>
+              <a:rPr lang="en-US" sz="4400" b="1" u="sng" dirty="0">
+                <a:latin typeface="Pragmatica" panose="020B0403040502020204"/>
+                <a:hlinkClick r:id="rId5"/>
+              </a:rPr>
+              <a:t>O’Reilly</a:t>
+            </a:r>
+            <a:r>
+              <a:rPr lang="en-US" sz="4400" dirty="0">
+                <a:latin typeface="Pragmatica" panose="020B0403040502020204"/>
+              </a:rPr>
+              <a:t> session or </a:t>
+            </a:r>
+            <a:r>
+              <a:rPr lang="en-US" sz="4400" b="1" u="sng" dirty="0">
+                <a:latin typeface="Pragmatica" panose="020B0403040502020204"/>
+                <a:hlinkClick r:id="rId6"/>
+              </a:rPr>
+              <a:t>Eventbrite</a:t>
+            </a:r>
+            <a:r>
+              <a:rPr lang="en-US" sz="4400" dirty="0">
+                <a:latin typeface="Pragmatica" panose="020B0403040502020204"/>
+              </a:rPr>
+              <a:t> workshop</a:t>
+            </a:r>
+          </a:p>
+          <a:p>
+            <a:pPr marL="285750" indent="-285750">
+              <a:buFont typeface="Arial" panose="020B0604020202020204" pitchFamily="34" charset="0"/>
+              <a:buChar char="•"/>
+            </a:pPr>
+            <a:r>
+              <a:rPr lang="en-US" sz="4400" dirty="0">
+                <a:latin typeface="Pragmatica" panose="020B0403040502020204"/>
+              </a:rPr>
+              <a:t>If you want ongoing guidance without a big course → join </a:t>
+            </a:r>
+            <a:r>
+              <a:rPr lang="en-US" sz="4400" b="1" u="sng" dirty="0">
+                <a:latin typeface="Pragmatica" panose="020B0403040502020204"/>
+                <a:hlinkClick r:id="rId7"/>
+              </a:rPr>
+              <a:t>The Modern Excel AI Stack</a:t>
+            </a:r>
+            <a:r>
+              <a:rPr lang="en-US" sz="4400" dirty="0">
+                <a:latin typeface="Pragmatica" panose="020B0403040502020204"/>
+              </a:rPr>
+              <a:t> (membership)</a:t>
+            </a:r>
+          </a:p>
+        </p:txBody>
+      </p:sp>
+      <p:pic>
+        <p:nvPicPr>
+          <p:cNvPr id="15" name="Picture 14" descr="A close up of a sign&#10;&#10;Description automatically generated">
+            <a:extLst>
+              <a:ext uri="{FF2B5EF4-FFF2-40B4-BE49-F238E27FC236}">
+                <a16:creationId xmlns:a16="http://schemas.microsoft.com/office/drawing/2014/main" id="{BD2DCCC6-87AC-828C-1922-475B4458EAF8}"/>
+              </a:ext>
+            </a:extLst>
+          </p:cNvPr>
+          <p:cNvPicPr>
+            <a:picLocks noChangeAspect="1"/>
+          </p:cNvPicPr>
+          <p:nvPr/>
+        </p:nvPicPr>
+        <p:blipFill>
+          <a:blip r:embed="rId8">
+            <a:extLst>
+              <a:ext uri="{28A0092B-C50C-407E-A947-70E740481C1C}">
+                <a14:useLocalDpi xmlns:a14="http://schemas.microsoft.com/office/drawing/2010/main" val="0"/>
+              </a:ext>
+            </a:extLst>
+          </a:blip>
+          <a:stretch>
+            <a:fillRect/>
+          </a:stretch>
+        </p:blipFill>
+        <p:spPr>
+          <a:xfrm>
+            <a:off x="16341036" y="8058429"/>
+            <a:ext cx="1942857" cy="2228571"/>
+          </a:xfrm>
+          <a:prstGeom prst="rect">
+            <a:avLst/>
+          </a:prstGeom>
+        </p:spPr>
+      </p:pic>
+    </p:spTree>
+    <p:extLst>
+      <p:ext uri="{BB962C8B-B14F-4D97-AF65-F5344CB8AC3E}">
+        <p14:creationId xmlns:p14="http://schemas.microsoft.com/office/powerpoint/2010/main" val="1691826289"/>
+      </p:ext>
+    </p:extLst>
+  </p:cSld>
+  <p:clrMapOvr>
+    <a:masterClrMapping/>
+  </p:clrMapOvr>
+</p:sld>
+</file>
+
+<file path=ppt/slides/slide14.xml><?xml version="1.0" encoding="utf-8"?>
+<p:sld xmlns:a="http://schemas.openxmlformats.org/drawingml/2006/main" xmlns:r="http://schemas.openxmlformats.org/officeDocument/2006/relationships" xmlns:p="http://schemas.openxmlformats.org/presentationml/2006/main">
+  <p:cSld>
+    <p:spTree>
+      <p:nvGrpSpPr>
+        <p:cNvPr id="1" name="">
+          <a:extLst>
+            <a:ext uri="{FF2B5EF4-FFF2-40B4-BE49-F238E27FC236}">
               <a16:creationId xmlns:a16="http://schemas.microsoft.com/office/drawing/2014/main" id="{9C2D1794-A89B-13E7-C584-62963DC48543}"/>
             </a:ext>
           </a:extLst>
@@ -5293,7 +5567,7 @@
 </p:sld>
 </file>
 
-<file path=ppt/slides/slide14.xml><?xml version="1.0" encoding="utf-8"?>
+<file path=ppt/slides/slide15.xml><?xml version="1.0" encoding="utf-8"?>
 <p:sld xmlns:a="http://schemas.openxmlformats.org/drawingml/2006/main" xmlns:r="http://schemas.openxmlformats.org/officeDocument/2006/relationships" xmlns:p="http://schemas.openxmlformats.org/presentationml/2006/main">
   <p:cSld>
     <p:spTree>
@@ -5423,7 +5697,7 @@
 </p:sld>
 </file>
 
-<file path=ppt/slides/slide15.xml><?xml version="1.0" encoding="utf-8"?>
+<file path=ppt/slides/slide16.xml><?xml version="1.0" encoding="utf-8"?>
 <p:sld xmlns:a="http://schemas.openxmlformats.org/drawingml/2006/main" xmlns:r="http://schemas.openxmlformats.org/officeDocument/2006/relationships" xmlns:p="http://schemas.openxmlformats.org/presentationml/2006/main">
   <p:cSld>
     <p:spTree>
@@ -5850,8 +6124,8 @@
 </p:sld>
 </file>
 
-<file path=ppt/slides/slide16.xml><?xml version="1.0" encoding="utf-8"?>
-<p:sld xmlns:a="http://schemas.openxmlformats.org/drawingml/2006/main" xmlns:r="http://schemas.openxmlformats.org/officeDocument/2006/relationships" xmlns:p="http://schemas.openxmlformats.org/presentationml/2006/main">
+<file path=ppt/slides/slide17.xml><?xml version="1.0" encoding="utf-8"?>
+<p:sld xmlns:a="http://schemas.openxmlformats.org/drawingml/2006/main" xmlns:r="http://schemas.openxmlformats.org/officeDocument/2006/relationships" xmlns:p="http://schemas.openxmlformats.org/presentationml/2006/main" show="0">
   <p:cSld>
     <p:spTree>
       <p:nvGrpSpPr>
@@ -5980,8 +6254,8 @@
 </p:sld>
 </file>
 
-<file path=ppt/slides/slide17.xml><?xml version="1.0" encoding="utf-8"?>
-<p:sld xmlns:a="http://schemas.openxmlformats.org/drawingml/2006/main" xmlns:r="http://schemas.openxmlformats.org/officeDocument/2006/relationships" xmlns:p="http://schemas.openxmlformats.org/presentationml/2006/main">
+<file path=ppt/slides/slide18.xml><?xml version="1.0" encoding="utf-8"?>
+<p:sld xmlns:a="http://schemas.openxmlformats.org/drawingml/2006/main" xmlns:r="http://schemas.openxmlformats.org/officeDocument/2006/relationships" xmlns:p="http://schemas.openxmlformats.org/presentationml/2006/main" show="0">
   <p:cSld>
     <p:spTree>
       <p:nvGrpSpPr>
@@ -6154,8 +6428,8 @@
 </p:sld>
 </file>
 
-<file path=ppt/slides/slide18.xml><?xml version="1.0" encoding="utf-8"?>
-<p:sld xmlns:a="http://schemas.openxmlformats.org/drawingml/2006/main" xmlns:r="http://schemas.openxmlformats.org/officeDocument/2006/relationships" xmlns:p="http://schemas.openxmlformats.org/presentationml/2006/main">
+<file path=ppt/slides/slide19.xml><?xml version="1.0" encoding="utf-8"?>
+<p:sld xmlns:a="http://schemas.openxmlformats.org/drawingml/2006/main" xmlns:r="http://schemas.openxmlformats.org/officeDocument/2006/relationships" xmlns:p="http://schemas.openxmlformats.org/presentationml/2006/main" show="0">
   <p:cSld>
     <p:spTree>
       <p:nvGrpSpPr>
@@ -6399,198 +6673,6 @@
     <p:extLst>
       <p:ext uri="{BB962C8B-B14F-4D97-AF65-F5344CB8AC3E}">
         <p14:creationId xmlns:p14="http://schemas.microsoft.com/office/powerpoint/2010/main" val="3930223754"/>
-      </p:ext>
-    </p:extLst>
-  </p:cSld>
-  <p:clrMapOvr>
-    <a:masterClrMapping/>
-  </p:clrMapOvr>
-</p:sld>
-</file>
-
-<file path=ppt/slides/slide19.xml><?xml version="1.0" encoding="utf-8"?>
-<p:sld xmlns:a="http://schemas.openxmlformats.org/drawingml/2006/main" xmlns:r="http://schemas.openxmlformats.org/officeDocument/2006/relationships" xmlns:p="http://schemas.openxmlformats.org/presentationml/2006/main">
-  <p:cSld>
-    <p:spTree>
-      <p:nvGrpSpPr>
-        <p:cNvPr id="1" name="">
-          <a:extLst>
-            <a:ext uri="{FF2B5EF4-FFF2-40B4-BE49-F238E27FC236}">
-              <a16:creationId xmlns:a16="http://schemas.microsoft.com/office/drawing/2014/main" id="{73629F3B-66F6-2DFF-0DD2-E675D301B9E2}"/>
-            </a:ext>
-          </a:extLst>
-        </p:cNvPr>
-        <p:cNvGrpSpPr/>
-        <p:nvPr/>
-      </p:nvGrpSpPr>
-      <p:grpSpPr>
-        <a:xfrm>
-          <a:off x="0" y="0"/>
-          <a:ext cx="0" cy="0"/>
-          <a:chOff x="0" y="0"/>
-          <a:chExt cx="0" cy="0"/>
-        </a:xfrm>
-      </p:grpSpPr>
-      <p:sp>
-        <p:nvSpPr>
-          <p:cNvPr id="11" name="TextBox 10">
-            <a:extLst>
-              <a:ext uri="{FF2B5EF4-FFF2-40B4-BE49-F238E27FC236}">
-                <a16:creationId xmlns:a16="http://schemas.microsoft.com/office/drawing/2014/main" id="{7191E071-9895-6FB6-F22E-1F074E411B2E}"/>
-              </a:ext>
-            </a:extLst>
-          </p:cNvPr>
-          <p:cNvSpPr txBox="1"/>
-          <p:nvPr/>
-        </p:nvSpPr>
-        <p:spPr>
-          <a:xfrm>
-            <a:off x="520861" y="170082"/>
-            <a:ext cx="14947739" cy="1323439"/>
-          </a:xfrm>
-          <a:prstGeom prst="rect">
-            <a:avLst/>
-          </a:prstGeom>
-          <a:noFill/>
-        </p:spPr>
-        <p:txBody>
-          <a:bodyPr wrap="square" rtlCol="0">
-            <a:spAutoFit/>
-          </a:bodyPr>
-          <a:lstStyle/>
-          <a:p>
-            <a:r>
-              <a:rPr lang="en-US" sz="8000" dirty="0">
-                <a:latin typeface="Aliens &amp; cows" panose="00000500000000000000" pitchFamily="2" charset="0"/>
-              </a:rPr>
-              <a:t>Attendee freebie</a:t>
-            </a:r>
-          </a:p>
-        </p:txBody>
-      </p:sp>
-      <p:sp>
-        <p:nvSpPr>
-          <p:cNvPr id="3" name="TextBox 2">
-            <a:extLst>
-              <a:ext uri="{FF2B5EF4-FFF2-40B4-BE49-F238E27FC236}">
-                <a16:creationId xmlns:a16="http://schemas.microsoft.com/office/drawing/2014/main" id="{3B7C3EBD-E30E-61DE-35DB-807E49DBD32A}"/>
-              </a:ext>
-            </a:extLst>
-          </p:cNvPr>
-          <p:cNvSpPr txBox="1"/>
-          <p:nvPr/>
-        </p:nvSpPr>
-        <p:spPr>
-          <a:xfrm>
-            <a:off x="520861" y="3191948"/>
-            <a:ext cx="14393120" cy="4708981"/>
-          </a:xfrm>
-          <a:prstGeom prst="rect">
-            <a:avLst/>
-          </a:prstGeom>
-          <a:noFill/>
-        </p:spPr>
-        <p:txBody>
-          <a:bodyPr wrap="square" rtlCol="0">
-            <a:spAutoFit/>
-          </a:bodyPr>
-          <a:lstStyle/>
-          <a:p>
-            <a:pPr marL="685800" indent="-685800">
-              <a:buClr>
-                <a:srgbClr val="CF3338"/>
-              </a:buClr>
-              <a:buFont typeface="Arial" panose="020B0604020202020204" pitchFamily="34" charset="0"/>
-              <a:buChar char="•"/>
-            </a:pPr>
-            <a:r>
-              <a:rPr lang="en-US" sz="6000" dirty="0">
-                <a:solidFill>
-                  <a:srgbClr val="707070"/>
-                </a:solidFill>
-                <a:latin typeface="Pragmatica" panose="020B0403040502020204" pitchFamily="34" charset="0"/>
-              </a:rPr>
-              <a:t>Modern Excel Starter Kit PDF</a:t>
-            </a:r>
-          </a:p>
-          <a:p>
-            <a:pPr marL="1143000" lvl="1" indent="-685800">
-              <a:buClr>
-                <a:srgbClr val="CF3338"/>
-              </a:buClr>
-              <a:buFont typeface="Arial" panose="020B0604020202020204" pitchFamily="34" charset="0"/>
-              <a:buChar char="•"/>
-            </a:pPr>
-            <a:r>
-              <a:rPr lang="en-US" sz="6000" dirty="0">
-                <a:solidFill>
-                  <a:srgbClr val="707070"/>
-                </a:solidFill>
-                <a:latin typeface="Pragmatica" panose="020B0403040502020204" pitchFamily="34" charset="0"/>
-              </a:rPr>
-              <a:t>Introduction, learning strategies, additional resources to master Modern Excel</a:t>
-            </a:r>
-          </a:p>
-          <a:p>
-            <a:pPr marL="1143000" lvl="1" indent="-685800">
-              <a:buClr>
-                <a:srgbClr val="CF3338"/>
-              </a:buClr>
-              <a:buFont typeface="Arial" panose="020B0604020202020204" pitchFamily="34" charset="0"/>
-              <a:buChar char="•"/>
-            </a:pPr>
-            <a:r>
-              <a:rPr lang="en-US" sz="6000" dirty="0">
-                <a:solidFill>
-                  <a:srgbClr val="707070"/>
-                </a:solidFill>
-                <a:latin typeface="Pragmatica" panose="020B0403040502020204" pitchFamily="34" charset="0"/>
-              </a:rPr>
-              <a:t>Available in the event downloads folder</a:t>
-            </a:r>
-          </a:p>
-        </p:txBody>
-      </p:sp>
-      <p:pic>
-        <p:nvPicPr>
-          <p:cNvPr id="15" name="Picture 14" descr="A close up of a sign&#10;&#10;Description automatically generated">
-            <a:extLst>
-              <a:ext uri="{FF2B5EF4-FFF2-40B4-BE49-F238E27FC236}">
-                <a16:creationId xmlns:a16="http://schemas.microsoft.com/office/drawing/2014/main" id="{13B07C37-CB06-81A2-E8A5-6FB14518C801}"/>
-              </a:ext>
-            </a:extLst>
-          </p:cNvPr>
-          <p:cNvPicPr>
-            <a:picLocks noChangeAspect="1"/>
-          </p:cNvPicPr>
-          <p:nvPr/>
-        </p:nvPicPr>
-        <p:blipFill>
-          <a:blip r:embed="rId2">
-            <a:extLst>
-              <a:ext uri="{28A0092B-C50C-407E-A947-70E740481C1C}">
-                <a14:useLocalDpi xmlns:a14="http://schemas.microsoft.com/office/drawing/2010/main" val="0"/>
-              </a:ext>
-            </a:extLst>
-          </a:blip>
-          <a:stretch>
-            <a:fillRect/>
-          </a:stretch>
-        </p:blipFill>
-        <p:spPr>
-          <a:xfrm>
-            <a:off x="16341036" y="8058429"/>
-            <a:ext cx="1942857" cy="2228571"/>
-          </a:xfrm>
-          <a:prstGeom prst="rect">
-            <a:avLst/>
-          </a:prstGeom>
-        </p:spPr>
-      </p:pic>
-    </p:spTree>
-    <p:extLst>
-      <p:ext uri="{BB962C8B-B14F-4D97-AF65-F5344CB8AC3E}">
-        <p14:creationId xmlns:p14="http://schemas.microsoft.com/office/powerpoint/2010/main" val="3018689313"/>
       </p:ext>
     </p:extLst>
   </p:cSld>
@@ -6989,6 +7071,198 @@
         <p:cNvPr id="1" name="">
           <a:extLst>
             <a:ext uri="{FF2B5EF4-FFF2-40B4-BE49-F238E27FC236}">
+              <a16:creationId xmlns:a16="http://schemas.microsoft.com/office/drawing/2014/main" id="{73629F3B-66F6-2DFF-0DD2-E675D301B9E2}"/>
+            </a:ext>
+          </a:extLst>
+        </p:cNvPr>
+        <p:cNvGrpSpPr/>
+        <p:nvPr/>
+      </p:nvGrpSpPr>
+      <p:grpSpPr>
+        <a:xfrm>
+          <a:off x="0" y="0"/>
+          <a:ext cx="0" cy="0"/>
+          <a:chOff x="0" y="0"/>
+          <a:chExt cx="0" cy="0"/>
+        </a:xfrm>
+      </p:grpSpPr>
+      <p:sp>
+        <p:nvSpPr>
+          <p:cNvPr id="11" name="TextBox 10">
+            <a:extLst>
+              <a:ext uri="{FF2B5EF4-FFF2-40B4-BE49-F238E27FC236}">
+                <a16:creationId xmlns:a16="http://schemas.microsoft.com/office/drawing/2014/main" id="{7191E071-9895-6FB6-F22E-1F074E411B2E}"/>
+              </a:ext>
+            </a:extLst>
+          </p:cNvPr>
+          <p:cNvSpPr txBox="1"/>
+          <p:nvPr/>
+        </p:nvSpPr>
+        <p:spPr>
+          <a:xfrm>
+            <a:off x="520861" y="170082"/>
+            <a:ext cx="14947739" cy="1323439"/>
+          </a:xfrm>
+          <a:prstGeom prst="rect">
+            <a:avLst/>
+          </a:prstGeom>
+          <a:noFill/>
+        </p:spPr>
+        <p:txBody>
+          <a:bodyPr wrap="square" rtlCol="0">
+            <a:spAutoFit/>
+          </a:bodyPr>
+          <a:lstStyle/>
+          <a:p>
+            <a:r>
+              <a:rPr lang="en-US" sz="8000" dirty="0">
+                <a:latin typeface="Aliens &amp; cows" panose="00000500000000000000" pitchFamily="2" charset="0"/>
+              </a:rPr>
+              <a:t>Attendee freebie</a:t>
+            </a:r>
+          </a:p>
+        </p:txBody>
+      </p:sp>
+      <p:sp>
+        <p:nvSpPr>
+          <p:cNvPr id="3" name="TextBox 2">
+            <a:extLst>
+              <a:ext uri="{FF2B5EF4-FFF2-40B4-BE49-F238E27FC236}">
+                <a16:creationId xmlns:a16="http://schemas.microsoft.com/office/drawing/2014/main" id="{3B7C3EBD-E30E-61DE-35DB-807E49DBD32A}"/>
+              </a:ext>
+            </a:extLst>
+          </p:cNvPr>
+          <p:cNvSpPr txBox="1"/>
+          <p:nvPr/>
+        </p:nvSpPr>
+        <p:spPr>
+          <a:xfrm>
+            <a:off x="520861" y="3191948"/>
+            <a:ext cx="14393120" cy="4708981"/>
+          </a:xfrm>
+          <a:prstGeom prst="rect">
+            <a:avLst/>
+          </a:prstGeom>
+          <a:noFill/>
+        </p:spPr>
+        <p:txBody>
+          <a:bodyPr wrap="square" rtlCol="0">
+            <a:spAutoFit/>
+          </a:bodyPr>
+          <a:lstStyle/>
+          <a:p>
+            <a:pPr marL="685800" indent="-685800">
+              <a:buClr>
+                <a:srgbClr val="CF3338"/>
+              </a:buClr>
+              <a:buFont typeface="Arial" panose="020B0604020202020204" pitchFamily="34" charset="0"/>
+              <a:buChar char="•"/>
+            </a:pPr>
+            <a:r>
+              <a:rPr lang="en-US" sz="6000" dirty="0">
+                <a:solidFill>
+                  <a:srgbClr val="707070"/>
+                </a:solidFill>
+                <a:latin typeface="Pragmatica" panose="020B0403040502020204" pitchFamily="34" charset="0"/>
+              </a:rPr>
+              <a:t>Modern Excel Starter Kit PDF</a:t>
+            </a:r>
+          </a:p>
+          <a:p>
+            <a:pPr marL="1143000" lvl="1" indent="-685800">
+              <a:buClr>
+                <a:srgbClr val="CF3338"/>
+              </a:buClr>
+              <a:buFont typeface="Arial" panose="020B0604020202020204" pitchFamily="34" charset="0"/>
+              <a:buChar char="•"/>
+            </a:pPr>
+            <a:r>
+              <a:rPr lang="en-US" sz="6000" dirty="0">
+                <a:solidFill>
+                  <a:srgbClr val="707070"/>
+                </a:solidFill>
+                <a:latin typeface="Pragmatica" panose="020B0403040502020204" pitchFamily="34" charset="0"/>
+              </a:rPr>
+              <a:t>Introduction, learning strategies, additional resources to master Modern Excel</a:t>
+            </a:r>
+          </a:p>
+          <a:p>
+            <a:pPr marL="1143000" lvl="1" indent="-685800">
+              <a:buClr>
+                <a:srgbClr val="CF3338"/>
+              </a:buClr>
+              <a:buFont typeface="Arial" panose="020B0604020202020204" pitchFamily="34" charset="0"/>
+              <a:buChar char="•"/>
+            </a:pPr>
+            <a:r>
+              <a:rPr lang="en-US" sz="6000" dirty="0">
+                <a:solidFill>
+                  <a:srgbClr val="707070"/>
+                </a:solidFill>
+                <a:latin typeface="Pragmatica" panose="020B0403040502020204" pitchFamily="34" charset="0"/>
+              </a:rPr>
+              <a:t>Available in the event downloads folder</a:t>
+            </a:r>
+          </a:p>
+        </p:txBody>
+      </p:sp>
+      <p:pic>
+        <p:nvPicPr>
+          <p:cNvPr id="15" name="Picture 14" descr="A close up of a sign&#10;&#10;Description automatically generated">
+            <a:extLst>
+              <a:ext uri="{FF2B5EF4-FFF2-40B4-BE49-F238E27FC236}">
+                <a16:creationId xmlns:a16="http://schemas.microsoft.com/office/drawing/2014/main" id="{13B07C37-CB06-81A2-E8A5-6FB14518C801}"/>
+              </a:ext>
+            </a:extLst>
+          </p:cNvPr>
+          <p:cNvPicPr>
+            <a:picLocks noChangeAspect="1"/>
+          </p:cNvPicPr>
+          <p:nvPr/>
+        </p:nvPicPr>
+        <p:blipFill>
+          <a:blip r:embed="rId2">
+            <a:extLst>
+              <a:ext uri="{28A0092B-C50C-407E-A947-70E740481C1C}">
+                <a14:useLocalDpi xmlns:a14="http://schemas.microsoft.com/office/drawing/2010/main" val="0"/>
+              </a:ext>
+            </a:extLst>
+          </a:blip>
+          <a:stretch>
+            <a:fillRect/>
+          </a:stretch>
+        </p:blipFill>
+        <p:spPr>
+          <a:xfrm>
+            <a:off x="16341036" y="8058429"/>
+            <a:ext cx="1942857" cy="2228571"/>
+          </a:xfrm>
+          <a:prstGeom prst="rect">
+            <a:avLst/>
+          </a:prstGeom>
+        </p:spPr>
+      </p:pic>
+    </p:spTree>
+    <p:extLst>
+      <p:ext uri="{BB962C8B-B14F-4D97-AF65-F5344CB8AC3E}">
+        <p14:creationId xmlns:p14="http://schemas.microsoft.com/office/powerpoint/2010/main" val="3018689313"/>
+      </p:ext>
+    </p:extLst>
+  </p:cSld>
+  <p:clrMapOvr>
+    <a:masterClrMapping/>
+  </p:clrMapOvr>
+</p:sld>
+</file>
+
+<file path=ppt/slides/slide21.xml><?xml version="1.0" encoding="utf-8"?>
+<p:sld xmlns:a="http://schemas.openxmlformats.org/drawingml/2006/main" xmlns:r="http://schemas.openxmlformats.org/officeDocument/2006/relationships" xmlns:p="http://schemas.openxmlformats.org/presentationml/2006/main">
+  <p:cSld>
+    <p:spTree>
+      <p:nvGrpSpPr>
+        <p:cNvPr id="1" name="">
+          <a:extLst>
+            <a:ext uri="{FF2B5EF4-FFF2-40B4-BE49-F238E27FC236}">
               <a16:creationId xmlns:a16="http://schemas.microsoft.com/office/drawing/2014/main" id="{DA8CB409-CE91-9113-CF5B-9EF56BE94356}"/>
             </a:ext>
           </a:extLst>
@@ -7198,7 +7472,7 @@
 </p:sld>
 </file>
 
-<file path=ppt/slides/slide21.xml><?xml version="1.0" encoding="utf-8"?>
+<file path=ppt/slides/slide22.xml><?xml version="1.0" encoding="utf-8"?>
 <p:sld xmlns:a="http://schemas.openxmlformats.org/drawingml/2006/main" xmlns:r="http://schemas.openxmlformats.org/officeDocument/2006/relationships" xmlns:p="http://schemas.openxmlformats.org/presentationml/2006/main">
   <p:cSld>
     <p:spTree>
@@ -7326,7 +7600,7 @@
 </p:sld>
 </file>
 
-<file path=ppt/slides/slide22.xml><?xml version="1.0" encoding="utf-8"?>
+<file path=ppt/slides/slide23.xml><?xml version="1.0" encoding="utf-8"?>
 <p:sld xmlns:a="http://schemas.openxmlformats.org/drawingml/2006/main" xmlns:r="http://schemas.openxmlformats.org/officeDocument/2006/relationships" xmlns:p="http://schemas.openxmlformats.org/presentationml/2006/main">
   <p:cSld>
     <p:spTree>

--- a/modern-excel-demo-day.pptx
+++ b/modern-excel-demo-day.pptx
@@ -5,7 +5,7 @@
     <p:sldMasterId id="2147483648" r:id="rId1"/>
   </p:sldMasterIdLst>
   <p:notesMasterIdLst>
-    <p:notesMasterId r:id="rId25"/>
+    <p:notesMasterId r:id="rId19"/>
   </p:notesMasterIdLst>
   <p:sldIdLst>
     <p:sldId id="256" r:id="rId2"/>
@@ -17,20 +17,14 @@
     <p:sldId id="438" r:id="rId8"/>
     <p:sldId id="439" r:id="rId9"/>
     <p:sldId id="427" r:id="rId10"/>
-    <p:sldId id="441" r:id="rId11"/>
-    <p:sldId id="442" r:id="rId12"/>
-    <p:sldId id="454" r:id="rId13"/>
-    <p:sldId id="455" r:id="rId14"/>
-    <p:sldId id="443" r:id="rId15"/>
-    <p:sldId id="444" r:id="rId16"/>
-    <p:sldId id="445" r:id="rId17"/>
-    <p:sldId id="448" r:id="rId18"/>
-    <p:sldId id="449" r:id="rId19"/>
-    <p:sldId id="450" r:id="rId20"/>
-    <p:sldId id="451" r:id="rId21"/>
-    <p:sldId id="452" r:id="rId22"/>
-    <p:sldId id="453" r:id="rId23"/>
-    <p:sldId id="415" r:id="rId24"/>
+    <p:sldId id="257" r:id="rId11"/>
+    <p:sldId id="455" r:id="rId12"/>
+    <p:sldId id="441" r:id="rId13"/>
+    <p:sldId id="454" r:id="rId14"/>
+    <p:sldId id="456" r:id="rId15"/>
+    <p:sldId id="452" r:id="rId16"/>
+    <p:sldId id="453" r:id="rId17"/>
+    <p:sldId id="415" r:id="rId18"/>
   </p:sldIdLst>
   <p:sldSz cx="18288000" cy="10287000"/>
   <p:notesSz cx="6858000" cy="9144000"/>
@@ -166,6 +160,3276 @@
 </p:cmAuthorLst>
 </file>
 
+<file path=ppt/diagrams/colors1.xml><?xml version="1.0" encoding="utf-8"?>
+<dgm:colorsDef xmlns:dgm="http://schemas.openxmlformats.org/drawingml/2006/diagram" xmlns:a="http://schemas.openxmlformats.org/drawingml/2006/main" uniqueId="urn:microsoft.com/office/officeart/2005/8/colors/accent1_2">
+  <dgm:title val=""/>
+  <dgm:desc val=""/>
+  <dgm:catLst>
+    <dgm:cat type="accent1" pri="11200"/>
+  </dgm:catLst>
+  <dgm:styleLbl name="node0">
+    <dgm:fillClrLst meth="repeat">
+      <a:schemeClr val="accent1"/>
+    </dgm:fillClrLst>
+    <dgm:linClrLst meth="repeat">
+      <a:schemeClr val="lt1"/>
+    </dgm:linClrLst>
+    <dgm:effectClrLst/>
+    <dgm:txLinClrLst/>
+    <dgm:txFillClrLst/>
+    <dgm:txEffectClrLst/>
+  </dgm:styleLbl>
+  <dgm:styleLbl name="alignNode1">
+    <dgm:fillClrLst meth="repeat">
+      <a:schemeClr val="accent1"/>
+    </dgm:fillClrLst>
+    <dgm:linClrLst meth="repeat">
+      <a:schemeClr val="accent1"/>
+    </dgm:linClrLst>
+    <dgm:effectClrLst/>
+    <dgm:txLinClrLst/>
+    <dgm:txFillClrLst/>
+    <dgm:txEffectClrLst/>
+  </dgm:styleLbl>
+  <dgm:styleLbl name="node1">
+    <dgm:fillClrLst meth="repeat">
+      <a:schemeClr val="accent1"/>
+    </dgm:fillClrLst>
+    <dgm:linClrLst meth="repeat">
+      <a:schemeClr val="lt1"/>
+    </dgm:linClrLst>
+    <dgm:effectClrLst/>
+    <dgm:txLinClrLst/>
+    <dgm:txFillClrLst/>
+    <dgm:txEffectClrLst/>
+  </dgm:styleLbl>
+  <dgm:styleLbl name="lnNode1">
+    <dgm:fillClrLst meth="repeat">
+      <a:schemeClr val="accent1"/>
+    </dgm:fillClrLst>
+    <dgm:linClrLst meth="repeat">
+      <a:schemeClr val="lt1"/>
+    </dgm:linClrLst>
+    <dgm:effectClrLst/>
+    <dgm:txLinClrLst/>
+    <dgm:txFillClrLst/>
+    <dgm:txEffectClrLst/>
+  </dgm:styleLbl>
+  <dgm:styleLbl name="vennNode1">
+    <dgm:fillClrLst meth="repeat">
+      <a:schemeClr val="accent1">
+        <a:alpha val="50000"/>
+      </a:schemeClr>
+    </dgm:fillClrLst>
+    <dgm:linClrLst meth="repeat">
+      <a:schemeClr val="lt1"/>
+    </dgm:linClrLst>
+    <dgm:effectClrLst/>
+    <dgm:txLinClrLst/>
+    <dgm:txFillClrLst/>
+    <dgm:txEffectClrLst/>
+  </dgm:styleLbl>
+  <dgm:styleLbl name="node2">
+    <dgm:fillClrLst meth="repeat">
+      <a:schemeClr val="accent1"/>
+    </dgm:fillClrLst>
+    <dgm:linClrLst meth="repeat">
+      <a:schemeClr val="lt1"/>
+    </dgm:linClrLst>
+    <dgm:effectClrLst/>
+    <dgm:txLinClrLst/>
+    <dgm:txFillClrLst/>
+    <dgm:txEffectClrLst/>
+  </dgm:styleLbl>
+  <dgm:styleLbl name="node3">
+    <dgm:fillClrLst meth="repeat">
+      <a:schemeClr val="accent1"/>
+    </dgm:fillClrLst>
+    <dgm:linClrLst meth="repeat">
+      <a:schemeClr val="lt1"/>
+    </dgm:linClrLst>
+    <dgm:effectClrLst/>
+    <dgm:txLinClrLst/>
+    <dgm:txFillClrLst/>
+    <dgm:txEffectClrLst/>
+  </dgm:styleLbl>
+  <dgm:styleLbl name="node4">
+    <dgm:fillClrLst meth="repeat">
+      <a:schemeClr val="accent1"/>
+    </dgm:fillClrLst>
+    <dgm:linClrLst meth="repeat">
+      <a:schemeClr val="lt1"/>
+    </dgm:linClrLst>
+    <dgm:effectClrLst/>
+    <dgm:txLinClrLst/>
+    <dgm:txFillClrLst/>
+    <dgm:txEffectClrLst/>
+  </dgm:styleLbl>
+  <dgm:styleLbl name="fgImgPlace1">
+    <dgm:fillClrLst meth="repeat">
+      <a:schemeClr val="accent1">
+        <a:tint val="50000"/>
+      </a:schemeClr>
+    </dgm:fillClrLst>
+    <dgm:linClrLst meth="repeat">
+      <a:schemeClr val="lt1"/>
+    </dgm:linClrLst>
+    <dgm:effectClrLst/>
+    <dgm:txLinClrLst/>
+    <dgm:txFillClrLst meth="repeat">
+      <a:schemeClr val="lt1"/>
+    </dgm:txFillClrLst>
+    <dgm:txEffectClrLst/>
+  </dgm:styleLbl>
+  <dgm:styleLbl name="alignImgPlace1">
+    <dgm:fillClrLst meth="repeat">
+      <a:schemeClr val="accent1">
+        <a:tint val="50000"/>
+      </a:schemeClr>
+    </dgm:fillClrLst>
+    <dgm:linClrLst meth="repeat">
+      <a:schemeClr val="lt1"/>
+    </dgm:linClrLst>
+    <dgm:effectClrLst/>
+    <dgm:txLinClrLst/>
+    <dgm:txFillClrLst meth="repeat">
+      <a:schemeClr val="lt1"/>
+    </dgm:txFillClrLst>
+    <dgm:txEffectClrLst/>
+  </dgm:styleLbl>
+  <dgm:styleLbl name="bgImgPlace1">
+    <dgm:fillClrLst meth="repeat">
+      <a:schemeClr val="accent1">
+        <a:tint val="50000"/>
+      </a:schemeClr>
+    </dgm:fillClrLst>
+    <dgm:linClrLst meth="repeat">
+      <a:schemeClr val="lt1"/>
+    </dgm:linClrLst>
+    <dgm:effectClrLst/>
+    <dgm:txLinClrLst/>
+    <dgm:txFillClrLst meth="repeat">
+      <a:schemeClr val="lt1"/>
+    </dgm:txFillClrLst>
+    <dgm:txEffectClrLst/>
+  </dgm:styleLbl>
+  <dgm:styleLbl name="sibTrans2D1">
+    <dgm:fillClrLst meth="repeat">
+      <a:schemeClr val="accent1">
+        <a:tint val="60000"/>
+      </a:schemeClr>
+    </dgm:fillClrLst>
+    <dgm:linClrLst meth="repeat">
+      <a:schemeClr val="accent1">
+        <a:tint val="60000"/>
+      </a:schemeClr>
+    </dgm:linClrLst>
+    <dgm:effectClrLst/>
+    <dgm:txLinClrLst/>
+    <dgm:txFillClrLst/>
+    <dgm:txEffectClrLst/>
+  </dgm:styleLbl>
+  <dgm:styleLbl name="fgSibTrans2D1">
+    <dgm:fillClrLst meth="repeat">
+      <a:schemeClr val="accent1">
+        <a:tint val="60000"/>
+      </a:schemeClr>
+    </dgm:fillClrLst>
+    <dgm:linClrLst meth="repeat">
+      <a:schemeClr val="accent1">
+        <a:tint val="60000"/>
+      </a:schemeClr>
+    </dgm:linClrLst>
+    <dgm:effectClrLst/>
+    <dgm:txLinClrLst/>
+    <dgm:txFillClrLst/>
+    <dgm:txEffectClrLst/>
+  </dgm:styleLbl>
+  <dgm:styleLbl name="bgSibTrans2D1">
+    <dgm:fillClrLst meth="repeat">
+      <a:schemeClr val="accent1">
+        <a:tint val="60000"/>
+      </a:schemeClr>
+    </dgm:fillClrLst>
+    <dgm:linClrLst meth="repeat">
+      <a:schemeClr val="accent1">
+        <a:tint val="60000"/>
+      </a:schemeClr>
+    </dgm:linClrLst>
+    <dgm:effectClrLst/>
+    <dgm:txLinClrLst/>
+    <dgm:txFillClrLst/>
+    <dgm:txEffectClrLst/>
+  </dgm:styleLbl>
+  <dgm:styleLbl name="sibTrans1D1">
+    <dgm:fillClrLst meth="repeat">
+      <a:schemeClr val="accent1"/>
+    </dgm:fillClrLst>
+    <dgm:linClrLst meth="repeat">
+      <a:schemeClr val="accent1"/>
+    </dgm:linClrLst>
+    <dgm:effectClrLst/>
+    <dgm:txLinClrLst/>
+    <dgm:txFillClrLst meth="repeat">
+      <a:schemeClr val="tx1"/>
+    </dgm:txFillClrLst>
+    <dgm:txEffectClrLst/>
+  </dgm:styleLbl>
+  <dgm:styleLbl name="callout">
+    <dgm:fillClrLst meth="repeat">
+      <a:schemeClr val="accent1"/>
+    </dgm:fillClrLst>
+    <dgm:linClrLst meth="repeat">
+      <a:schemeClr val="accent1">
+        <a:tint val="50000"/>
+      </a:schemeClr>
+    </dgm:linClrLst>
+    <dgm:effectClrLst/>
+    <dgm:txLinClrLst/>
+    <dgm:txFillClrLst meth="repeat">
+      <a:schemeClr val="tx1"/>
+    </dgm:txFillClrLst>
+    <dgm:txEffectClrLst/>
+  </dgm:styleLbl>
+  <dgm:styleLbl name="asst0">
+    <dgm:fillClrLst meth="repeat">
+      <a:schemeClr val="accent1"/>
+    </dgm:fillClrLst>
+    <dgm:linClrLst meth="repeat">
+      <a:schemeClr val="lt1"/>
+    </dgm:linClrLst>
+    <dgm:effectClrLst/>
+    <dgm:txLinClrLst/>
+    <dgm:txFillClrLst/>
+    <dgm:txEffectClrLst/>
+  </dgm:styleLbl>
+  <dgm:styleLbl name="asst1">
+    <dgm:fillClrLst meth="repeat">
+      <a:schemeClr val="accent1"/>
+    </dgm:fillClrLst>
+    <dgm:linClrLst meth="repeat">
+      <a:schemeClr val="lt1"/>
+    </dgm:linClrLst>
+    <dgm:effectClrLst/>
+    <dgm:txLinClrLst/>
+    <dgm:txFillClrLst/>
+    <dgm:txEffectClrLst/>
+  </dgm:styleLbl>
+  <dgm:styleLbl name="asst2">
+    <dgm:fillClrLst meth="repeat">
+      <a:schemeClr val="accent1"/>
+    </dgm:fillClrLst>
+    <dgm:linClrLst meth="repeat">
+      <a:schemeClr val="lt1"/>
+    </dgm:linClrLst>
+    <dgm:effectClrLst/>
+    <dgm:txLinClrLst/>
+    <dgm:txFillClrLst/>
+    <dgm:txEffectClrLst/>
+  </dgm:styleLbl>
+  <dgm:styleLbl name="asst3">
+    <dgm:fillClrLst meth="repeat">
+      <a:schemeClr val="accent1"/>
+    </dgm:fillClrLst>
+    <dgm:linClrLst meth="repeat">
+      <a:schemeClr val="lt1"/>
+    </dgm:linClrLst>
+    <dgm:effectClrLst/>
+    <dgm:txLinClrLst/>
+    <dgm:txFillClrLst/>
+    <dgm:txEffectClrLst/>
+  </dgm:styleLbl>
+  <dgm:styleLbl name="asst4">
+    <dgm:fillClrLst meth="repeat">
+      <a:schemeClr val="accent1"/>
+    </dgm:fillClrLst>
+    <dgm:linClrLst meth="repeat">
+      <a:schemeClr val="lt1"/>
+    </dgm:linClrLst>
+    <dgm:effectClrLst/>
+    <dgm:txLinClrLst/>
+    <dgm:txFillClrLst/>
+    <dgm:txEffectClrLst/>
+  </dgm:styleLbl>
+  <dgm:styleLbl name="parChTrans2D1">
+    <dgm:fillClrLst meth="repeat">
+      <a:schemeClr val="accent1">
+        <a:tint val="60000"/>
+      </a:schemeClr>
+    </dgm:fillClrLst>
+    <dgm:linClrLst meth="repeat">
+      <a:schemeClr val="accent1">
+        <a:tint val="60000"/>
+      </a:schemeClr>
+    </dgm:linClrLst>
+    <dgm:effectClrLst/>
+    <dgm:txLinClrLst/>
+    <dgm:txFillClrLst meth="repeat">
+      <a:schemeClr val="lt1"/>
+    </dgm:txFillClrLst>
+    <dgm:txEffectClrLst/>
+  </dgm:styleLbl>
+  <dgm:styleLbl name="parChTrans2D2">
+    <dgm:fillClrLst meth="repeat">
+      <a:schemeClr val="accent1"/>
+    </dgm:fillClrLst>
+    <dgm:linClrLst meth="repeat">
+      <a:schemeClr val="accent1"/>
+    </dgm:linClrLst>
+    <dgm:effectClrLst/>
+    <dgm:txLinClrLst/>
+    <dgm:txFillClrLst meth="repeat">
+      <a:schemeClr val="lt1"/>
+    </dgm:txFillClrLst>
+    <dgm:txEffectClrLst/>
+  </dgm:styleLbl>
+  <dgm:styleLbl name="parChTrans2D3">
+    <dgm:fillClrLst meth="repeat">
+      <a:schemeClr val="accent1"/>
+    </dgm:fillClrLst>
+    <dgm:linClrLst meth="repeat">
+      <a:schemeClr val="accent1"/>
+    </dgm:linClrLst>
+    <dgm:effectClrLst/>
+    <dgm:txLinClrLst/>
+    <dgm:txFillClrLst meth="repeat">
+      <a:schemeClr val="lt1"/>
+    </dgm:txFillClrLst>
+    <dgm:txEffectClrLst/>
+  </dgm:styleLbl>
+  <dgm:styleLbl name="parChTrans2D4">
+    <dgm:fillClrLst meth="repeat">
+      <a:schemeClr val="accent1"/>
+    </dgm:fillClrLst>
+    <dgm:linClrLst meth="repeat">
+      <a:schemeClr val="accent1"/>
+    </dgm:linClrLst>
+    <dgm:effectClrLst/>
+    <dgm:txLinClrLst/>
+    <dgm:txFillClrLst meth="repeat">
+      <a:schemeClr val="lt1"/>
+    </dgm:txFillClrLst>
+    <dgm:txEffectClrLst/>
+  </dgm:styleLbl>
+  <dgm:styleLbl name="parChTrans1D1">
+    <dgm:fillClrLst meth="repeat">
+      <a:schemeClr val="accent1"/>
+    </dgm:fillClrLst>
+    <dgm:linClrLst meth="repeat">
+      <a:schemeClr val="accent1">
+        <a:shade val="60000"/>
+      </a:schemeClr>
+    </dgm:linClrLst>
+    <dgm:effectClrLst/>
+    <dgm:txLinClrLst/>
+    <dgm:txFillClrLst meth="repeat">
+      <a:schemeClr val="tx1"/>
+    </dgm:txFillClrLst>
+    <dgm:txEffectClrLst/>
+  </dgm:styleLbl>
+  <dgm:styleLbl name="parChTrans1D2">
+    <dgm:fillClrLst meth="repeat">
+      <a:schemeClr val="accent1"/>
+    </dgm:fillClrLst>
+    <dgm:linClrLst meth="repeat">
+      <a:schemeClr val="accent1">
+        <a:shade val="60000"/>
+      </a:schemeClr>
+    </dgm:linClrLst>
+    <dgm:effectClrLst/>
+    <dgm:txLinClrLst/>
+    <dgm:txFillClrLst meth="repeat">
+      <a:schemeClr val="tx1"/>
+    </dgm:txFillClrLst>
+    <dgm:txEffectClrLst/>
+  </dgm:styleLbl>
+  <dgm:styleLbl name="parChTrans1D3">
+    <dgm:fillClrLst meth="repeat">
+      <a:schemeClr val="accent1"/>
+    </dgm:fillClrLst>
+    <dgm:linClrLst meth="repeat">
+      <a:schemeClr val="accent1">
+        <a:shade val="80000"/>
+      </a:schemeClr>
+    </dgm:linClrLst>
+    <dgm:effectClrLst/>
+    <dgm:txLinClrLst/>
+    <dgm:txFillClrLst meth="repeat">
+      <a:schemeClr val="tx1"/>
+    </dgm:txFillClrLst>
+    <dgm:txEffectClrLst/>
+  </dgm:styleLbl>
+  <dgm:styleLbl name="parChTrans1D4">
+    <dgm:fillClrLst meth="repeat">
+      <a:schemeClr val="accent1"/>
+    </dgm:fillClrLst>
+    <dgm:linClrLst meth="repeat">
+      <a:schemeClr val="accent1">
+        <a:shade val="80000"/>
+      </a:schemeClr>
+    </dgm:linClrLst>
+    <dgm:effectClrLst/>
+    <dgm:txLinClrLst/>
+    <dgm:txFillClrLst meth="repeat">
+      <a:schemeClr val="tx1"/>
+    </dgm:txFillClrLst>
+    <dgm:txEffectClrLst/>
+  </dgm:styleLbl>
+  <dgm:styleLbl name="fgAcc1">
+    <dgm:fillClrLst meth="repeat">
+      <a:schemeClr val="lt1">
+        <a:alpha val="90000"/>
+      </a:schemeClr>
+    </dgm:fillClrLst>
+    <dgm:linClrLst meth="repeat">
+      <a:schemeClr val="accent1"/>
+    </dgm:linClrLst>
+    <dgm:effectClrLst/>
+    <dgm:txLinClrLst/>
+    <dgm:txFillClrLst meth="repeat">
+      <a:schemeClr val="dk1"/>
+    </dgm:txFillClrLst>
+    <dgm:txEffectClrLst/>
+  </dgm:styleLbl>
+  <dgm:styleLbl name="conFgAcc1">
+    <dgm:fillClrLst meth="repeat">
+      <a:schemeClr val="lt1">
+        <a:alpha val="90000"/>
+      </a:schemeClr>
+    </dgm:fillClrLst>
+    <dgm:linClrLst meth="repeat">
+      <a:schemeClr val="accent1"/>
+    </dgm:linClrLst>
+    <dgm:effectClrLst/>
+    <dgm:txLinClrLst/>
+    <dgm:txFillClrLst meth="repeat">
+      <a:schemeClr val="dk1"/>
+    </dgm:txFillClrLst>
+    <dgm:txEffectClrLst/>
+  </dgm:styleLbl>
+  <dgm:styleLbl name="alignAcc1">
+    <dgm:fillClrLst meth="repeat">
+      <a:schemeClr val="lt1">
+        <a:alpha val="90000"/>
+      </a:schemeClr>
+    </dgm:fillClrLst>
+    <dgm:linClrLst meth="repeat">
+      <a:schemeClr val="accent1"/>
+    </dgm:linClrLst>
+    <dgm:effectClrLst/>
+    <dgm:txLinClrLst/>
+    <dgm:txFillClrLst meth="repeat">
+      <a:schemeClr val="dk1"/>
+    </dgm:txFillClrLst>
+    <dgm:txEffectClrLst/>
+  </dgm:styleLbl>
+  <dgm:styleLbl name="trAlignAcc1">
+    <dgm:fillClrLst meth="repeat">
+      <a:schemeClr val="lt1">
+        <a:alpha val="40000"/>
+      </a:schemeClr>
+    </dgm:fillClrLst>
+    <dgm:linClrLst meth="repeat">
+      <a:schemeClr val="accent1"/>
+    </dgm:linClrLst>
+    <dgm:effectClrLst/>
+    <dgm:txLinClrLst/>
+    <dgm:txFillClrLst meth="repeat">
+      <a:schemeClr val="dk1"/>
+    </dgm:txFillClrLst>
+    <dgm:txEffectClrLst/>
+  </dgm:styleLbl>
+  <dgm:styleLbl name="bgAcc1">
+    <dgm:fillClrLst meth="repeat">
+      <a:schemeClr val="lt1">
+        <a:alpha val="90000"/>
+      </a:schemeClr>
+    </dgm:fillClrLst>
+    <dgm:linClrLst meth="repeat">
+      <a:schemeClr val="accent1"/>
+    </dgm:linClrLst>
+    <dgm:effectClrLst/>
+    <dgm:txLinClrLst/>
+    <dgm:txFillClrLst meth="repeat">
+      <a:schemeClr val="dk1"/>
+    </dgm:txFillClrLst>
+    <dgm:txEffectClrLst/>
+  </dgm:styleLbl>
+  <dgm:styleLbl name="solidFgAcc1">
+    <dgm:fillClrLst meth="repeat">
+      <a:schemeClr val="lt1"/>
+    </dgm:fillClrLst>
+    <dgm:linClrLst meth="repeat">
+      <a:schemeClr val="accent1"/>
+    </dgm:linClrLst>
+    <dgm:effectClrLst/>
+    <dgm:txLinClrLst/>
+    <dgm:txFillClrLst meth="repeat">
+      <a:schemeClr val="dk1"/>
+    </dgm:txFillClrLst>
+    <dgm:txEffectClrLst/>
+  </dgm:styleLbl>
+  <dgm:styleLbl name="solidAlignAcc1">
+    <dgm:fillClrLst meth="repeat">
+      <a:schemeClr val="lt1"/>
+    </dgm:fillClrLst>
+    <dgm:linClrLst meth="repeat">
+      <a:schemeClr val="accent1"/>
+    </dgm:linClrLst>
+    <dgm:effectClrLst/>
+    <dgm:txLinClrLst/>
+    <dgm:txFillClrLst meth="repeat">
+      <a:schemeClr val="dk1"/>
+    </dgm:txFillClrLst>
+    <dgm:txEffectClrLst/>
+  </dgm:styleLbl>
+  <dgm:styleLbl name="solidBgAcc1">
+    <dgm:fillClrLst meth="repeat">
+      <a:schemeClr val="lt1"/>
+    </dgm:fillClrLst>
+    <dgm:linClrLst meth="repeat">
+      <a:schemeClr val="accent1"/>
+    </dgm:linClrLst>
+    <dgm:effectClrLst/>
+    <dgm:txLinClrLst/>
+    <dgm:txFillClrLst meth="repeat">
+      <a:schemeClr val="dk1"/>
+    </dgm:txFillClrLst>
+    <dgm:txEffectClrLst/>
+  </dgm:styleLbl>
+  <dgm:styleLbl name="fgAccFollowNode1">
+    <dgm:fillClrLst meth="repeat">
+      <a:schemeClr val="accent1">
+        <a:alpha val="90000"/>
+        <a:tint val="40000"/>
+      </a:schemeClr>
+    </dgm:fillClrLst>
+    <dgm:linClrLst meth="repeat">
+      <a:schemeClr val="accent1">
+        <a:alpha val="90000"/>
+        <a:tint val="40000"/>
+      </a:schemeClr>
+    </dgm:linClrLst>
+    <dgm:effectClrLst/>
+    <dgm:txLinClrLst/>
+    <dgm:txFillClrLst meth="repeat">
+      <a:schemeClr val="dk1"/>
+    </dgm:txFillClrLst>
+    <dgm:txEffectClrLst/>
+  </dgm:styleLbl>
+  <dgm:styleLbl name="alignAccFollowNode1">
+    <dgm:fillClrLst meth="repeat">
+      <a:schemeClr val="accent1">
+        <a:alpha val="90000"/>
+        <a:tint val="40000"/>
+      </a:schemeClr>
+    </dgm:fillClrLst>
+    <dgm:linClrLst meth="repeat">
+      <a:schemeClr val="accent1">
+        <a:alpha val="90000"/>
+        <a:tint val="40000"/>
+      </a:schemeClr>
+    </dgm:linClrLst>
+    <dgm:effectClrLst/>
+    <dgm:txLinClrLst/>
+    <dgm:txFillClrLst meth="repeat">
+      <a:schemeClr val="dk1"/>
+    </dgm:txFillClrLst>
+    <dgm:txEffectClrLst/>
+  </dgm:styleLbl>
+  <dgm:styleLbl name="bgAccFollowNode1">
+    <dgm:fillClrLst meth="repeat">
+      <a:schemeClr val="accent1">
+        <a:alpha val="90000"/>
+        <a:tint val="40000"/>
+      </a:schemeClr>
+    </dgm:fillClrLst>
+    <dgm:linClrLst meth="repeat">
+      <a:schemeClr val="accent1">
+        <a:alpha val="90000"/>
+        <a:tint val="40000"/>
+      </a:schemeClr>
+    </dgm:linClrLst>
+    <dgm:effectClrLst/>
+    <dgm:txLinClrLst/>
+    <dgm:txFillClrLst meth="repeat">
+      <a:schemeClr val="dk1"/>
+    </dgm:txFillClrLst>
+    <dgm:txEffectClrLst/>
+  </dgm:styleLbl>
+  <dgm:styleLbl name="fgAcc0">
+    <dgm:fillClrLst meth="repeat">
+      <a:schemeClr val="lt1">
+        <a:alpha val="90000"/>
+      </a:schemeClr>
+    </dgm:fillClrLst>
+    <dgm:linClrLst meth="repeat">
+      <a:schemeClr val="accent1"/>
+    </dgm:linClrLst>
+    <dgm:effectClrLst/>
+    <dgm:txLinClrLst/>
+    <dgm:txFillClrLst meth="repeat">
+      <a:schemeClr val="dk1"/>
+    </dgm:txFillClrLst>
+    <dgm:txEffectClrLst/>
+  </dgm:styleLbl>
+  <dgm:styleLbl name="fgAcc2">
+    <dgm:fillClrLst meth="repeat">
+      <a:schemeClr val="lt1">
+        <a:alpha val="90000"/>
+      </a:schemeClr>
+    </dgm:fillClrLst>
+    <dgm:linClrLst meth="repeat">
+      <a:schemeClr val="accent1"/>
+    </dgm:linClrLst>
+    <dgm:effectClrLst/>
+    <dgm:txLinClrLst/>
+    <dgm:txFillClrLst meth="repeat">
+      <a:schemeClr val="dk1"/>
+    </dgm:txFillClrLst>
+    <dgm:txEffectClrLst/>
+  </dgm:styleLbl>
+  <dgm:styleLbl name="fgAcc3">
+    <dgm:fillClrLst meth="repeat">
+      <a:schemeClr val="lt1">
+        <a:alpha val="90000"/>
+      </a:schemeClr>
+    </dgm:fillClrLst>
+    <dgm:linClrLst meth="repeat">
+      <a:schemeClr val="accent1"/>
+    </dgm:linClrLst>
+    <dgm:effectClrLst/>
+    <dgm:txLinClrLst/>
+    <dgm:txFillClrLst meth="repeat">
+      <a:schemeClr val="dk1"/>
+    </dgm:txFillClrLst>
+    <dgm:txEffectClrLst/>
+  </dgm:styleLbl>
+  <dgm:styleLbl name="fgAcc4">
+    <dgm:fillClrLst meth="repeat">
+      <a:schemeClr val="lt1">
+        <a:alpha val="90000"/>
+      </a:schemeClr>
+    </dgm:fillClrLst>
+    <dgm:linClrLst meth="repeat">
+      <a:schemeClr val="accent1"/>
+    </dgm:linClrLst>
+    <dgm:effectClrLst/>
+    <dgm:txLinClrLst/>
+    <dgm:txFillClrLst meth="repeat">
+      <a:schemeClr val="dk1"/>
+    </dgm:txFillClrLst>
+    <dgm:txEffectClrLst/>
+  </dgm:styleLbl>
+  <dgm:styleLbl name="bgShp">
+    <dgm:fillClrLst meth="repeat">
+      <a:schemeClr val="accent1">
+        <a:tint val="40000"/>
+      </a:schemeClr>
+    </dgm:fillClrLst>
+    <dgm:linClrLst meth="repeat">
+      <a:schemeClr val="accent1"/>
+    </dgm:linClrLst>
+    <dgm:effectClrLst/>
+    <dgm:txLinClrLst/>
+    <dgm:txFillClrLst meth="repeat">
+      <a:schemeClr val="dk1"/>
+    </dgm:txFillClrLst>
+    <dgm:txEffectClrLst/>
+  </dgm:styleLbl>
+  <dgm:styleLbl name="dkBgShp">
+    <dgm:fillClrLst meth="repeat">
+      <a:schemeClr val="accent1">
+        <a:shade val="80000"/>
+      </a:schemeClr>
+    </dgm:fillClrLst>
+    <dgm:linClrLst meth="repeat">
+      <a:schemeClr val="accent1"/>
+    </dgm:linClrLst>
+    <dgm:effectClrLst/>
+    <dgm:txLinClrLst/>
+    <dgm:txFillClrLst meth="repeat">
+      <a:schemeClr val="lt1"/>
+    </dgm:txFillClrLst>
+    <dgm:txEffectClrLst/>
+  </dgm:styleLbl>
+  <dgm:styleLbl name="trBgShp">
+    <dgm:fillClrLst meth="repeat">
+      <a:schemeClr val="accent1">
+        <a:tint val="50000"/>
+        <a:alpha val="40000"/>
+      </a:schemeClr>
+    </dgm:fillClrLst>
+    <dgm:linClrLst meth="repeat">
+      <a:schemeClr val="accent1"/>
+    </dgm:linClrLst>
+    <dgm:effectClrLst/>
+    <dgm:txLinClrLst/>
+    <dgm:txFillClrLst meth="repeat">
+      <a:schemeClr val="lt1"/>
+    </dgm:txFillClrLst>
+    <dgm:txEffectClrLst/>
+  </dgm:styleLbl>
+  <dgm:styleLbl name="fgShp">
+    <dgm:fillClrLst meth="repeat">
+      <a:schemeClr val="accent1">
+        <a:tint val="60000"/>
+      </a:schemeClr>
+    </dgm:fillClrLst>
+    <dgm:linClrLst meth="repeat">
+      <a:schemeClr val="lt1"/>
+    </dgm:linClrLst>
+    <dgm:effectClrLst/>
+    <dgm:txLinClrLst/>
+    <dgm:txFillClrLst meth="repeat">
+      <a:schemeClr val="dk1"/>
+    </dgm:txFillClrLst>
+    <dgm:txEffectClrLst/>
+  </dgm:styleLbl>
+  <dgm:styleLbl name="revTx">
+    <dgm:fillClrLst meth="repeat">
+      <a:schemeClr val="lt1">
+        <a:alpha val="0"/>
+      </a:schemeClr>
+    </dgm:fillClrLst>
+    <dgm:linClrLst meth="repeat">
+      <a:schemeClr val="dk1">
+        <a:alpha val="0"/>
+      </a:schemeClr>
+    </dgm:linClrLst>
+    <dgm:effectClrLst/>
+    <dgm:txLinClrLst/>
+    <dgm:txFillClrLst meth="repeat">
+      <a:schemeClr val="tx1"/>
+    </dgm:txFillClrLst>
+    <dgm:txEffectClrLst/>
+  </dgm:styleLbl>
+</dgm:colorsDef>
+</file>
+
+<file path=ppt/diagrams/data1.xml><?xml version="1.0" encoding="utf-8"?>
+<dgm:dataModel xmlns:dgm="http://schemas.openxmlformats.org/drawingml/2006/diagram" xmlns:a="http://schemas.openxmlformats.org/drawingml/2006/main">
+  <dgm:ptLst>
+    <dgm:pt modelId="{68798DD1-6FC4-4C34-9F3F-53BBEB998853}" type="doc">
+      <dgm:prSet loTypeId="urn:microsoft.com/office/officeart/2005/8/layout/chevron2" loCatId="process" qsTypeId="urn:microsoft.com/office/officeart/2005/8/quickstyle/simple1" qsCatId="simple" csTypeId="urn:microsoft.com/office/officeart/2005/8/colors/accent1_2" csCatId="accent1" phldr="1"/>
+      <dgm:spPr/>
+      <dgm:t>
+        <a:bodyPr/>
+        <a:lstStyle/>
+        <a:p>
+          <a:endParaRPr lang="en-US"/>
+        </a:p>
+      </dgm:t>
+    </dgm:pt>
+    <dgm:pt modelId="{21FE27EC-10F4-47A1-8FD5-CD3496F54607}">
+      <dgm:prSet phldrT="[Text]" phldr="0"/>
+      <dgm:spPr>
+        <a:solidFill>
+          <a:srgbClr val="C00000"/>
+        </a:solidFill>
+      </dgm:spPr>
+      <dgm:t>
+        <a:bodyPr/>
+        <a:lstStyle/>
+        <a:p>
+          <a:r>
+            <a:rPr lang="en-US" b="1" dirty="0"/>
+            <a:t>Individuals</a:t>
+          </a:r>
+        </a:p>
+      </dgm:t>
+    </dgm:pt>
+    <dgm:pt modelId="{FF3D7B0C-E2C4-49B8-8C4B-AF120BF1E2B9}" type="parTrans" cxnId="{6C0172DF-D88B-41D4-B3F5-CA15E159222B}">
+      <dgm:prSet/>
+      <dgm:spPr/>
+      <dgm:t>
+        <a:bodyPr/>
+        <a:lstStyle/>
+        <a:p>
+          <a:endParaRPr lang="en-US"/>
+        </a:p>
+      </dgm:t>
+    </dgm:pt>
+    <dgm:pt modelId="{969895C4-5161-439F-BA5B-C7930ADA9517}" type="sibTrans" cxnId="{6C0172DF-D88B-41D4-B3F5-CA15E159222B}">
+      <dgm:prSet/>
+      <dgm:spPr/>
+      <dgm:t>
+        <a:bodyPr/>
+        <a:lstStyle/>
+        <a:p>
+          <a:endParaRPr lang="en-US"/>
+        </a:p>
+      </dgm:t>
+    </dgm:pt>
+    <dgm:pt modelId="{C24B2941-8C4E-47E5-93BE-9390D2CDBC89}">
+      <dgm:prSet phldrT="[Text]" phldr="0"/>
+      <dgm:spPr>
+        <a:ln>
+          <a:solidFill>
+            <a:schemeClr val="bg1">
+              <a:lumMod val="50000"/>
+            </a:schemeClr>
+          </a:solidFill>
+        </a:ln>
+      </dgm:spPr>
+      <dgm:t>
+        <a:bodyPr/>
+        <a:lstStyle/>
+        <a:p>
+          <a:r>
+            <a:rPr lang="en-US" dirty="0"/>
+            <a:t>Self-paced courses &amp; live workshops</a:t>
+          </a:r>
+        </a:p>
+      </dgm:t>
+    </dgm:pt>
+    <dgm:pt modelId="{C97A6C3A-9B27-45E4-8D96-A0B3EE805D38}" type="parTrans" cxnId="{6C6CBB06-B18A-42AC-8E9C-1FECB4298C8E}">
+      <dgm:prSet/>
+      <dgm:spPr/>
+      <dgm:t>
+        <a:bodyPr/>
+        <a:lstStyle/>
+        <a:p>
+          <a:endParaRPr lang="en-US"/>
+        </a:p>
+      </dgm:t>
+    </dgm:pt>
+    <dgm:pt modelId="{95B33339-D74D-43E7-BBDD-70E0EB607FD8}" type="sibTrans" cxnId="{6C6CBB06-B18A-42AC-8E9C-1FECB4298C8E}">
+      <dgm:prSet/>
+      <dgm:spPr/>
+      <dgm:t>
+        <a:bodyPr/>
+        <a:lstStyle/>
+        <a:p>
+          <a:endParaRPr lang="en-US"/>
+        </a:p>
+      </dgm:t>
+    </dgm:pt>
+    <dgm:pt modelId="{B4C039DB-28DF-4F2E-9047-FCE10E8B50F4}">
+      <dgm:prSet phldrT="[Text]" phldr="0"/>
+      <dgm:spPr>
+        <a:ln>
+          <a:solidFill>
+            <a:schemeClr val="bg1">
+              <a:lumMod val="50000"/>
+            </a:schemeClr>
+          </a:solidFill>
+        </a:ln>
+      </dgm:spPr>
+      <dgm:t>
+        <a:bodyPr/>
+        <a:lstStyle/>
+        <a:p>
+          <a:r>
+            <a:rPr lang="en-US" dirty="0"/>
+            <a:t>Learn when to use formulas, Power Query, Python, and Copilot</a:t>
+          </a:r>
+        </a:p>
+      </dgm:t>
+    </dgm:pt>
+    <dgm:pt modelId="{88E2D7DD-A20A-4D82-B7BA-495E3CA5520E}" type="parTrans" cxnId="{08744D63-46D0-44D2-900A-8851AAD8CEA3}">
+      <dgm:prSet/>
+      <dgm:spPr/>
+      <dgm:t>
+        <a:bodyPr/>
+        <a:lstStyle/>
+        <a:p>
+          <a:endParaRPr lang="en-US"/>
+        </a:p>
+      </dgm:t>
+    </dgm:pt>
+    <dgm:pt modelId="{EFC160FF-009E-419D-9011-2FCCED5BFCAE}" type="sibTrans" cxnId="{08744D63-46D0-44D2-900A-8851AAD8CEA3}">
+      <dgm:prSet/>
+      <dgm:spPr/>
+      <dgm:t>
+        <a:bodyPr/>
+        <a:lstStyle/>
+        <a:p>
+          <a:endParaRPr lang="en-US"/>
+        </a:p>
+      </dgm:t>
+    </dgm:pt>
+    <dgm:pt modelId="{31E0BBA0-32AB-44DE-85CB-3C80E6846810}">
+      <dgm:prSet phldrT="[Text]" phldr="0"/>
+      <dgm:spPr>
+        <a:ln>
+          <a:solidFill>
+            <a:schemeClr val="bg1">
+              <a:lumMod val="50000"/>
+            </a:schemeClr>
+          </a:solidFill>
+        </a:ln>
+      </dgm:spPr>
+      <dgm:t>
+        <a:bodyPr/>
+        <a:lstStyle/>
+        <a:p>
+          <a:r>
+            <a:rPr lang="en-US" dirty="0"/>
+            <a:t>Focus on clarity, maintainability, and confidence</a:t>
+          </a:r>
+        </a:p>
+      </dgm:t>
+    </dgm:pt>
+    <dgm:pt modelId="{BDE34EB0-9E1B-4FF4-9FC7-70742D76E4E6}" type="parTrans" cxnId="{9453C970-A133-42A1-BB1A-7672CEFA0687}">
+      <dgm:prSet/>
+      <dgm:spPr/>
+      <dgm:t>
+        <a:bodyPr/>
+        <a:lstStyle/>
+        <a:p>
+          <a:endParaRPr lang="en-US"/>
+        </a:p>
+      </dgm:t>
+    </dgm:pt>
+    <dgm:pt modelId="{45E94802-E21A-4AC8-ACCB-FA38B41DCB9F}" type="sibTrans" cxnId="{9453C970-A133-42A1-BB1A-7672CEFA0687}">
+      <dgm:prSet/>
+      <dgm:spPr/>
+      <dgm:t>
+        <a:bodyPr/>
+        <a:lstStyle/>
+        <a:p>
+          <a:endParaRPr lang="en-US"/>
+        </a:p>
+      </dgm:t>
+    </dgm:pt>
+    <dgm:pt modelId="{016DC79D-3BC0-41E5-8BCD-63EBA4F14C0D}">
+      <dgm:prSet phldrT="[Text]" phldr="0"/>
+      <dgm:spPr>
+        <a:solidFill>
+          <a:srgbClr val="C00000"/>
+        </a:solidFill>
+      </dgm:spPr>
+      <dgm:t>
+        <a:bodyPr/>
+        <a:lstStyle/>
+        <a:p>
+          <a:r>
+            <a:rPr lang="en-US" b="1" dirty="0"/>
+            <a:t>Teams</a:t>
+          </a:r>
+        </a:p>
+      </dgm:t>
+    </dgm:pt>
+    <dgm:pt modelId="{2EE0B6F5-6A8E-418F-9567-1907B2738A34}" type="parTrans" cxnId="{BC96F6EE-A452-4FD1-957C-3C61D63DF19A}">
+      <dgm:prSet/>
+      <dgm:spPr/>
+      <dgm:t>
+        <a:bodyPr/>
+        <a:lstStyle/>
+        <a:p>
+          <a:endParaRPr lang="en-US"/>
+        </a:p>
+      </dgm:t>
+    </dgm:pt>
+    <dgm:pt modelId="{E09FC7D4-5B56-4C5F-893B-848769202938}" type="sibTrans" cxnId="{BC96F6EE-A452-4FD1-957C-3C61D63DF19A}">
+      <dgm:prSet/>
+      <dgm:spPr/>
+      <dgm:t>
+        <a:bodyPr/>
+        <a:lstStyle/>
+        <a:p>
+          <a:endParaRPr lang="en-US"/>
+        </a:p>
+      </dgm:t>
+    </dgm:pt>
+    <dgm:pt modelId="{7A818774-F187-423D-B8A8-E299CC61C89C}">
+      <dgm:prSet phldrT="[Text]" phldr="0"/>
+      <dgm:spPr>
+        <a:ln>
+          <a:solidFill>
+            <a:schemeClr val="bg1">
+              <a:lumMod val="50000"/>
+            </a:schemeClr>
+          </a:solidFill>
+        </a:ln>
+      </dgm:spPr>
+      <dgm:t>
+        <a:bodyPr/>
+        <a:lstStyle/>
+        <a:p>
+          <a:r>
+            <a:rPr lang="en-US" dirty="0"/>
+            <a:t>Practical corporate training</a:t>
+          </a:r>
+        </a:p>
+      </dgm:t>
+    </dgm:pt>
+    <dgm:pt modelId="{C7A141B3-2B9C-4F4D-9D07-5F119890BE56}" type="parTrans" cxnId="{E39F6071-D189-4302-81C2-C8D5AD0A841D}">
+      <dgm:prSet/>
+      <dgm:spPr/>
+      <dgm:t>
+        <a:bodyPr/>
+        <a:lstStyle/>
+        <a:p>
+          <a:endParaRPr lang="en-US"/>
+        </a:p>
+      </dgm:t>
+    </dgm:pt>
+    <dgm:pt modelId="{BF1D4A6B-4EBA-4D46-93B3-07C66BF920A8}" type="sibTrans" cxnId="{E39F6071-D189-4302-81C2-C8D5AD0A841D}">
+      <dgm:prSet/>
+      <dgm:spPr/>
+      <dgm:t>
+        <a:bodyPr/>
+        <a:lstStyle/>
+        <a:p>
+          <a:endParaRPr lang="en-US"/>
+        </a:p>
+      </dgm:t>
+    </dgm:pt>
+    <dgm:pt modelId="{CED61807-9E1D-41DC-A0C2-C410C92668D0}">
+      <dgm:prSet phldrT="[Text]" phldr="0"/>
+      <dgm:spPr>
+        <a:ln>
+          <a:solidFill>
+            <a:schemeClr val="bg1">
+              <a:lumMod val="50000"/>
+            </a:schemeClr>
+          </a:solidFill>
+        </a:ln>
+      </dgm:spPr>
+      <dgm:t>
+        <a:bodyPr/>
+        <a:lstStyle/>
+        <a:p>
+          <a:r>
+            <a:rPr lang="en-US" dirty="0"/>
+            <a:t>Apply modern Excel patterns to real workflows</a:t>
+          </a:r>
+        </a:p>
+      </dgm:t>
+    </dgm:pt>
+    <dgm:pt modelId="{DF6760EA-CD03-4B40-8B21-BE7EBE5C8B51}" type="parTrans" cxnId="{D544EC0C-557D-4137-BBE5-D7047405AD61}">
+      <dgm:prSet/>
+      <dgm:spPr/>
+      <dgm:t>
+        <a:bodyPr/>
+        <a:lstStyle/>
+        <a:p>
+          <a:endParaRPr lang="en-US"/>
+        </a:p>
+      </dgm:t>
+    </dgm:pt>
+    <dgm:pt modelId="{56F627CE-8FDB-492D-9146-C96F55B7E1C0}" type="sibTrans" cxnId="{D544EC0C-557D-4137-BBE5-D7047405AD61}">
+      <dgm:prSet/>
+      <dgm:spPr/>
+      <dgm:t>
+        <a:bodyPr/>
+        <a:lstStyle/>
+        <a:p>
+          <a:endParaRPr lang="en-US"/>
+        </a:p>
+      </dgm:t>
+    </dgm:pt>
+    <dgm:pt modelId="{A47EFBC1-B8C2-4EA5-9B3A-F927674761C9}">
+      <dgm:prSet phldrT="[Text]" phldr="0"/>
+      <dgm:spPr>
+        <a:ln>
+          <a:solidFill>
+            <a:schemeClr val="bg1">
+              <a:lumMod val="50000"/>
+            </a:schemeClr>
+          </a:solidFill>
+        </a:ln>
+      </dgm:spPr>
+      <dgm:t>
+        <a:bodyPr/>
+        <a:lstStyle/>
+        <a:p>
+          <a:r>
+            <a:rPr lang="en-US" dirty="0"/>
+            <a:t>Reduce errors, rework, and one-off fixes</a:t>
+          </a:r>
+        </a:p>
+      </dgm:t>
+    </dgm:pt>
+    <dgm:pt modelId="{23C95D64-ACDF-4793-AF7E-ADB56BE2841D}" type="parTrans" cxnId="{1C3620EC-CE2A-437B-813B-D62505EEF778}">
+      <dgm:prSet/>
+      <dgm:spPr/>
+      <dgm:t>
+        <a:bodyPr/>
+        <a:lstStyle/>
+        <a:p>
+          <a:endParaRPr lang="en-US"/>
+        </a:p>
+      </dgm:t>
+    </dgm:pt>
+    <dgm:pt modelId="{98F84862-E132-4EA1-89ED-AC172F965CF6}" type="sibTrans" cxnId="{1C3620EC-CE2A-437B-813B-D62505EEF778}">
+      <dgm:prSet/>
+      <dgm:spPr/>
+      <dgm:t>
+        <a:bodyPr/>
+        <a:lstStyle/>
+        <a:p>
+          <a:endParaRPr lang="en-US"/>
+        </a:p>
+      </dgm:t>
+    </dgm:pt>
+    <dgm:pt modelId="{B4F0F40E-29C9-496D-BDA2-525B7864A476}">
+      <dgm:prSet phldrT="[Text]" phldr="0"/>
+      <dgm:spPr>
+        <a:solidFill>
+          <a:srgbClr val="C00000"/>
+        </a:solidFill>
+      </dgm:spPr>
+      <dgm:t>
+        <a:bodyPr/>
+        <a:lstStyle/>
+        <a:p>
+          <a:r>
+            <a:rPr lang="en-US" b="1" dirty="0"/>
+            <a:t>Organizations</a:t>
+          </a:r>
+        </a:p>
+      </dgm:t>
+    </dgm:pt>
+    <dgm:pt modelId="{85C43083-FDDC-4EB5-8CA2-AF1A2A539AE5}" type="parTrans" cxnId="{F5A0ED73-185C-43A4-B087-39723A0B16D0}">
+      <dgm:prSet/>
+      <dgm:spPr/>
+      <dgm:t>
+        <a:bodyPr/>
+        <a:lstStyle/>
+        <a:p>
+          <a:endParaRPr lang="en-US"/>
+        </a:p>
+      </dgm:t>
+    </dgm:pt>
+    <dgm:pt modelId="{C9BD2B50-714A-4AF3-9879-8E0D2682421F}" type="sibTrans" cxnId="{F5A0ED73-185C-43A4-B087-39723A0B16D0}">
+      <dgm:prSet/>
+      <dgm:spPr/>
+      <dgm:t>
+        <a:bodyPr/>
+        <a:lstStyle/>
+        <a:p>
+          <a:endParaRPr lang="en-US"/>
+        </a:p>
+      </dgm:t>
+    </dgm:pt>
+    <dgm:pt modelId="{CEF1FAE8-58A8-4837-8EE2-2DD9C2A199A3}">
+      <dgm:prSet phldrT="[Text]" phldr="0"/>
+      <dgm:spPr>
+        <a:ln>
+          <a:solidFill>
+            <a:schemeClr val="bg1">
+              <a:lumMod val="50000"/>
+            </a:schemeClr>
+          </a:solidFill>
+        </a:ln>
+      </dgm:spPr>
+      <dgm:t>
+        <a:bodyPr/>
+        <a:lstStyle/>
+        <a:p>
+          <a:r>
+            <a:rPr lang="en-US" dirty="0"/>
+            <a:t>Guided, multi-week modernization program</a:t>
+          </a:r>
+        </a:p>
+      </dgm:t>
+    </dgm:pt>
+    <dgm:pt modelId="{58151A2E-80AA-4AD6-A185-C0F5E8DA47AD}" type="parTrans" cxnId="{B62C6E92-AB91-468B-B358-EDF92131A7AF}">
+      <dgm:prSet/>
+      <dgm:spPr/>
+      <dgm:t>
+        <a:bodyPr/>
+        <a:lstStyle/>
+        <a:p>
+          <a:endParaRPr lang="en-US"/>
+        </a:p>
+      </dgm:t>
+    </dgm:pt>
+    <dgm:pt modelId="{CBE4C6D7-AAFF-485C-A9FE-75A1ADEB00AD}" type="sibTrans" cxnId="{B62C6E92-AB91-468B-B358-EDF92131A7AF}">
+      <dgm:prSet/>
+      <dgm:spPr/>
+      <dgm:t>
+        <a:bodyPr/>
+        <a:lstStyle/>
+        <a:p>
+          <a:endParaRPr lang="en-US"/>
+        </a:p>
+      </dgm:t>
+    </dgm:pt>
+    <dgm:pt modelId="{49A0E634-58A5-4059-9E7D-9503F5568F0E}">
+      <dgm:prSet phldrT="[Text]" phldr="0"/>
+      <dgm:spPr>
+        <a:ln>
+          <a:solidFill>
+            <a:schemeClr val="bg1">
+              <a:lumMod val="50000"/>
+            </a:schemeClr>
+          </a:solidFill>
+        </a:ln>
+      </dgm:spPr>
+      <dgm:t>
+        <a:bodyPr/>
+        <a:lstStyle/>
+        <a:p>
+          <a:r>
+            <a:rPr lang="en-US" dirty="0"/>
+            <a:t>Teams learn to build pipelines, automation, and documentation</a:t>
+          </a:r>
+        </a:p>
+      </dgm:t>
+    </dgm:pt>
+    <dgm:pt modelId="{ACD5A1DA-F5CD-48CE-B171-EC32505DF8B8}" type="parTrans" cxnId="{529891CA-70A8-4B23-B19B-BE2328CC8E28}">
+      <dgm:prSet/>
+      <dgm:spPr/>
+      <dgm:t>
+        <a:bodyPr/>
+        <a:lstStyle/>
+        <a:p>
+          <a:endParaRPr lang="en-US"/>
+        </a:p>
+      </dgm:t>
+    </dgm:pt>
+    <dgm:pt modelId="{6ACADE56-6832-41F1-9403-24B505942BF3}" type="sibTrans" cxnId="{529891CA-70A8-4B23-B19B-BE2328CC8E28}">
+      <dgm:prSet/>
+      <dgm:spPr/>
+      <dgm:t>
+        <a:bodyPr/>
+        <a:lstStyle/>
+        <a:p>
+          <a:endParaRPr lang="en-US"/>
+        </a:p>
+      </dgm:t>
+    </dgm:pt>
+    <dgm:pt modelId="{FB981EA0-3DDD-41E5-994C-58106823DD87}">
+      <dgm:prSet phldrT="[Text]" phldr="0"/>
+      <dgm:spPr>
+        <a:ln>
+          <a:solidFill>
+            <a:schemeClr val="bg1">
+              <a:lumMod val="50000"/>
+            </a:schemeClr>
+          </a:solidFill>
+        </a:ln>
+      </dgm:spPr>
+      <dgm:t>
+        <a:bodyPr/>
+        <a:lstStyle/>
+        <a:p>
+          <a:r>
+            <a:rPr lang="en-US" dirty="0"/>
+            <a:t>Internal ownership of reliable, </a:t>
+          </a:r>
+          <a:r>
+            <a:rPr lang="en-US"/>
+            <a:t>auditable workflows</a:t>
+          </a:r>
+          <a:endParaRPr lang="en-US" dirty="0"/>
+        </a:p>
+      </dgm:t>
+    </dgm:pt>
+    <dgm:pt modelId="{F3950239-A916-4097-A7B6-DDA6653C9CB5}" type="parTrans" cxnId="{862989A2-6D7C-42A4-A92A-2FD429FB0840}">
+      <dgm:prSet/>
+      <dgm:spPr/>
+      <dgm:t>
+        <a:bodyPr/>
+        <a:lstStyle/>
+        <a:p>
+          <a:endParaRPr lang="en-US"/>
+        </a:p>
+      </dgm:t>
+    </dgm:pt>
+    <dgm:pt modelId="{63E1678F-6B99-4762-B916-5E63C98E7666}" type="sibTrans" cxnId="{862989A2-6D7C-42A4-A92A-2FD429FB0840}">
+      <dgm:prSet/>
+      <dgm:spPr/>
+      <dgm:t>
+        <a:bodyPr/>
+        <a:lstStyle/>
+        <a:p>
+          <a:endParaRPr lang="en-US"/>
+        </a:p>
+      </dgm:t>
+    </dgm:pt>
+    <dgm:pt modelId="{CAD0188A-56FC-4EB6-B5CE-816C1D97209B}" type="pres">
+      <dgm:prSet presAssocID="{68798DD1-6FC4-4C34-9F3F-53BBEB998853}" presName="linearFlow" presStyleCnt="0">
+        <dgm:presLayoutVars>
+          <dgm:dir/>
+          <dgm:animLvl val="lvl"/>
+          <dgm:resizeHandles val="exact"/>
+        </dgm:presLayoutVars>
+      </dgm:prSet>
+      <dgm:spPr/>
+    </dgm:pt>
+    <dgm:pt modelId="{396FF615-DBB1-4ADF-881C-2B53DB4685F9}" type="pres">
+      <dgm:prSet presAssocID="{21FE27EC-10F4-47A1-8FD5-CD3496F54607}" presName="composite" presStyleCnt="0"/>
+      <dgm:spPr/>
+    </dgm:pt>
+    <dgm:pt modelId="{09C26579-FE7E-4FCA-AD7A-C9F14DC9A41C}" type="pres">
+      <dgm:prSet presAssocID="{21FE27EC-10F4-47A1-8FD5-CD3496F54607}" presName="parentText" presStyleLbl="alignNode1" presStyleIdx="0" presStyleCnt="3">
+        <dgm:presLayoutVars>
+          <dgm:chMax val="1"/>
+          <dgm:bulletEnabled val="1"/>
+        </dgm:presLayoutVars>
+      </dgm:prSet>
+      <dgm:spPr/>
+    </dgm:pt>
+    <dgm:pt modelId="{3F6A9F3A-70DD-47A1-BAF1-6047BA10BEF8}" type="pres">
+      <dgm:prSet presAssocID="{21FE27EC-10F4-47A1-8FD5-CD3496F54607}" presName="descendantText" presStyleLbl="alignAcc1" presStyleIdx="0" presStyleCnt="3">
+        <dgm:presLayoutVars>
+          <dgm:bulletEnabled val="1"/>
+        </dgm:presLayoutVars>
+      </dgm:prSet>
+      <dgm:spPr/>
+    </dgm:pt>
+    <dgm:pt modelId="{3EBAEAF0-87C5-4A8F-A60B-5164C3139ED0}" type="pres">
+      <dgm:prSet presAssocID="{969895C4-5161-439F-BA5B-C7930ADA9517}" presName="sp" presStyleCnt="0"/>
+      <dgm:spPr/>
+    </dgm:pt>
+    <dgm:pt modelId="{18A31272-9A53-4608-B75D-8841D31598E9}" type="pres">
+      <dgm:prSet presAssocID="{016DC79D-3BC0-41E5-8BCD-63EBA4F14C0D}" presName="composite" presStyleCnt="0"/>
+      <dgm:spPr/>
+    </dgm:pt>
+    <dgm:pt modelId="{94386F4B-5B07-46D9-B7E2-E761F0E5054B}" type="pres">
+      <dgm:prSet presAssocID="{016DC79D-3BC0-41E5-8BCD-63EBA4F14C0D}" presName="parentText" presStyleLbl="alignNode1" presStyleIdx="1" presStyleCnt="3">
+        <dgm:presLayoutVars>
+          <dgm:chMax val="1"/>
+          <dgm:bulletEnabled val="1"/>
+        </dgm:presLayoutVars>
+      </dgm:prSet>
+      <dgm:spPr/>
+    </dgm:pt>
+    <dgm:pt modelId="{E1F63806-3F95-47B1-A8FC-936CE11E41B2}" type="pres">
+      <dgm:prSet presAssocID="{016DC79D-3BC0-41E5-8BCD-63EBA4F14C0D}" presName="descendantText" presStyleLbl="alignAcc1" presStyleIdx="1" presStyleCnt="3">
+        <dgm:presLayoutVars>
+          <dgm:bulletEnabled val="1"/>
+        </dgm:presLayoutVars>
+      </dgm:prSet>
+      <dgm:spPr/>
+    </dgm:pt>
+    <dgm:pt modelId="{08C09676-E15B-414E-ADE9-4CFD21277716}" type="pres">
+      <dgm:prSet presAssocID="{E09FC7D4-5B56-4C5F-893B-848769202938}" presName="sp" presStyleCnt="0"/>
+      <dgm:spPr/>
+    </dgm:pt>
+    <dgm:pt modelId="{C4801975-71F4-48D1-B902-ED5AA41607FE}" type="pres">
+      <dgm:prSet presAssocID="{B4F0F40E-29C9-496D-BDA2-525B7864A476}" presName="composite" presStyleCnt="0"/>
+      <dgm:spPr/>
+    </dgm:pt>
+    <dgm:pt modelId="{6686DA01-4710-4887-9ED3-F851DFA90AFC}" type="pres">
+      <dgm:prSet presAssocID="{B4F0F40E-29C9-496D-BDA2-525B7864A476}" presName="parentText" presStyleLbl="alignNode1" presStyleIdx="2" presStyleCnt="3">
+        <dgm:presLayoutVars>
+          <dgm:chMax val="1"/>
+          <dgm:bulletEnabled val="1"/>
+        </dgm:presLayoutVars>
+      </dgm:prSet>
+      <dgm:spPr/>
+    </dgm:pt>
+    <dgm:pt modelId="{5B4E17BA-CB83-4086-AB9F-98D828E680FB}" type="pres">
+      <dgm:prSet presAssocID="{B4F0F40E-29C9-496D-BDA2-525B7864A476}" presName="descendantText" presStyleLbl="alignAcc1" presStyleIdx="2" presStyleCnt="3">
+        <dgm:presLayoutVars>
+          <dgm:bulletEnabled val="1"/>
+        </dgm:presLayoutVars>
+      </dgm:prSet>
+      <dgm:spPr/>
+    </dgm:pt>
+  </dgm:ptLst>
+  <dgm:cxnLst>
+    <dgm:cxn modelId="{92F1CA01-19A0-4F78-A4B8-D4B4230230A6}" type="presOf" srcId="{7A818774-F187-423D-B8A8-E299CC61C89C}" destId="{E1F63806-3F95-47B1-A8FC-936CE11E41B2}" srcOrd="0" destOrd="0" presId="urn:microsoft.com/office/officeart/2005/8/layout/chevron2"/>
+    <dgm:cxn modelId="{2B9F7502-FA00-4776-91FC-DCE24DE2717C}" type="presOf" srcId="{31E0BBA0-32AB-44DE-85CB-3C80E6846810}" destId="{3F6A9F3A-70DD-47A1-BAF1-6047BA10BEF8}" srcOrd="0" destOrd="2" presId="urn:microsoft.com/office/officeart/2005/8/layout/chevron2"/>
+    <dgm:cxn modelId="{6C6CBB06-B18A-42AC-8E9C-1FECB4298C8E}" srcId="{21FE27EC-10F4-47A1-8FD5-CD3496F54607}" destId="{C24B2941-8C4E-47E5-93BE-9390D2CDBC89}" srcOrd="0" destOrd="0" parTransId="{C97A6C3A-9B27-45E4-8D96-A0B3EE805D38}" sibTransId="{95B33339-D74D-43E7-BBDD-70E0EB607FD8}"/>
+    <dgm:cxn modelId="{D544EC0C-557D-4137-BBE5-D7047405AD61}" srcId="{016DC79D-3BC0-41E5-8BCD-63EBA4F14C0D}" destId="{CED61807-9E1D-41DC-A0C2-C410C92668D0}" srcOrd="1" destOrd="0" parTransId="{DF6760EA-CD03-4B40-8B21-BE7EBE5C8B51}" sibTransId="{56F627CE-8FDB-492D-9146-C96F55B7E1C0}"/>
+    <dgm:cxn modelId="{F861C337-2A07-4392-BB25-C7074FC35D3A}" type="presOf" srcId="{CED61807-9E1D-41DC-A0C2-C410C92668D0}" destId="{E1F63806-3F95-47B1-A8FC-936CE11E41B2}" srcOrd="0" destOrd="1" presId="urn:microsoft.com/office/officeart/2005/8/layout/chevron2"/>
+    <dgm:cxn modelId="{08744D63-46D0-44D2-900A-8851AAD8CEA3}" srcId="{21FE27EC-10F4-47A1-8FD5-CD3496F54607}" destId="{B4C039DB-28DF-4F2E-9047-FCE10E8B50F4}" srcOrd="1" destOrd="0" parTransId="{88E2D7DD-A20A-4D82-B7BA-495E3CA5520E}" sibTransId="{EFC160FF-009E-419D-9011-2FCCED5BFCAE}"/>
+    <dgm:cxn modelId="{7D3C6765-2503-464F-8915-4219C7FFA67E}" type="presOf" srcId="{B4C039DB-28DF-4F2E-9047-FCE10E8B50F4}" destId="{3F6A9F3A-70DD-47A1-BAF1-6047BA10BEF8}" srcOrd="0" destOrd="1" presId="urn:microsoft.com/office/officeart/2005/8/layout/chevron2"/>
+    <dgm:cxn modelId="{C27A3E67-85B3-441D-954E-43FBB720893C}" type="presOf" srcId="{49A0E634-58A5-4059-9E7D-9503F5568F0E}" destId="{5B4E17BA-CB83-4086-AB9F-98D828E680FB}" srcOrd="0" destOrd="1" presId="urn:microsoft.com/office/officeart/2005/8/layout/chevron2"/>
+    <dgm:cxn modelId="{72F5A847-4C7B-47C0-A9E1-518AC505C169}" type="presOf" srcId="{68798DD1-6FC4-4C34-9F3F-53BBEB998853}" destId="{CAD0188A-56FC-4EB6-B5CE-816C1D97209B}" srcOrd="0" destOrd="0" presId="urn:microsoft.com/office/officeart/2005/8/layout/chevron2"/>
+    <dgm:cxn modelId="{061FAD70-44EC-4FA6-98DF-B43035022CDD}" type="presOf" srcId="{A47EFBC1-B8C2-4EA5-9B3A-F927674761C9}" destId="{E1F63806-3F95-47B1-A8FC-936CE11E41B2}" srcOrd="0" destOrd="2" presId="urn:microsoft.com/office/officeart/2005/8/layout/chevron2"/>
+    <dgm:cxn modelId="{9453C970-A133-42A1-BB1A-7672CEFA0687}" srcId="{21FE27EC-10F4-47A1-8FD5-CD3496F54607}" destId="{31E0BBA0-32AB-44DE-85CB-3C80E6846810}" srcOrd="2" destOrd="0" parTransId="{BDE34EB0-9E1B-4FF4-9FC7-70742D76E4E6}" sibTransId="{45E94802-E21A-4AC8-ACCB-FA38B41DCB9F}"/>
+    <dgm:cxn modelId="{E39F6071-D189-4302-81C2-C8D5AD0A841D}" srcId="{016DC79D-3BC0-41E5-8BCD-63EBA4F14C0D}" destId="{7A818774-F187-423D-B8A8-E299CC61C89C}" srcOrd="0" destOrd="0" parTransId="{C7A141B3-2B9C-4F4D-9D07-5F119890BE56}" sibTransId="{BF1D4A6B-4EBA-4D46-93B3-07C66BF920A8}"/>
+    <dgm:cxn modelId="{F5A0ED73-185C-43A4-B087-39723A0B16D0}" srcId="{68798DD1-6FC4-4C34-9F3F-53BBEB998853}" destId="{B4F0F40E-29C9-496D-BDA2-525B7864A476}" srcOrd="2" destOrd="0" parTransId="{85C43083-FDDC-4EB5-8CA2-AF1A2A539AE5}" sibTransId="{C9BD2B50-714A-4AF3-9879-8E0D2682421F}"/>
+    <dgm:cxn modelId="{19E0D479-A15D-4862-AFB6-01537DAB1029}" type="presOf" srcId="{016DC79D-3BC0-41E5-8BCD-63EBA4F14C0D}" destId="{94386F4B-5B07-46D9-B7E2-E761F0E5054B}" srcOrd="0" destOrd="0" presId="urn:microsoft.com/office/officeart/2005/8/layout/chevron2"/>
+    <dgm:cxn modelId="{AD3BFA8E-5D82-48E4-B9AD-318B305BF8CB}" type="presOf" srcId="{FB981EA0-3DDD-41E5-994C-58106823DD87}" destId="{5B4E17BA-CB83-4086-AB9F-98D828E680FB}" srcOrd="0" destOrd="2" presId="urn:microsoft.com/office/officeart/2005/8/layout/chevron2"/>
+    <dgm:cxn modelId="{B62C6E92-AB91-468B-B358-EDF92131A7AF}" srcId="{B4F0F40E-29C9-496D-BDA2-525B7864A476}" destId="{CEF1FAE8-58A8-4837-8EE2-2DD9C2A199A3}" srcOrd="0" destOrd="0" parTransId="{58151A2E-80AA-4AD6-A185-C0F5E8DA47AD}" sibTransId="{CBE4C6D7-AAFF-485C-A9FE-75A1ADEB00AD}"/>
+    <dgm:cxn modelId="{8228239C-D034-41ED-AF1F-44B9D40545C6}" type="presOf" srcId="{B4F0F40E-29C9-496D-BDA2-525B7864A476}" destId="{6686DA01-4710-4887-9ED3-F851DFA90AFC}" srcOrd="0" destOrd="0" presId="urn:microsoft.com/office/officeart/2005/8/layout/chevron2"/>
+    <dgm:cxn modelId="{B1127C9E-9D3C-4AAD-80DF-F94D479995DA}" type="presOf" srcId="{C24B2941-8C4E-47E5-93BE-9390D2CDBC89}" destId="{3F6A9F3A-70DD-47A1-BAF1-6047BA10BEF8}" srcOrd="0" destOrd="0" presId="urn:microsoft.com/office/officeart/2005/8/layout/chevron2"/>
+    <dgm:cxn modelId="{4BA45AA0-961A-4D1B-A3F6-BB5A22DE0A36}" type="presOf" srcId="{21FE27EC-10F4-47A1-8FD5-CD3496F54607}" destId="{09C26579-FE7E-4FCA-AD7A-C9F14DC9A41C}" srcOrd="0" destOrd="0" presId="urn:microsoft.com/office/officeart/2005/8/layout/chevron2"/>
+    <dgm:cxn modelId="{862989A2-6D7C-42A4-A92A-2FD429FB0840}" srcId="{B4F0F40E-29C9-496D-BDA2-525B7864A476}" destId="{FB981EA0-3DDD-41E5-994C-58106823DD87}" srcOrd="2" destOrd="0" parTransId="{F3950239-A916-4097-A7B6-DDA6653C9CB5}" sibTransId="{63E1678F-6B99-4762-B916-5E63C98E7666}"/>
+    <dgm:cxn modelId="{277C8FA6-6B12-4298-833C-34A046A9226D}" type="presOf" srcId="{CEF1FAE8-58A8-4837-8EE2-2DD9C2A199A3}" destId="{5B4E17BA-CB83-4086-AB9F-98D828E680FB}" srcOrd="0" destOrd="0" presId="urn:microsoft.com/office/officeart/2005/8/layout/chevron2"/>
+    <dgm:cxn modelId="{529891CA-70A8-4B23-B19B-BE2328CC8E28}" srcId="{B4F0F40E-29C9-496D-BDA2-525B7864A476}" destId="{49A0E634-58A5-4059-9E7D-9503F5568F0E}" srcOrd="1" destOrd="0" parTransId="{ACD5A1DA-F5CD-48CE-B171-EC32505DF8B8}" sibTransId="{6ACADE56-6832-41F1-9403-24B505942BF3}"/>
+    <dgm:cxn modelId="{6C0172DF-D88B-41D4-B3F5-CA15E159222B}" srcId="{68798DD1-6FC4-4C34-9F3F-53BBEB998853}" destId="{21FE27EC-10F4-47A1-8FD5-CD3496F54607}" srcOrd="0" destOrd="0" parTransId="{FF3D7B0C-E2C4-49B8-8C4B-AF120BF1E2B9}" sibTransId="{969895C4-5161-439F-BA5B-C7930ADA9517}"/>
+    <dgm:cxn modelId="{1C3620EC-CE2A-437B-813B-D62505EEF778}" srcId="{016DC79D-3BC0-41E5-8BCD-63EBA4F14C0D}" destId="{A47EFBC1-B8C2-4EA5-9B3A-F927674761C9}" srcOrd="2" destOrd="0" parTransId="{23C95D64-ACDF-4793-AF7E-ADB56BE2841D}" sibTransId="{98F84862-E132-4EA1-89ED-AC172F965CF6}"/>
+    <dgm:cxn modelId="{BC96F6EE-A452-4FD1-957C-3C61D63DF19A}" srcId="{68798DD1-6FC4-4C34-9F3F-53BBEB998853}" destId="{016DC79D-3BC0-41E5-8BCD-63EBA4F14C0D}" srcOrd="1" destOrd="0" parTransId="{2EE0B6F5-6A8E-418F-9567-1907B2738A34}" sibTransId="{E09FC7D4-5B56-4C5F-893B-848769202938}"/>
+    <dgm:cxn modelId="{8F7B8CF4-1AD3-437F-943B-15C6B8A43061}" type="presParOf" srcId="{CAD0188A-56FC-4EB6-B5CE-816C1D97209B}" destId="{396FF615-DBB1-4ADF-881C-2B53DB4685F9}" srcOrd="0" destOrd="0" presId="urn:microsoft.com/office/officeart/2005/8/layout/chevron2"/>
+    <dgm:cxn modelId="{A905407B-1A3A-4C4F-94A3-72D810F50497}" type="presParOf" srcId="{396FF615-DBB1-4ADF-881C-2B53DB4685F9}" destId="{09C26579-FE7E-4FCA-AD7A-C9F14DC9A41C}" srcOrd="0" destOrd="0" presId="urn:microsoft.com/office/officeart/2005/8/layout/chevron2"/>
+    <dgm:cxn modelId="{FD22B06B-837D-461D-90DF-5093D7EDBD71}" type="presParOf" srcId="{396FF615-DBB1-4ADF-881C-2B53DB4685F9}" destId="{3F6A9F3A-70DD-47A1-BAF1-6047BA10BEF8}" srcOrd="1" destOrd="0" presId="urn:microsoft.com/office/officeart/2005/8/layout/chevron2"/>
+    <dgm:cxn modelId="{EA8A4336-7389-4C30-8110-DAB2C1C21C0D}" type="presParOf" srcId="{CAD0188A-56FC-4EB6-B5CE-816C1D97209B}" destId="{3EBAEAF0-87C5-4A8F-A60B-5164C3139ED0}" srcOrd="1" destOrd="0" presId="urn:microsoft.com/office/officeart/2005/8/layout/chevron2"/>
+    <dgm:cxn modelId="{8C3399FB-03D1-42FB-9F72-2D7B16B0B99C}" type="presParOf" srcId="{CAD0188A-56FC-4EB6-B5CE-816C1D97209B}" destId="{18A31272-9A53-4608-B75D-8841D31598E9}" srcOrd="2" destOrd="0" presId="urn:microsoft.com/office/officeart/2005/8/layout/chevron2"/>
+    <dgm:cxn modelId="{0638D5CA-D355-474F-B10D-C8495E5251C1}" type="presParOf" srcId="{18A31272-9A53-4608-B75D-8841D31598E9}" destId="{94386F4B-5B07-46D9-B7E2-E761F0E5054B}" srcOrd="0" destOrd="0" presId="urn:microsoft.com/office/officeart/2005/8/layout/chevron2"/>
+    <dgm:cxn modelId="{E557CDAE-CAC8-4B57-A151-C05291D75607}" type="presParOf" srcId="{18A31272-9A53-4608-B75D-8841D31598E9}" destId="{E1F63806-3F95-47B1-A8FC-936CE11E41B2}" srcOrd="1" destOrd="0" presId="urn:microsoft.com/office/officeart/2005/8/layout/chevron2"/>
+    <dgm:cxn modelId="{E126AC08-CC93-4BC4-8D81-C096DE23E2B9}" type="presParOf" srcId="{CAD0188A-56FC-4EB6-B5CE-816C1D97209B}" destId="{08C09676-E15B-414E-ADE9-4CFD21277716}" srcOrd="3" destOrd="0" presId="urn:microsoft.com/office/officeart/2005/8/layout/chevron2"/>
+    <dgm:cxn modelId="{4B1D40FC-B1C2-453A-8607-302FF2BC833D}" type="presParOf" srcId="{CAD0188A-56FC-4EB6-B5CE-816C1D97209B}" destId="{C4801975-71F4-48D1-B902-ED5AA41607FE}" srcOrd="4" destOrd="0" presId="urn:microsoft.com/office/officeart/2005/8/layout/chevron2"/>
+    <dgm:cxn modelId="{ACA736AB-5FFF-45DB-B3E4-E228D3373A70}" type="presParOf" srcId="{C4801975-71F4-48D1-B902-ED5AA41607FE}" destId="{6686DA01-4710-4887-9ED3-F851DFA90AFC}" srcOrd="0" destOrd="0" presId="urn:microsoft.com/office/officeart/2005/8/layout/chevron2"/>
+    <dgm:cxn modelId="{62960D37-07F8-4C07-8FAC-939964988643}" type="presParOf" srcId="{C4801975-71F4-48D1-B902-ED5AA41607FE}" destId="{5B4E17BA-CB83-4086-AB9F-98D828E680FB}" srcOrd="1" destOrd="0" presId="urn:microsoft.com/office/officeart/2005/8/layout/chevron2"/>
+  </dgm:cxnLst>
+  <dgm:bg/>
+  <dgm:whole>
+    <a:ln>
+      <a:solidFill>
+        <a:schemeClr val="bg1">
+          <a:lumMod val="50000"/>
+        </a:schemeClr>
+      </a:solidFill>
+    </a:ln>
+  </dgm:whole>
+  <dgm:extLst>
+    <a:ext uri="http://schemas.microsoft.com/office/drawing/2008/diagram">
+      <dsp:dataModelExt xmlns:dsp="http://schemas.microsoft.com/office/drawing/2008/diagram" relId="rId7" minVer="http://schemas.openxmlformats.org/drawingml/2006/diagram"/>
+    </a:ext>
+  </dgm:extLst>
+</dgm:dataModel>
+</file>
+
+<file path=ppt/diagrams/drawing1.xml><?xml version="1.0" encoding="utf-8"?>
+<dsp:drawing xmlns:dgm="http://schemas.openxmlformats.org/drawingml/2006/diagram" xmlns:dsp="http://schemas.microsoft.com/office/drawing/2008/diagram" xmlns:a="http://schemas.openxmlformats.org/drawingml/2006/main">
+  <dsp:spTree>
+    <dsp:nvGrpSpPr>
+      <dsp:cNvPr id="0" name=""/>
+      <dsp:cNvGrpSpPr/>
+    </dsp:nvGrpSpPr>
+    <dsp:grpSpPr/>
+    <dsp:sp modelId="{09C26579-FE7E-4FCA-AD7A-C9F14DC9A41C}">
+      <dsp:nvSpPr>
+        <dsp:cNvPr id="0" name=""/>
+        <dsp:cNvSpPr/>
+      </dsp:nvSpPr>
+      <dsp:spPr>
+        <a:xfrm rot="5400000">
+          <a:off x="-400080" y="401101"/>
+          <a:ext cx="2667200" cy="1867040"/>
+        </a:xfrm>
+        <a:prstGeom prst="chevron">
+          <a:avLst/>
+        </a:prstGeom>
+        <a:solidFill>
+          <a:srgbClr val="C00000"/>
+        </a:solidFill>
+        <a:ln w="25400" cap="flat" cmpd="sng" algn="ctr">
+          <a:solidFill>
+            <a:schemeClr val="accent1">
+              <a:hueOff val="0"/>
+              <a:satOff val="0"/>
+              <a:lumOff val="0"/>
+              <a:alphaOff val="0"/>
+            </a:schemeClr>
+          </a:solidFill>
+          <a:prstDash val="solid"/>
+        </a:ln>
+        <a:effectLst/>
+      </dsp:spPr>
+      <dsp:style>
+        <a:lnRef idx="2">
+          <a:scrgbClr r="0" g="0" b="0"/>
+        </a:lnRef>
+        <a:fillRef idx="1">
+          <a:scrgbClr r="0" g="0" b="0"/>
+        </a:fillRef>
+        <a:effectRef idx="0">
+          <a:scrgbClr r="0" g="0" b="0"/>
+        </a:effectRef>
+        <a:fontRef idx="minor">
+          <a:schemeClr val="lt1"/>
+        </a:fontRef>
+      </dsp:style>
+      <dsp:txBody>
+        <a:bodyPr spcFirstLastPara="0" vert="horz" wrap="square" lIns="15875" tIns="15875" rIns="15875" bIns="15875" numCol="1" spcCol="1270" anchor="ctr" anchorCtr="0">
+          <a:noAutofit/>
+        </a:bodyPr>
+        <a:lstStyle/>
+        <a:p>
+          <a:pPr marL="0" lvl="0" indent="0" algn="ctr" defTabSz="1111250">
+            <a:lnSpc>
+              <a:spcPct val="90000"/>
+            </a:lnSpc>
+            <a:spcBef>
+              <a:spcPct val="0"/>
+            </a:spcBef>
+            <a:spcAft>
+              <a:spcPct val="35000"/>
+            </a:spcAft>
+            <a:buNone/>
+          </a:pPr>
+          <a:r>
+            <a:rPr lang="en-US" sz="2500" b="1" kern="1200" dirty="0"/>
+            <a:t>Individuals</a:t>
+          </a:r>
+        </a:p>
+      </dsp:txBody>
+      <dsp:txXfrm rot="-5400000">
+        <a:off x="0" y="934541"/>
+        <a:ext cx="1867040" cy="800160"/>
+      </dsp:txXfrm>
+    </dsp:sp>
+    <dsp:sp modelId="{3F6A9F3A-70DD-47A1-BAF1-6047BA10BEF8}">
+      <dsp:nvSpPr>
+        <dsp:cNvPr id="0" name=""/>
+        <dsp:cNvSpPr/>
+      </dsp:nvSpPr>
+      <dsp:spPr>
+        <a:xfrm rot="5400000">
+          <a:off x="8867780" y="-6999718"/>
+          <a:ext cx="1733680" cy="15735159"/>
+        </a:xfrm>
+        <a:prstGeom prst="round2SameRect">
+          <a:avLst/>
+        </a:prstGeom>
+        <a:solidFill>
+          <a:schemeClr val="lt1">
+            <a:alpha val="90000"/>
+            <a:hueOff val="0"/>
+            <a:satOff val="0"/>
+            <a:lumOff val="0"/>
+            <a:alphaOff val="0"/>
+          </a:schemeClr>
+        </a:solidFill>
+        <a:ln w="25400" cap="flat" cmpd="sng" algn="ctr">
+          <a:solidFill>
+            <a:schemeClr val="bg1">
+              <a:lumMod val="50000"/>
+            </a:schemeClr>
+          </a:solidFill>
+          <a:prstDash val="solid"/>
+        </a:ln>
+        <a:effectLst/>
+      </dsp:spPr>
+      <dsp:style>
+        <a:lnRef idx="2">
+          <a:scrgbClr r="0" g="0" b="0"/>
+        </a:lnRef>
+        <a:fillRef idx="1">
+          <a:scrgbClr r="0" g="0" b="0"/>
+        </a:fillRef>
+        <a:effectRef idx="0">
+          <a:scrgbClr r="0" g="0" b="0"/>
+        </a:effectRef>
+        <a:fontRef idx="minor"/>
+      </dsp:style>
+      <dsp:txBody>
+        <a:bodyPr spcFirstLastPara="0" vert="horz" wrap="square" lIns="227584" tIns="20320" rIns="20320" bIns="20320" numCol="1" spcCol="1270" anchor="ctr" anchorCtr="0">
+          <a:noAutofit/>
+        </a:bodyPr>
+        <a:lstStyle/>
+        <a:p>
+          <a:pPr marL="285750" lvl="1" indent="-285750" algn="l" defTabSz="1422400">
+            <a:lnSpc>
+              <a:spcPct val="90000"/>
+            </a:lnSpc>
+            <a:spcBef>
+              <a:spcPct val="0"/>
+            </a:spcBef>
+            <a:spcAft>
+              <a:spcPct val="15000"/>
+            </a:spcAft>
+            <a:buChar char="•"/>
+          </a:pPr>
+          <a:r>
+            <a:rPr lang="en-US" sz="3200" kern="1200" dirty="0"/>
+            <a:t>Self-paced courses &amp; live workshops</a:t>
+          </a:r>
+        </a:p>
+        <a:p>
+          <a:pPr marL="285750" lvl="1" indent="-285750" algn="l" defTabSz="1422400">
+            <a:lnSpc>
+              <a:spcPct val="90000"/>
+            </a:lnSpc>
+            <a:spcBef>
+              <a:spcPct val="0"/>
+            </a:spcBef>
+            <a:spcAft>
+              <a:spcPct val="15000"/>
+            </a:spcAft>
+            <a:buChar char="•"/>
+          </a:pPr>
+          <a:r>
+            <a:rPr lang="en-US" sz="3200" kern="1200" dirty="0"/>
+            <a:t>Learn when to use formulas, Power Query, Python, and Copilot</a:t>
+          </a:r>
+        </a:p>
+        <a:p>
+          <a:pPr marL="285750" lvl="1" indent="-285750" algn="l" defTabSz="1422400">
+            <a:lnSpc>
+              <a:spcPct val="90000"/>
+            </a:lnSpc>
+            <a:spcBef>
+              <a:spcPct val="0"/>
+            </a:spcBef>
+            <a:spcAft>
+              <a:spcPct val="15000"/>
+            </a:spcAft>
+            <a:buChar char="•"/>
+          </a:pPr>
+          <a:r>
+            <a:rPr lang="en-US" sz="3200" kern="1200" dirty="0"/>
+            <a:t>Focus on clarity, maintainability, and confidence</a:t>
+          </a:r>
+        </a:p>
+      </dsp:txBody>
+      <dsp:txXfrm rot="-5400000">
+        <a:off x="1867041" y="85652"/>
+        <a:ext cx="15650528" cy="1564418"/>
+      </dsp:txXfrm>
+    </dsp:sp>
+    <dsp:sp modelId="{94386F4B-5B07-46D9-B7E2-E761F0E5054B}">
+      <dsp:nvSpPr>
+        <dsp:cNvPr id="0" name=""/>
+        <dsp:cNvSpPr/>
+      </dsp:nvSpPr>
+      <dsp:spPr>
+        <a:xfrm rot="5400000">
+          <a:off x="-400080" y="2881023"/>
+          <a:ext cx="2667200" cy="1867040"/>
+        </a:xfrm>
+        <a:prstGeom prst="chevron">
+          <a:avLst/>
+        </a:prstGeom>
+        <a:solidFill>
+          <a:srgbClr val="C00000"/>
+        </a:solidFill>
+        <a:ln w="25400" cap="flat" cmpd="sng" algn="ctr">
+          <a:solidFill>
+            <a:schemeClr val="accent1">
+              <a:hueOff val="0"/>
+              <a:satOff val="0"/>
+              <a:lumOff val="0"/>
+              <a:alphaOff val="0"/>
+            </a:schemeClr>
+          </a:solidFill>
+          <a:prstDash val="solid"/>
+        </a:ln>
+        <a:effectLst/>
+      </dsp:spPr>
+      <dsp:style>
+        <a:lnRef idx="2">
+          <a:scrgbClr r="0" g="0" b="0"/>
+        </a:lnRef>
+        <a:fillRef idx="1">
+          <a:scrgbClr r="0" g="0" b="0"/>
+        </a:fillRef>
+        <a:effectRef idx="0">
+          <a:scrgbClr r="0" g="0" b="0"/>
+        </a:effectRef>
+        <a:fontRef idx="minor">
+          <a:schemeClr val="lt1"/>
+        </a:fontRef>
+      </dsp:style>
+      <dsp:txBody>
+        <a:bodyPr spcFirstLastPara="0" vert="horz" wrap="square" lIns="15875" tIns="15875" rIns="15875" bIns="15875" numCol="1" spcCol="1270" anchor="ctr" anchorCtr="0">
+          <a:noAutofit/>
+        </a:bodyPr>
+        <a:lstStyle/>
+        <a:p>
+          <a:pPr marL="0" lvl="0" indent="0" algn="ctr" defTabSz="1111250">
+            <a:lnSpc>
+              <a:spcPct val="90000"/>
+            </a:lnSpc>
+            <a:spcBef>
+              <a:spcPct val="0"/>
+            </a:spcBef>
+            <a:spcAft>
+              <a:spcPct val="35000"/>
+            </a:spcAft>
+            <a:buNone/>
+          </a:pPr>
+          <a:r>
+            <a:rPr lang="en-US" sz="2500" b="1" kern="1200" dirty="0"/>
+            <a:t>Teams</a:t>
+          </a:r>
+        </a:p>
+      </dsp:txBody>
+      <dsp:txXfrm rot="-5400000">
+        <a:off x="0" y="3414463"/>
+        <a:ext cx="1867040" cy="800160"/>
+      </dsp:txXfrm>
+    </dsp:sp>
+    <dsp:sp modelId="{E1F63806-3F95-47B1-A8FC-936CE11E41B2}">
+      <dsp:nvSpPr>
+        <dsp:cNvPr id="0" name=""/>
+        <dsp:cNvSpPr/>
+      </dsp:nvSpPr>
+      <dsp:spPr>
+        <a:xfrm rot="5400000">
+          <a:off x="8867780" y="-4519796"/>
+          <a:ext cx="1733680" cy="15735159"/>
+        </a:xfrm>
+        <a:prstGeom prst="round2SameRect">
+          <a:avLst/>
+        </a:prstGeom>
+        <a:solidFill>
+          <a:schemeClr val="lt1">
+            <a:alpha val="90000"/>
+            <a:hueOff val="0"/>
+            <a:satOff val="0"/>
+            <a:lumOff val="0"/>
+            <a:alphaOff val="0"/>
+          </a:schemeClr>
+        </a:solidFill>
+        <a:ln w="25400" cap="flat" cmpd="sng" algn="ctr">
+          <a:solidFill>
+            <a:schemeClr val="bg1">
+              <a:lumMod val="50000"/>
+            </a:schemeClr>
+          </a:solidFill>
+          <a:prstDash val="solid"/>
+        </a:ln>
+        <a:effectLst/>
+      </dsp:spPr>
+      <dsp:style>
+        <a:lnRef idx="2">
+          <a:scrgbClr r="0" g="0" b="0"/>
+        </a:lnRef>
+        <a:fillRef idx="1">
+          <a:scrgbClr r="0" g="0" b="0"/>
+        </a:fillRef>
+        <a:effectRef idx="0">
+          <a:scrgbClr r="0" g="0" b="0"/>
+        </a:effectRef>
+        <a:fontRef idx="minor"/>
+      </dsp:style>
+      <dsp:txBody>
+        <a:bodyPr spcFirstLastPara="0" vert="horz" wrap="square" lIns="227584" tIns="20320" rIns="20320" bIns="20320" numCol="1" spcCol="1270" anchor="ctr" anchorCtr="0">
+          <a:noAutofit/>
+        </a:bodyPr>
+        <a:lstStyle/>
+        <a:p>
+          <a:pPr marL="285750" lvl="1" indent="-285750" algn="l" defTabSz="1422400">
+            <a:lnSpc>
+              <a:spcPct val="90000"/>
+            </a:lnSpc>
+            <a:spcBef>
+              <a:spcPct val="0"/>
+            </a:spcBef>
+            <a:spcAft>
+              <a:spcPct val="15000"/>
+            </a:spcAft>
+            <a:buChar char="•"/>
+          </a:pPr>
+          <a:r>
+            <a:rPr lang="en-US" sz="3200" kern="1200" dirty="0"/>
+            <a:t>Practical corporate training</a:t>
+          </a:r>
+        </a:p>
+        <a:p>
+          <a:pPr marL="285750" lvl="1" indent="-285750" algn="l" defTabSz="1422400">
+            <a:lnSpc>
+              <a:spcPct val="90000"/>
+            </a:lnSpc>
+            <a:spcBef>
+              <a:spcPct val="0"/>
+            </a:spcBef>
+            <a:spcAft>
+              <a:spcPct val="15000"/>
+            </a:spcAft>
+            <a:buChar char="•"/>
+          </a:pPr>
+          <a:r>
+            <a:rPr lang="en-US" sz="3200" kern="1200" dirty="0"/>
+            <a:t>Apply modern Excel patterns to real workflows</a:t>
+          </a:r>
+        </a:p>
+        <a:p>
+          <a:pPr marL="285750" lvl="1" indent="-285750" algn="l" defTabSz="1422400">
+            <a:lnSpc>
+              <a:spcPct val="90000"/>
+            </a:lnSpc>
+            <a:spcBef>
+              <a:spcPct val="0"/>
+            </a:spcBef>
+            <a:spcAft>
+              <a:spcPct val="15000"/>
+            </a:spcAft>
+            <a:buChar char="•"/>
+          </a:pPr>
+          <a:r>
+            <a:rPr lang="en-US" sz="3200" kern="1200" dirty="0"/>
+            <a:t>Reduce errors, rework, and one-off fixes</a:t>
+          </a:r>
+        </a:p>
+      </dsp:txBody>
+      <dsp:txXfrm rot="-5400000">
+        <a:off x="1867041" y="2565574"/>
+        <a:ext cx="15650528" cy="1564418"/>
+      </dsp:txXfrm>
+    </dsp:sp>
+    <dsp:sp modelId="{6686DA01-4710-4887-9ED3-F851DFA90AFC}">
+      <dsp:nvSpPr>
+        <dsp:cNvPr id="0" name=""/>
+        <dsp:cNvSpPr/>
+      </dsp:nvSpPr>
+      <dsp:spPr>
+        <a:xfrm rot="5400000">
+          <a:off x="-400080" y="5360944"/>
+          <a:ext cx="2667200" cy="1867040"/>
+        </a:xfrm>
+        <a:prstGeom prst="chevron">
+          <a:avLst/>
+        </a:prstGeom>
+        <a:solidFill>
+          <a:srgbClr val="C00000"/>
+        </a:solidFill>
+        <a:ln w="25400" cap="flat" cmpd="sng" algn="ctr">
+          <a:solidFill>
+            <a:schemeClr val="accent1">
+              <a:hueOff val="0"/>
+              <a:satOff val="0"/>
+              <a:lumOff val="0"/>
+              <a:alphaOff val="0"/>
+            </a:schemeClr>
+          </a:solidFill>
+          <a:prstDash val="solid"/>
+        </a:ln>
+        <a:effectLst/>
+      </dsp:spPr>
+      <dsp:style>
+        <a:lnRef idx="2">
+          <a:scrgbClr r="0" g="0" b="0"/>
+        </a:lnRef>
+        <a:fillRef idx="1">
+          <a:scrgbClr r="0" g="0" b="0"/>
+        </a:fillRef>
+        <a:effectRef idx="0">
+          <a:scrgbClr r="0" g="0" b="0"/>
+        </a:effectRef>
+        <a:fontRef idx="minor">
+          <a:schemeClr val="lt1"/>
+        </a:fontRef>
+      </dsp:style>
+      <dsp:txBody>
+        <a:bodyPr spcFirstLastPara="0" vert="horz" wrap="square" lIns="15875" tIns="15875" rIns="15875" bIns="15875" numCol="1" spcCol="1270" anchor="ctr" anchorCtr="0">
+          <a:noAutofit/>
+        </a:bodyPr>
+        <a:lstStyle/>
+        <a:p>
+          <a:pPr marL="0" lvl="0" indent="0" algn="ctr" defTabSz="1111250">
+            <a:lnSpc>
+              <a:spcPct val="90000"/>
+            </a:lnSpc>
+            <a:spcBef>
+              <a:spcPct val="0"/>
+            </a:spcBef>
+            <a:spcAft>
+              <a:spcPct val="35000"/>
+            </a:spcAft>
+            <a:buNone/>
+          </a:pPr>
+          <a:r>
+            <a:rPr lang="en-US" sz="2500" b="1" kern="1200" dirty="0"/>
+            <a:t>Organizations</a:t>
+          </a:r>
+        </a:p>
+      </dsp:txBody>
+      <dsp:txXfrm rot="-5400000">
+        <a:off x="0" y="5894384"/>
+        <a:ext cx="1867040" cy="800160"/>
+      </dsp:txXfrm>
+    </dsp:sp>
+    <dsp:sp modelId="{5B4E17BA-CB83-4086-AB9F-98D828E680FB}">
+      <dsp:nvSpPr>
+        <dsp:cNvPr id="0" name=""/>
+        <dsp:cNvSpPr/>
+      </dsp:nvSpPr>
+      <dsp:spPr>
+        <a:xfrm rot="5400000">
+          <a:off x="8867780" y="-2039874"/>
+          <a:ext cx="1733680" cy="15735159"/>
+        </a:xfrm>
+        <a:prstGeom prst="round2SameRect">
+          <a:avLst/>
+        </a:prstGeom>
+        <a:solidFill>
+          <a:schemeClr val="lt1">
+            <a:alpha val="90000"/>
+            <a:hueOff val="0"/>
+            <a:satOff val="0"/>
+            <a:lumOff val="0"/>
+            <a:alphaOff val="0"/>
+          </a:schemeClr>
+        </a:solidFill>
+        <a:ln w="25400" cap="flat" cmpd="sng" algn="ctr">
+          <a:solidFill>
+            <a:schemeClr val="bg1">
+              <a:lumMod val="50000"/>
+            </a:schemeClr>
+          </a:solidFill>
+          <a:prstDash val="solid"/>
+        </a:ln>
+        <a:effectLst/>
+      </dsp:spPr>
+      <dsp:style>
+        <a:lnRef idx="2">
+          <a:scrgbClr r="0" g="0" b="0"/>
+        </a:lnRef>
+        <a:fillRef idx="1">
+          <a:scrgbClr r="0" g="0" b="0"/>
+        </a:fillRef>
+        <a:effectRef idx="0">
+          <a:scrgbClr r="0" g="0" b="0"/>
+        </a:effectRef>
+        <a:fontRef idx="minor"/>
+      </dsp:style>
+      <dsp:txBody>
+        <a:bodyPr spcFirstLastPara="0" vert="horz" wrap="square" lIns="227584" tIns="20320" rIns="20320" bIns="20320" numCol="1" spcCol="1270" anchor="ctr" anchorCtr="0">
+          <a:noAutofit/>
+        </a:bodyPr>
+        <a:lstStyle/>
+        <a:p>
+          <a:pPr marL="285750" lvl="1" indent="-285750" algn="l" defTabSz="1422400">
+            <a:lnSpc>
+              <a:spcPct val="90000"/>
+            </a:lnSpc>
+            <a:spcBef>
+              <a:spcPct val="0"/>
+            </a:spcBef>
+            <a:spcAft>
+              <a:spcPct val="15000"/>
+            </a:spcAft>
+            <a:buChar char="•"/>
+          </a:pPr>
+          <a:r>
+            <a:rPr lang="en-US" sz="3200" kern="1200" dirty="0"/>
+            <a:t>Guided, multi-week modernization program</a:t>
+          </a:r>
+        </a:p>
+        <a:p>
+          <a:pPr marL="285750" lvl="1" indent="-285750" algn="l" defTabSz="1422400">
+            <a:lnSpc>
+              <a:spcPct val="90000"/>
+            </a:lnSpc>
+            <a:spcBef>
+              <a:spcPct val="0"/>
+            </a:spcBef>
+            <a:spcAft>
+              <a:spcPct val="15000"/>
+            </a:spcAft>
+            <a:buChar char="•"/>
+          </a:pPr>
+          <a:r>
+            <a:rPr lang="en-US" sz="3200" kern="1200" dirty="0"/>
+            <a:t>Teams learn to build pipelines, automation, and documentation</a:t>
+          </a:r>
+        </a:p>
+        <a:p>
+          <a:pPr marL="285750" lvl="1" indent="-285750" algn="l" defTabSz="1422400">
+            <a:lnSpc>
+              <a:spcPct val="90000"/>
+            </a:lnSpc>
+            <a:spcBef>
+              <a:spcPct val="0"/>
+            </a:spcBef>
+            <a:spcAft>
+              <a:spcPct val="15000"/>
+            </a:spcAft>
+            <a:buChar char="•"/>
+          </a:pPr>
+          <a:r>
+            <a:rPr lang="en-US" sz="3200" kern="1200" dirty="0"/>
+            <a:t>Internal ownership of reliable, </a:t>
+          </a:r>
+          <a:r>
+            <a:rPr lang="en-US" sz="3200" kern="1200"/>
+            <a:t>auditable workflows</a:t>
+          </a:r>
+          <a:endParaRPr lang="en-US" sz="3200" kern="1200" dirty="0"/>
+        </a:p>
+      </dsp:txBody>
+      <dsp:txXfrm rot="-5400000">
+        <a:off x="1867041" y="5045496"/>
+        <a:ext cx="15650528" cy="1564418"/>
+      </dsp:txXfrm>
+    </dsp:sp>
+  </dsp:spTree>
+</dsp:drawing>
+</file>
+
+<file path=ppt/diagrams/layout1.xml><?xml version="1.0" encoding="utf-8"?>
+<dgm:layoutDef xmlns:dgm="http://schemas.openxmlformats.org/drawingml/2006/diagram" xmlns:a="http://schemas.openxmlformats.org/drawingml/2006/main" uniqueId="urn:microsoft.com/office/officeart/2005/8/layout/chevron2">
+  <dgm:title val=""/>
+  <dgm:desc val=""/>
+  <dgm:catLst>
+    <dgm:cat type="process" pri="12000"/>
+    <dgm:cat type="list" pri="16000"/>
+    <dgm:cat type="convert" pri="11000"/>
+  </dgm:catLst>
+  <dgm:sampData>
+    <dgm:dataModel>
+      <dgm:ptLst>
+        <dgm:pt modelId="0" type="doc"/>
+        <dgm:pt modelId="1">
+          <dgm:prSet phldr="1"/>
+        </dgm:pt>
+        <dgm:pt modelId="11">
+          <dgm:prSet phldr="1"/>
+        </dgm:pt>
+        <dgm:pt modelId="12">
+          <dgm:prSet phldr="1"/>
+        </dgm:pt>
+        <dgm:pt modelId="2">
+          <dgm:prSet phldr="1"/>
+        </dgm:pt>
+        <dgm:pt modelId="21">
+          <dgm:prSet phldr="1"/>
+        </dgm:pt>
+        <dgm:pt modelId="22">
+          <dgm:prSet phldr="1"/>
+        </dgm:pt>
+        <dgm:pt modelId="3">
+          <dgm:prSet phldr="1"/>
+        </dgm:pt>
+        <dgm:pt modelId="31">
+          <dgm:prSet phldr="1"/>
+        </dgm:pt>
+        <dgm:pt modelId="32">
+          <dgm:prSet phldr="1"/>
+        </dgm:pt>
+      </dgm:ptLst>
+      <dgm:cxnLst>
+        <dgm:cxn modelId="4" srcId="0" destId="1" srcOrd="0" destOrd="0"/>
+        <dgm:cxn modelId="5" srcId="0" destId="2" srcOrd="1" destOrd="0"/>
+        <dgm:cxn modelId="6" srcId="0" destId="3" srcOrd="2" destOrd="0"/>
+        <dgm:cxn modelId="13" srcId="1" destId="11" srcOrd="0" destOrd="0"/>
+        <dgm:cxn modelId="14" srcId="1" destId="12" srcOrd="1" destOrd="0"/>
+        <dgm:cxn modelId="23" srcId="2" destId="21" srcOrd="0" destOrd="0"/>
+        <dgm:cxn modelId="24" srcId="2" destId="22" srcOrd="1" destOrd="0"/>
+        <dgm:cxn modelId="33" srcId="3" destId="31" srcOrd="0" destOrd="0"/>
+        <dgm:cxn modelId="34" srcId="3" destId="32" srcOrd="1" destOrd="0"/>
+      </dgm:cxnLst>
+      <dgm:bg/>
+      <dgm:whole/>
+    </dgm:dataModel>
+  </dgm:sampData>
+  <dgm:styleData>
+    <dgm:dataModel>
+      <dgm:ptLst>
+        <dgm:pt modelId="0" type="doc"/>
+        <dgm:pt modelId="1"/>
+      </dgm:ptLst>
+      <dgm:cxnLst>
+        <dgm:cxn modelId="4" srcId="0" destId="1" srcOrd="0" destOrd="0"/>
+      </dgm:cxnLst>
+      <dgm:bg/>
+      <dgm:whole/>
+    </dgm:dataModel>
+  </dgm:styleData>
+  <dgm:clrData>
+    <dgm:dataModel>
+      <dgm:ptLst>
+        <dgm:pt modelId="0" type="doc"/>
+        <dgm:pt modelId="1"/>
+        <dgm:pt modelId="11"/>
+        <dgm:pt modelId="2"/>
+        <dgm:pt modelId="21"/>
+        <dgm:pt modelId="3"/>
+        <dgm:pt modelId="31"/>
+        <dgm:pt modelId="4"/>
+        <dgm:pt modelId="41"/>
+      </dgm:ptLst>
+      <dgm:cxnLst>
+        <dgm:cxn modelId="5" srcId="0" destId="1" srcOrd="0" destOrd="0"/>
+        <dgm:cxn modelId="6" srcId="0" destId="2" srcOrd="1" destOrd="0"/>
+        <dgm:cxn modelId="7" srcId="0" destId="3" srcOrd="2" destOrd="0"/>
+        <dgm:cxn modelId="8" srcId="0" destId="4" srcOrd="3" destOrd="0"/>
+        <dgm:cxn modelId="13" srcId="1" destId="11" srcOrd="0" destOrd="0"/>
+        <dgm:cxn modelId="23" srcId="2" destId="21" srcOrd="0" destOrd="0"/>
+        <dgm:cxn modelId="33" srcId="3" destId="31" srcOrd="0" destOrd="0"/>
+        <dgm:cxn modelId="43" srcId="4" destId="41" srcOrd="0" destOrd="0"/>
+      </dgm:cxnLst>
+      <dgm:bg/>
+      <dgm:whole/>
+    </dgm:dataModel>
+  </dgm:clrData>
+  <dgm:layoutNode name="linearFlow">
+    <dgm:varLst>
+      <dgm:dir/>
+      <dgm:animLvl val="lvl"/>
+      <dgm:resizeHandles val="exact"/>
+    </dgm:varLst>
+    <dgm:alg type="lin">
+      <dgm:param type="linDir" val="fromT"/>
+      <dgm:param type="nodeHorzAlign" val="l"/>
+    </dgm:alg>
+    <dgm:shape xmlns:r="http://schemas.openxmlformats.org/officeDocument/2006/relationships" r:blip="">
+      <dgm:adjLst/>
+    </dgm:shape>
+    <dgm:presOf/>
+    <dgm:constrLst>
+      <dgm:constr type="h" for="ch" forName="composite" refType="h"/>
+      <dgm:constr type="w" for="ch" forName="composite" refType="w"/>
+      <dgm:constr type="h" for="des" forName="parentText" op="equ"/>
+      <dgm:constr type="h" for="ch" forName="sp" val="-14.88"/>
+      <dgm:constr type="h" for="ch" forName="sp" refType="w" refFor="des" refForName="parentText" op="gte" fact="-0.3"/>
+      <dgm:constr type="primFontSz" for="des" forName="parentText" op="equ" val="65"/>
+      <dgm:constr type="primFontSz" for="des" forName="descendantText" op="equ" val="65"/>
+    </dgm:constrLst>
+    <dgm:ruleLst/>
+    <dgm:forEach name="Name0" axis="ch" ptType="node">
+      <dgm:layoutNode name="composite">
+        <dgm:alg type="composite"/>
+        <dgm:shape xmlns:r="http://schemas.openxmlformats.org/officeDocument/2006/relationships" r:blip="">
+          <dgm:adjLst/>
+        </dgm:shape>
+        <dgm:presOf/>
+        <dgm:choose name="Name1">
+          <dgm:if name="Name2" func="var" arg="dir" op="equ" val="norm">
+            <dgm:constrLst>
+              <dgm:constr type="t" for="ch" forName="parentText"/>
+              <dgm:constr type="l" for="ch" forName="parentText"/>
+              <dgm:constr type="w" for="ch" forName="parentText" refType="w" fact="0.4"/>
+              <dgm:constr type="h" for="ch" forName="parentText" refType="h"/>
+              <dgm:constr type="w" for="ch" forName="parentText" refType="w" op="lte" fact="0.5"/>
+              <dgm:constr type="w" for="ch" forName="parentText" refType="h" refFor="ch" refForName="parentText" op="lte" fact="0.7"/>
+              <dgm:constr type="h" for="ch" forName="parentText" refType="w" refFor="ch" refForName="parentText" op="lte" fact="3"/>
+              <dgm:constr type="l" for="ch" forName="descendantText" refType="w" refFor="ch" refForName="parentText"/>
+              <dgm:constr type="w" for="ch" forName="descendantText" refType="w"/>
+              <dgm:constr type="wOff" for="ch" forName="descendantText" refType="w" refFor="ch" refForName="parentText" fact="-1"/>
+              <dgm:constr type="t" for="ch" forName="descendantText"/>
+              <dgm:constr type="b" for="ch" forName="descendantText" refType="h" refFor="ch" refForName="parentText"/>
+              <dgm:constr type="bOff" for="ch" forName="descendantText" refType="w" refFor="ch" refForName="parentText" fact="-0.5"/>
+            </dgm:constrLst>
+          </dgm:if>
+          <dgm:else name="Name3">
+            <dgm:constrLst>
+              <dgm:constr type="t" for="ch" forName="parentText"/>
+              <dgm:constr type="r" for="ch" forName="parentText" refType="w"/>
+              <dgm:constr type="w" for="ch" forName="parentText" refType="w" fact="0.4"/>
+              <dgm:constr type="h" for="ch" forName="parentText" refType="h"/>
+              <dgm:constr type="w" for="ch" forName="parentText" refType="w" op="lte" fact="0.5"/>
+              <dgm:constr type="w" for="ch" forName="parentText" refType="h" refFor="ch" refForName="parentText" op="lte" fact="0.7"/>
+              <dgm:constr type="h" for="ch" forName="parentText" refType="w" refFor="ch" refForName="parentText" op="lte" fact="3"/>
+              <dgm:constr type="l" for="ch" forName="descendantText"/>
+              <dgm:constr type="w" for="ch" forName="descendantText" refType="w"/>
+              <dgm:constr type="wOff" for="ch" forName="descendantText" refType="w" refFor="ch" refForName="parentText" fact="-1"/>
+              <dgm:constr type="t" for="ch" forName="descendantText"/>
+              <dgm:constr type="b" for="ch" forName="descendantText" refType="h" refFor="ch" refForName="parentText"/>
+              <dgm:constr type="bOff" for="ch" forName="descendantText" refType="w" refFor="ch" refForName="parentText" fact="-0.5"/>
+            </dgm:constrLst>
+          </dgm:else>
+        </dgm:choose>
+        <dgm:ruleLst/>
+        <dgm:layoutNode name="parentText" styleLbl="alignNode1">
+          <dgm:varLst>
+            <dgm:chMax val="1"/>
+            <dgm:bulletEnabled val="1"/>
+          </dgm:varLst>
+          <dgm:alg type="tx"/>
+          <dgm:shape xmlns:r="http://schemas.openxmlformats.org/officeDocument/2006/relationships" rot="90" type="chevron" r:blip="">
+            <dgm:adjLst/>
+          </dgm:shape>
+          <dgm:presOf axis="self" ptType="node"/>
+          <dgm:constrLst>
+            <dgm:constr type="lMarg" refType="primFontSz" fact="0.05"/>
+            <dgm:constr type="rMarg" refType="primFontSz" fact="0.05"/>
+            <dgm:constr type="tMarg" refType="primFontSz" fact="0.05"/>
+            <dgm:constr type="bMarg" refType="primFontSz" fact="0.05"/>
+          </dgm:constrLst>
+          <dgm:ruleLst>
+            <dgm:rule type="h" val="100" fact="NaN" max="NaN"/>
+            <dgm:rule type="primFontSz" val="24" fact="NaN" max="NaN"/>
+            <dgm:rule type="h" val="110" fact="NaN" max="NaN"/>
+            <dgm:rule type="primFontSz" val="18" fact="NaN" max="NaN"/>
+            <dgm:rule type="h" val="INF" fact="NaN" max="NaN"/>
+            <dgm:rule type="primFontSz" val="5" fact="NaN" max="NaN"/>
+          </dgm:ruleLst>
+        </dgm:layoutNode>
+        <dgm:layoutNode name="descendantText" styleLbl="alignAcc1">
+          <dgm:varLst>
+            <dgm:bulletEnabled val="1"/>
+          </dgm:varLst>
+          <dgm:choose name="Name4">
+            <dgm:if name="Name5" func="var" arg="dir" op="equ" val="norm">
+              <dgm:alg type="tx">
+                <dgm:param type="stBulletLvl" val="1"/>
+                <dgm:param type="txAnchorVertCh" val="mid"/>
+              </dgm:alg>
+              <dgm:shape xmlns:r="http://schemas.openxmlformats.org/officeDocument/2006/relationships" rot="90" type="round2SameRect" r:blip="">
+                <dgm:adjLst/>
+              </dgm:shape>
+            </dgm:if>
+            <dgm:else name="Name6">
+              <dgm:alg type="tx">
+                <dgm:param type="stBulletLvl" val="1"/>
+                <dgm:param type="txAnchorVertCh" val="mid"/>
+              </dgm:alg>
+              <dgm:shape xmlns:r="http://schemas.openxmlformats.org/officeDocument/2006/relationships" rot="-90" type="round2SameRect" r:blip="">
+                <dgm:adjLst/>
+              </dgm:shape>
+            </dgm:else>
+          </dgm:choose>
+          <dgm:presOf axis="des" ptType="node"/>
+          <dgm:choose name="Name7">
+            <dgm:if name="Name8" func="var" arg="dir" op="equ" val="norm">
+              <dgm:constrLst>
+                <dgm:constr type="secFontSz" refType="primFontSz"/>
+                <dgm:constr type="tMarg" refType="primFontSz" fact="0.05"/>
+                <dgm:constr type="bMarg" refType="primFontSz" fact="0.05"/>
+                <dgm:constr type="rMarg" refType="primFontSz" fact="0.05"/>
+              </dgm:constrLst>
+            </dgm:if>
+            <dgm:else name="Name9">
+              <dgm:constrLst>
+                <dgm:constr type="secFontSz" refType="primFontSz"/>
+                <dgm:constr type="tMarg" refType="primFontSz" fact="0.05"/>
+                <dgm:constr type="bMarg" refType="primFontSz" fact="0.05"/>
+                <dgm:constr type="lMarg" refType="primFontSz" fact="0.05"/>
+              </dgm:constrLst>
+            </dgm:else>
+          </dgm:choose>
+          <dgm:ruleLst>
+            <dgm:rule type="primFontSz" val="5" fact="NaN" max="NaN"/>
+          </dgm:ruleLst>
+        </dgm:layoutNode>
+      </dgm:layoutNode>
+      <dgm:forEach name="Name10" axis="followSib" ptType="sibTrans" cnt="1">
+        <dgm:layoutNode name="sp">
+          <dgm:alg type="sp"/>
+          <dgm:shape xmlns:r="http://schemas.openxmlformats.org/officeDocument/2006/relationships" r:blip="">
+            <dgm:adjLst/>
+          </dgm:shape>
+          <dgm:presOf axis="self"/>
+          <dgm:constrLst>
+            <dgm:constr type="w" val="1"/>
+            <dgm:constr type="h" val="37.5"/>
+          </dgm:constrLst>
+          <dgm:ruleLst/>
+        </dgm:layoutNode>
+      </dgm:forEach>
+    </dgm:forEach>
+  </dgm:layoutNode>
+</dgm:layoutDef>
+</file>
+
+<file path=ppt/diagrams/quickStyle1.xml><?xml version="1.0" encoding="utf-8"?>
+<dgm:styleDef xmlns:dgm="http://schemas.openxmlformats.org/drawingml/2006/diagram" xmlns:a="http://schemas.openxmlformats.org/drawingml/2006/main" uniqueId="urn:microsoft.com/office/officeart/2005/8/quickstyle/simple1">
+  <dgm:title val=""/>
+  <dgm:desc val=""/>
+  <dgm:catLst>
+    <dgm:cat type="simple" pri="10100"/>
+  </dgm:catLst>
+  <dgm:scene3d>
+    <a:camera prst="orthographicFront"/>
+    <a:lightRig rig="threePt" dir="t"/>
+  </dgm:scene3d>
+  <dgm:styleLbl name="node0">
+    <dgm:scene3d>
+      <a:camera prst="orthographicFront"/>
+      <a:lightRig rig="threePt" dir="t"/>
+    </dgm:scene3d>
+    <dgm:sp3d/>
+    <dgm:txPr/>
+    <dgm:style>
+      <a:lnRef idx="2">
+        <a:scrgbClr r="0" g="0" b="0"/>
+      </a:lnRef>
+      <a:fillRef idx="1">
+        <a:scrgbClr r="0" g="0" b="0"/>
+      </a:fillRef>
+      <a:effectRef idx="0">
+        <a:scrgbClr r="0" g="0" b="0"/>
+      </a:effectRef>
+      <a:fontRef idx="minor">
+        <a:schemeClr val="lt1"/>
+      </a:fontRef>
+    </dgm:style>
+  </dgm:styleLbl>
+  <dgm:styleLbl name="lnNode1">
+    <dgm:scene3d>
+      <a:camera prst="orthographicFront"/>
+      <a:lightRig rig="threePt" dir="t"/>
+    </dgm:scene3d>
+    <dgm:sp3d/>
+    <dgm:txPr/>
+    <dgm:style>
+      <a:lnRef idx="2">
+        <a:scrgbClr r="0" g="0" b="0"/>
+      </a:lnRef>
+      <a:fillRef idx="1">
+        <a:scrgbClr r="0" g="0" b="0"/>
+      </a:fillRef>
+      <a:effectRef idx="0">
+        <a:scrgbClr r="0" g="0" b="0"/>
+      </a:effectRef>
+      <a:fontRef idx="minor">
+        <a:schemeClr val="lt1"/>
+      </a:fontRef>
+    </dgm:style>
+  </dgm:styleLbl>
+  <dgm:styleLbl name="vennNode1">
+    <dgm:scene3d>
+      <a:camera prst="orthographicFront"/>
+      <a:lightRig rig="threePt" dir="t"/>
+    </dgm:scene3d>
+    <dgm:sp3d/>
+    <dgm:txPr/>
+    <dgm:style>
+      <a:lnRef idx="2">
+        <a:scrgbClr r="0" g="0" b="0"/>
+      </a:lnRef>
+      <a:fillRef idx="1">
+        <a:scrgbClr r="0" g="0" b="0"/>
+      </a:fillRef>
+      <a:effectRef idx="0">
+        <a:scrgbClr r="0" g="0" b="0"/>
+      </a:effectRef>
+      <a:fontRef idx="minor">
+        <a:schemeClr val="tx1"/>
+      </a:fontRef>
+    </dgm:style>
+  </dgm:styleLbl>
+  <dgm:styleLbl name="alignNode1">
+    <dgm:scene3d>
+      <a:camera prst="orthographicFront"/>
+      <a:lightRig rig="threePt" dir="t"/>
+    </dgm:scene3d>
+    <dgm:sp3d/>
+    <dgm:txPr/>
+    <dgm:style>
+      <a:lnRef idx="2">
+        <a:scrgbClr r="0" g="0" b="0"/>
+      </a:lnRef>
+      <a:fillRef idx="1">
+        <a:scrgbClr r="0" g="0" b="0"/>
+      </a:fillRef>
+      <a:effectRef idx="0">
+        <a:scrgbClr r="0" g="0" b="0"/>
+      </a:effectRef>
+      <a:fontRef idx="minor">
+        <a:schemeClr val="lt1"/>
+      </a:fontRef>
+    </dgm:style>
+  </dgm:styleLbl>
+  <dgm:styleLbl name="node1">
+    <dgm:scene3d>
+      <a:camera prst="orthographicFront"/>
+      <a:lightRig rig="threePt" dir="t"/>
+    </dgm:scene3d>
+    <dgm:sp3d/>
+    <dgm:txPr/>
+    <dgm:style>
+      <a:lnRef idx="2">
+        <a:scrgbClr r="0" g="0" b="0"/>
+      </a:lnRef>
+      <a:fillRef idx="1">
+        <a:scrgbClr r="0" g="0" b="0"/>
+      </a:fillRef>
+      <a:effectRef idx="0">
+        <a:scrgbClr r="0" g="0" b="0"/>
+      </a:effectRef>
+      <a:fontRef idx="minor">
+        <a:schemeClr val="lt1"/>
+      </a:fontRef>
+    </dgm:style>
+  </dgm:styleLbl>
+  <dgm:styleLbl name="node2">
+    <dgm:scene3d>
+      <a:camera prst="orthographicFront"/>
+      <a:lightRig rig="threePt" dir="t"/>
+    </dgm:scene3d>
+    <dgm:sp3d/>
+    <dgm:txPr/>
+    <dgm:style>
+      <a:lnRef idx="2">
+        <a:scrgbClr r="0" g="0" b="0"/>
+      </a:lnRef>
+      <a:fillRef idx="1">
+        <a:scrgbClr r="0" g="0" b="0"/>
+      </a:fillRef>
+      <a:effectRef idx="0">
+        <a:scrgbClr r="0" g="0" b="0"/>
+      </a:effectRef>
+      <a:fontRef idx="minor">
+        <a:schemeClr val="lt1"/>
+      </a:fontRef>
+    </dgm:style>
+  </dgm:styleLbl>
+  <dgm:styleLbl name="node3">
+    <dgm:scene3d>
+      <a:camera prst="orthographicFront"/>
+      <a:lightRig rig="threePt" dir="t"/>
+    </dgm:scene3d>
+    <dgm:sp3d/>
+    <dgm:txPr/>
+    <dgm:style>
+      <a:lnRef idx="2">
+        <a:scrgbClr r="0" g="0" b="0"/>
+      </a:lnRef>
+      <a:fillRef idx="1">
+        <a:scrgbClr r="0" g="0" b="0"/>
+      </a:fillRef>
+      <a:effectRef idx="0">
+        <a:scrgbClr r="0" g="0" b="0"/>
+      </a:effectRef>
+      <a:fontRef idx="minor">
+        <a:schemeClr val="lt1"/>
+      </a:fontRef>
+    </dgm:style>
+  </dgm:styleLbl>
+  <dgm:styleLbl name="node4">
+    <dgm:scene3d>
+      <a:camera prst="orthographicFront"/>
+      <a:lightRig rig="threePt" dir="t"/>
+    </dgm:scene3d>
+    <dgm:sp3d/>
+    <dgm:txPr/>
+    <dgm:style>
+      <a:lnRef idx="2">
+        <a:scrgbClr r="0" g="0" b="0"/>
+      </a:lnRef>
+      <a:fillRef idx="1">
+        <a:scrgbClr r="0" g="0" b="0"/>
+      </a:fillRef>
+      <a:effectRef idx="0">
+        <a:scrgbClr r="0" g="0" b="0"/>
+      </a:effectRef>
+      <a:fontRef idx="minor">
+        <a:schemeClr val="lt1"/>
+      </a:fontRef>
+    </dgm:style>
+  </dgm:styleLbl>
+  <dgm:styleLbl name="fgImgPlace1">
+    <dgm:scene3d>
+      <a:camera prst="orthographicFront"/>
+      <a:lightRig rig="threePt" dir="t"/>
+    </dgm:scene3d>
+    <dgm:sp3d/>
+    <dgm:txPr/>
+    <dgm:style>
+      <a:lnRef idx="2">
+        <a:scrgbClr r="0" g="0" b="0"/>
+      </a:lnRef>
+      <a:fillRef idx="1">
+        <a:scrgbClr r="0" g="0" b="0"/>
+      </a:fillRef>
+      <a:effectRef idx="0">
+        <a:scrgbClr r="0" g="0" b="0"/>
+      </a:effectRef>
+      <a:fontRef idx="minor"/>
+    </dgm:style>
+  </dgm:styleLbl>
+  <dgm:styleLbl name="alignImgPlace1">
+    <dgm:scene3d>
+      <a:camera prst="orthographicFront"/>
+      <a:lightRig rig="threePt" dir="t"/>
+    </dgm:scene3d>
+    <dgm:sp3d/>
+    <dgm:txPr/>
+    <dgm:style>
+      <a:lnRef idx="2">
+        <a:scrgbClr r="0" g="0" b="0"/>
+      </a:lnRef>
+      <a:fillRef idx="1">
+        <a:scrgbClr r="0" g="0" b="0"/>
+      </a:fillRef>
+      <a:effectRef idx="0">
+        <a:scrgbClr r="0" g="0" b="0"/>
+      </a:effectRef>
+      <a:fontRef idx="minor"/>
+    </dgm:style>
+  </dgm:styleLbl>
+  <dgm:styleLbl name="bgImgPlace1">
+    <dgm:scene3d>
+      <a:camera prst="orthographicFront"/>
+      <a:lightRig rig="threePt" dir="t"/>
+    </dgm:scene3d>
+    <dgm:sp3d/>
+    <dgm:txPr/>
+    <dgm:style>
+      <a:lnRef idx="2">
+        <a:scrgbClr r="0" g="0" b="0"/>
+      </a:lnRef>
+      <a:fillRef idx="1">
+        <a:scrgbClr r="0" g="0" b="0"/>
+      </a:fillRef>
+      <a:effectRef idx="0">
+        <a:scrgbClr r="0" g="0" b="0"/>
+      </a:effectRef>
+      <a:fontRef idx="minor"/>
+    </dgm:style>
+  </dgm:styleLbl>
+  <dgm:styleLbl name="sibTrans2D1">
+    <dgm:scene3d>
+      <a:camera prst="orthographicFront"/>
+      <a:lightRig rig="threePt" dir="t"/>
+    </dgm:scene3d>
+    <dgm:sp3d/>
+    <dgm:txPr/>
+    <dgm:style>
+      <a:lnRef idx="0">
+        <a:scrgbClr r="0" g="0" b="0"/>
+      </a:lnRef>
+      <a:fillRef idx="1">
+        <a:scrgbClr r="0" g="0" b="0"/>
+      </a:fillRef>
+      <a:effectRef idx="0">
+        <a:scrgbClr r="0" g="0" b="0"/>
+      </a:effectRef>
+      <a:fontRef idx="minor">
+        <a:schemeClr val="lt1"/>
+      </a:fontRef>
+    </dgm:style>
+  </dgm:styleLbl>
+  <dgm:styleLbl name="fgSibTrans2D1">
+    <dgm:scene3d>
+      <a:camera prst="orthographicFront"/>
+      <a:lightRig rig="threePt" dir="t"/>
+    </dgm:scene3d>
+    <dgm:sp3d/>
+    <dgm:txPr/>
+    <dgm:style>
+      <a:lnRef idx="0">
+        <a:scrgbClr r="0" g="0" b="0"/>
+      </a:lnRef>
+      <a:fillRef idx="1">
+        <a:scrgbClr r="0" g="0" b="0"/>
+      </a:fillRef>
+      <a:effectRef idx="0">
+        <a:scrgbClr r="0" g="0" b="0"/>
+      </a:effectRef>
+      <a:fontRef idx="minor">
+        <a:schemeClr val="lt1"/>
+      </a:fontRef>
+    </dgm:style>
+  </dgm:styleLbl>
+  <dgm:styleLbl name="bgSibTrans2D1">
+    <dgm:scene3d>
+      <a:camera prst="orthographicFront"/>
+      <a:lightRig rig="threePt" dir="t"/>
+    </dgm:scene3d>
+    <dgm:sp3d/>
+    <dgm:txPr/>
+    <dgm:style>
+      <a:lnRef idx="0">
+        <a:scrgbClr r="0" g="0" b="0"/>
+      </a:lnRef>
+      <a:fillRef idx="1">
+        <a:scrgbClr r="0" g="0" b="0"/>
+      </a:fillRef>
+      <a:effectRef idx="0">
+        <a:scrgbClr r="0" g="0" b="0"/>
+      </a:effectRef>
+      <a:fontRef idx="minor">
+        <a:schemeClr val="lt1"/>
+      </a:fontRef>
+    </dgm:style>
+  </dgm:styleLbl>
+  <dgm:styleLbl name="sibTrans1D1">
+    <dgm:scene3d>
+      <a:camera prst="orthographicFront"/>
+      <a:lightRig rig="threePt" dir="t"/>
+    </dgm:scene3d>
+    <dgm:sp3d/>
+    <dgm:txPr/>
+    <dgm:style>
+      <a:lnRef idx="1">
+        <a:scrgbClr r="0" g="0" b="0"/>
+      </a:lnRef>
+      <a:fillRef idx="0">
+        <a:scrgbClr r="0" g="0" b="0"/>
+      </a:fillRef>
+      <a:effectRef idx="0">
+        <a:scrgbClr r="0" g="0" b="0"/>
+      </a:effectRef>
+      <a:fontRef idx="minor"/>
+    </dgm:style>
+  </dgm:styleLbl>
+  <dgm:styleLbl name="callout">
+    <dgm:scene3d>
+      <a:camera prst="orthographicFront"/>
+      <a:lightRig rig="threePt" dir="t"/>
+    </dgm:scene3d>
+    <dgm:sp3d/>
+    <dgm:txPr/>
+    <dgm:style>
+      <a:lnRef idx="2">
+        <a:scrgbClr r="0" g="0" b="0"/>
+      </a:lnRef>
+      <a:fillRef idx="1">
+        <a:scrgbClr r="0" g="0" b="0"/>
+      </a:fillRef>
+      <a:effectRef idx="0">
+        <a:scrgbClr r="0" g="0" b="0"/>
+      </a:effectRef>
+      <a:fontRef idx="minor"/>
+    </dgm:style>
+  </dgm:styleLbl>
+  <dgm:styleLbl name="asst0">
+    <dgm:scene3d>
+      <a:camera prst="orthographicFront"/>
+      <a:lightRig rig="threePt" dir="t"/>
+    </dgm:scene3d>
+    <dgm:sp3d/>
+    <dgm:txPr/>
+    <dgm:style>
+      <a:lnRef idx="2">
+        <a:scrgbClr r="0" g="0" b="0"/>
+      </a:lnRef>
+      <a:fillRef idx="1">
+        <a:scrgbClr r="0" g="0" b="0"/>
+      </a:fillRef>
+      <a:effectRef idx="0">
+        <a:scrgbClr r="0" g="0" b="0"/>
+      </a:effectRef>
+      <a:fontRef idx="minor">
+        <a:schemeClr val="lt1"/>
+      </a:fontRef>
+    </dgm:style>
+  </dgm:styleLbl>
+  <dgm:styleLbl name="asst1">
+    <dgm:scene3d>
+      <a:camera prst="orthographicFront"/>
+      <a:lightRig rig="threePt" dir="t"/>
+    </dgm:scene3d>
+    <dgm:sp3d/>
+    <dgm:txPr/>
+    <dgm:style>
+      <a:lnRef idx="2">
+        <a:scrgbClr r="0" g="0" b="0"/>
+      </a:lnRef>
+      <a:fillRef idx="1">
+        <a:scrgbClr r="0" g="0" b="0"/>
+      </a:fillRef>
+      <a:effectRef idx="0">
+        <a:scrgbClr r="0" g="0" b="0"/>
+      </a:effectRef>
+      <a:fontRef idx="minor">
+        <a:schemeClr val="lt1"/>
+      </a:fontRef>
+    </dgm:style>
+  </dgm:styleLbl>
+  <dgm:styleLbl name="asst2">
+    <dgm:scene3d>
+      <a:camera prst="orthographicFront"/>
+      <a:lightRig rig="threePt" dir="t"/>
+    </dgm:scene3d>
+    <dgm:sp3d/>
+    <dgm:txPr/>
+    <dgm:style>
+      <a:lnRef idx="2">
+        <a:scrgbClr r="0" g="0" b="0"/>
+      </a:lnRef>
+      <a:fillRef idx="1">
+        <a:scrgbClr r="0" g="0" b="0"/>
+      </a:fillRef>
+      <a:effectRef idx="0">
+        <a:scrgbClr r="0" g="0" b="0"/>
+      </a:effectRef>
+      <a:fontRef idx="minor">
+        <a:schemeClr val="lt1"/>
+      </a:fontRef>
+    </dgm:style>
+  </dgm:styleLbl>
+  <dgm:styleLbl name="asst3">
+    <dgm:scene3d>
+      <a:camera prst="orthographicFront"/>
+      <a:lightRig rig="threePt" dir="t"/>
+    </dgm:scene3d>
+    <dgm:sp3d/>
+    <dgm:txPr/>
+    <dgm:style>
+      <a:lnRef idx="2">
+        <a:scrgbClr r="0" g="0" b="0"/>
+      </a:lnRef>
+      <a:fillRef idx="1">
+        <a:scrgbClr r="0" g="0" b="0"/>
+      </a:fillRef>
+      <a:effectRef idx="0">
+        <a:scrgbClr r="0" g="0" b="0"/>
+      </a:effectRef>
+      <a:fontRef idx="minor">
+        <a:schemeClr val="lt1"/>
+      </a:fontRef>
+    </dgm:style>
+  </dgm:styleLbl>
+  <dgm:styleLbl name="asst4">
+    <dgm:scene3d>
+      <a:camera prst="orthographicFront"/>
+      <a:lightRig rig="threePt" dir="t"/>
+    </dgm:scene3d>
+    <dgm:sp3d/>
+    <dgm:txPr/>
+    <dgm:style>
+      <a:lnRef idx="2">
+        <a:scrgbClr r="0" g="0" b="0"/>
+      </a:lnRef>
+      <a:fillRef idx="1">
+        <a:scrgbClr r="0" g="0" b="0"/>
+      </a:fillRef>
+      <a:effectRef idx="0">
+        <a:scrgbClr r="0" g="0" b="0"/>
+      </a:effectRef>
+      <a:fontRef idx="minor">
+        <a:schemeClr val="lt1"/>
+      </a:fontRef>
+    </dgm:style>
+  </dgm:styleLbl>
+  <dgm:styleLbl name="parChTrans2D1">
+    <dgm:scene3d>
+      <a:camera prst="orthographicFront"/>
+      <a:lightRig rig="threePt" dir="t"/>
+    </dgm:scene3d>
+    <dgm:sp3d/>
+    <dgm:txPr/>
+    <dgm:style>
+      <a:lnRef idx="2">
+        <a:scrgbClr r="0" g="0" b="0"/>
+      </a:lnRef>
+      <a:fillRef idx="1">
+        <a:scrgbClr r="0" g="0" b="0"/>
+      </a:fillRef>
+      <a:effectRef idx="0">
+        <a:scrgbClr r="0" g="0" b="0"/>
+      </a:effectRef>
+      <a:fontRef idx="minor">
+        <a:schemeClr val="lt1"/>
+      </a:fontRef>
+    </dgm:style>
+  </dgm:styleLbl>
+  <dgm:styleLbl name="parChTrans2D2">
+    <dgm:scene3d>
+      <a:camera prst="orthographicFront"/>
+      <a:lightRig rig="threePt" dir="t"/>
+    </dgm:scene3d>
+    <dgm:sp3d/>
+    <dgm:txPr/>
+    <dgm:style>
+      <a:lnRef idx="2">
+        <a:scrgbClr r="0" g="0" b="0"/>
+      </a:lnRef>
+      <a:fillRef idx="1">
+        <a:scrgbClr r="0" g="0" b="0"/>
+      </a:fillRef>
+      <a:effectRef idx="0">
+        <a:scrgbClr r="0" g="0" b="0"/>
+      </a:effectRef>
+      <a:fontRef idx="minor">
+        <a:schemeClr val="lt1"/>
+      </a:fontRef>
+    </dgm:style>
+  </dgm:styleLbl>
+  <dgm:styleLbl name="parChTrans2D3">
+    <dgm:scene3d>
+      <a:camera prst="orthographicFront"/>
+      <a:lightRig rig="threePt" dir="t"/>
+    </dgm:scene3d>
+    <dgm:sp3d/>
+    <dgm:txPr/>
+    <dgm:style>
+      <a:lnRef idx="2">
+        <a:scrgbClr r="0" g="0" b="0"/>
+      </a:lnRef>
+      <a:fillRef idx="1">
+        <a:scrgbClr r="0" g="0" b="0"/>
+      </a:fillRef>
+      <a:effectRef idx="0">
+        <a:scrgbClr r="0" g="0" b="0"/>
+      </a:effectRef>
+      <a:fontRef idx="minor">
+        <a:schemeClr val="lt1"/>
+      </a:fontRef>
+    </dgm:style>
+  </dgm:styleLbl>
+  <dgm:styleLbl name="parChTrans2D4">
+    <dgm:scene3d>
+      <a:camera prst="orthographicFront"/>
+      <a:lightRig rig="threePt" dir="t"/>
+    </dgm:scene3d>
+    <dgm:sp3d/>
+    <dgm:txPr/>
+    <dgm:style>
+      <a:lnRef idx="2">
+        <a:scrgbClr r="0" g="0" b="0"/>
+      </a:lnRef>
+      <a:fillRef idx="1">
+        <a:scrgbClr r="0" g="0" b="0"/>
+      </a:fillRef>
+      <a:effectRef idx="0">
+        <a:scrgbClr r="0" g="0" b="0"/>
+      </a:effectRef>
+      <a:fontRef idx="minor">
+        <a:schemeClr val="lt1"/>
+      </a:fontRef>
+    </dgm:style>
+  </dgm:styleLbl>
+  <dgm:styleLbl name="parChTrans1D1">
+    <dgm:scene3d>
+      <a:camera prst="orthographicFront"/>
+      <a:lightRig rig="threePt" dir="t"/>
+    </dgm:scene3d>
+    <dgm:sp3d/>
+    <dgm:txPr/>
+    <dgm:style>
+      <a:lnRef idx="2">
+        <a:scrgbClr r="0" g="0" b="0"/>
+      </a:lnRef>
+      <a:fillRef idx="0">
+        <a:scrgbClr r="0" g="0" b="0"/>
+      </a:fillRef>
+      <a:effectRef idx="0">
+        <a:scrgbClr r="0" g="0" b="0"/>
+      </a:effectRef>
+      <a:fontRef idx="minor"/>
+    </dgm:style>
+  </dgm:styleLbl>
+  <dgm:styleLbl name="parChTrans1D2">
+    <dgm:scene3d>
+      <a:camera prst="orthographicFront"/>
+      <a:lightRig rig="threePt" dir="t"/>
+    </dgm:scene3d>
+    <dgm:sp3d/>
+    <dgm:txPr/>
+    <dgm:style>
+      <a:lnRef idx="2">
+        <a:scrgbClr r="0" g="0" b="0"/>
+      </a:lnRef>
+      <a:fillRef idx="0">
+        <a:scrgbClr r="0" g="0" b="0"/>
+      </a:fillRef>
+      <a:effectRef idx="0">
+        <a:scrgbClr r="0" g="0" b="0"/>
+      </a:effectRef>
+      <a:fontRef idx="minor"/>
+    </dgm:style>
+  </dgm:styleLbl>
+  <dgm:styleLbl name="parChTrans1D3">
+    <dgm:scene3d>
+      <a:camera prst="orthographicFront"/>
+      <a:lightRig rig="threePt" dir="t"/>
+    </dgm:scene3d>
+    <dgm:sp3d/>
+    <dgm:txPr/>
+    <dgm:style>
+      <a:lnRef idx="2">
+        <a:scrgbClr r="0" g="0" b="0"/>
+      </a:lnRef>
+      <a:fillRef idx="0">
+        <a:scrgbClr r="0" g="0" b="0"/>
+      </a:fillRef>
+      <a:effectRef idx="0">
+        <a:scrgbClr r="0" g="0" b="0"/>
+      </a:effectRef>
+      <a:fontRef idx="minor"/>
+    </dgm:style>
+  </dgm:styleLbl>
+  <dgm:styleLbl name="parChTrans1D4">
+    <dgm:scene3d>
+      <a:camera prst="orthographicFront"/>
+      <a:lightRig rig="threePt" dir="t"/>
+    </dgm:scene3d>
+    <dgm:sp3d/>
+    <dgm:txPr/>
+    <dgm:style>
+      <a:lnRef idx="2">
+        <a:scrgbClr r="0" g="0" b="0"/>
+      </a:lnRef>
+      <a:fillRef idx="0">
+        <a:scrgbClr r="0" g="0" b="0"/>
+      </a:fillRef>
+      <a:effectRef idx="0">
+        <a:scrgbClr r="0" g="0" b="0"/>
+      </a:effectRef>
+      <a:fontRef idx="minor"/>
+    </dgm:style>
+  </dgm:styleLbl>
+  <dgm:styleLbl name="fgAcc1">
+    <dgm:scene3d>
+      <a:camera prst="orthographicFront"/>
+      <a:lightRig rig="threePt" dir="t"/>
+    </dgm:scene3d>
+    <dgm:sp3d/>
+    <dgm:txPr/>
+    <dgm:style>
+      <a:lnRef idx="2">
+        <a:scrgbClr r="0" g="0" b="0"/>
+      </a:lnRef>
+      <a:fillRef idx="1">
+        <a:scrgbClr r="0" g="0" b="0"/>
+      </a:fillRef>
+      <a:effectRef idx="0">
+        <a:scrgbClr r="0" g="0" b="0"/>
+      </a:effectRef>
+      <a:fontRef idx="minor"/>
+    </dgm:style>
+  </dgm:styleLbl>
+  <dgm:styleLbl name="conFgAcc1">
+    <dgm:scene3d>
+      <a:camera prst="orthographicFront"/>
+      <a:lightRig rig="threePt" dir="t"/>
+    </dgm:scene3d>
+    <dgm:sp3d/>
+    <dgm:txPr/>
+    <dgm:style>
+      <a:lnRef idx="2">
+        <a:scrgbClr r="0" g="0" b="0"/>
+      </a:lnRef>
+      <a:fillRef idx="1">
+        <a:scrgbClr r="0" g="0" b="0"/>
+      </a:fillRef>
+      <a:effectRef idx="0">
+        <a:scrgbClr r="0" g="0" b="0"/>
+      </a:effectRef>
+      <a:fontRef idx="minor"/>
+    </dgm:style>
+  </dgm:styleLbl>
+  <dgm:styleLbl name="alignAcc1">
+    <dgm:scene3d>
+      <a:camera prst="orthographicFront"/>
+      <a:lightRig rig="threePt" dir="t"/>
+    </dgm:scene3d>
+    <dgm:sp3d/>
+    <dgm:txPr/>
+    <dgm:style>
+      <a:lnRef idx="2">
+        <a:scrgbClr r="0" g="0" b="0"/>
+      </a:lnRef>
+      <a:fillRef idx="1">
+        <a:scrgbClr r="0" g="0" b="0"/>
+      </a:fillRef>
+      <a:effectRef idx="0">
+        <a:scrgbClr r="0" g="0" b="0"/>
+      </a:effectRef>
+      <a:fontRef idx="minor"/>
+    </dgm:style>
+  </dgm:styleLbl>
+  <dgm:styleLbl name="trAlignAcc1">
+    <dgm:scene3d>
+      <a:camera prst="orthographicFront"/>
+      <a:lightRig rig="threePt" dir="t"/>
+    </dgm:scene3d>
+    <dgm:sp3d/>
+    <dgm:txPr/>
+    <dgm:style>
+      <a:lnRef idx="1">
+        <a:scrgbClr r="0" g="0" b="0"/>
+      </a:lnRef>
+      <a:fillRef idx="1">
+        <a:scrgbClr r="0" g="0" b="0"/>
+      </a:fillRef>
+      <a:effectRef idx="0">
+        <a:scrgbClr r="0" g="0" b="0"/>
+      </a:effectRef>
+      <a:fontRef idx="minor"/>
+    </dgm:style>
+  </dgm:styleLbl>
+  <dgm:styleLbl name="bgAcc1">
+    <dgm:scene3d>
+      <a:camera prst="orthographicFront"/>
+      <a:lightRig rig="threePt" dir="t"/>
+    </dgm:scene3d>
+    <dgm:sp3d/>
+    <dgm:txPr/>
+    <dgm:style>
+      <a:lnRef idx="2">
+        <a:scrgbClr r="0" g="0" b="0"/>
+      </a:lnRef>
+      <a:fillRef idx="1">
+        <a:scrgbClr r="0" g="0" b="0"/>
+      </a:fillRef>
+      <a:effectRef idx="0">
+        <a:scrgbClr r="0" g="0" b="0"/>
+      </a:effectRef>
+      <a:fontRef idx="minor"/>
+    </dgm:style>
+  </dgm:styleLbl>
+  <dgm:styleLbl name="solidFgAcc1">
+    <dgm:scene3d>
+      <a:camera prst="orthographicFront"/>
+      <a:lightRig rig="threePt" dir="t"/>
+    </dgm:scene3d>
+    <dgm:sp3d/>
+    <dgm:txPr/>
+    <dgm:style>
+      <a:lnRef idx="2">
+        <a:scrgbClr r="0" g="0" b="0"/>
+      </a:lnRef>
+      <a:fillRef idx="1">
+        <a:scrgbClr r="0" g="0" b="0"/>
+      </a:fillRef>
+      <a:effectRef idx="0">
+        <a:scrgbClr r="0" g="0" b="0"/>
+      </a:effectRef>
+      <a:fontRef idx="minor"/>
+    </dgm:style>
+  </dgm:styleLbl>
+  <dgm:styleLbl name="solidAlignAcc1">
+    <dgm:scene3d>
+      <a:camera prst="orthographicFront"/>
+      <a:lightRig rig="threePt" dir="t"/>
+    </dgm:scene3d>
+    <dgm:sp3d/>
+    <dgm:txPr/>
+    <dgm:style>
+      <a:lnRef idx="2">
+        <a:scrgbClr r="0" g="0" b="0"/>
+      </a:lnRef>
+      <a:fillRef idx="1">
+        <a:scrgbClr r="0" g="0" b="0"/>
+      </a:fillRef>
+      <a:effectRef idx="0">
+        <a:scrgbClr r="0" g="0" b="0"/>
+      </a:effectRef>
+      <a:fontRef idx="minor"/>
+    </dgm:style>
+  </dgm:styleLbl>
+  <dgm:styleLbl name="solidBgAcc1">
+    <dgm:scene3d>
+      <a:camera prst="orthographicFront"/>
+      <a:lightRig rig="threePt" dir="t"/>
+    </dgm:scene3d>
+    <dgm:sp3d/>
+    <dgm:txPr/>
+    <dgm:style>
+      <a:lnRef idx="2">
+        <a:scrgbClr r="0" g="0" b="0"/>
+      </a:lnRef>
+      <a:fillRef idx="1">
+        <a:scrgbClr r="0" g="0" b="0"/>
+      </a:fillRef>
+      <a:effectRef idx="0">
+        <a:scrgbClr r="0" g="0" b="0"/>
+      </a:effectRef>
+      <a:fontRef idx="minor"/>
+    </dgm:style>
+  </dgm:styleLbl>
+  <dgm:styleLbl name="fgAccFollowNode1">
+    <dgm:scene3d>
+      <a:camera prst="orthographicFront"/>
+      <a:lightRig rig="threePt" dir="t"/>
+    </dgm:scene3d>
+    <dgm:sp3d/>
+    <dgm:txPr/>
+    <dgm:style>
+      <a:lnRef idx="2">
+        <a:scrgbClr r="0" g="0" b="0"/>
+      </a:lnRef>
+      <a:fillRef idx="1">
+        <a:scrgbClr r="0" g="0" b="0"/>
+      </a:fillRef>
+      <a:effectRef idx="0">
+        <a:scrgbClr r="0" g="0" b="0"/>
+      </a:effectRef>
+      <a:fontRef idx="minor"/>
+    </dgm:style>
+  </dgm:styleLbl>
+  <dgm:styleLbl name="alignAccFollowNode1">
+    <dgm:scene3d>
+      <a:camera prst="orthographicFront"/>
+      <a:lightRig rig="threePt" dir="t"/>
+    </dgm:scene3d>
+    <dgm:sp3d/>
+    <dgm:txPr/>
+    <dgm:style>
+      <a:lnRef idx="2">
+        <a:scrgbClr r="0" g="0" b="0"/>
+      </a:lnRef>
+      <a:fillRef idx="1">
+        <a:scrgbClr r="0" g="0" b="0"/>
+      </a:fillRef>
+      <a:effectRef idx="0">
+        <a:scrgbClr r="0" g="0" b="0"/>
+      </a:effectRef>
+      <a:fontRef idx="minor"/>
+    </dgm:style>
+  </dgm:styleLbl>
+  <dgm:styleLbl name="bgAccFollowNode1">
+    <dgm:scene3d>
+      <a:camera prst="orthographicFront"/>
+      <a:lightRig rig="threePt" dir="t"/>
+    </dgm:scene3d>
+    <dgm:sp3d/>
+    <dgm:txPr/>
+    <dgm:style>
+      <a:lnRef idx="2">
+        <a:scrgbClr r="0" g="0" b="0"/>
+      </a:lnRef>
+      <a:fillRef idx="1">
+        <a:scrgbClr r="0" g="0" b="0"/>
+      </a:fillRef>
+      <a:effectRef idx="0">
+        <a:scrgbClr r="0" g="0" b="0"/>
+      </a:effectRef>
+      <a:fontRef idx="minor"/>
+    </dgm:style>
+  </dgm:styleLbl>
+  <dgm:styleLbl name="fgAcc0">
+    <dgm:scene3d>
+      <a:camera prst="orthographicFront"/>
+      <a:lightRig rig="threePt" dir="t"/>
+    </dgm:scene3d>
+    <dgm:sp3d/>
+    <dgm:txPr/>
+    <dgm:style>
+      <a:lnRef idx="2">
+        <a:scrgbClr r="0" g="0" b="0"/>
+      </a:lnRef>
+      <a:fillRef idx="1">
+        <a:scrgbClr r="0" g="0" b="0"/>
+      </a:fillRef>
+      <a:effectRef idx="0">
+        <a:scrgbClr r="0" g="0" b="0"/>
+      </a:effectRef>
+      <a:fontRef idx="minor"/>
+    </dgm:style>
+  </dgm:styleLbl>
+  <dgm:styleLbl name="fgAcc2">
+    <dgm:scene3d>
+      <a:camera prst="orthographicFront"/>
+      <a:lightRig rig="threePt" dir="t"/>
+    </dgm:scene3d>
+    <dgm:sp3d/>
+    <dgm:txPr/>
+    <dgm:style>
+      <a:lnRef idx="2">
+        <a:scrgbClr r="0" g="0" b="0"/>
+      </a:lnRef>
+      <a:fillRef idx="1">
+        <a:scrgbClr r="0" g="0" b="0"/>
+      </a:fillRef>
+      <a:effectRef idx="0">
+        <a:scrgbClr r="0" g="0" b="0"/>
+      </a:effectRef>
+      <a:fontRef idx="minor"/>
+    </dgm:style>
+  </dgm:styleLbl>
+  <dgm:styleLbl name="fgAcc3">
+    <dgm:scene3d>
+      <a:camera prst="orthographicFront"/>
+      <a:lightRig rig="threePt" dir="t"/>
+    </dgm:scene3d>
+    <dgm:sp3d/>
+    <dgm:txPr/>
+    <dgm:style>
+      <a:lnRef idx="2">
+        <a:scrgbClr r="0" g="0" b="0"/>
+      </a:lnRef>
+      <a:fillRef idx="1">
+        <a:scrgbClr r="0" g="0" b="0"/>
+      </a:fillRef>
+      <a:effectRef idx="0">
+        <a:scrgbClr r="0" g="0" b="0"/>
+      </a:effectRef>
+      <a:fontRef idx="minor"/>
+    </dgm:style>
+  </dgm:styleLbl>
+  <dgm:styleLbl name="fgAcc4">
+    <dgm:scene3d>
+      <a:camera prst="orthographicFront"/>
+      <a:lightRig rig="threePt" dir="t"/>
+    </dgm:scene3d>
+    <dgm:sp3d/>
+    <dgm:txPr/>
+    <dgm:style>
+      <a:lnRef idx="2">
+        <a:scrgbClr r="0" g="0" b="0"/>
+      </a:lnRef>
+      <a:fillRef idx="1">
+        <a:scrgbClr r="0" g="0" b="0"/>
+      </a:fillRef>
+      <a:effectRef idx="0">
+        <a:scrgbClr r="0" g="0" b="0"/>
+      </a:effectRef>
+      <a:fontRef idx="minor"/>
+    </dgm:style>
+  </dgm:styleLbl>
+  <dgm:styleLbl name="bgShp">
+    <dgm:scene3d>
+      <a:camera prst="orthographicFront"/>
+      <a:lightRig rig="threePt" dir="t"/>
+    </dgm:scene3d>
+    <dgm:sp3d/>
+    <dgm:txPr/>
+    <dgm:style>
+      <a:lnRef idx="0">
+        <a:scrgbClr r="0" g="0" b="0"/>
+      </a:lnRef>
+      <a:fillRef idx="1">
+        <a:scrgbClr r="0" g="0" b="0"/>
+      </a:fillRef>
+      <a:effectRef idx="0">
+        <a:scrgbClr r="0" g="0" b="0"/>
+      </a:effectRef>
+      <a:fontRef idx="minor"/>
+    </dgm:style>
+  </dgm:styleLbl>
+  <dgm:styleLbl name="dkBgShp">
+    <dgm:scene3d>
+      <a:camera prst="orthographicFront"/>
+      <a:lightRig rig="threePt" dir="t"/>
+    </dgm:scene3d>
+    <dgm:sp3d/>
+    <dgm:txPr/>
+    <dgm:style>
+      <a:lnRef idx="0">
+        <a:scrgbClr r="0" g="0" b="0"/>
+      </a:lnRef>
+      <a:fillRef idx="1">
+        <a:scrgbClr r="0" g="0" b="0"/>
+      </a:fillRef>
+      <a:effectRef idx="0">
+        <a:scrgbClr r="0" g="0" b="0"/>
+      </a:effectRef>
+      <a:fontRef idx="minor"/>
+    </dgm:style>
+  </dgm:styleLbl>
+  <dgm:styleLbl name="trBgShp">
+    <dgm:scene3d>
+      <a:camera prst="orthographicFront"/>
+      <a:lightRig rig="threePt" dir="t"/>
+    </dgm:scene3d>
+    <dgm:sp3d/>
+    <dgm:txPr/>
+    <dgm:style>
+      <a:lnRef idx="0">
+        <a:scrgbClr r="0" g="0" b="0"/>
+      </a:lnRef>
+      <a:fillRef idx="1">
+        <a:scrgbClr r="0" g="0" b="0"/>
+      </a:fillRef>
+      <a:effectRef idx="0">
+        <a:scrgbClr r="0" g="0" b="0"/>
+      </a:effectRef>
+      <a:fontRef idx="minor"/>
+    </dgm:style>
+  </dgm:styleLbl>
+  <dgm:styleLbl name="fgShp">
+    <dgm:scene3d>
+      <a:camera prst="orthographicFront"/>
+      <a:lightRig rig="threePt" dir="t"/>
+    </dgm:scene3d>
+    <dgm:sp3d/>
+    <dgm:txPr/>
+    <dgm:style>
+      <a:lnRef idx="2">
+        <a:scrgbClr r="0" g="0" b="0"/>
+      </a:lnRef>
+      <a:fillRef idx="1">
+        <a:scrgbClr r="0" g="0" b="0"/>
+      </a:fillRef>
+      <a:effectRef idx="0">
+        <a:scrgbClr r="0" g="0" b="0"/>
+      </a:effectRef>
+      <a:fontRef idx="minor"/>
+    </dgm:style>
+  </dgm:styleLbl>
+  <dgm:styleLbl name="revTx">
+    <dgm:scene3d>
+      <a:camera prst="orthographicFront"/>
+      <a:lightRig rig="threePt" dir="t"/>
+    </dgm:scene3d>
+    <dgm:sp3d/>
+    <dgm:txPr/>
+    <dgm:style>
+      <a:lnRef idx="0">
+        <a:scrgbClr r="0" g="0" b="0"/>
+      </a:lnRef>
+      <a:fillRef idx="0">
+        <a:scrgbClr r="0" g="0" b="0"/>
+      </a:fillRef>
+      <a:effectRef idx="0">
+        <a:scrgbClr r="0" g="0" b="0"/>
+      </a:effectRef>
+      <a:fontRef idx="minor"/>
+    </dgm:style>
+  </dgm:styleLbl>
+</dgm:styleDef>
+</file>
+
 <file path=ppt/notesMasters/notesMaster1.xml><?xml version="1.0" encoding="utf-8"?>
 <p:notesMaster xmlns:a="http://schemas.openxmlformats.org/drawingml/2006/main" xmlns:r="http://schemas.openxmlformats.org/officeDocument/2006/relationships" xmlns:p="http://schemas.openxmlformats.org/presentationml/2006/main">
   <p:cSld>
@@ -248,7 +3512,7 @@
           <a:p>
             <a:fld id="{17A98A70-FA8C-4354-959C-C70678AC9BCF}" type="datetimeFigureOut">
               <a:rPr lang="en-US" smtClean="0"/>
-              <a:t>1/11/2026</a:t>
+              <a:t>1/19/2026</a:t>
             </a:fld>
             <a:endParaRPr lang="en-US"/>
           </a:p>
@@ -954,31 +4218,8 @@
           <a:p>
             <a:r>
               <a:rPr lang="en-US" dirty="0"/>
-              <a:t>When teams bring me in for training, it’s not just another off-the-shelf Excel course. My workshops are highly interactive. Participants aren’t just listening, they’re actively working with actual datasets and real-world scenarios.</a:t>
-            </a:r>
-            <a:br>
-              <a:rPr lang="en-US" dirty="0"/>
-            </a:br>
-            <a:endParaRPr lang="en-US" dirty="0"/>
-          </a:p>
-          <a:p>
-            <a:r>
-              <a:rPr lang="en-US" dirty="0"/>
-              <a:t>Everything we cover is tailored specifically to your team’s daily workflow and the data challenges you actually face. By using real scenarios rather than generic examples, the techniques and solutions immediately make sense.</a:t>
-            </a:r>
-            <a:br>
-              <a:rPr lang="en-US" dirty="0"/>
-            </a:br>
-            <a:endParaRPr lang="en-US" dirty="0"/>
-          </a:p>
-          <a:p>
-            <a:r>
-              <a:rPr lang="en-US" dirty="0"/>
-              <a:t>Most importantly, my goal is always repeatability. I don’t want your team to walk away just impressed—I want them empowered. They'll leave our sessions with clear, practical methods they can apply again and again, long after our engagement ends."</a:t>
-            </a:r>
-          </a:p>
-          <a:p>
-            <a:endParaRPr lang="en-US" dirty="0"/>
+              <a:t>I work with individuals, teams, and organizations at different levels, but the philosophy is always the same: reduce chaos, increase clarity, and build workflows that actually hold up over time. For individuals, this usually means self-paced courses or live workshops focused not just on learning features, but on developing judgment — understanding when to use formulas, Power Query, Python, or Copilot, and when not to. The emphasis is on clarity, maintainability, and confidence, so people feel more capable rather than more dependent on tools or experts. With teams, the work becomes more applied and workflow-driven, focusing on practical corporate training that helps reduce errors, rework, and fragile one-off fixes by applying modern Excel patterns to real business processes. At the organizational level, this often takes the form of a guided, multi-week modernization program where teams learn to build pipelines, automation, and documentation around Excel-based systems, with the goal of creating reliable, auditable workflows and true internal ownership rather than reliance on individual hero analysts.</a:t>
+            </a:r>
           </a:p>
         </p:txBody>
       </p:sp>
@@ -997,9 +4238,9 @@
           <a:bodyPr/>
           <a:lstStyle/>
           <a:p>
-            <a:fld id="{FFB500C5-13F7-48FC-8160-C29AECF6C602}" type="slidenum">
+            <a:fld id="{1053C468-B4D7-40C4-885B-735937C382A2}" type="slidenum">
               <a:rPr lang="en-US" smtClean="0"/>
-              <a:t>14</a:t>
+              <a:t>10</a:t>
             </a:fld>
             <a:endParaRPr lang="en-US"/>
           </a:p>
@@ -1008,7 +4249,7 @@
     </p:spTree>
     <p:extLst>
       <p:ext uri="{BB962C8B-B14F-4D97-AF65-F5344CB8AC3E}">
-        <p14:creationId xmlns:p14="http://schemas.microsoft.com/office/powerpoint/2010/main" val="647295874"/>
+        <p14:creationId xmlns:p14="http://schemas.microsoft.com/office/powerpoint/2010/main" val="4122893634"/>
       </p:ext>
     </p:extLst>
   </p:cSld>
@@ -1064,72 +4305,12 @@
           <a:p>
             <a:r>
               <a:rPr lang="en-US" dirty="0"/>
-              <a:t>Tier 1 Essentials Training is perfect for teams who need a quick productivity boost. These one-day sessions are tightly focused around specific Excel tools—whether that's mastering Excel Tables for better data structure, using Power Query to automate repetitive data-cleaning tasks, or tapping into Excel's built-in AI capabilities for instant insights.</a:t>
-            </a:r>
-          </a:p>
-          <a:p>
-            <a:r>
-              <a:rPr lang="en-US" dirty="0"/>
-              <a:t>Teams come out of these sessions with concrete, practical skills that immediately speed up their daily workflow.</a:t>
-            </a:r>
-          </a:p>
-          <a:p>
-            <a:endParaRPr lang="en-US" dirty="0"/>
-          </a:p>
-          <a:p>
-            <a:endParaRPr lang="en-US" dirty="0"/>
-          </a:p>
-          <a:p>
-            <a:r>
-              <a:rPr lang="en-US" dirty="0"/>
-              <a:t>Tier 2 is ideal if you're ready to level up your team's analytical capabilities. In this comprehensive two-day workshop, participants learn how to build robust, repeatable data workflows using Modern Excel tools like Power Query, Power Pivot, dynamic arrays, and Excel AI features.</a:t>
-            </a:r>
-          </a:p>
-          <a:p>
-            <a:r>
-              <a:rPr lang="en-US" dirty="0"/>
-              <a:t>Unlike shorter sessions, this workshop allows time for hands-on, practical exercises using your team's actual data, ensuring everyone leaves confident and capable. The result isn't just productivity—it's a significant leap forward in your team's analytics maturity.</a:t>
-            </a:r>
-          </a:p>
-          <a:p>
-            <a:endParaRPr lang="en-US" dirty="0"/>
-          </a:p>
-          <a:p>
-            <a:endParaRPr lang="en-US" dirty="0"/>
-          </a:p>
-          <a:p>
-            <a:r>
-              <a:rPr lang="en-US" dirty="0"/>
-              <a:t>Tier 3 is my most strategic offering. With the Learning Paths Advisory, we take a high-level, customized approach to developing data skills across your organization. We'll start by building competency frameworks tailored specifically to your business goals and industry standards, clearly outlining what data literacy and analytics maturity look like at every level of your organization.</a:t>
-            </a:r>
-            <a:br>
-              <a:rPr lang="en-US" dirty="0"/>
-            </a:br>
-            <a:endParaRPr lang="en-US" dirty="0"/>
-          </a:p>
-          <a:p>
-            <a:r>
-              <a:rPr lang="en-US" dirty="0"/>
-              <a:t>From there, I'll design detailed learning pathways for 3–5 unique learner personas—mapping exactly which skills, training modules, and assessments each type of role or employee needs to succeed.</a:t>
-            </a:r>
-          </a:p>
-          <a:p>
-            <a:r>
-              <a:rPr lang="en-US" dirty="0"/>
-              <a:t>Finally, we’ll audit your existing training resources to determine how best to integrate and leverage what you already have, ensuring your learning initiatives are both efficient and effective</a:t>
-            </a:r>
-          </a:p>
-          <a:p>
-            <a:endParaRPr lang="en-US" dirty="0"/>
-          </a:p>
-          <a:p>
-            <a:endParaRPr lang="en-US" dirty="0"/>
-          </a:p>
-          <a:p>
-            <a:endParaRPr lang="en-US" dirty="0"/>
-          </a:p>
-          <a:p>
-            <a:endParaRPr lang="en-US" dirty="0"/>
+              <a:t>There is a PDF guide of this in </a:t>
+            </a:r>
+            <a:r>
+              <a:rPr lang="en-US"/>
+              <a:t>the downloads</a:t>
+            </a:r>
           </a:p>
         </p:txBody>
       </p:sp>
@@ -1150,7 +4331,7 @@
           <a:p>
             <a:fld id="{FFB500C5-13F7-48FC-8160-C29AECF6C602}" type="slidenum">
               <a:rPr lang="en-US" smtClean="0"/>
-              <a:t>16</a:t>
+              <a:t>11</a:t>
             </a:fld>
             <a:endParaRPr lang="en-US"/>
           </a:p>
@@ -1159,95 +4340,7 @@
     </p:spTree>
     <p:extLst>
       <p:ext uri="{BB962C8B-B14F-4D97-AF65-F5344CB8AC3E}">
-        <p14:creationId xmlns:p14="http://schemas.microsoft.com/office/powerpoint/2010/main" val="1676324318"/>
-      </p:ext>
-    </p:extLst>
-  </p:cSld>
-  <p:clrMapOvr>
-    <a:masterClrMapping/>
-  </p:clrMapOvr>
-</p:notes>
-</file>
-
-<file path=ppt/notesSlides/notesSlide7.xml><?xml version="1.0" encoding="utf-8"?>
-<p:notes xmlns:a="http://schemas.openxmlformats.org/drawingml/2006/main" xmlns:r="http://schemas.openxmlformats.org/officeDocument/2006/relationships" xmlns:p="http://schemas.openxmlformats.org/presentationml/2006/main">
-  <p:cSld>
-    <p:spTree>
-      <p:nvGrpSpPr>
-        <p:cNvPr id="1" name=""/>
-        <p:cNvGrpSpPr/>
-        <p:nvPr/>
-      </p:nvGrpSpPr>
-      <p:grpSpPr>
-        <a:xfrm>
-          <a:off x="0" y="0"/>
-          <a:ext cx="0" cy="0"/>
-          <a:chOff x="0" y="0"/>
-          <a:chExt cx="0" cy="0"/>
-        </a:xfrm>
-      </p:grpSpPr>
-      <p:sp>
-        <p:nvSpPr>
-          <p:cNvPr id="2" name="Slide Image Placeholder 1"/>
-          <p:cNvSpPr>
-            <a:spLocks noGrp="1" noRot="1" noChangeAspect="1"/>
-          </p:cNvSpPr>
-          <p:nvPr>
-            <p:ph type="sldImg"/>
-          </p:nvPr>
-        </p:nvSpPr>
-        <p:spPr/>
-      </p:sp>
-      <p:sp>
-        <p:nvSpPr>
-          <p:cNvPr id="3" name="Notes Placeholder 2"/>
-          <p:cNvSpPr>
-            <a:spLocks noGrp="1"/>
-          </p:cNvSpPr>
-          <p:nvPr>
-            <p:ph type="body" idx="1"/>
-          </p:nvPr>
-        </p:nvSpPr>
-        <p:spPr/>
-        <p:txBody>
-          <a:bodyPr/>
-          <a:lstStyle/>
-          <a:p>
-            <a:r>
-              <a:rPr lang="en-US"/>
-              <a:t>https://stringfestdata.gumroad.com/</a:t>
-            </a:r>
-            <a:endParaRPr lang="en-US" dirty="0"/>
-          </a:p>
-        </p:txBody>
-      </p:sp>
-      <p:sp>
-        <p:nvSpPr>
-          <p:cNvPr id="4" name="Slide Number Placeholder 3"/>
-          <p:cNvSpPr>
-            <a:spLocks noGrp="1"/>
-          </p:cNvSpPr>
-          <p:nvPr>
-            <p:ph type="sldNum" sz="quarter" idx="5"/>
-          </p:nvPr>
-        </p:nvSpPr>
-        <p:spPr/>
-        <p:txBody>
-          <a:bodyPr/>
-          <a:lstStyle/>
-          <a:p>
-            <a:fld id="{FFB500C5-13F7-48FC-8160-C29AECF6C602}" type="slidenum">
-              <a:rPr lang="en-US" smtClean="0"/>
-              <a:t>19</a:t>
-            </a:fld>
-            <a:endParaRPr lang="en-US"/>
-          </a:p>
-        </p:txBody>
-      </p:sp>
-    </p:spTree>
-    <p:extLst>
-      <p:ext uri="{BB962C8B-B14F-4D97-AF65-F5344CB8AC3E}">
-        <p14:creationId xmlns:p14="http://schemas.microsoft.com/office/powerpoint/2010/main" val="719766061"/>
+        <p14:creationId xmlns:p14="http://schemas.microsoft.com/office/powerpoint/2010/main" val="1958501508"/>
       </p:ext>
     </p:extLst>
   </p:cSld>
@@ -1437,7 +4530,7 @@
             <a:fld id="{1D8BD707-D9CF-40AE-B4C6-C98DA3205C09}" type="datetimeFigureOut">
               <a:rPr lang="en-US" smtClean="0"/>
               <a:pPr/>
-              <a:t>1/11/2026</a:t>
+              <a:t>1/19/2026</a:t>
             </a:fld>
             <a:endParaRPr lang="en-US"/>
           </a:p>
@@ -1602,7 +4695,7 @@
             <a:fld id="{1D8BD707-D9CF-40AE-B4C6-C98DA3205C09}" type="datetimeFigureOut">
               <a:rPr lang="en-US" smtClean="0"/>
               <a:pPr/>
-              <a:t>1/11/2026</a:t>
+              <a:t>1/19/2026</a:t>
             </a:fld>
             <a:endParaRPr lang="en-US"/>
           </a:p>
@@ -1777,7 +4870,7 @@
             <a:fld id="{1D8BD707-D9CF-40AE-B4C6-C98DA3205C09}" type="datetimeFigureOut">
               <a:rPr lang="en-US" smtClean="0"/>
               <a:pPr/>
-              <a:t>1/11/2026</a:t>
+              <a:t>1/19/2026</a:t>
             </a:fld>
             <a:endParaRPr lang="en-US"/>
           </a:p>
@@ -1942,7 +5035,7 @@
             <a:fld id="{1D8BD707-D9CF-40AE-B4C6-C98DA3205C09}" type="datetimeFigureOut">
               <a:rPr lang="en-US" smtClean="0"/>
               <a:pPr/>
-              <a:t>1/11/2026</a:t>
+              <a:t>1/19/2026</a:t>
             </a:fld>
             <a:endParaRPr lang="en-US"/>
           </a:p>
@@ -2184,7 +5277,7 @@
             <a:fld id="{1D8BD707-D9CF-40AE-B4C6-C98DA3205C09}" type="datetimeFigureOut">
               <a:rPr lang="en-US" smtClean="0"/>
               <a:pPr/>
-              <a:t>1/11/2026</a:t>
+              <a:t>1/19/2026</a:t>
             </a:fld>
             <a:endParaRPr lang="en-US"/>
           </a:p>
@@ -2466,7 +5559,7 @@
             <a:fld id="{1D8BD707-D9CF-40AE-B4C6-C98DA3205C09}" type="datetimeFigureOut">
               <a:rPr lang="en-US" smtClean="0"/>
               <a:pPr/>
-              <a:t>1/11/2026</a:t>
+              <a:t>1/19/2026</a:t>
             </a:fld>
             <a:endParaRPr lang="en-US"/>
           </a:p>
@@ -2882,7 +5975,7 @@
             <a:fld id="{1D8BD707-D9CF-40AE-B4C6-C98DA3205C09}" type="datetimeFigureOut">
               <a:rPr lang="en-US" smtClean="0"/>
               <a:pPr/>
-              <a:t>1/11/2026</a:t>
+              <a:t>1/19/2026</a:t>
             </a:fld>
             <a:endParaRPr lang="en-US"/>
           </a:p>
@@ -2996,7 +6089,7 @@
             <a:fld id="{1D8BD707-D9CF-40AE-B4C6-C98DA3205C09}" type="datetimeFigureOut">
               <a:rPr lang="en-US" smtClean="0"/>
               <a:pPr/>
-              <a:t>1/11/2026</a:t>
+              <a:t>1/19/2026</a:t>
             </a:fld>
             <a:endParaRPr lang="en-US"/>
           </a:p>
@@ -3088,7 +6181,7 @@
             <a:fld id="{1D8BD707-D9CF-40AE-B4C6-C98DA3205C09}" type="datetimeFigureOut">
               <a:rPr lang="en-US" smtClean="0"/>
               <a:pPr/>
-              <a:t>1/11/2026</a:t>
+              <a:t>1/19/2026</a:t>
             </a:fld>
             <a:endParaRPr lang="en-US"/>
           </a:p>
@@ -3360,7 +6453,7 @@
             <a:fld id="{1D8BD707-D9CF-40AE-B4C6-C98DA3205C09}" type="datetimeFigureOut">
               <a:rPr lang="en-US" smtClean="0"/>
               <a:pPr/>
-              <a:t>1/11/2026</a:t>
+              <a:t>1/19/2026</a:t>
             </a:fld>
             <a:endParaRPr lang="en-US"/>
           </a:p>
@@ -3609,7 +6702,7 @@
             <a:fld id="{1D8BD707-D9CF-40AE-B4C6-C98DA3205C09}" type="datetimeFigureOut">
               <a:rPr lang="en-US" smtClean="0"/>
               <a:pPr/>
-              <a:t>1/11/2026</a:t>
+              <a:t>1/19/2026</a:t>
             </a:fld>
             <a:endParaRPr lang="en-US"/>
           </a:p>
@@ -3822,7 +6915,7 @@
             <a:fld id="{1D8BD707-D9CF-40AE-B4C6-C98DA3205C09}" type="datetimeFigureOut">
               <a:rPr lang="en-US" smtClean="0"/>
               <a:pPr/>
-              <a:t>1/11/2026</a:t>
+              <a:t>1/19/2026</a:t>
             </a:fld>
             <a:endParaRPr lang="en-US"/>
           </a:p>
@@ -4355,6 +7448,375 @@
   <p:cSld>
     <p:spTree>
       <p:nvGrpSpPr>
+        <p:cNvPr id="1" name=""/>
+        <p:cNvGrpSpPr/>
+        <p:nvPr/>
+      </p:nvGrpSpPr>
+      <p:grpSpPr>
+        <a:xfrm>
+          <a:off x="0" y="0"/>
+          <a:ext cx="0" cy="0"/>
+          <a:chOff x="0" y="0"/>
+          <a:chExt cx="0" cy="0"/>
+        </a:xfrm>
+      </p:grpSpPr>
+      <p:sp>
+        <p:nvSpPr>
+          <p:cNvPr id="2" name="Title 1">
+            <a:extLst>
+              <a:ext uri="{FF2B5EF4-FFF2-40B4-BE49-F238E27FC236}">
+                <a16:creationId xmlns:a16="http://schemas.microsoft.com/office/drawing/2014/main" id="{79550FB3-E2D7-1660-BAD7-9582BABBCCC9}"/>
+              </a:ext>
+            </a:extLst>
+          </p:cNvPr>
+          <p:cNvSpPr>
+            <a:spLocks noGrp="1"/>
+          </p:cNvSpPr>
+          <p:nvPr>
+            <p:ph type="title"/>
+          </p:nvPr>
+        </p:nvSpPr>
+        <p:spPr>
+          <a:xfrm>
+            <a:off x="1257300" y="547689"/>
+            <a:ext cx="15773400" cy="1116807"/>
+          </a:xfrm>
+        </p:spPr>
+        <p:txBody>
+          <a:bodyPr>
+            <a:normAutofit/>
+          </a:bodyPr>
+          <a:lstStyle/>
+          <a:p>
+            <a:r>
+              <a:rPr lang="en-US" sz="5400" dirty="0"/>
+              <a:t>How I work</a:t>
+            </a:r>
+          </a:p>
+        </p:txBody>
+      </p:sp>
+      <p:graphicFrame>
+        <p:nvGraphicFramePr>
+          <p:cNvPr id="15" name="Content Placeholder 14">
+            <a:extLst>
+              <a:ext uri="{FF2B5EF4-FFF2-40B4-BE49-F238E27FC236}">
+                <a16:creationId xmlns:a16="http://schemas.microsoft.com/office/drawing/2014/main" id="{E77C6111-36B5-9583-89F4-35827CAC7B23}"/>
+              </a:ext>
+            </a:extLst>
+          </p:cNvPr>
+          <p:cNvGraphicFramePr>
+            <a:graphicFrameLocks noGrp="1"/>
+          </p:cNvGraphicFramePr>
+          <p:nvPr>
+            <p:ph idx="1"/>
+            <p:extLst>
+              <p:ext uri="{D42A27DB-BD31-4B8C-83A1-F6EECF244321}">
+                <p14:modId xmlns:p14="http://schemas.microsoft.com/office/powerpoint/2010/main" val="4002875284"/>
+              </p:ext>
+            </p:extLst>
+          </p:nvPr>
+        </p:nvGraphicFramePr>
+        <p:xfrm>
+          <a:off x="381000" y="2110224"/>
+          <a:ext cx="17602200" cy="7629087"/>
+        </p:xfrm>
+        <a:graphic>
+          <a:graphicData uri="http://schemas.openxmlformats.org/drawingml/2006/diagram">
+            <dgm:relIds xmlns:dgm="http://schemas.openxmlformats.org/drawingml/2006/diagram" xmlns:r="http://schemas.openxmlformats.org/officeDocument/2006/relationships" r:dm="rId3" r:lo="rId4" r:qs="rId5" r:cs="rId6"/>
+          </a:graphicData>
+        </a:graphic>
+      </p:graphicFrame>
+    </p:spTree>
+    <p:extLst>
+      <p:ext uri="{BB962C8B-B14F-4D97-AF65-F5344CB8AC3E}">
+        <p14:creationId xmlns:p14="http://schemas.microsoft.com/office/powerpoint/2010/main" val="3032732431"/>
+      </p:ext>
+    </p:extLst>
+  </p:cSld>
+  <p:clrMapOvr>
+    <a:masterClrMapping/>
+  </p:clrMapOvr>
+</p:sld>
+</file>
+
+<file path=ppt/slides/slide11.xml><?xml version="1.0" encoding="utf-8"?>
+<p:sld xmlns:a="http://schemas.openxmlformats.org/drawingml/2006/main" xmlns:r="http://schemas.openxmlformats.org/officeDocument/2006/relationships" xmlns:p="http://schemas.openxmlformats.org/presentationml/2006/main">
+  <p:cSld>
+    <p:spTree>
+      <p:nvGrpSpPr>
+        <p:cNvPr id="1" name="">
+          <a:extLst>
+            <a:ext uri="{FF2B5EF4-FFF2-40B4-BE49-F238E27FC236}">
+              <a16:creationId xmlns:a16="http://schemas.microsoft.com/office/drawing/2014/main" id="{C694E238-B928-9A45-6C07-F784EA6E2DC3}"/>
+            </a:ext>
+          </a:extLst>
+        </p:cNvPr>
+        <p:cNvGrpSpPr/>
+        <p:nvPr/>
+      </p:nvGrpSpPr>
+      <p:grpSpPr>
+        <a:xfrm>
+          <a:off x="0" y="0"/>
+          <a:ext cx="0" cy="0"/>
+          <a:chOff x="0" y="0"/>
+          <a:chExt cx="0" cy="0"/>
+        </a:xfrm>
+      </p:grpSpPr>
+      <p:sp>
+        <p:nvSpPr>
+          <p:cNvPr id="11" name="TextBox 10">
+            <a:extLst>
+              <a:ext uri="{FF2B5EF4-FFF2-40B4-BE49-F238E27FC236}">
+                <a16:creationId xmlns:a16="http://schemas.microsoft.com/office/drawing/2014/main" id="{E03A3D75-7011-685D-6601-35E8D4148BB0}"/>
+              </a:ext>
+            </a:extLst>
+          </p:cNvPr>
+          <p:cNvSpPr txBox="1"/>
+          <p:nvPr/>
+        </p:nvSpPr>
+        <p:spPr>
+          <a:xfrm>
+            <a:off x="520861" y="170082"/>
+            <a:ext cx="11979797" cy="1477328"/>
+          </a:xfrm>
+          <a:prstGeom prst="rect">
+            <a:avLst/>
+          </a:prstGeom>
+          <a:noFill/>
+        </p:spPr>
+        <p:txBody>
+          <a:bodyPr wrap="square" rtlCol="0">
+            <a:spAutoFit/>
+          </a:bodyPr>
+          <a:lstStyle/>
+          <a:p>
+            <a:r>
+              <a:rPr lang="en-US" sz="9000" dirty="0">
+                <a:latin typeface="Aliens &amp; cows" panose="00000500000000000000" pitchFamily="2" charset="0"/>
+              </a:rPr>
+              <a:t>Not sure where to start?</a:t>
+            </a:r>
+          </a:p>
+        </p:txBody>
+      </p:sp>
+      <p:sp>
+        <p:nvSpPr>
+          <p:cNvPr id="3" name="TextBox 2">
+            <a:extLst>
+              <a:ext uri="{FF2B5EF4-FFF2-40B4-BE49-F238E27FC236}">
+                <a16:creationId xmlns:a16="http://schemas.microsoft.com/office/drawing/2014/main" id="{A70D9C35-08C9-2B39-29C7-C0EA500B7E30}"/>
+              </a:ext>
+            </a:extLst>
+          </p:cNvPr>
+          <p:cNvSpPr txBox="1"/>
+          <p:nvPr/>
+        </p:nvSpPr>
+        <p:spPr>
+          <a:xfrm>
+            <a:off x="1143000" y="1866900"/>
+            <a:ext cx="14935200" cy="6863417"/>
+          </a:xfrm>
+          <a:prstGeom prst="rect">
+            <a:avLst/>
+          </a:prstGeom>
+          <a:noFill/>
+        </p:spPr>
+        <p:txBody>
+          <a:bodyPr wrap="square" rtlCol="0">
+            <a:spAutoFit/>
+          </a:bodyPr>
+          <a:lstStyle/>
+          <a:p>
+            <a:pPr marL="285750" indent="-285750">
+              <a:buFont typeface="Arial" panose="020B0604020202020204" pitchFamily="34" charset="0"/>
+              <a:buChar char="•"/>
+            </a:pPr>
+            <a:r>
+              <a:rPr lang="en-US" sz="4400" dirty="0">
+                <a:latin typeface="Pragmatica" panose="020B0403040502020204"/>
+              </a:rPr>
+              <a:t>If you’re new to Excel + AI → start with </a:t>
+            </a:r>
+            <a:r>
+              <a:rPr lang="en-US" sz="4400" b="1" u="sng" dirty="0">
+                <a:latin typeface="Pragmatica" panose="020B0403040502020204"/>
+                <a:hlinkClick r:id="rId3"/>
+              </a:rPr>
+              <a:t>Excel Must-Knows for AI Success</a:t>
+            </a:r>
+            <a:r>
+              <a:rPr lang="en-US" sz="4400" dirty="0">
+                <a:latin typeface="Pragmatica" panose="020B0403040502020204"/>
+              </a:rPr>
+              <a:t> </a:t>
+            </a:r>
+          </a:p>
+          <a:p>
+            <a:pPr marL="285750" indent="-285750">
+              <a:buFont typeface="Arial" panose="020B0604020202020204" pitchFamily="34" charset="0"/>
+              <a:buChar char="•"/>
+            </a:pPr>
+            <a:r>
+              <a:rPr lang="en-US" sz="4400" dirty="0">
+                <a:latin typeface="Pragmatica" panose="020B0403040502020204"/>
+              </a:rPr>
+              <a:t>If you want to learn Python in Excel → begin with </a:t>
+            </a:r>
+            <a:r>
+              <a:rPr lang="en-US" sz="4400" b="1" u="sng" dirty="0">
+                <a:latin typeface="Pragmatica" panose="020B0403040502020204"/>
+                <a:hlinkClick r:id="rId4"/>
+              </a:rPr>
+              <a:t>Python in Excel: Quick Wins</a:t>
+            </a:r>
+            <a:endParaRPr lang="en-US" sz="4400" dirty="0">
+              <a:latin typeface="Pragmatica" panose="020B0403040502020204"/>
+            </a:endParaRPr>
+          </a:p>
+          <a:p>
+            <a:pPr marL="285750" indent="-285750">
+              <a:buFont typeface="Arial" panose="020B0604020202020204" pitchFamily="34" charset="0"/>
+              <a:buChar char="•"/>
+            </a:pPr>
+            <a:r>
+              <a:rPr lang="en-US" sz="4400" dirty="0">
+                <a:latin typeface="Pragmatica" panose="020B0403040502020204"/>
+              </a:rPr>
+              <a:t>If you prefer structured self-paced learning → take my </a:t>
+            </a:r>
+            <a:r>
+              <a:rPr lang="en-US" sz="4400" b="1" u="sng" dirty="0">
+                <a:latin typeface="Pragmatica" panose="020B0403040502020204"/>
+                <a:hlinkClick r:id="rId5"/>
+              </a:rPr>
+              <a:t>LinkedIn Learning</a:t>
+            </a:r>
+            <a:r>
+              <a:rPr lang="en-US" sz="4400" dirty="0">
+                <a:latin typeface="Pragmatica" panose="020B0403040502020204"/>
+              </a:rPr>
+              <a:t> courses</a:t>
+            </a:r>
+          </a:p>
+          <a:p>
+            <a:pPr marL="285750" indent="-285750">
+              <a:buFont typeface="Arial" panose="020B0604020202020204" pitchFamily="34" charset="0"/>
+              <a:buChar char="•"/>
+            </a:pPr>
+            <a:r>
+              <a:rPr lang="en-US" sz="4400" dirty="0">
+                <a:latin typeface="Pragmatica" panose="020B0403040502020204"/>
+              </a:rPr>
+              <a:t>If you want live, hands-on training → join an </a:t>
+            </a:r>
+            <a:r>
+              <a:rPr lang="en-US" sz="4400" b="1" u="sng" dirty="0">
+                <a:latin typeface="Pragmatica" panose="020B0403040502020204"/>
+                <a:hlinkClick r:id="rId6"/>
+              </a:rPr>
+              <a:t>O’Reilly</a:t>
+            </a:r>
+            <a:r>
+              <a:rPr lang="en-US" sz="4400" dirty="0">
+                <a:latin typeface="Pragmatica" panose="020B0403040502020204"/>
+              </a:rPr>
+              <a:t> session or </a:t>
+            </a:r>
+            <a:r>
+              <a:rPr lang="en-US" sz="4400" b="1" u="sng" dirty="0">
+                <a:latin typeface="Pragmatica" panose="020B0403040502020204"/>
+                <a:hlinkClick r:id="rId7"/>
+              </a:rPr>
+              <a:t>Eventbrite</a:t>
+            </a:r>
+            <a:r>
+              <a:rPr lang="en-US" sz="4400" dirty="0">
+                <a:latin typeface="Pragmatica" panose="020B0403040502020204"/>
+              </a:rPr>
+              <a:t> workshop</a:t>
+            </a:r>
+          </a:p>
+          <a:p>
+            <a:pPr marL="285750" indent="-285750">
+              <a:buFont typeface="Arial" panose="020B0604020202020204" pitchFamily="34" charset="0"/>
+              <a:buChar char="•"/>
+            </a:pPr>
+            <a:r>
+              <a:rPr lang="en-US" sz="4400" dirty="0">
+                <a:latin typeface="Pragmatica" panose="020B0403040502020204"/>
+              </a:rPr>
+              <a:t>If you want ongoing guidance without a big course → join </a:t>
+            </a:r>
+            <a:r>
+              <a:rPr lang="en-US" sz="4400" b="1" u="sng" dirty="0">
+                <a:latin typeface="Pragmatica" panose="020B0403040502020204"/>
+                <a:hlinkClick r:id="rId8"/>
+              </a:rPr>
+              <a:t>The Modern Excel AI Stack</a:t>
+            </a:r>
+            <a:r>
+              <a:rPr lang="en-US" sz="4400" dirty="0">
+                <a:latin typeface="Pragmatica" panose="020B0403040502020204"/>
+              </a:rPr>
+              <a:t> (membership)</a:t>
+            </a:r>
+          </a:p>
+        </p:txBody>
+      </p:sp>
+      <p:pic>
+        <p:nvPicPr>
+          <p:cNvPr id="15" name="Picture 14" descr="A close up of a sign&#10;&#10;Description automatically generated">
+            <a:extLst>
+              <a:ext uri="{FF2B5EF4-FFF2-40B4-BE49-F238E27FC236}">
+                <a16:creationId xmlns:a16="http://schemas.microsoft.com/office/drawing/2014/main" id="{BD2DCCC6-87AC-828C-1922-475B4458EAF8}"/>
+              </a:ext>
+            </a:extLst>
+          </p:cNvPr>
+          <p:cNvPicPr>
+            <a:picLocks noChangeAspect="1"/>
+          </p:cNvPicPr>
+          <p:nvPr/>
+        </p:nvPicPr>
+        <p:blipFill>
+          <a:blip r:embed="rId9">
+            <a:extLst>
+              <a:ext uri="{28A0092B-C50C-407E-A947-70E740481C1C}">
+                <a14:useLocalDpi xmlns:a14="http://schemas.microsoft.com/office/drawing/2010/main" val="0"/>
+              </a:ext>
+            </a:extLst>
+          </a:blip>
+          <a:stretch>
+            <a:fillRect/>
+          </a:stretch>
+        </p:blipFill>
+        <p:spPr>
+          <a:xfrm>
+            <a:off x="16341036" y="8058429"/>
+            <a:ext cx="1942857" cy="2228571"/>
+          </a:xfrm>
+          <a:prstGeom prst="rect">
+            <a:avLst/>
+          </a:prstGeom>
+        </p:spPr>
+      </p:pic>
+    </p:spTree>
+    <p:extLst>
+      <p:ext uri="{BB962C8B-B14F-4D97-AF65-F5344CB8AC3E}">
+        <p14:creationId xmlns:p14="http://schemas.microsoft.com/office/powerpoint/2010/main" val="1691826289"/>
+      </p:ext>
+    </p:extLst>
+  </p:cSld>
+  <p:clrMapOvr>
+    <a:masterClrMapping/>
+  </p:clrMapOvr>
+</p:sld>
+</file>
+
+<file path=ppt/slides/slide12.xml><?xml version="1.0" encoding="utf-8"?>
+<p:sld xmlns:a="http://schemas.openxmlformats.org/drawingml/2006/main" xmlns:r="http://schemas.openxmlformats.org/officeDocument/2006/relationships" xmlns:p="http://schemas.openxmlformats.org/presentationml/2006/main">
+  <p:cSld>
+    <p:spTree>
+      <p:nvGrpSpPr>
         <p:cNvPr id="1" name="">
           <a:extLst>
             <a:ext uri="{FF2B5EF4-FFF2-40B4-BE49-F238E27FC236}">
@@ -4601,254 +8063,7 @@
 </p:sld>
 </file>
 
-<file path=ppt/slides/slide11.xml><?xml version="1.0" encoding="utf-8"?>
-<p:sld xmlns:a="http://schemas.openxmlformats.org/drawingml/2006/main" xmlns:r="http://schemas.openxmlformats.org/officeDocument/2006/relationships" xmlns:p="http://schemas.openxmlformats.org/presentationml/2006/main">
-  <p:cSld>
-    <p:spTree>
-      <p:nvGrpSpPr>
-        <p:cNvPr id="1" name="">
-          <a:extLst>
-            <a:ext uri="{FF2B5EF4-FFF2-40B4-BE49-F238E27FC236}">
-              <a16:creationId xmlns:a16="http://schemas.microsoft.com/office/drawing/2014/main" id="{03FAD9DF-75F0-462B-36F7-9CC2BF772592}"/>
-            </a:ext>
-          </a:extLst>
-        </p:cNvPr>
-        <p:cNvGrpSpPr/>
-        <p:nvPr/>
-      </p:nvGrpSpPr>
-      <p:grpSpPr>
-        <a:xfrm>
-          <a:off x="0" y="0"/>
-          <a:ext cx="0" cy="0"/>
-          <a:chOff x="0" y="0"/>
-          <a:chExt cx="0" cy="0"/>
-        </a:xfrm>
-      </p:grpSpPr>
-      <p:sp>
-        <p:nvSpPr>
-          <p:cNvPr id="11" name="TextBox 10">
-            <a:extLst>
-              <a:ext uri="{FF2B5EF4-FFF2-40B4-BE49-F238E27FC236}">
-                <a16:creationId xmlns:a16="http://schemas.microsoft.com/office/drawing/2014/main" id="{17166445-1F7E-7D51-8585-BD355DAC24D7}"/>
-              </a:ext>
-            </a:extLst>
-          </p:cNvPr>
-          <p:cNvSpPr txBox="1"/>
-          <p:nvPr/>
-        </p:nvSpPr>
-        <p:spPr>
-          <a:xfrm>
-            <a:off x="520861" y="170082"/>
-            <a:ext cx="11979797" cy="1477328"/>
-          </a:xfrm>
-          <a:prstGeom prst="rect">
-            <a:avLst/>
-          </a:prstGeom>
-          <a:noFill/>
-        </p:spPr>
-        <p:txBody>
-          <a:bodyPr wrap="square" rtlCol="0">
-            <a:spAutoFit/>
-          </a:bodyPr>
-          <a:lstStyle/>
-          <a:p>
-            <a:r>
-              <a:rPr lang="en-US" sz="9000" dirty="0">
-                <a:latin typeface="Aliens &amp; cows" panose="00000500000000000000" pitchFamily="2" charset="0"/>
-              </a:rPr>
-              <a:t>Books &amp; Online Courses</a:t>
-            </a:r>
-          </a:p>
-        </p:txBody>
-      </p:sp>
-      <p:sp>
-        <p:nvSpPr>
-          <p:cNvPr id="3" name="TextBox 2">
-            <a:extLst>
-              <a:ext uri="{FF2B5EF4-FFF2-40B4-BE49-F238E27FC236}">
-                <a16:creationId xmlns:a16="http://schemas.microsoft.com/office/drawing/2014/main" id="{AF789E30-DFB7-7A1E-F170-43D82D88099C}"/>
-              </a:ext>
-            </a:extLst>
-          </p:cNvPr>
-          <p:cNvSpPr txBox="1"/>
-          <p:nvPr/>
-        </p:nvSpPr>
-        <p:spPr>
-          <a:xfrm>
-            <a:off x="520861" y="3191948"/>
-            <a:ext cx="14393120" cy="3785652"/>
-          </a:xfrm>
-          <a:prstGeom prst="rect">
-            <a:avLst/>
-          </a:prstGeom>
-          <a:noFill/>
-        </p:spPr>
-        <p:txBody>
-          <a:bodyPr wrap="square" rtlCol="0">
-            <a:spAutoFit/>
-          </a:bodyPr>
-          <a:lstStyle/>
-          <a:p>
-            <a:pPr marL="685800" indent="-685800">
-              <a:buClr>
-                <a:srgbClr val="CF3338"/>
-              </a:buClr>
-              <a:buFont typeface="Arial" panose="020B0604020202020204" pitchFamily="34" charset="0"/>
-              <a:buChar char="•"/>
-            </a:pPr>
-            <a:r>
-              <a:rPr lang="en-US" sz="6000" dirty="0">
-                <a:solidFill>
-                  <a:srgbClr val="CF3338"/>
-                </a:solidFill>
-                <a:latin typeface="Pragmatica" panose="020B0403040502020204" pitchFamily="34" charset="0"/>
-                <a:hlinkClick r:id="rId2">
-                  <a:extLst>
-                    <a:ext uri="{A12FA001-AC4F-418D-AE19-62706E023703}">
-                      <ahyp:hlinkClr xmlns:ahyp="http://schemas.microsoft.com/office/drawing/2018/hyperlinkcolor" val="tx"/>
-                    </a:ext>
-                  </a:extLst>
-                </a:hlinkClick>
-              </a:rPr>
-              <a:t>Read my books (O’Reilly Media)</a:t>
-            </a:r>
-            <a:endParaRPr lang="en-US" sz="6000" dirty="0">
-              <a:solidFill>
-                <a:srgbClr val="CF3338"/>
-              </a:solidFill>
-              <a:latin typeface="Pragmatica" panose="020B0403040502020204" pitchFamily="34" charset="0"/>
-            </a:endParaRPr>
-          </a:p>
-          <a:p>
-            <a:pPr marL="685800" indent="-685800">
-              <a:buClr>
-                <a:srgbClr val="CF3338"/>
-              </a:buClr>
-              <a:buFont typeface="Arial" panose="020B0604020202020204" pitchFamily="34" charset="0"/>
-              <a:buChar char="•"/>
-            </a:pPr>
-            <a:r>
-              <a:rPr lang="en-US" sz="6000" dirty="0">
-                <a:solidFill>
-                  <a:srgbClr val="CF3338"/>
-                </a:solidFill>
-                <a:latin typeface="Pragmatica" panose="020B0403040502020204" pitchFamily="34" charset="0"/>
-                <a:hlinkClick r:id="rId3">
-                  <a:extLst>
-                    <a:ext uri="{A12FA001-AC4F-418D-AE19-62706E023703}">
-                      <ahyp:hlinkClr xmlns:ahyp="http://schemas.microsoft.com/office/drawing/2018/hyperlinkcolor" val="tx"/>
-                    </a:ext>
-                  </a:extLst>
-                </a:hlinkClick>
-              </a:rPr>
-              <a:t>Take my LinkedIn Learning Courses</a:t>
-            </a:r>
-            <a:endParaRPr lang="en-US" sz="6000" dirty="0">
-              <a:solidFill>
-                <a:srgbClr val="CF3338"/>
-              </a:solidFill>
-              <a:latin typeface="Pragmatica" panose="020B0403040502020204" pitchFamily="34" charset="0"/>
-            </a:endParaRPr>
-          </a:p>
-          <a:p>
-            <a:pPr marL="685800" indent="-685800">
-              <a:buClr>
-                <a:srgbClr val="CF3338"/>
-              </a:buClr>
-              <a:buFont typeface="Arial" panose="020B0604020202020204" pitchFamily="34" charset="0"/>
-              <a:buChar char="•"/>
-            </a:pPr>
-            <a:r>
-              <a:rPr lang="en-US" sz="6000" dirty="0">
-                <a:solidFill>
-                  <a:srgbClr val="CF3338"/>
-                </a:solidFill>
-                <a:latin typeface="Pragmatica" panose="020B0403040502020204" pitchFamily="34" charset="0"/>
-                <a:hlinkClick r:id="rId4">
-                  <a:extLst>
-                    <a:ext uri="{A12FA001-AC4F-418D-AE19-62706E023703}">
-                      <ahyp:hlinkClr xmlns:ahyp="http://schemas.microsoft.com/office/drawing/2018/hyperlinkcolor" val="tx"/>
-                    </a:ext>
-                  </a:extLst>
-                </a:hlinkClick>
-              </a:rPr>
-              <a:t>Watch my quick-win video courses on </a:t>
-            </a:r>
-            <a:r>
-              <a:rPr lang="en-US" sz="6000" dirty="0" err="1">
-                <a:solidFill>
-                  <a:srgbClr val="CF3338"/>
-                </a:solidFill>
-                <a:latin typeface="Pragmatica" panose="020B0403040502020204" pitchFamily="34" charset="0"/>
-                <a:hlinkClick r:id="rId4">
-                  <a:extLst>
-                    <a:ext uri="{A12FA001-AC4F-418D-AE19-62706E023703}">
-                      <ahyp:hlinkClr xmlns:ahyp="http://schemas.microsoft.com/office/drawing/2018/hyperlinkcolor" val="tx"/>
-                    </a:ext>
-                  </a:extLst>
-                </a:hlinkClick>
-              </a:rPr>
-              <a:t>Gumroad</a:t>
-            </a:r>
-            <a:endParaRPr lang="en-US" sz="6000" dirty="0">
-              <a:solidFill>
-                <a:srgbClr val="CF3338"/>
-              </a:solidFill>
-              <a:latin typeface="Pragmatica" panose="020B0403040502020204" pitchFamily="34" charset="0"/>
-            </a:endParaRPr>
-          </a:p>
-        </p:txBody>
-      </p:sp>
-      <p:pic>
-        <p:nvPicPr>
-          <p:cNvPr id="15" name="Picture 14" descr="A close up of a sign&#10;&#10;Description automatically generated">
-            <a:extLst>
-              <a:ext uri="{FF2B5EF4-FFF2-40B4-BE49-F238E27FC236}">
-                <a16:creationId xmlns:a16="http://schemas.microsoft.com/office/drawing/2014/main" id="{3EEAA935-B9AC-7579-EA60-A4DDC8831A78}"/>
-              </a:ext>
-            </a:extLst>
-          </p:cNvPr>
-          <p:cNvPicPr>
-            <a:picLocks noChangeAspect="1"/>
-          </p:cNvPicPr>
-          <p:nvPr/>
-        </p:nvPicPr>
-        <p:blipFill>
-          <a:blip r:embed="rId5">
-            <a:extLst>
-              <a:ext uri="{28A0092B-C50C-407E-A947-70E740481C1C}">
-                <a14:useLocalDpi xmlns:a14="http://schemas.microsoft.com/office/drawing/2010/main" val="0"/>
-              </a:ext>
-            </a:extLst>
-          </a:blip>
-          <a:stretch>
-            <a:fillRect/>
-          </a:stretch>
-        </p:blipFill>
-        <p:spPr>
-          <a:xfrm>
-            <a:off x="16341036" y="8058429"/>
-            <a:ext cx="1942857" cy="2228571"/>
-          </a:xfrm>
-          <a:prstGeom prst="rect">
-            <a:avLst/>
-          </a:prstGeom>
-        </p:spPr>
-      </p:pic>
-    </p:spTree>
-    <p:extLst>
-      <p:ext uri="{BB962C8B-B14F-4D97-AF65-F5344CB8AC3E}">
-        <p14:creationId xmlns:p14="http://schemas.microsoft.com/office/powerpoint/2010/main" val="3528872952"/>
-      </p:ext>
-    </p:extLst>
-  </p:cSld>
-  <p:clrMapOvr>
-    <a:masterClrMapping/>
-  </p:clrMapOvr>
-</p:sld>
-</file>
-
-<file path=ppt/slides/slide12.xml><?xml version="1.0" encoding="utf-8"?>
+<file path=ppt/slides/slide13.xml><?xml version="1.0" encoding="utf-8"?>
 <p:sld xmlns:a="http://schemas.openxmlformats.org/drawingml/2006/main" xmlns:r="http://schemas.openxmlformats.org/officeDocument/2006/relationships" xmlns:p="http://schemas.openxmlformats.org/presentationml/2006/main">
   <p:cSld>
     <p:spTree>
@@ -5096,7 +8311,7 @@
 </p:sld>
 </file>
 
-<file path=ppt/slides/slide13.xml><?xml version="1.0" encoding="utf-8"?>
+<file path=ppt/slides/slide14.xml><?xml version="1.0" encoding="utf-8"?>
 <p:sld xmlns:a="http://schemas.openxmlformats.org/drawingml/2006/main" xmlns:r="http://schemas.openxmlformats.org/officeDocument/2006/relationships" xmlns:p="http://schemas.openxmlformats.org/presentationml/2006/main">
   <p:cSld>
     <p:spTree>
@@ -5104,7 +8319,7 @@
         <p:cNvPr id="1" name="">
           <a:extLst>
             <a:ext uri="{FF2B5EF4-FFF2-40B4-BE49-F238E27FC236}">
-              <a16:creationId xmlns:a16="http://schemas.microsoft.com/office/drawing/2014/main" id="{C694E238-B928-9A45-6C07-F784EA6E2DC3}"/>
+              <a16:creationId xmlns:a16="http://schemas.microsoft.com/office/drawing/2014/main" id="{8C52D9D2-23A1-2523-B018-04A1EB9914C5}"/>
             </a:ext>
           </a:extLst>
         </p:cNvPr>
@@ -5124,7 +8339,7 @@
           <p:cNvPr id="11" name="TextBox 10">
             <a:extLst>
               <a:ext uri="{FF2B5EF4-FFF2-40B4-BE49-F238E27FC236}">
-                <a16:creationId xmlns:a16="http://schemas.microsoft.com/office/drawing/2014/main" id="{E03A3D75-7011-685D-6601-35E8D4148BB0}"/>
+                <a16:creationId xmlns:a16="http://schemas.microsoft.com/office/drawing/2014/main" id="{198C7299-844B-E70F-73B1-9B96434CB00E}"/>
               </a:ext>
             </a:extLst>
           </p:cNvPr>
@@ -5134,7 +8349,7 @@
         <p:spPr>
           <a:xfrm>
             <a:off x="520861" y="170082"/>
-            <a:ext cx="11979797" cy="1477328"/>
+            <a:ext cx="14947739" cy="1323439"/>
           </a:xfrm>
           <a:prstGeom prst="rect">
             <a:avLst/>
@@ -5148,10 +8363,10 @@
           <a:lstStyle/>
           <a:p>
             <a:r>
-              <a:rPr lang="en-US" sz="9000" dirty="0">
+              <a:rPr lang="en-US" sz="8000" dirty="0">
                 <a:latin typeface="Aliens &amp; cows" panose="00000500000000000000" pitchFamily="2" charset="0"/>
               </a:rPr>
-              <a:t>Not sure where to start?</a:t>
+              <a:t>Next steps</a:t>
             </a:r>
           </a:p>
         </p:txBody>
@@ -5161,7 +8376,7 @@
           <p:cNvPr id="3" name="TextBox 2">
             <a:extLst>
               <a:ext uri="{FF2B5EF4-FFF2-40B4-BE49-F238E27FC236}">
-                <a16:creationId xmlns:a16="http://schemas.microsoft.com/office/drawing/2014/main" id="{A70D9C35-08C9-2B39-29C7-C0EA500B7E30}"/>
+                <a16:creationId xmlns:a16="http://schemas.microsoft.com/office/drawing/2014/main" id="{CF58984F-0299-7F52-EFC0-830F0B077821}"/>
               </a:ext>
             </a:extLst>
           </p:cNvPr>
@@ -5170,8 +8385,8 @@
         </p:nvSpPr>
         <p:spPr>
           <a:xfrm>
-            <a:off x="1143000" y="1866900"/>
-            <a:ext cx="14935200" cy="6863417"/>
+            <a:off x="520861" y="3191948"/>
+            <a:ext cx="14393120" cy="4708981"/>
           </a:xfrm>
           <a:prstGeom prst="rect">
             <a:avLst/>
@@ -5184,138 +8399,57 @@
           </a:bodyPr>
           <a:lstStyle/>
           <a:p>
-            <a:pPr marL="285750" indent="-285750">
+            <a:pPr marL="685800" indent="-685800">
+              <a:buClr>
+                <a:srgbClr val="CF3338"/>
+              </a:buClr>
               <a:buFont typeface="Arial" panose="020B0604020202020204" pitchFamily="34" charset="0"/>
               <a:buChar char="•"/>
             </a:pPr>
             <a:r>
-              <a:rPr lang="en-US" sz="4400" dirty="0">
-                <a:latin typeface="Pragmatica" panose="020B0403040502020204"/>
+              <a:rPr lang="en-US" sz="6000" dirty="0">
+                <a:solidFill>
+                  <a:srgbClr val="707070"/>
+                </a:solidFill>
+                <a:latin typeface="Pragmatica" panose="020B0403040502020204" pitchFamily="34" charset="0"/>
               </a:rPr>
-              <a:t>If you’re new to Excel + AI → start with </a:t>
-            </a:r>
-            <a:r>
-              <a:rPr lang="en-US" sz="4400" b="1" u="sng" dirty="0">
-                <a:latin typeface="Pragmatica" panose="020B0403040502020204"/>
-                <a:hlinkClick r:id="rId2"/>
-              </a:rPr>
-              <a:t>Excel Must-Knows for AI Success</a:t>
-            </a:r>
-            <a:r>
-              <a:rPr lang="en-US" sz="4400" dirty="0">
-                <a:latin typeface="Pragmatica" panose="020B0403040502020204"/>
-              </a:rPr>
-              <a:t> </a:t>
-            </a:r>
-          </a:p>
-          <a:p>
-            <a:pPr marL="285750" indent="-285750">
+              <a:t>Modern Excel Starter Kit PDF</a:t>
+            </a:r>
+          </a:p>
+          <a:p>
+            <a:pPr marL="1143000" lvl="1" indent="-685800">
+              <a:buClr>
+                <a:srgbClr val="CF3338"/>
+              </a:buClr>
               <a:buFont typeface="Arial" panose="020B0604020202020204" pitchFamily="34" charset="0"/>
               <a:buChar char="•"/>
             </a:pPr>
             <a:r>
-              <a:rPr lang="en-US" sz="4400" dirty="0">
-                <a:latin typeface="Pragmatica" panose="020B0403040502020204"/>
+              <a:rPr lang="en-US" sz="6000" dirty="0">
+                <a:solidFill>
+                  <a:srgbClr val="707070"/>
+                </a:solidFill>
+                <a:latin typeface="Pragmatica" panose="020B0403040502020204" pitchFamily="34" charset="0"/>
               </a:rPr>
-              <a:t>If you want to learn Python in Excel → begin with </a:t>
-            </a:r>
-            <a:r>
-              <a:rPr lang="en-US" sz="4400" b="1" u="sng" dirty="0">
-                <a:latin typeface="Pragmatica" panose="020B0403040502020204"/>
-                <a:hlinkClick r:id="rId3"/>
-              </a:rPr>
-              <a:t>Python in Excel: Quick Wins</a:t>
-            </a:r>
-            <a:endParaRPr lang="en-US" sz="4400" dirty="0">
-              <a:latin typeface="Pragmatica" panose="020B0403040502020204"/>
-            </a:endParaRPr>
-          </a:p>
-          <a:p>
-            <a:pPr marL="285750" indent="-285750">
+              <a:t>Introduction, learning strategies, additional resources to master Modern Excel</a:t>
+            </a:r>
+          </a:p>
+          <a:p>
+            <a:pPr marL="1143000" lvl="1" indent="-685800">
+              <a:buClr>
+                <a:srgbClr val="CF3338"/>
+              </a:buClr>
               <a:buFont typeface="Arial" panose="020B0604020202020204" pitchFamily="34" charset="0"/>
               <a:buChar char="•"/>
             </a:pPr>
             <a:r>
-              <a:rPr lang="en-US" sz="4400" dirty="0">
-                <a:latin typeface="Pragmatica" panose="020B0403040502020204"/>
+              <a:rPr lang="en-US" sz="6000" dirty="0">
+                <a:solidFill>
+                  <a:srgbClr val="707070"/>
+                </a:solidFill>
+                <a:latin typeface="Pragmatica" panose="020B0403040502020204" pitchFamily="34" charset="0"/>
               </a:rPr>
-              <a:t>If you prefer structured self-paced learning → take my </a:t>
-            </a:r>
-            <a:r>
-              <a:rPr lang="en-US" sz="4400" b="1" u="sng" dirty="0">
-                <a:latin typeface="Pragmatica" panose="020B0403040502020204"/>
-                <a:hlinkClick r:id="rId4"/>
-              </a:rPr>
-              <a:t>LinkedIn Learning</a:t>
-            </a:r>
-            <a:r>
-              <a:rPr lang="en-US" sz="4400" dirty="0">
-                <a:latin typeface="Pragmatica" panose="020B0403040502020204"/>
-              </a:rPr>
-              <a:t> courses</a:t>
-            </a:r>
-          </a:p>
-          <a:p>
-            <a:pPr marL="285750" indent="-285750">
-              <a:buFont typeface="Arial" panose="020B0604020202020204" pitchFamily="34" charset="0"/>
-              <a:buChar char="•"/>
-            </a:pPr>
-            <a:r>
-              <a:rPr lang="en-US" sz="4400" dirty="0">
-                <a:latin typeface="Pragmatica" panose="020B0403040502020204"/>
-              </a:rPr>
-              <a:t>If you want live, hands-on training → join an </a:t>
-            </a:r>
-            <a:r>
-              <a:rPr lang="en-US" sz="4400" b="1" u="sng" dirty="0">
-                <a:latin typeface="Pragmatica" panose="020B0403040502020204"/>
-                <a:hlinkClick r:id="rId5"/>
-              </a:rPr>
-              <a:t>O’Reilly</a:t>
-            </a:r>
-            <a:r>
-              <a:rPr lang="en-US" sz="4400" dirty="0">
-                <a:latin typeface="Pragmatica" panose="020B0403040502020204"/>
-              </a:rPr>
-              <a:t> session or </a:t>
-            </a:r>
-            <a:r>
-              <a:rPr lang="en-US" sz="4400" b="1" u="sng" dirty="0">
-                <a:latin typeface="Pragmatica" panose="020B0403040502020204"/>
-                <a:hlinkClick r:id="rId6"/>
-              </a:rPr>
-              <a:t>Eventbrite</a:t>
-            </a:r>
-            <a:r>
-              <a:rPr lang="en-US" sz="4400" dirty="0">
-                <a:latin typeface="Pragmatica" panose="020B0403040502020204"/>
-              </a:rPr>
-              <a:t> workshop</a:t>
-            </a:r>
-          </a:p>
-          <a:p>
-            <a:pPr marL="285750" indent="-285750">
-              <a:buFont typeface="Arial" panose="020B0604020202020204" pitchFamily="34" charset="0"/>
-              <a:buChar char="•"/>
-            </a:pPr>
-            <a:r>
-              <a:rPr lang="en-US" sz="4400" dirty="0">
-                <a:latin typeface="Pragmatica" panose="020B0403040502020204"/>
-              </a:rPr>
-              <a:t>If you want ongoing guidance without a big course → join </a:t>
-            </a:r>
-            <a:r>
-              <a:rPr lang="en-US" sz="4400" b="1" u="sng" dirty="0">
-                <a:latin typeface="Pragmatica" panose="020B0403040502020204"/>
-                <a:hlinkClick r:id="rId7"/>
-              </a:rPr>
-              <a:t>The Modern Excel AI Stack</a:t>
-            </a:r>
-            <a:r>
-              <a:rPr lang="en-US" sz="4400" dirty="0">
-                <a:latin typeface="Pragmatica" panose="020B0403040502020204"/>
-              </a:rPr>
-              <a:t> (membership)</a:t>
+              <a:t>Available in the event downloads folder</a:t>
             </a:r>
           </a:p>
         </p:txBody>
@@ -5325,7 +8459,7 @@
           <p:cNvPr id="15" name="Picture 14" descr="A close up of a sign&#10;&#10;Description automatically generated">
             <a:extLst>
               <a:ext uri="{FF2B5EF4-FFF2-40B4-BE49-F238E27FC236}">
-                <a16:creationId xmlns:a16="http://schemas.microsoft.com/office/drawing/2014/main" id="{BD2DCCC6-87AC-828C-1922-475B4458EAF8}"/>
+                <a16:creationId xmlns:a16="http://schemas.microsoft.com/office/drawing/2014/main" id="{B155E1CE-7355-30EE-3EE6-738EC928753C}"/>
               </a:ext>
             </a:extLst>
           </p:cNvPr>
@@ -5335,7 +8469,7 @@
           <p:nvPr/>
         </p:nvPicPr>
         <p:blipFill>
-          <a:blip r:embed="rId8">
+          <a:blip r:embed="rId2">
             <a:extLst>
               <a:ext uri="{28A0092B-C50C-407E-A947-70E740481C1C}">
                 <a14:useLocalDpi xmlns:a14="http://schemas.microsoft.com/office/drawing/2010/main" val="0"/>
@@ -5359,7 +8493,7 @@
     </p:spTree>
     <p:extLst>
       <p:ext uri="{BB962C8B-B14F-4D97-AF65-F5344CB8AC3E}">
-        <p14:creationId xmlns:p14="http://schemas.microsoft.com/office/powerpoint/2010/main" val="1691826289"/>
+        <p14:creationId xmlns:p14="http://schemas.microsoft.com/office/powerpoint/2010/main" val="117160248"/>
       </p:ext>
     </p:extLst>
   </p:cSld>
@@ -5369,7 +8503,7 @@
 </p:sld>
 </file>
 
-<file path=ppt/slides/slide14.xml><?xml version="1.0" encoding="utf-8"?>
+<file path=ppt/slides/slide15.xml><?xml version="1.0" encoding="utf-8"?>
 <p:sld xmlns:a="http://schemas.openxmlformats.org/drawingml/2006/main" xmlns:r="http://schemas.openxmlformats.org/officeDocument/2006/relationships" xmlns:p="http://schemas.openxmlformats.org/presentationml/2006/main">
   <p:cSld>
     <p:spTree>
@@ -5377,7 +8511,7 @@
         <p:cNvPr id="1" name="">
           <a:extLst>
             <a:ext uri="{FF2B5EF4-FFF2-40B4-BE49-F238E27FC236}">
-              <a16:creationId xmlns:a16="http://schemas.microsoft.com/office/drawing/2014/main" id="{9C2D1794-A89B-13E7-C584-62963DC48543}"/>
+              <a16:creationId xmlns:a16="http://schemas.microsoft.com/office/drawing/2014/main" id="{DA8CB409-CE91-9113-CF5B-9EF56BE94356}"/>
             </a:ext>
           </a:extLst>
         </p:cNvPr>
@@ -5397,7 +8531,7 @@
           <p:cNvPr id="11" name="TextBox 10">
             <a:extLst>
               <a:ext uri="{FF2B5EF4-FFF2-40B4-BE49-F238E27FC236}">
-                <a16:creationId xmlns:a16="http://schemas.microsoft.com/office/drawing/2014/main" id="{85F62E68-D78B-B854-71AE-B7A12E9192C3}"/>
+                <a16:creationId xmlns:a16="http://schemas.microsoft.com/office/drawing/2014/main" id="{DB8D7723-DD6F-44FA-345F-472CF117590F}"/>
               </a:ext>
             </a:extLst>
           </p:cNvPr>
@@ -5407,7 +8541,7 @@
         <p:spPr>
           <a:xfrm>
             <a:off x="520861" y="170082"/>
-            <a:ext cx="11979797" cy="1477328"/>
+            <a:ext cx="14947739" cy="1323439"/>
           </a:xfrm>
           <a:prstGeom prst="rect">
             <a:avLst/>
@@ -5421,10 +8555,10 @@
           <a:lstStyle/>
           <a:p>
             <a:r>
-              <a:rPr lang="en-US" sz="9000" dirty="0">
+              <a:rPr lang="en-US" sz="8000" dirty="0">
                 <a:latin typeface="Aliens &amp; cows" panose="00000500000000000000" pitchFamily="2" charset="0"/>
               </a:rPr>
-              <a:t>How my services work</a:t>
+              <a:t>Next steps</a:t>
             </a:r>
           </a:p>
         </p:txBody>
@@ -5434,7 +8568,7 @@
           <p:cNvPr id="3" name="TextBox 2">
             <a:extLst>
               <a:ext uri="{FF2B5EF4-FFF2-40B4-BE49-F238E27FC236}">
-                <a16:creationId xmlns:a16="http://schemas.microsoft.com/office/drawing/2014/main" id="{125477CD-2646-7AE5-0082-FA9A59B6C7FB}"/>
+                <a16:creationId xmlns:a16="http://schemas.microsoft.com/office/drawing/2014/main" id="{80175D3E-AE80-1413-C125-5F34E069E354}"/>
               </a:ext>
             </a:extLst>
           </p:cNvPr>
@@ -5467,13 +8601,11 @@
             <a:r>
               <a:rPr lang="en-US" sz="6000" dirty="0">
                 <a:solidFill>
-                  <a:schemeClr val="bg1">
-                    <a:lumMod val="50000"/>
-                  </a:schemeClr>
+                  <a:srgbClr val="707070"/>
                 </a:solidFill>
                 <a:latin typeface="Pragmatica" panose="020B0403040502020204" pitchFamily="34" charset="0"/>
               </a:rPr>
-              <a:t>Interactive, tailored workshops</a:t>
+              <a:t>Follow me on LinkedIn</a:t>
             </a:r>
           </a:p>
           <a:p>
@@ -5487,13 +8619,11 @@
             <a:r>
               <a:rPr lang="en-US" sz="6000" dirty="0">
                 <a:solidFill>
-                  <a:schemeClr val="bg1">
-                    <a:lumMod val="50000"/>
-                  </a:schemeClr>
+                  <a:srgbClr val="707070"/>
                 </a:solidFill>
                 <a:latin typeface="Pragmatica" panose="020B0403040502020204" pitchFamily="34" charset="0"/>
               </a:rPr>
-              <a:t>Built around your team’s actual data &amp; workflow challenges</a:t>
+              <a:t>Share this event with your network</a:t>
             </a:r>
           </a:p>
           <a:p>
@@ -5507,13 +8637,36 @@
             <a:r>
               <a:rPr lang="en-US" sz="6000" dirty="0">
                 <a:solidFill>
-                  <a:schemeClr val="bg1">
-                    <a:lumMod val="50000"/>
-                  </a:schemeClr>
+                  <a:srgbClr val="707070"/>
                 </a:solidFill>
                 <a:latin typeface="Pragmatica" panose="020B0403040502020204" pitchFamily="34" charset="0"/>
               </a:rPr>
-              <a:t>Focused on repeatable methods, clear outcomes</a:t>
+              <a:t>For teams/organizations: Book a discovery call at </a:t>
+            </a:r>
+            <a:r>
+              <a:rPr lang="en-US" sz="6000" dirty="0">
+                <a:solidFill>
+                  <a:srgbClr val="CF3338"/>
+                </a:solidFill>
+                <a:latin typeface="Pragmatica" panose="020B0403040502020204" pitchFamily="34" charset="0"/>
+                <a:hlinkClick r:id="rId2">
+                  <a:extLst>
+                    <a:ext uri="{A12FA001-AC4F-418D-AE19-62706E023703}">
+                      <ahyp:hlinkClr xmlns:ahyp="http://schemas.microsoft.com/office/drawing/2018/hyperlinkcolor" val="tx"/>
+                    </a:ext>
+                  </a:extLst>
+                </a:hlinkClick>
+              </a:rPr>
+              <a:t>https://stringfestanalytics.com/book-me/</a:t>
+            </a:r>
+            <a:r>
+              <a:rPr lang="en-US" sz="6000" dirty="0">
+                <a:solidFill>
+                  <a:srgbClr val="CF3338"/>
+                </a:solidFill>
+                <a:latin typeface="Pragmatica" panose="020B0403040502020204" pitchFamily="34" charset="0"/>
+              </a:rPr>
+              <a:t> </a:t>
             </a:r>
           </a:p>
         </p:txBody>
@@ -5523,7 +8676,7 @@
           <p:cNvPr id="15" name="Picture 14" descr="A close up of a sign&#10;&#10;Description automatically generated">
             <a:extLst>
               <a:ext uri="{FF2B5EF4-FFF2-40B4-BE49-F238E27FC236}">
-                <a16:creationId xmlns:a16="http://schemas.microsoft.com/office/drawing/2014/main" id="{A19FEB55-2008-8663-3838-9AB2649954F7}"/>
+                <a16:creationId xmlns:a16="http://schemas.microsoft.com/office/drawing/2014/main" id="{23401A70-278E-956F-C05F-181A5C8C8A73}"/>
               </a:ext>
             </a:extLst>
           </p:cNvPr>
@@ -5557,7 +8710,7 @@
     </p:spTree>
     <p:extLst>
       <p:ext uri="{BB962C8B-B14F-4D97-AF65-F5344CB8AC3E}">
-        <p14:creationId xmlns:p14="http://schemas.microsoft.com/office/powerpoint/2010/main" val="1912928414"/>
+        <p14:creationId xmlns:p14="http://schemas.microsoft.com/office/powerpoint/2010/main" val="3278776888"/>
       </p:ext>
     </p:extLst>
   </p:cSld>
@@ -5567,7 +8720,7 @@
 </p:sld>
 </file>
 
-<file path=ppt/slides/slide15.xml><?xml version="1.0" encoding="utf-8"?>
+<file path=ppt/slides/slide16.xml><?xml version="1.0" encoding="utf-8"?>
 <p:sld xmlns:a="http://schemas.openxmlformats.org/drawingml/2006/main" xmlns:r="http://schemas.openxmlformats.org/officeDocument/2006/relationships" xmlns:p="http://schemas.openxmlformats.org/presentationml/2006/main">
   <p:cSld>
     <p:spTree>
@@ -5575,7 +8728,7 @@
         <p:cNvPr id="1" name="">
           <a:extLst>
             <a:ext uri="{FF2B5EF4-FFF2-40B4-BE49-F238E27FC236}">
-              <a16:creationId xmlns:a16="http://schemas.microsoft.com/office/drawing/2014/main" id="{9C0F52B2-A9A0-B9E9-76CE-057B62323FE8}"/>
+              <a16:creationId xmlns:a16="http://schemas.microsoft.com/office/drawing/2014/main" id="{8FC0C042-4FA7-C99A-DB6A-E56C8A4C9FF2}"/>
             </a:ext>
           </a:extLst>
         </p:cNvPr>
@@ -5595,7 +8748,7 @@
           <p:cNvPr id="4" name="Rectangle 3">
             <a:extLst>
               <a:ext uri="{FF2B5EF4-FFF2-40B4-BE49-F238E27FC236}">
-                <a16:creationId xmlns:a16="http://schemas.microsoft.com/office/drawing/2014/main" id="{C1368C70-215B-D770-0308-43DB1E4D0018}"/>
+                <a16:creationId xmlns:a16="http://schemas.microsoft.com/office/drawing/2014/main" id="{B38FBC8C-6CC2-040B-E74D-EA0547D9066A}"/>
               </a:ext>
             </a:extLst>
           </p:cNvPr>
@@ -5611,9 +8764,7 @@
             <a:avLst/>
           </a:prstGeom>
           <a:solidFill>
-            <a:schemeClr val="bg1">
-              <a:lumMod val="50000"/>
-            </a:schemeClr>
+            <a:srgbClr val="CF3338"/>
           </a:solidFill>
           <a:ln>
             <a:noFill/>
@@ -5649,7 +8800,7 @@
           <p:cNvPr id="5" name="TextBox 4">
             <a:extLst>
               <a:ext uri="{FF2B5EF4-FFF2-40B4-BE49-F238E27FC236}">
-                <a16:creationId xmlns:a16="http://schemas.microsoft.com/office/drawing/2014/main" id="{2DD8ACE7-F40C-DC21-EF62-DD6145273D59}"/>
+                <a16:creationId xmlns:a16="http://schemas.microsoft.com/office/drawing/2014/main" id="{C3242B5A-8DE0-9FEB-CCC9-737A969B938A}"/>
               </a:ext>
             </a:extLst>
           </p:cNvPr>
@@ -5679,7 +8830,7 @@
                 </a:solidFill>
                 <a:latin typeface="Normafixed Tryout" panose="00000409000000000000" pitchFamily="49" charset="0"/>
               </a:rPr>
-              <a:t>Three tiers of engagement</a:t>
+              <a:t>Thank you!</a:t>
             </a:r>
           </a:p>
         </p:txBody>
@@ -5687,7 +8838,7 @@
     </p:spTree>
     <p:extLst>
       <p:ext uri="{BB962C8B-B14F-4D97-AF65-F5344CB8AC3E}">
-        <p14:creationId xmlns:p14="http://schemas.microsoft.com/office/powerpoint/2010/main" val="599655932"/>
+        <p14:creationId xmlns:p14="http://schemas.microsoft.com/office/powerpoint/2010/main" val="3998672046"/>
       </p:ext>
     </p:extLst>
   </p:cSld>
@@ -5697,18 +8848,12 @@
 </p:sld>
 </file>
 
-<file path=ppt/slides/slide16.xml><?xml version="1.0" encoding="utf-8"?>
+<file path=ppt/slides/slide17.xml><?xml version="1.0" encoding="utf-8"?>
 <p:sld xmlns:a="http://schemas.openxmlformats.org/drawingml/2006/main" xmlns:r="http://schemas.openxmlformats.org/officeDocument/2006/relationships" xmlns:p="http://schemas.openxmlformats.org/presentationml/2006/main">
   <p:cSld>
     <p:spTree>
       <p:nvGrpSpPr>
-        <p:cNvPr id="1" name="">
-          <a:extLst>
-            <a:ext uri="{FF2B5EF4-FFF2-40B4-BE49-F238E27FC236}">
-              <a16:creationId xmlns:a16="http://schemas.microsoft.com/office/drawing/2014/main" id="{119C8AEB-B00A-020D-74D8-5CBD4950A4FF}"/>
-            </a:ext>
-          </a:extLst>
-        </p:cNvPr>
+        <p:cNvPr id="1" name=""/>
         <p:cNvGrpSpPr/>
         <p:nvPr/>
       </p:nvGrpSpPr>
@@ -5722,13 +8867,36 @@
       </p:grpSpPr>
       <p:pic>
         <p:nvPicPr>
-          <p:cNvPr id="15" name="Picture 14" descr="A close up of a sign&#10;&#10;Description automatically generated">
+          <p:cNvPr id="10" name="Picture 9"/>
+          <p:cNvPicPr>
+            <a:picLocks noChangeAspect="1"/>
+          </p:cNvPicPr>
+          <p:nvPr/>
+        </p:nvPicPr>
+        <p:blipFill rotWithShape="1">
+          <a:blip r:embed="rId2">
             <a:extLst>
-              <a:ext uri="{FF2B5EF4-FFF2-40B4-BE49-F238E27FC236}">
-                <a16:creationId xmlns:a16="http://schemas.microsoft.com/office/drawing/2014/main" id="{71CA1AFD-F0D2-3FAE-2A6F-A002CF8D76B0}"/>
+              <a:ext uri="{28A0092B-C50C-407E-A947-70E740481C1C}">
+                <a14:useLocalDpi xmlns:a14="http://schemas.microsoft.com/office/drawing/2010/main" val="0"/>
               </a:ext>
             </a:extLst>
-          </p:cNvPr>
+          </a:blip>
+          <a:srcRect l="50728" t="56371"/>
+          <a:stretch/>
+        </p:blipFill>
+        <p:spPr>
+          <a:xfrm>
+            <a:off x="12204691" y="3316148"/>
+            <a:ext cx="6083309" cy="6970854"/>
+          </a:xfrm>
+          <a:prstGeom prst="rect">
+            <a:avLst/>
+          </a:prstGeom>
+        </p:spPr>
+      </p:pic>
+      <p:pic>
+        <p:nvPicPr>
+          <p:cNvPr id="4" name="Picture 3"/>
           <p:cNvPicPr>
             <a:picLocks noChangeAspect="1"/>
           </p:cNvPicPr>
@@ -5748,475 +8916,24 @@
         </p:blipFill>
         <p:spPr>
           <a:xfrm>
-            <a:off x="16341036" y="8058429"/>
-            <a:ext cx="1942857" cy="2228571"/>
+            <a:off x="-807744" y="-3724155"/>
+            <a:ext cx="15257208" cy="11189825"/>
           </a:xfrm>
           <a:prstGeom prst="rect">
             <a:avLst/>
           </a:prstGeom>
         </p:spPr>
       </p:pic>
-      <p:graphicFrame>
-        <p:nvGraphicFramePr>
-          <p:cNvPr id="2" name="Table 1">
-            <a:extLst>
-              <a:ext uri="{FF2B5EF4-FFF2-40B4-BE49-F238E27FC236}">
-                <a16:creationId xmlns:a16="http://schemas.microsoft.com/office/drawing/2014/main" id="{01FCA77D-EB05-A35E-40E4-BDE6F2B609D0}"/>
-              </a:ext>
-            </a:extLst>
-          </p:cNvPr>
-          <p:cNvGraphicFramePr>
-            <a:graphicFrameLocks noGrp="1"/>
-          </p:cNvGraphicFramePr>
-          <p:nvPr>
-            <p:extLst>
-              <p:ext uri="{D42A27DB-BD31-4B8C-83A1-F6EECF244321}">
-                <p14:modId xmlns:p14="http://schemas.microsoft.com/office/powerpoint/2010/main" val="373985847"/>
-              </p:ext>
-            </p:extLst>
-          </p:nvPr>
-        </p:nvGraphicFramePr>
-        <p:xfrm>
-          <a:off x="457200" y="800100"/>
-          <a:ext cx="14935200" cy="8915398"/>
-        </p:xfrm>
-        <a:graphic>
-          <a:graphicData uri="http://schemas.openxmlformats.org/drawingml/2006/table">
-            <a:tbl>
-              <a:tblPr>
-                <a:tableStyleId>{793D81CF-94F2-401A-BA57-92F5A7B2D0C5}</a:tableStyleId>
-              </a:tblPr>
-              <a:tblGrid>
-                <a:gridCol w="4978400">
-                  <a:extLst>
-                    <a:ext uri="{9D8B030D-6E8A-4147-A177-3AD203B41FA5}">
-                      <a16:colId xmlns:a16="http://schemas.microsoft.com/office/drawing/2014/main" val="583647400"/>
-                    </a:ext>
-                  </a:extLst>
-                </a:gridCol>
-                <a:gridCol w="4978400">
-                  <a:extLst>
-                    <a:ext uri="{9D8B030D-6E8A-4147-A177-3AD203B41FA5}">
-                      <a16:colId xmlns:a16="http://schemas.microsoft.com/office/drawing/2014/main" val="372175440"/>
-                    </a:ext>
-                  </a:extLst>
-                </a:gridCol>
-                <a:gridCol w="4978400">
-                  <a:extLst>
-                    <a:ext uri="{9D8B030D-6E8A-4147-A177-3AD203B41FA5}">
-                      <a16:colId xmlns:a16="http://schemas.microsoft.com/office/drawing/2014/main" val="858243347"/>
-                    </a:ext>
-                  </a:extLst>
-                </a:gridCol>
-              </a:tblGrid>
-              <a:tr h="1150374">
-                <a:tc>
-                  <a:txBody>
-                    <a:bodyPr/>
-                    <a:lstStyle/>
-                    <a:p>
-                      <a:pPr>
-                        <a:buNone/>
-                      </a:pPr>
-                      <a:r>
-                        <a:rPr lang="en-US" sz="4000" b="1"/>
-                        <a:t>Tier</a:t>
-                      </a:r>
-                      <a:endParaRPr lang="en-US" sz="4000"/>
-                    </a:p>
-                  </a:txBody>
-                  <a:tcPr anchor="ctr">
-                    <a:solidFill>
-                      <a:schemeClr val="bg1">
-                        <a:lumMod val="95000"/>
-                      </a:schemeClr>
-                    </a:solidFill>
-                  </a:tcPr>
-                </a:tc>
-                <a:tc>
-                  <a:txBody>
-                    <a:bodyPr/>
-                    <a:lstStyle/>
-                    <a:p>
-                      <a:pPr>
-                        <a:buNone/>
-                      </a:pPr>
-                      <a:r>
-                        <a:rPr lang="en-US" sz="4000" b="1"/>
-                        <a:t>Focus</a:t>
-                      </a:r>
-                      <a:endParaRPr lang="en-US" sz="4000"/>
-                    </a:p>
-                  </a:txBody>
-                  <a:tcPr anchor="ctr">
-                    <a:solidFill>
-                      <a:schemeClr val="bg1">
-                        <a:lumMod val="95000"/>
-                      </a:schemeClr>
-                    </a:solidFill>
-                  </a:tcPr>
-                </a:tc>
-                <a:tc>
-                  <a:txBody>
-                    <a:bodyPr/>
-                    <a:lstStyle/>
-                    <a:p>
-                      <a:pPr>
-                        <a:buNone/>
-                      </a:pPr>
-                      <a:r>
-                        <a:rPr lang="en-US" sz="4000" b="1"/>
-                        <a:t>What You Get</a:t>
-                      </a:r>
-                      <a:endParaRPr lang="en-US" sz="4000"/>
-                    </a:p>
-                  </a:txBody>
-                  <a:tcPr anchor="ctr">
-                    <a:solidFill>
-                      <a:schemeClr val="bg1">
-                        <a:lumMod val="95000"/>
-                      </a:schemeClr>
-                    </a:solidFill>
-                  </a:tcPr>
-                </a:tc>
-                <a:extLst>
-                  <a:ext uri="{0D108BD9-81ED-4DB2-BD59-A6C34878D82A}">
-                    <a16:rowId xmlns:a16="http://schemas.microsoft.com/office/drawing/2014/main" val="986943229"/>
-                  </a:ext>
-                </a:extLst>
-              </a:tr>
-              <a:tr h="2875935">
-                <a:tc>
-                  <a:txBody>
-                    <a:bodyPr/>
-                    <a:lstStyle/>
-                    <a:p>
-                      <a:pPr>
-                        <a:buNone/>
-                      </a:pPr>
-                      <a:r>
-                        <a:rPr lang="en-US" sz="4000" b="1" dirty="0"/>
-                        <a:t>Tier 1: Essentials Training</a:t>
-                      </a:r>
-                      <a:endParaRPr lang="en-US" sz="4000" dirty="0"/>
-                    </a:p>
-                  </a:txBody>
-                  <a:tcPr anchor="ctr">
-                    <a:solidFill>
-                      <a:schemeClr val="bg1">
-                        <a:lumMod val="95000"/>
-                      </a:schemeClr>
-                    </a:solidFill>
-                  </a:tcPr>
-                </a:tc>
-                <a:tc>
-                  <a:txBody>
-                    <a:bodyPr/>
-                    <a:lstStyle/>
-                    <a:p>
-                      <a:pPr>
-                        <a:buNone/>
-                      </a:pPr>
-                      <a:r>
-                        <a:rPr lang="en-US" sz="4000" dirty="0"/>
-                        <a:t>1-day focused Excel sessions (Tables, Power Query, Excel AI)</a:t>
-                      </a:r>
-                    </a:p>
-                  </a:txBody>
-                  <a:tcPr anchor="ctr">
-                    <a:solidFill>
-                      <a:schemeClr val="bg1">
-                        <a:lumMod val="95000"/>
-                      </a:schemeClr>
-                    </a:solidFill>
-                  </a:tcPr>
-                </a:tc>
-                <a:tc>
-                  <a:txBody>
-                    <a:bodyPr/>
-                    <a:lstStyle/>
-                    <a:p>
-                      <a:pPr>
-                        <a:buNone/>
-                      </a:pPr>
-                      <a:r>
-                        <a:rPr lang="en-US" sz="4000"/>
-                        <a:t>Immediate productivity boost</a:t>
-                      </a:r>
-                    </a:p>
-                  </a:txBody>
-                  <a:tcPr anchor="ctr">
-                    <a:solidFill>
-                      <a:schemeClr val="bg1">
-                        <a:lumMod val="95000"/>
-                      </a:schemeClr>
-                    </a:solidFill>
-                  </a:tcPr>
-                </a:tc>
-                <a:extLst>
-                  <a:ext uri="{0D108BD9-81ED-4DB2-BD59-A6C34878D82A}">
-                    <a16:rowId xmlns:a16="http://schemas.microsoft.com/office/drawing/2014/main" val="2852601429"/>
-                  </a:ext>
-                </a:extLst>
-              </a:tr>
-              <a:tr h="2013154">
-                <a:tc>
-                  <a:txBody>
-                    <a:bodyPr/>
-                    <a:lstStyle/>
-                    <a:p>
-                      <a:pPr>
-                        <a:buNone/>
-                      </a:pPr>
-                      <a:r>
-                        <a:rPr lang="en-US" sz="4000" b="1"/>
-                        <a:t>Tier 2: Team Enablement</a:t>
-                      </a:r>
-                      <a:endParaRPr lang="en-US" sz="4000"/>
-                    </a:p>
-                  </a:txBody>
-                  <a:tcPr anchor="ctr">
-                    <a:solidFill>
-                      <a:schemeClr val="bg1">
-                        <a:lumMod val="95000"/>
-                      </a:schemeClr>
-                    </a:solidFill>
-                  </a:tcPr>
-                </a:tc>
-                <a:tc>
-                  <a:txBody>
-                    <a:bodyPr/>
-                    <a:lstStyle/>
-                    <a:p>
-                      <a:pPr>
-                        <a:buNone/>
-                      </a:pPr>
-                      <a:r>
-                        <a:rPr lang="en-US" sz="4000"/>
-                        <a:t>2-day Modern Analytics in Excel workshop</a:t>
-                      </a:r>
-                    </a:p>
-                  </a:txBody>
-                  <a:tcPr anchor="ctr">
-                    <a:solidFill>
-                      <a:schemeClr val="bg1">
-                        <a:lumMod val="95000"/>
-                      </a:schemeClr>
-                    </a:solidFill>
-                  </a:tcPr>
-                </a:tc>
-                <a:tc>
-                  <a:txBody>
-                    <a:bodyPr/>
-                    <a:lstStyle/>
-                    <a:p>
-                      <a:pPr>
-                        <a:buNone/>
-                      </a:pPr>
-                      <a:r>
-                        <a:rPr lang="en-US" sz="4000" dirty="0"/>
-                        <a:t>Hands-on workflow training</a:t>
-                      </a:r>
-                    </a:p>
-                  </a:txBody>
-                  <a:tcPr anchor="ctr">
-                    <a:solidFill>
-                      <a:schemeClr val="bg1">
-                        <a:lumMod val="95000"/>
-                      </a:schemeClr>
-                    </a:solidFill>
-                  </a:tcPr>
-                </a:tc>
-                <a:extLst>
-                  <a:ext uri="{0D108BD9-81ED-4DB2-BD59-A6C34878D82A}">
-                    <a16:rowId xmlns:a16="http://schemas.microsoft.com/office/drawing/2014/main" val="1114967597"/>
-                  </a:ext>
-                </a:extLst>
-              </a:tr>
-              <a:tr h="2875935">
-                <a:tc>
-                  <a:txBody>
-                    <a:bodyPr/>
-                    <a:lstStyle/>
-                    <a:p>
-                      <a:pPr>
-                        <a:buNone/>
-                      </a:pPr>
-                      <a:r>
-                        <a:rPr lang="en-US" sz="4000" b="1"/>
-                        <a:t>Tier 3: Learning Paths Advisory</a:t>
-                      </a:r>
-                      <a:endParaRPr lang="en-US" sz="4000"/>
-                    </a:p>
-                  </a:txBody>
-                  <a:tcPr anchor="ctr">
-                    <a:solidFill>
-                      <a:schemeClr val="bg1">
-                        <a:lumMod val="95000"/>
-                      </a:schemeClr>
-                    </a:solidFill>
-                  </a:tcPr>
-                </a:tc>
-                <a:tc>
-                  <a:txBody>
-                    <a:bodyPr/>
-                    <a:lstStyle/>
-                    <a:p>
-                      <a:pPr>
-                        <a:buNone/>
-                      </a:pPr>
-                      <a:r>
-                        <a:rPr lang="en-US" sz="4000" dirty="0"/>
-                        <a:t>Competency frameworks, customized pathways for 3–5 personas</a:t>
-                      </a:r>
-                    </a:p>
-                  </a:txBody>
-                  <a:tcPr anchor="ctr">
-                    <a:solidFill>
-                      <a:schemeClr val="bg1">
-                        <a:lumMod val="95000"/>
-                      </a:schemeClr>
-                    </a:solidFill>
-                  </a:tcPr>
-                </a:tc>
-                <a:tc>
-                  <a:txBody>
-                    <a:bodyPr/>
-                    <a:lstStyle/>
-                    <a:p>
-                      <a:pPr>
-                        <a:buNone/>
-                      </a:pPr>
-                      <a:r>
-                        <a:rPr lang="en-US" sz="4000" dirty="0"/>
-                        <a:t>Audit of existing training resources for optimized data literacy</a:t>
-                      </a:r>
-                    </a:p>
-                  </a:txBody>
-                  <a:tcPr anchor="ctr">
-                    <a:solidFill>
-                      <a:schemeClr val="bg1">
-                        <a:lumMod val="95000"/>
-                      </a:schemeClr>
-                    </a:solidFill>
-                  </a:tcPr>
-                </a:tc>
-                <a:extLst>
-                  <a:ext uri="{0D108BD9-81ED-4DB2-BD59-A6C34878D82A}">
-                    <a16:rowId xmlns:a16="http://schemas.microsoft.com/office/drawing/2014/main" val="4095421590"/>
-                  </a:ext>
-                </a:extLst>
-              </a:tr>
-            </a:tbl>
-          </a:graphicData>
-        </a:graphic>
-      </p:graphicFrame>
-    </p:spTree>
-    <p:extLst>
-      <p:ext uri="{BB962C8B-B14F-4D97-AF65-F5344CB8AC3E}">
-        <p14:creationId xmlns:p14="http://schemas.microsoft.com/office/powerpoint/2010/main" val="1360256720"/>
-      </p:ext>
-    </p:extLst>
-  </p:cSld>
-  <p:clrMapOvr>
-    <a:masterClrMapping/>
-  </p:clrMapOvr>
-</p:sld>
-</file>
-
-<file path=ppt/slides/slide17.xml><?xml version="1.0" encoding="utf-8"?>
-<p:sld xmlns:a="http://schemas.openxmlformats.org/drawingml/2006/main" xmlns:r="http://schemas.openxmlformats.org/officeDocument/2006/relationships" xmlns:p="http://schemas.openxmlformats.org/presentationml/2006/main" show="0">
-  <p:cSld>
-    <p:spTree>
-      <p:nvGrpSpPr>
-        <p:cNvPr id="1" name="">
-          <a:extLst>
-            <a:ext uri="{FF2B5EF4-FFF2-40B4-BE49-F238E27FC236}">
-              <a16:creationId xmlns:a16="http://schemas.microsoft.com/office/drawing/2014/main" id="{19E2DCAF-F37A-CC97-B3BF-5CFDA516D993}"/>
-            </a:ext>
-          </a:extLst>
-        </p:cNvPr>
-        <p:cNvGrpSpPr/>
-        <p:nvPr/>
-      </p:nvGrpSpPr>
-      <p:grpSpPr>
-        <a:xfrm>
-          <a:off x="0" y="0"/>
-          <a:ext cx="0" cy="0"/>
-          <a:chOff x="0" y="0"/>
-          <a:chExt cx="0" cy="0"/>
-        </a:xfrm>
-      </p:grpSpPr>
-      <p:sp>
-        <p:nvSpPr>
-          <p:cNvPr id="4" name="Rectangle 3">
-            <a:extLst>
-              <a:ext uri="{FF2B5EF4-FFF2-40B4-BE49-F238E27FC236}">
-                <a16:creationId xmlns:a16="http://schemas.microsoft.com/office/drawing/2014/main" id="{E3FAE8CC-47EB-8FE1-36CF-63CC46254A17}"/>
-              </a:ext>
-            </a:extLst>
-          </p:cNvPr>
-          <p:cNvSpPr/>
+      <p:sp>
+        <p:nvSpPr>
+          <p:cNvPr id="11" name="TextBox 10"/>
+          <p:cNvSpPr txBox="1"/>
           <p:nvPr/>
         </p:nvSpPr>
         <p:spPr>
           <a:xfrm>
-            <a:off x="0" y="0"/>
-            <a:ext cx="18288000" cy="10287000"/>
-          </a:xfrm>
-          <a:prstGeom prst="rect">
-            <a:avLst/>
-          </a:prstGeom>
-          <a:solidFill>
-            <a:schemeClr val="bg1">
-              <a:lumMod val="50000"/>
-            </a:schemeClr>
-          </a:solidFill>
-          <a:ln>
-            <a:noFill/>
-          </a:ln>
-        </p:spPr>
-        <p:style>
-          <a:lnRef idx="2">
-            <a:schemeClr val="accent1">
-              <a:shade val="50000"/>
-            </a:schemeClr>
-          </a:lnRef>
-          <a:fillRef idx="1">
-            <a:schemeClr val="accent1"/>
-          </a:fillRef>
-          <a:effectRef idx="0">
-            <a:schemeClr val="accent1"/>
-          </a:effectRef>
-          <a:fontRef idx="minor">
-            <a:schemeClr val="lt1"/>
-          </a:fontRef>
-        </p:style>
-        <p:txBody>
-          <a:bodyPr rtlCol="0" anchor="ctr"/>
-          <a:lstStyle/>
-          <a:p>
-            <a:pPr algn="ctr"/>
-            <a:endParaRPr lang="en-US" sz="2700"/>
-          </a:p>
-        </p:txBody>
-      </p:sp>
-      <p:sp>
-        <p:nvSpPr>
-          <p:cNvPr id="5" name="TextBox 4">
-            <a:extLst>
-              <a:ext uri="{FF2B5EF4-FFF2-40B4-BE49-F238E27FC236}">
-                <a16:creationId xmlns:a16="http://schemas.microsoft.com/office/drawing/2014/main" id="{FC4B5C8C-60FF-4247-C80A-384A48F9B916}"/>
-              </a:ext>
-            </a:extLst>
-          </p:cNvPr>
-          <p:cNvSpPr txBox="1"/>
-          <p:nvPr/>
-        </p:nvSpPr>
-        <p:spPr>
-          <a:xfrm>
-            <a:off x="781292" y="590309"/>
-            <a:ext cx="15486926" cy="1615827"/>
+            <a:off x="486137" y="2531318"/>
+            <a:ext cx="11979797" cy="923330"/>
           </a:xfrm>
           <a:prstGeom prst="rect">
             <a:avLst/>
@@ -6230,415 +8947,23 @@
           <a:lstStyle/>
           <a:p>
             <a:r>
-              <a:rPr lang="en-US" sz="9900" b="1" dirty="0">
-                <a:solidFill>
-                  <a:schemeClr val="bg1"/>
-                </a:solidFill>
-                <a:latin typeface="Normafixed Tryout" panose="00000409000000000000" pitchFamily="49" charset="0"/>
-              </a:rPr>
-              <a:t>Referrals</a:t>
-            </a:r>
-          </a:p>
-        </p:txBody>
-      </p:sp>
-    </p:spTree>
-    <p:extLst>
-      <p:ext uri="{BB962C8B-B14F-4D97-AF65-F5344CB8AC3E}">
-        <p14:creationId xmlns:p14="http://schemas.microsoft.com/office/powerpoint/2010/main" val="2160578455"/>
-      </p:ext>
-    </p:extLst>
-  </p:cSld>
-  <p:clrMapOvr>
-    <a:masterClrMapping/>
-  </p:clrMapOvr>
-</p:sld>
-</file>
-
-<file path=ppt/slides/slide18.xml><?xml version="1.0" encoding="utf-8"?>
-<p:sld xmlns:a="http://schemas.openxmlformats.org/drawingml/2006/main" xmlns:r="http://schemas.openxmlformats.org/officeDocument/2006/relationships" xmlns:p="http://schemas.openxmlformats.org/presentationml/2006/main" show="0">
-  <p:cSld>
-    <p:spTree>
-      <p:nvGrpSpPr>
-        <p:cNvPr id="1" name="">
-          <a:extLst>
-            <a:ext uri="{FF2B5EF4-FFF2-40B4-BE49-F238E27FC236}">
-              <a16:creationId xmlns:a16="http://schemas.microsoft.com/office/drawing/2014/main" id="{5A5C0098-6322-C59A-F32E-3C512ED0B19F}"/>
-            </a:ext>
-          </a:extLst>
-        </p:cNvPr>
-        <p:cNvGrpSpPr/>
-        <p:nvPr/>
-      </p:nvGrpSpPr>
-      <p:grpSpPr>
-        <a:xfrm>
-          <a:off x="0" y="0"/>
-          <a:ext cx="0" cy="0"/>
-          <a:chOff x="0" y="0"/>
-          <a:chExt cx="0" cy="0"/>
-        </a:xfrm>
-      </p:grpSpPr>
-      <p:sp>
-        <p:nvSpPr>
-          <p:cNvPr id="11" name="TextBox 10">
-            <a:extLst>
-              <a:ext uri="{FF2B5EF4-FFF2-40B4-BE49-F238E27FC236}">
-                <a16:creationId xmlns:a16="http://schemas.microsoft.com/office/drawing/2014/main" id="{78329F23-02BB-EAA6-456A-A1E2289618DB}"/>
-              </a:ext>
-            </a:extLst>
-          </p:cNvPr>
-          <p:cNvSpPr txBox="1"/>
-          <p:nvPr/>
-        </p:nvSpPr>
-        <p:spPr>
-          <a:xfrm>
-            <a:off x="520861" y="170082"/>
-            <a:ext cx="14947739" cy="1477328"/>
-          </a:xfrm>
-          <a:prstGeom prst="rect">
-            <a:avLst/>
-          </a:prstGeom>
-          <a:noFill/>
-        </p:spPr>
-        <p:txBody>
-          <a:bodyPr wrap="square" rtlCol="0">
-            <a:spAutoFit/>
-          </a:bodyPr>
-          <a:lstStyle/>
-          <a:p>
-            <a:r>
-              <a:rPr lang="en-US" sz="9000" dirty="0">
-                <a:latin typeface="Aliens &amp; cows" panose="00000500000000000000" pitchFamily="2" charset="0"/>
-              </a:rPr>
-              <a:t>Why referrals matter</a:t>
-            </a:r>
-          </a:p>
-        </p:txBody>
-      </p:sp>
-      <p:sp>
-        <p:nvSpPr>
-          <p:cNvPr id="3" name="TextBox 2">
-            <a:extLst>
-              <a:ext uri="{FF2B5EF4-FFF2-40B4-BE49-F238E27FC236}">
-                <a16:creationId xmlns:a16="http://schemas.microsoft.com/office/drawing/2014/main" id="{9C361D47-F6FD-9785-040A-60BF4AA0964E}"/>
-              </a:ext>
-            </a:extLst>
-          </p:cNvPr>
-          <p:cNvSpPr txBox="1"/>
-          <p:nvPr/>
-        </p:nvSpPr>
-        <p:spPr>
-          <a:xfrm>
-            <a:off x="520861" y="3191948"/>
-            <a:ext cx="14393120" cy="3785652"/>
-          </a:xfrm>
-          <a:prstGeom prst="rect">
-            <a:avLst/>
-          </a:prstGeom>
-          <a:noFill/>
-        </p:spPr>
-        <p:txBody>
-          <a:bodyPr wrap="square" rtlCol="0">
-            <a:spAutoFit/>
-          </a:bodyPr>
-          <a:lstStyle/>
-          <a:p>
-            <a:pPr marL="685800" indent="-685800">
-              <a:buClr>
-                <a:srgbClr val="CF3338"/>
-              </a:buClr>
-              <a:buFont typeface="Arial" panose="020B0604020202020204" pitchFamily="34" charset="0"/>
-              <a:buChar char="•"/>
-            </a:pPr>
-            <a:r>
-              <a:rPr lang="en-US" sz="6000" dirty="0">
-                <a:solidFill>
-                  <a:srgbClr val="707070"/>
-                </a:solidFill>
-                <a:latin typeface="Pragmatica" panose="020B0403040502020204" pitchFamily="34" charset="0"/>
-              </a:rPr>
-              <a:t>Most of my best projects come from referrals</a:t>
-            </a:r>
-          </a:p>
-          <a:p>
-            <a:pPr marL="685800" indent="-685800">
-              <a:buClr>
-                <a:srgbClr val="CF3338"/>
-              </a:buClr>
-              <a:buFont typeface="Arial" panose="020B0604020202020204" pitchFamily="34" charset="0"/>
-              <a:buChar char="•"/>
-            </a:pPr>
-            <a:r>
-              <a:rPr lang="en-US" sz="6000" dirty="0">
-                <a:solidFill>
-                  <a:srgbClr val="707070"/>
-                </a:solidFill>
-                <a:latin typeface="Pragmatica" panose="020B0403040502020204" pitchFamily="34" charset="0"/>
-              </a:rPr>
-              <a:t>Your introductions help my business and your network</a:t>
-            </a:r>
-          </a:p>
-        </p:txBody>
-      </p:sp>
-      <p:pic>
-        <p:nvPicPr>
-          <p:cNvPr id="15" name="Picture 14" descr="A close up of a sign&#10;&#10;Description automatically generated">
-            <a:extLst>
-              <a:ext uri="{FF2B5EF4-FFF2-40B4-BE49-F238E27FC236}">
-                <a16:creationId xmlns:a16="http://schemas.microsoft.com/office/drawing/2014/main" id="{7D0A1275-470A-3E72-0250-A2F672B5DD44}"/>
-              </a:ext>
-            </a:extLst>
-          </p:cNvPr>
-          <p:cNvPicPr>
-            <a:picLocks noChangeAspect="1"/>
-          </p:cNvPicPr>
-          <p:nvPr/>
-        </p:nvPicPr>
-        <p:blipFill>
-          <a:blip r:embed="rId2">
-            <a:extLst>
-              <a:ext uri="{28A0092B-C50C-407E-A947-70E740481C1C}">
-                <a14:useLocalDpi xmlns:a14="http://schemas.microsoft.com/office/drawing/2010/main" val="0"/>
-              </a:ext>
-            </a:extLst>
-          </a:blip>
-          <a:stretch>
-            <a:fillRect/>
-          </a:stretch>
-        </p:blipFill>
-        <p:spPr>
-          <a:xfrm>
-            <a:off x="16341036" y="8058429"/>
-            <a:ext cx="1942857" cy="2228571"/>
-          </a:xfrm>
-          <a:prstGeom prst="rect">
-            <a:avLst/>
-          </a:prstGeom>
-        </p:spPr>
-      </p:pic>
-    </p:spTree>
-    <p:extLst>
-      <p:ext uri="{BB962C8B-B14F-4D97-AF65-F5344CB8AC3E}">
-        <p14:creationId xmlns:p14="http://schemas.microsoft.com/office/powerpoint/2010/main" val="4177027773"/>
-      </p:ext>
-    </p:extLst>
-  </p:cSld>
-  <p:clrMapOvr>
-    <a:masterClrMapping/>
-  </p:clrMapOvr>
-</p:sld>
-</file>
-
-<file path=ppt/slides/slide19.xml><?xml version="1.0" encoding="utf-8"?>
-<p:sld xmlns:a="http://schemas.openxmlformats.org/drawingml/2006/main" xmlns:r="http://schemas.openxmlformats.org/officeDocument/2006/relationships" xmlns:p="http://schemas.openxmlformats.org/presentationml/2006/main" show="0">
-  <p:cSld>
-    <p:spTree>
-      <p:nvGrpSpPr>
-        <p:cNvPr id="1" name="">
-          <a:extLst>
-            <a:ext uri="{FF2B5EF4-FFF2-40B4-BE49-F238E27FC236}">
-              <a16:creationId xmlns:a16="http://schemas.microsoft.com/office/drawing/2014/main" id="{62A59709-F721-A4FC-3C8D-F70367C489BF}"/>
-            </a:ext>
-          </a:extLst>
-        </p:cNvPr>
-        <p:cNvGrpSpPr/>
-        <p:nvPr/>
-      </p:nvGrpSpPr>
-      <p:grpSpPr>
-        <a:xfrm>
-          <a:off x="0" y="0"/>
-          <a:ext cx="0" cy="0"/>
-          <a:chOff x="0" y="0"/>
-          <a:chExt cx="0" cy="0"/>
-        </a:xfrm>
-      </p:grpSpPr>
-      <p:sp>
-        <p:nvSpPr>
-          <p:cNvPr id="11" name="TextBox 10">
-            <a:extLst>
-              <a:ext uri="{FF2B5EF4-FFF2-40B4-BE49-F238E27FC236}">
-                <a16:creationId xmlns:a16="http://schemas.microsoft.com/office/drawing/2014/main" id="{0E862184-3DF0-BD80-03E6-9F9312DA5064}"/>
-              </a:ext>
-            </a:extLst>
-          </p:cNvPr>
-          <p:cNvSpPr txBox="1"/>
-          <p:nvPr/>
-        </p:nvSpPr>
-        <p:spPr>
-          <a:xfrm>
-            <a:off x="520861" y="170082"/>
-            <a:ext cx="14947739" cy="1323439"/>
-          </a:xfrm>
-          <a:prstGeom prst="rect">
-            <a:avLst/>
-          </a:prstGeom>
-          <a:noFill/>
-        </p:spPr>
-        <p:txBody>
-          <a:bodyPr wrap="square" rtlCol="0">
-            <a:spAutoFit/>
-          </a:bodyPr>
-          <a:lstStyle/>
-          <a:p>
-            <a:r>
-              <a:rPr lang="en-US" sz="8000" dirty="0">
-                <a:latin typeface="Aliens &amp; cows" panose="00000500000000000000" pitchFamily="2" charset="0"/>
-              </a:rPr>
-              <a:t>Referral program (digital rewards)</a:t>
-            </a:r>
-          </a:p>
-        </p:txBody>
-      </p:sp>
-      <p:sp>
-        <p:nvSpPr>
-          <p:cNvPr id="3" name="TextBox 2">
-            <a:extLst>
-              <a:ext uri="{FF2B5EF4-FFF2-40B4-BE49-F238E27FC236}">
-                <a16:creationId xmlns:a16="http://schemas.microsoft.com/office/drawing/2014/main" id="{D2D21EA8-6BC7-4299-F585-B9AD2E036E90}"/>
-              </a:ext>
-            </a:extLst>
-          </p:cNvPr>
-          <p:cNvSpPr txBox="1"/>
-          <p:nvPr/>
-        </p:nvSpPr>
-        <p:spPr>
-          <a:xfrm>
-            <a:off x="520861" y="3191948"/>
-            <a:ext cx="14393120" cy="6555641"/>
-          </a:xfrm>
-          <a:prstGeom prst="rect">
-            <a:avLst/>
-          </a:prstGeom>
-          <a:noFill/>
-        </p:spPr>
-        <p:txBody>
-          <a:bodyPr wrap="square" rtlCol="0">
-            <a:spAutoFit/>
-          </a:bodyPr>
-          <a:lstStyle/>
-          <a:p>
-            <a:pPr marL="685800" indent="-685800">
-              <a:buClr>
-                <a:srgbClr val="CF3338"/>
-              </a:buClr>
-              <a:buFont typeface="Arial" panose="020B0604020202020204" pitchFamily="34" charset="0"/>
-              <a:buChar char="•"/>
-            </a:pPr>
-            <a:r>
-              <a:rPr lang="en-US" sz="6000" dirty="0">
-                <a:solidFill>
-                  <a:srgbClr val="707070"/>
-                </a:solidFill>
-                <a:latin typeface="Pragmatica" panose="020B0403040502020204" pitchFamily="34" charset="0"/>
-              </a:rPr>
-              <a:t>Introduce someone who books a discovery call…. </a:t>
-            </a:r>
-            <a:r>
-              <a:rPr lang="en-US" sz="6000" dirty="0">
-                <a:solidFill>
-                  <a:srgbClr val="CF3338"/>
-                </a:solidFill>
-                <a:latin typeface="Pragmatica" panose="020B0403040502020204" pitchFamily="34" charset="0"/>
-                <a:hlinkClick r:id="rId3">
-                  <a:extLst>
-                    <a:ext uri="{A12FA001-AC4F-418D-AE19-62706E023703}">
-                      <ahyp:hlinkClr xmlns:ahyp="http://schemas.microsoft.com/office/drawing/2018/hyperlinkcolor" val="tx"/>
-                    </a:ext>
-                  </a:extLst>
-                </a:hlinkClick>
-              </a:rPr>
-              <a:t>One free </a:t>
-            </a:r>
-            <a:r>
-              <a:rPr lang="en-US" sz="6000" dirty="0" err="1">
-                <a:solidFill>
-                  <a:srgbClr val="CF3338"/>
-                </a:solidFill>
-                <a:latin typeface="Pragmatica" panose="020B0403040502020204" pitchFamily="34" charset="0"/>
-                <a:hlinkClick r:id="rId3">
-                  <a:extLst>
-                    <a:ext uri="{A12FA001-AC4F-418D-AE19-62706E023703}">
-                      <ahyp:hlinkClr xmlns:ahyp="http://schemas.microsoft.com/office/drawing/2018/hyperlinkcolor" val="tx"/>
-                    </a:ext>
-                  </a:extLst>
-                </a:hlinkClick>
-              </a:rPr>
-              <a:t>Gumroad</a:t>
-            </a:r>
-            <a:r>
-              <a:rPr lang="en-US" sz="6000" dirty="0">
-                <a:solidFill>
-                  <a:srgbClr val="CF3338"/>
-                </a:solidFill>
-                <a:latin typeface="Pragmatica" panose="020B0403040502020204" pitchFamily="34" charset="0"/>
-                <a:hlinkClick r:id="rId3">
-                  <a:extLst>
-                    <a:ext uri="{A12FA001-AC4F-418D-AE19-62706E023703}">
-                      <ahyp:hlinkClr xmlns:ahyp="http://schemas.microsoft.com/office/drawing/2018/hyperlinkcolor" val="tx"/>
-                    </a:ext>
-                  </a:extLst>
-                </a:hlinkClick>
-              </a:rPr>
-              <a:t> asset</a:t>
-            </a:r>
-            <a:r>
-              <a:rPr lang="en-US" sz="6000" dirty="0">
+              <a:rPr lang="en-US" sz="5400" b="1" dirty="0">
                 <a:solidFill>
                   <a:srgbClr val="CF3338"/>
                 </a:solidFill>
                 <a:latin typeface="Pragmatica" panose="020B0403040502020204" pitchFamily="34" charset="0"/>
               </a:rPr>
-              <a:t> </a:t>
-            </a:r>
-            <a:r>
-              <a:rPr lang="en-US" sz="6000" dirty="0">
-                <a:solidFill>
-                  <a:srgbClr val="707070"/>
-                </a:solidFill>
-                <a:latin typeface="Pragmatica" panose="020B0403040502020204" pitchFamily="34" charset="0"/>
-              </a:rPr>
-              <a:t> of your choice!</a:t>
-            </a:r>
-            <a:br>
-              <a:rPr lang="en-US" sz="6000" dirty="0">
-                <a:solidFill>
-                  <a:srgbClr val="707070"/>
-                </a:solidFill>
-                <a:latin typeface="Pragmatica" panose="020B0403040502020204" pitchFamily="34" charset="0"/>
-              </a:rPr>
-            </a:br>
-            <a:endParaRPr lang="en-US" sz="6000" dirty="0">
-              <a:solidFill>
-                <a:srgbClr val="707070"/>
-              </a:solidFill>
-              <a:latin typeface="Pragmatica" panose="020B0403040502020204" pitchFamily="34" charset="0"/>
-            </a:endParaRPr>
-          </a:p>
-          <a:p>
-            <a:pPr marL="685800" indent="-685800">
-              <a:buClr>
-                <a:srgbClr val="CF3338"/>
-              </a:buClr>
-              <a:buFont typeface="Arial" panose="020B0604020202020204" pitchFamily="34" charset="0"/>
-              <a:buChar char="•"/>
-            </a:pPr>
-            <a:r>
-              <a:rPr lang="en-US" sz="6000" dirty="0">
-                <a:solidFill>
-                  <a:srgbClr val="707070"/>
-                </a:solidFill>
-                <a:latin typeface="Pragmatica" panose="020B0403040502020204" pitchFamily="34" charset="0"/>
-              </a:rPr>
-              <a:t>They become a client…. Complete access to my ENTIRE Modern Excel Playbook series AND a copy of one of my books!</a:t>
+              <a:t>Questions?</a:t>
             </a:r>
           </a:p>
         </p:txBody>
       </p:sp>
       <p:pic>
         <p:nvPicPr>
-          <p:cNvPr id="15" name="Picture 14" descr="A close up of a sign&#10;&#10;Description automatically generated">
+          <p:cNvPr id="5" name="Picture 4">
             <a:extLst>
               <a:ext uri="{FF2B5EF4-FFF2-40B4-BE49-F238E27FC236}">
-                <a16:creationId xmlns:a16="http://schemas.microsoft.com/office/drawing/2014/main" id="{51B02E3C-18DF-1D79-403D-097E46C89696}"/>
+                <a16:creationId xmlns:a16="http://schemas.microsoft.com/office/drawing/2014/main" id="{54A06221-5316-4BCF-9FDA-BDB95FF4A778}"/>
               </a:ext>
             </a:extLst>
           </p:cNvPr>
@@ -6655,14 +8980,13 @@
               </a:ext>
             </a:extLst>
           </a:blip>
-          <a:stretch>
-            <a:fillRect/>
-          </a:stretch>
+          <a:srcRect/>
+          <a:stretch/>
         </p:blipFill>
         <p:spPr>
           <a:xfrm>
-            <a:off x="16341036" y="8058429"/>
-            <a:ext cx="1942857" cy="2228571"/>
+            <a:off x="12204691" y="3317239"/>
+            <a:ext cx="6083309" cy="6968672"/>
           </a:xfrm>
           <a:prstGeom prst="rect">
             <a:avLst/>
@@ -6672,7 +8996,7 @@
     </p:spTree>
     <p:extLst>
       <p:ext uri="{BB962C8B-B14F-4D97-AF65-F5344CB8AC3E}">
-        <p14:creationId xmlns:p14="http://schemas.microsoft.com/office/powerpoint/2010/main" val="3930223754"/>
+        <p14:creationId xmlns:p14="http://schemas.microsoft.com/office/powerpoint/2010/main" val="1689860732"/>
       </p:ext>
     </p:extLst>
   </p:cSld>
@@ -7054,701 +9378,6 @@
     <p:extLst>
       <p:ext uri="{BB962C8B-B14F-4D97-AF65-F5344CB8AC3E}">
         <p14:creationId xmlns:p14="http://schemas.microsoft.com/office/powerpoint/2010/main" val="1872901171"/>
-      </p:ext>
-    </p:extLst>
-  </p:cSld>
-  <p:clrMapOvr>
-    <a:masterClrMapping/>
-  </p:clrMapOvr>
-</p:sld>
-</file>
-
-<file path=ppt/slides/slide20.xml><?xml version="1.0" encoding="utf-8"?>
-<p:sld xmlns:a="http://schemas.openxmlformats.org/drawingml/2006/main" xmlns:r="http://schemas.openxmlformats.org/officeDocument/2006/relationships" xmlns:p="http://schemas.openxmlformats.org/presentationml/2006/main">
-  <p:cSld>
-    <p:spTree>
-      <p:nvGrpSpPr>
-        <p:cNvPr id="1" name="">
-          <a:extLst>
-            <a:ext uri="{FF2B5EF4-FFF2-40B4-BE49-F238E27FC236}">
-              <a16:creationId xmlns:a16="http://schemas.microsoft.com/office/drawing/2014/main" id="{73629F3B-66F6-2DFF-0DD2-E675D301B9E2}"/>
-            </a:ext>
-          </a:extLst>
-        </p:cNvPr>
-        <p:cNvGrpSpPr/>
-        <p:nvPr/>
-      </p:nvGrpSpPr>
-      <p:grpSpPr>
-        <a:xfrm>
-          <a:off x="0" y="0"/>
-          <a:ext cx="0" cy="0"/>
-          <a:chOff x="0" y="0"/>
-          <a:chExt cx="0" cy="0"/>
-        </a:xfrm>
-      </p:grpSpPr>
-      <p:sp>
-        <p:nvSpPr>
-          <p:cNvPr id="11" name="TextBox 10">
-            <a:extLst>
-              <a:ext uri="{FF2B5EF4-FFF2-40B4-BE49-F238E27FC236}">
-                <a16:creationId xmlns:a16="http://schemas.microsoft.com/office/drawing/2014/main" id="{7191E071-9895-6FB6-F22E-1F074E411B2E}"/>
-              </a:ext>
-            </a:extLst>
-          </p:cNvPr>
-          <p:cNvSpPr txBox="1"/>
-          <p:nvPr/>
-        </p:nvSpPr>
-        <p:spPr>
-          <a:xfrm>
-            <a:off x="520861" y="170082"/>
-            <a:ext cx="14947739" cy="1323439"/>
-          </a:xfrm>
-          <a:prstGeom prst="rect">
-            <a:avLst/>
-          </a:prstGeom>
-          <a:noFill/>
-        </p:spPr>
-        <p:txBody>
-          <a:bodyPr wrap="square" rtlCol="0">
-            <a:spAutoFit/>
-          </a:bodyPr>
-          <a:lstStyle/>
-          <a:p>
-            <a:r>
-              <a:rPr lang="en-US" sz="8000" dirty="0">
-                <a:latin typeface="Aliens &amp; cows" panose="00000500000000000000" pitchFamily="2" charset="0"/>
-              </a:rPr>
-              <a:t>Attendee freebie</a:t>
-            </a:r>
-          </a:p>
-        </p:txBody>
-      </p:sp>
-      <p:sp>
-        <p:nvSpPr>
-          <p:cNvPr id="3" name="TextBox 2">
-            <a:extLst>
-              <a:ext uri="{FF2B5EF4-FFF2-40B4-BE49-F238E27FC236}">
-                <a16:creationId xmlns:a16="http://schemas.microsoft.com/office/drawing/2014/main" id="{3B7C3EBD-E30E-61DE-35DB-807E49DBD32A}"/>
-              </a:ext>
-            </a:extLst>
-          </p:cNvPr>
-          <p:cNvSpPr txBox="1"/>
-          <p:nvPr/>
-        </p:nvSpPr>
-        <p:spPr>
-          <a:xfrm>
-            <a:off x="520861" y="3191948"/>
-            <a:ext cx="14393120" cy="4708981"/>
-          </a:xfrm>
-          <a:prstGeom prst="rect">
-            <a:avLst/>
-          </a:prstGeom>
-          <a:noFill/>
-        </p:spPr>
-        <p:txBody>
-          <a:bodyPr wrap="square" rtlCol="0">
-            <a:spAutoFit/>
-          </a:bodyPr>
-          <a:lstStyle/>
-          <a:p>
-            <a:pPr marL="685800" indent="-685800">
-              <a:buClr>
-                <a:srgbClr val="CF3338"/>
-              </a:buClr>
-              <a:buFont typeface="Arial" panose="020B0604020202020204" pitchFamily="34" charset="0"/>
-              <a:buChar char="•"/>
-            </a:pPr>
-            <a:r>
-              <a:rPr lang="en-US" sz="6000" dirty="0">
-                <a:solidFill>
-                  <a:srgbClr val="707070"/>
-                </a:solidFill>
-                <a:latin typeface="Pragmatica" panose="020B0403040502020204" pitchFamily="34" charset="0"/>
-              </a:rPr>
-              <a:t>Modern Excel Starter Kit PDF</a:t>
-            </a:r>
-          </a:p>
-          <a:p>
-            <a:pPr marL="1143000" lvl="1" indent="-685800">
-              <a:buClr>
-                <a:srgbClr val="CF3338"/>
-              </a:buClr>
-              <a:buFont typeface="Arial" panose="020B0604020202020204" pitchFamily="34" charset="0"/>
-              <a:buChar char="•"/>
-            </a:pPr>
-            <a:r>
-              <a:rPr lang="en-US" sz="6000" dirty="0">
-                <a:solidFill>
-                  <a:srgbClr val="707070"/>
-                </a:solidFill>
-                <a:latin typeface="Pragmatica" panose="020B0403040502020204" pitchFamily="34" charset="0"/>
-              </a:rPr>
-              <a:t>Introduction, learning strategies, additional resources to master Modern Excel</a:t>
-            </a:r>
-          </a:p>
-          <a:p>
-            <a:pPr marL="1143000" lvl="1" indent="-685800">
-              <a:buClr>
-                <a:srgbClr val="CF3338"/>
-              </a:buClr>
-              <a:buFont typeface="Arial" panose="020B0604020202020204" pitchFamily="34" charset="0"/>
-              <a:buChar char="•"/>
-            </a:pPr>
-            <a:r>
-              <a:rPr lang="en-US" sz="6000" dirty="0">
-                <a:solidFill>
-                  <a:srgbClr val="707070"/>
-                </a:solidFill>
-                <a:latin typeface="Pragmatica" panose="020B0403040502020204" pitchFamily="34" charset="0"/>
-              </a:rPr>
-              <a:t>Available in the event downloads folder</a:t>
-            </a:r>
-          </a:p>
-        </p:txBody>
-      </p:sp>
-      <p:pic>
-        <p:nvPicPr>
-          <p:cNvPr id="15" name="Picture 14" descr="A close up of a sign&#10;&#10;Description automatically generated">
-            <a:extLst>
-              <a:ext uri="{FF2B5EF4-FFF2-40B4-BE49-F238E27FC236}">
-                <a16:creationId xmlns:a16="http://schemas.microsoft.com/office/drawing/2014/main" id="{13B07C37-CB06-81A2-E8A5-6FB14518C801}"/>
-              </a:ext>
-            </a:extLst>
-          </p:cNvPr>
-          <p:cNvPicPr>
-            <a:picLocks noChangeAspect="1"/>
-          </p:cNvPicPr>
-          <p:nvPr/>
-        </p:nvPicPr>
-        <p:blipFill>
-          <a:blip r:embed="rId2">
-            <a:extLst>
-              <a:ext uri="{28A0092B-C50C-407E-A947-70E740481C1C}">
-                <a14:useLocalDpi xmlns:a14="http://schemas.microsoft.com/office/drawing/2010/main" val="0"/>
-              </a:ext>
-            </a:extLst>
-          </a:blip>
-          <a:stretch>
-            <a:fillRect/>
-          </a:stretch>
-        </p:blipFill>
-        <p:spPr>
-          <a:xfrm>
-            <a:off x="16341036" y="8058429"/>
-            <a:ext cx="1942857" cy="2228571"/>
-          </a:xfrm>
-          <a:prstGeom prst="rect">
-            <a:avLst/>
-          </a:prstGeom>
-        </p:spPr>
-      </p:pic>
-    </p:spTree>
-    <p:extLst>
-      <p:ext uri="{BB962C8B-B14F-4D97-AF65-F5344CB8AC3E}">
-        <p14:creationId xmlns:p14="http://schemas.microsoft.com/office/powerpoint/2010/main" val="3018689313"/>
-      </p:ext>
-    </p:extLst>
-  </p:cSld>
-  <p:clrMapOvr>
-    <a:masterClrMapping/>
-  </p:clrMapOvr>
-</p:sld>
-</file>
-
-<file path=ppt/slides/slide21.xml><?xml version="1.0" encoding="utf-8"?>
-<p:sld xmlns:a="http://schemas.openxmlformats.org/drawingml/2006/main" xmlns:r="http://schemas.openxmlformats.org/officeDocument/2006/relationships" xmlns:p="http://schemas.openxmlformats.org/presentationml/2006/main">
-  <p:cSld>
-    <p:spTree>
-      <p:nvGrpSpPr>
-        <p:cNvPr id="1" name="">
-          <a:extLst>
-            <a:ext uri="{FF2B5EF4-FFF2-40B4-BE49-F238E27FC236}">
-              <a16:creationId xmlns:a16="http://schemas.microsoft.com/office/drawing/2014/main" id="{DA8CB409-CE91-9113-CF5B-9EF56BE94356}"/>
-            </a:ext>
-          </a:extLst>
-        </p:cNvPr>
-        <p:cNvGrpSpPr/>
-        <p:nvPr/>
-      </p:nvGrpSpPr>
-      <p:grpSpPr>
-        <a:xfrm>
-          <a:off x="0" y="0"/>
-          <a:ext cx="0" cy="0"/>
-          <a:chOff x="0" y="0"/>
-          <a:chExt cx="0" cy="0"/>
-        </a:xfrm>
-      </p:grpSpPr>
-      <p:sp>
-        <p:nvSpPr>
-          <p:cNvPr id="11" name="TextBox 10">
-            <a:extLst>
-              <a:ext uri="{FF2B5EF4-FFF2-40B4-BE49-F238E27FC236}">
-                <a16:creationId xmlns:a16="http://schemas.microsoft.com/office/drawing/2014/main" id="{DB8D7723-DD6F-44FA-345F-472CF117590F}"/>
-              </a:ext>
-            </a:extLst>
-          </p:cNvPr>
-          <p:cNvSpPr txBox="1"/>
-          <p:nvPr/>
-        </p:nvSpPr>
-        <p:spPr>
-          <a:xfrm>
-            <a:off x="520861" y="170082"/>
-            <a:ext cx="14947739" cy="1323439"/>
-          </a:xfrm>
-          <a:prstGeom prst="rect">
-            <a:avLst/>
-          </a:prstGeom>
-          <a:noFill/>
-        </p:spPr>
-        <p:txBody>
-          <a:bodyPr wrap="square" rtlCol="0">
-            <a:spAutoFit/>
-          </a:bodyPr>
-          <a:lstStyle/>
-          <a:p>
-            <a:r>
-              <a:rPr lang="en-US" sz="8000" dirty="0">
-                <a:latin typeface="Aliens &amp; cows" panose="00000500000000000000" pitchFamily="2" charset="0"/>
-              </a:rPr>
-              <a:t>Next steps</a:t>
-            </a:r>
-          </a:p>
-        </p:txBody>
-      </p:sp>
-      <p:sp>
-        <p:nvSpPr>
-          <p:cNvPr id="3" name="TextBox 2">
-            <a:extLst>
-              <a:ext uri="{FF2B5EF4-FFF2-40B4-BE49-F238E27FC236}">
-                <a16:creationId xmlns:a16="http://schemas.microsoft.com/office/drawing/2014/main" id="{80175D3E-AE80-1413-C125-5F34E069E354}"/>
-              </a:ext>
-            </a:extLst>
-          </p:cNvPr>
-          <p:cNvSpPr txBox="1"/>
-          <p:nvPr/>
-        </p:nvSpPr>
-        <p:spPr>
-          <a:xfrm>
-            <a:off x="520861" y="3191948"/>
-            <a:ext cx="14393120" cy="3785652"/>
-          </a:xfrm>
-          <a:prstGeom prst="rect">
-            <a:avLst/>
-          </a:prstGeom>
-          <a:noFill/>
-        </p:spPr>
-        <p:txBody>
-          <a:bodyPr wrap="square" rtlCol="0">
-            <a:spAutoFit/>
-          </a:bodyPr>
-          <a:lstStyle/>
-          <a:p>
-            <a:pPr marL="685800" indent="-685800">
-              <a:buClr>
-                <a:srgbClr val="CF3338"/>
-              </a:buClr>
-              <a:buFont typeface="Arial" panose="020B0604020202020204" pitchFamily="34" charset="0"/>
-              <a:buChar char="•"/>
-            </a:pPr>
-            <a:r>
-              <a:rPr lang="en-US" sz="6000" dirty="0">
-                <a:solidFill>
-                  <a:srgbClr val="707070"/>
-                </a:solidFill>
-                <a:latin typeface="Pragmatica" panose="020B0403040502020204" pitchFamily="34" charset="0"/>
-              </a:rPr>
-              <a:t>Book a discovery call at </a:t>
-            </a:r>
-            <a:r>
-              <a:rPr lang="en-US" sz="6000" dirty="0">
-                <a:solidFill>
-                  <a:srgbClr val="CF3338"/>
-                </a:solidFill>
-                <a:latin typeface="Pragmatica" panose="020B0403040502020204" pitchFamily="34" charset="0"/>
-                <a:hlinkClick r:id="rId2">
-                  <a:extLst>
-                    <a:ext uri="{A12FA001-AC4F-418D-AE19-62706E023703}">
-                      <ahyp:hlinkClr xmlns:ahyp="http://schemas.microsoft.com/office/drawing/2018/hyperlinkcolor" val="tx"/>
-                    </a:ext>
-                  </a:extLst>
-                </a:hlinkClick>
-              </a:rPr>
-              <a:t>https://stringfestanalytics.com/book-me/</a:t>
-            </a:r>
-            <a:r>
-              <a:rPr lang="en-US" sz="6000" dirty="0">
-                <a:solidFill>
-                  <a:srgbClr val="CF3338"/>
-                </a:solidFill>
-                <a:latin typeface="Pragmatica" panose="020B0403040502020204" pitchFamily="34" charset="0"/>
-              </a:rPr>
-              <a:t> </a:t>
-            </a:r>
-          </a:p>
-          <a:p>
-            <a:pPr marL="685800" indent="-685800">
-              <a:buClr>
-                <a:srgbClr val="CF3338"/>
-              </a:buClr>
-              <a:buFont typeface="Arial" panose="020B0604020202020204" pitchFamily="34" charset="0"/>
-              <a:buChar char="•"/>
-            </a:pPr>
-            <a:r>
-              <a:rPr lang="en-US" sz="6000" dirty="0">
-                <a:solidFill>
-                  <a:srgbClr val="707070"/>
-                </a:solidFill>
-                <a:latin typeface="Pragmatica" panose="020B0403040502020204" pitchFamily="34" charset="0"/>
-              </a:rPr>
-              <a:t>Follow me on LinkedIn</a:t>
-            </a:r>
-          </a:p>
-          <a:p>
-            <a:pPr marL="685800" indent="-685800">
-              <a:buClr>
-                <a:srgbClr val="CF3338"/>
-              </a:buClr>
-              <a:buFont typeface="Arial" panose="020B0604020202020204" pitchFamily="34" charset="0"/>
-              <a:buChar char="•"/>
-            </a:pPr>
-            <a:r>
-              <a:rPr lang="en-US" sz="6000" dirty="0">
-                <a:solidFill>
-                  <a:srgbClr val="707070"/>
-                </a:solidFill>
-                <a:latin typeface="Pragmatica" panose="020B0403040502020204" pitchFamily="34" charset="0"/>
-              </a:rPr>
-              <a:t>Share this event with your network</a:t>
-            </a:r>
-          </a:p>
-        </p:txBody>
-      </p:sp>
-      <p:pic>
-        <p:nvPicPr>
-          <p:cNvPr id="15" name="Picture 14" descr="A close up of a sign&#10;&#10;Description automatically generated">
-            <a:extLst>
-              <a:ext uri="{FF2B5EF4-FFF2-40B4-BE49-F238E27FC236}">
-                <a16:creationId xmlns:a16="http://schemas.microsoft.com/office/drawing/2014/main" id="{23401A70-278E-956F-C05F-181A5C8C8A73}"/>
-              </a:ext>
-            </a:extLst>
-          </p:cNvPr>
-          <p:cNvPicPr>
-            <a:picLocks noChangeAspect="1"/>
-          </p:cNvPicPr>
-          <p:nvPr/>
-        </p:nvPicPr>
-        <p:blipFill>
-          <a:blip r:embed="rId3">
-            <a:extLst>
-              <a:ext uri="{28A0092B-C50C-407E-A947-70E740481C1C}">
-                <a14:useLocalDpi xmlns:a14="http://schemas.microsoft.com/office/drawing/2010/main" val="0"/>
-              </a:ext>
-            </a:extLst>
-          </a:blip>
-          <a:stretch>
-            <a:fillRect/>
-          </a:stretch>
-        </p:blipFill>
-        <p:spPr>
-          <a:xfrm>
-            <a:off x="16341036" y="8058429"/>
-            <a:ext cx="1942857" cy="2228571"/>
-          </a:xfrm>
-          <a:prstGeom prst="rect">
-            <a:avLst/>
-          </a:prstGeom>
-        </p:spPr>
-      </p:pic>
-    </p:spTree>
-    <p:extLst>
-      <p:ext uri="{BB962C8B-B14F-4D97-AF65-F5344CB8AC3E}">
-        <p14:creationId xmlns:p14="http://schemas.microsoft.com/office/powerpoint/2010/main" val="3278776888"/>
-      </p:ext>
-    </p:extLst>
-  </p:cSld>
-  <p:clrMapOvr>
-    <a:masterClrMapping/>
-  </p:clrMapOvr>
-</p:sld>
-</file>
-
-<file path=ppt/slides/slide22.xml><?xml version="1.0" encoding="utf-8"?>
-<p:sld xmlns:a="http://schemas.openxmlformats.org/drawingml/2006/main" xmlns:r="http://schemas.openxmlformats.org/officeDocument/2006/relationships" xmlns:p="http://schemas.openxmlformats.org/presentationml/2006/main">
-  <p:cSld>
-    <p:spTree>
-      <p:nvGrpSpPr>
-        <p:cNvPr id="1" name="">
-          <a:extLst>
-            <a:ext uri="{FF2B5EF4-FFF2-40B4-BE49-F238E27FC236}">
-              <a16:creationId xmlns:a16="http://schemas.microsoft.com/office/drawing/2014/main" id="{8FC0C042-4FA7-C99A-DB6A-E56C8A4C9FF2}"/>
-            </a:ext>
-          </a:extLst>
-        </p:cNvPr>
-        <p:cNvGrpSpPr/>
-        <p:nvPr/>
-      </p:nvGrpSpPr>
-      <p:grpSpPr>
-        <a:xfrm>
-          <a:off x="0" y="0"/>
-          <a:ext cx="0" cy="0"/>
-          <a:chOff x="0" y="0"/>
-          <a:chExt cx="0" cy="0"/>
-        </a:xfrm>
-      </p:grpSpPr>
-      <p:sp>
-        <p:nvSpPr>
-          <p:cNvPr id="4" name="Rectangle 3">
-            <a:extLst>
-              <a:ext uri="{FF2B5EF4-FFF2-40B4-BE49-F238E27FC236}">
-                <a16:creationId xmlns:a16="http://schemas.microsoft.com/office/drawing/2014/main" id="{B38FBC8C-6CC2-040B-E74D-EA0547D9066A}"/>
-              </a:ext>
-            </a:extLst>
-          </p:cNvPr>
-          <p:cNvSpPr/>
-          <p:nvPr/>
-        </p:nvSpPr>
-        <p:spPr>
-          <a:xfrm>
-            <a:off x="0" y="0"/>
-            <a:ext cx="18288000" cy="10287000"/>
-          </a:xfrm>
-          <a:prstGeom prst="rect">
-            <a:avLst/>
-          </a:prstGeom>
-          <a:solidFill>
-            <a:srgbClr val="CF3338"/>
-          </a:solidFill>
-          <a:ln>
-            <a:noFill/>
-          </a:ln>
-        </p:spPr>
-        <p:style>
-          <a:lnRef idx="2">
-            <a:schemeClr val="accent1">
-              <a:shade val="50000"/>
-            </a:schemeClr>
-          </a:lnRef>
-          <a:fillRef idx="1">
-            <a:schemeClr val="accent1"/>
-          </a:fillRef>
-          <a:effectRef idx="0">
-            <a:schemeClr val="accent1"/>
-          </a:effectRef>
-          <a:fontRef idx="minor">
-            <a:schemeClr val="lt1"/>
-          </a:fontRef>
-        </p:style>
-        <p:txBody>
-          <a:bodyPr rtlCol="0" anchor="ctr"/>
-          <a:lstStyle/>
-          <a:p>
-            <a:pPr algn="ctr"/>
-            <a:endParaRPr lang="en-US" sz="2700"/>
-          </a:p>
-        </p:txBody>
-      </p:sp>
-      <p:sp>
-        <p:nvSpPr>
-          <p:cNvPr id="5" name="TextBox 4">
-            <a:extLst>
-              <a:ext uri="{FF2B5EF4-FFF2-40B4-BE49-F238E27FC236}">
-                <a16:creationId xmlns:a16="http://schemas.microsoft.com/office/drawing/2014/main" id="{C3242B5A-8DE0-9FEB-CCC9-737A969B938A}"/>
-              </a:ext>
-            </a:extLst>
-          </p:cNvPr>
-          <p:cNvSpPr txBox="1"/>
-          <p:nvPr/>
-        </p:nvSpPr>
-        <p:spPr>
-          <a:xfrm>
-            <a:off x="781292" y="590309"/>
-            <a:ext cx="15486926" cy="1615827"/>
-          </a:xfrm>
-          <a:prstGeom prst="rect">
-            <a:avLst/>
-          </a:prstGeom>
-          <a:noFill/>
-        </p:spPr>
-        <p:txBody>
-          <a:bodyPr wrap="square" rtlCol="0">
-            <a:spAutoFit/>
-          </a:bodyPr>
-          <a:lstStyle/>
-          <a:p>
-            <a:r>
-              <a:rPr lang="en-US" sz="9900" b="1" dirty="0">
-                <a:solidFill>
-                  <a:schemeClr val="bg1"/>
-                </a:solidFill>
-                <a:latin typeface="Normafixed Tryout" panose="00000409000000000000" pitchFamily="49" charset="0"/>
-              </a:rPr>
-              <a:t>Thank you!</a:t>
-            </a:r>
-          </a:p>
-        </p:txBody>
-      </p:sp>
-    </p:spTree>
-    <p:extLst>
-      <p:ext uri="{BB962C8B-B14F-4D97-AF65-F5344CB8AC3E}">
-        <p14:creationId xmlns:p14="http://schemas.microsoft.com/office/powerpoint/2010/main" val="3998672046"/>
-      </p:ext>
-    </p:extLst>
-  </p:cSld>
-  <p:clrMapOvr>
-    <a:masterClrMapping/>
-  </p:clrMapOvr>
-</p:sld>
-</file>
-
-<file path=ppt/slides/slide23.xml><?xml version="1.0" encoding="utf-8"?>
-<p:sld xmlns:a="http://schemas.openxmlformats.org/drawingml/2006/main" xmlns:r="http://schemas.openxmlformats.org/officeDocument/2006/relationships" xmlns:p="http://schemas.openxmlformats.org/presentationml/2006/main">
-  <p:cSld>
-    <p:spTree>
-      <p:nvGrpSpPr>
-        <p:cNvPr id="1" name=""/>
-        <p:cNvGrpSpPr/>
-        <p:nvPr/>
-      </p:nvGrpSpPr>
-      <p:grpSpPr>
-        <a:xfrm>
-          <a:off x="0" y="0"/>
-          <a:ext cx="0" cy="0"/>
-          <a:chOff x="0" y="0"/>
-          <a:chExt cx="0" cy="0"/>
-        </a:xfrm>
-      </p:grpSpPr>
-      <p:pic>
-        <p:nvPicPr>
-          <p:cNvPr id="10" name="Picture 9"/>
-          <p:cNvPicPr>
-            <a:picLocks noChangeAspect="1"/>
-          </p:cNvPicPr>
-          <p:nvPr/>
-        </p:nvPicPr>
-        <p:blipFill rotWithShape="1">
-          <a:blip r:embed="rId2">
-            <a:extLst>
-              <a:ext uri="{28A0092B-C50C-407E-A947-70E740481C1C}">
-                <a14:useLocalDpi xmlns:a14="http://schemas.microsoft.com/office/drawing/2010/main" val="0"/>
-              </a:ext>
-            </a:extLst>
-          </a:blip>
-          <a:srcRect l="50728" t="56371"/>
-          <a:stretch/>
-        </p:blipFill>
-        <p:spPr>
-          <a:xfrm>
-            <a:off x="12204691" y="3316148"/>
-            <a:ext cx="6083309" cy="6970854"/>
-          </a:xfrm>
-          <a:prstGeom prst="rect">
-            <a:avLst/>
-          </a:prstGeom>
-        </p:spPr>
-      </p:pic>
-      <p:pic>
-        <p:nvPicPr>
-          <p:cNvPr id="4" name="Picture 3"/>
-          <p:cNvPicPr>
-            <a:picLocks noChangeAspect="1"/>
-          </p:cNvPicPr>
-          <p:nvPr/>
-        </p:nvPicPr>
-        <p:blipFill>
-          <a:blip r:embed="rId3">
-            <a:extLst>
-              <a:ext uri="{28A0092B-C50C-407E-A947-70E740481C1C}">
-                <a14:useLocalDpi xmlns:a14="http://schemas.microsoft.com/office/drawing/2010/main" val="0"/>
-              </a:ext>
-            </a:extLst>
-          </a:blip>
-          <a:stretch>
-            <a:fillRect/>
-          </a:stretch>
-        </p:blipFill>
-        <p:spPr>
-          <a:xfrm>
-            <a:off x="-807744" y="-3724155"/>
-            <a:ext cx="15257208" cy="11189825"/>
-          </a:xfrm>
-          <a:prstGeom prst="rect">
-            <a:avLst/>
-          </a:prstGeom>
-        </p:spPr>
-      </p:pic>
-      <p:sp>
-        <p:nvSpPr>
-          <p:cNvPr id="11" name="TextBox 10"/>
-          <p:cNvSpPr txBox="1"/>
-          <p:nvPr/>
-        </p:nvSpPr>
-        <p:spPr>
-          <a:xfrm>
-            <a:off x="486137" y="2531318"/>
-            <a:ext cx="11979797" cy="923330"/>
-          </a:xfrm>
-          <a:prstGeom prst="rect">
-            <a:avLst/>
-          </a:prstGeom>
-          <a:noFill/>
-        </p:spPr>
-        <p:txBody>
-          <a:bodyPr wrap="square" rtlCol="0">
-            <a:spAutoFit/>
-          </a:bodyPr>
-          <a:lstStyle/>
-          <a:p>
-            <a:r>
-              <a:rPr lang="en-US" sz="5400" b="1" dirty="0">
-                <a:solidFill>
-                  <a:srgbClr val="CF3338"/>
-                </a:solidFill>
-                <a:latin typeface="Pragmatica" panose="020B0403040502020204" pitchFamily="34" charset="0"/>
-              </a:rPr>
-              <a:t>Questions?</a:t>
-            </a:r>
-          </a:p>
-        </p:txBody>
-      </p:sp>
-      <p:pic>
-        <p:nvPicPr>
-          <p:cNvPr id="5" name="Picture 4">
-            <a:extLst>
-              <a:ext uri="{FF2B5EF4-FFF2-40B4-BE49-F238E27FC236}">
-                <a16:creationId xmlns:a16="http://schemas.microsoft.com/office/drawing/2014/main" id="{54A06221-5316-4BCF-9FDA-BDB95FF4A778}"/>
-              </a:ext>
-            </a:extLst>
-          </p:cNvPr>
-          <p:cNvPicPr>
-            <a:picLocks noChangeAspect="1"/>
-          </p:cNvPicPr>
-          <p:nvPr/>
-        </p:nvPicPr>
-        <p:blipFill>
-          <a:blip r:embed="rId4">
-            <a:extLst>
-              <a:ext uri="{28A0092B-C50C-407E-A947-70E740481C1C}">
-                <a14:useLocalDpi xmlns:a14="http://schemas.microsoft.com/office/drawing/2010/main" val="0"/>
-              </a:ext>
-            </a:extLst>
-          </a:blip>
-          <a:srcRect/>
-          <a:stretch/>
-        </p:blipFill>
-        <p:spPr>
-          <a:xfrm>
-            <a:off x="12204691" y="3317239"/>
-            <a:ext cx="6083309" cy="6968672"/>
-          </a:xfrm>
-          <a:prstGeom prst="rect">
-            <a:avLst/>
-          </a:prstGeom>
-        </p:spPr>
-      </p:pic>
-    </p:spTree>
-    <p:extLst>
-      <p:ext uri="{BB962C8B-B14F-4D97-AF65-F5344CB8AC3E}">
-        <p14:creationId xmlns:p14="http://schemas.microsoft.com/office/powerpoint/2010/main" val="1689860732"/>
       </p:ext>
     </p:extLst>
   </p:cSld>
